--- a/98_plan/00_pptx/99_just.pptx
+++ b/98_plan/00_pptx/99_just.pptx
@@ -5,14 +5,17 @@
     <p:sldMasterId id="2147483648" r:id="rId1"/>
   </p:sldMasterIdLst>
   <p:notesMasterIdLst>
-    <p:notesMasterId r:id="rId7"/>
+    <p:notesMasterId r:id="rId10"/>
   </p:notesMasterIdLst>
   <p:sldIdLst>
     <p:sldId id="256" r:id="rId2"/>
     <p:sldId id="262" r:id="rId3"/>
     <p:sldId id="264" r:id="rId4"/>
     <p:sldId id="265" r:id="rId5"/>
-    <p:sldId id="266" r:id="rId6"/>
+    <p:sldId id="267" r:id="rId6"/>
+    <p:sldId id="268" r:id="rId7"/>
+    <p:sldId id="269" r:id="rId8"/>
+    <p:sldId id="266" r:id="rId9"/>
   </p:sldIdLst>
   <p:sldSz cx="12192000" cy="6858000"/>
   <p:notesSz cx="6858000" cy="9144000"/>
@@ -111,6 +114,11 @@
       </a:defRPr>
     </a:lvl9pPr>
   </p:defaultTextStyle>
+  <p:extLst>
+    <p:ext uri="{EFAFB233-063F-42B5-8137-9DF3F51BA10A}">
+      <p15:sldGuideLst xmlns:p15="http://schemas.microsoft.com/office/powerpoint/2012/main"/>
+    </p:ext>
+  </p:extLst>
 </p:presentation>
 </file>
 
@@ -4240,10 +4248,10 @@
       </p:grpSpPr>
       <p:sp>
         <p:nvSpPr>
-          <p:cNvPr id="3" name="テキスト ボックス 2">
+          <p:cNvPr id="4" name="テキスト ボックス 3">
             <a:extLst>
               <a:ext uri="{FF2B5EF4-FFF2-40B4-BE49-F238E27FC236}">
-                <a16:creationId xmlns:a16="http://schemas.microsoft.com/office/drawing/2014/main" id="{384BC037-DD60-4BC2-961C-2F9C32905BFE}"/>
+                <a16:creationId xmlns:a16="http://schemas.microsoft.com/office/drawing/2014/main" id="{A27208D2-747E-358E-D53C-C89C9002C6D6}"/>
               </a:ext>
             </a:extLst>
           </p:cNvPr>
@@ -4252,7 +4260,7 @@
         </p:nvSpPr>
         <p:spPr>
           <a:xfrm>
-            <a:off x="401973" y="2967335"/>
+            <a:off x="504610" y="2967335"/>
             <a:ext cx="11388054" cy="923330"/>
           </a:xfrm>
           <a:prstGeom prst="rect">
@@ -4582,306 +4590,6 @@
       </p:grpSpPr>
       <p:sp>
         <p:nvSpPr>
-          <p:cNvPr id="3" name="テキスト ボックス 2">
-            <a:extLst>
-              <a:ext uri="{FF2B5EF4-FFF2-40B4-BE49-F238E27FC236}">
-                <a16:creationId xmlns:a16="http://schemas.microsoft.com/office/drawing/2014/main" id="{384BC037-DD60-4BC2-961C-2F9C32905BFE}"/>
-              </a:ext>
-            </a:extLst>
-          </p:cNvPr>
-          <p:cNvSpPr txBox="1"/>
-          <p:nvPr/>
-        </p:nvSpPr>
-        <p:spPr>
-          <a:xfrm>
-            <a:off x="401973" y="0"/>
-            <a:ext cx="11388054" cy="923330"/>
-          </a:xfrm>
-          <a:prstGeom prst="rect">
-            <a:avLst/>
-          </a:prstGeom>
-          <a:noFill/>
-        </p:spPr>
-        <p:txBody>
-          <a:bodyPr wrap="none" rtlCol="0">
-            <a:spAutoFit/>
-          </a:bodyPr>
-          <a:lstStyle/>
-          <a:p>
-            <a:r>
-              <a:rPr kumimoji="1" lang="ja-JP" altLang="en-US" sz="3200" b="1" dirty="0">
-                <a:gradFill>
-                  <a:gsLst>
-                    <a:gs pos="0">
-                      <a:schemeClr val="accent1">
-                        <a:lumMod val="5000"/>
-                        <a:lumOff val="95000"/>
-                      </a:schemeClr>
-                    </a:gs>
-                    <a:gs pos="74000">
-                      <a:srgbClr val="0000FF"/>
-                    </a:gs>
-                    <a:gs pos="83000">
-                      <a:srgbClr val="000099"/>
-                    </a:gs>
-                    <a:gs pos="100000">
-                      <a:schemeClr val="tx1"/>
-                    </a:gs>
-                  </a:gsLst>
-                  <a:lin ang="5400000" scaled="1"/>
-                </a:gradFill>
-                <a:effectLst>
-                  <a:glow rad="508000">
-                    <a:schemeClr val="bg1">
-                      <a:alpha val="90000"/>
-                    </a:schemeClr>
-                  </a:glow>
-                </a:effectLst>
-                <a:latin typeface="HGP行書体" panose="03000600000000000000" pitchFamily="66" charset="-128"/>
-                <a:ea typeface="HGP行書体" panose="03000600000000000000" pitchFamily="66" charset="-128"/>
-              </a:rPr>
-              <a:t>敵は</a:t>
-            </a:r>
-            <a:r>
-              <a:rPr kumimoji="1" lang="ja-JP" altLang="en-US" sz="5400" b="1" dirty="0">
-                <a:gradFill>
-                  <a:gsLst>
-                    <a:gs pos="0">
-                      <a:schemeClr val="accent1">
-                        <a:lumMod val="5000"/>
-                        <a:lumOff val="95000"/>
-                      </a:schemeClr>
-                    </a:gs>
-                    <a:gs pos="74000">
-                      <a:srgbClr val="0000FF"/>
-                    </a:gs>
-                    <a:gs pos="83000">
-                      <a:srgbClr val="000099"/>
-                    </a:gs>
-                    <a:gs pos="100000">
-                      <a:schemeClr val="tx1"/>
-                    </a:gs>
-                  </a:gsLst>
-                  <a:lin ang="5400000" scaled="1"/>
-                </a:gradFill>
-                <a:effectLst>
-                  <a:glow rad="508000">
-                    <a:schemeClr val="bg1">
-                      <a:alpha val="90000"/>
-                    </a:schemeClr>
-                  </a:glow>
-                </a:effectLst>
-                <a:latin typeface="HGP行書体" panose="03000600000000000000" pitchFamily="66" charset="-128"/>
-                <a:ea typeface="HGP行書体" panose="03000600000000000000" pitchFamily="66" charset="-128"/>
-              </a:rPr>
-              <a:t>殺さず</a:t>
-            </a:r>
-            <a:r>
-              <a:rPr kumimoji="1" lang="ja-JP" altLang="en-US" sz="3200" b="1" dirty="0">
-                <a:gradFill>
-                  <a:gsLst>
-                    <a:gs pos="0">
-                      <a:schemeClr val="accent1">
-                        <a:lumMod val="5000"/>
-                        <a:lumOff val="95000"/>
-                      </a:schemeClr>
-                    </a:gs>
-                    <a:gs pos="74000">
-                      <a:srgbClr val="0000FF"/>
-                    </a:gs>
-                    <a:gs pos="83000">
-                      <a:srgbClr val="000099"/>
-                    </a:gs>
-                    <a:gs pos="100000">
-                      <a:schemeClr val="tx1"/>
-                    </a:gs>
-                  </a:gsLst>
-                  <a:lin ang="5400000" scaled="1"/>
-                </a:gradFill>
-                <a:effectLst>
-                  <a:glow rad="508000">
-                    <a:schemeClr val="bg1">
-                      <a:alpha val="90000"/>
-                    </a:schemeClr>
-                  </a:glow>
-                </a:effectLst>
-                <a:latin typeface="HGP行書体" panose="03000600000000000000" pitchFamily="66" charset="-128"/>
-                <a:ea typeface="HGP行書体" panose="03000600000000000000" pitchFamily="66" charset="-128"/>
-              </a:rPr>
-              <a:t>、自分も</a:t>
-            </a:r>
-            <a:r>
-              <a:rPr kumimoji="1" lang="ja-JP" altLang="en-US" sz="5400" b="1" dirty="0">
-                <a:gradFill>
-                  <a:gsLst>
-                    <a:gs pos="0">
-                      <a:schemeClr val="accent1">
-                        <a:lumMod val="5000"/>
-                        <a:lumOff val="95000"/>
-                      </a:schemeClr>
-                    </a:gs>
-                    <a:gs pos="74000">
-                      <a:srgbClr val="0000FF"/>
-                    </a:gs>
-                    <a:gs pos="83000">
-                      <a:srgbClr val="000099"/>
-                    </a:gs>
-                    <a:gs pos="100000">
-                      <a:schemeClr val="tx1"/>
-                    </a:gs>
-                  </a:gsLst>
-                  <a:lin ang="5400000" scaled="1"/>
-                </a:gradFill>
-                <a:effectLst>
-                  <a:glow rad="508000">
-                    <a:schemeClr val="bg1">
-                      <a:alpha val="90000"/>
-                    </a:schemeClr>
-                  </a:glow>
-                </a:effectLst>
-                <a:latin typeface="HGP行書体" panose="03000600000000000000" pitchFamily="66" charset="-128"/>
-                <a:ea typeface="HGP行書体" panose="03000600000000000000" pitchFamily="66" charset="-128"/>
-              </a:rPr>
-              <a:t>死なず</a:t>
-            </a:r>
-            <a:r>
-              <a:rPr kumimoji="1" lang="ja-JP" altLang="en-US" sz="3200" b="1" dirty="0">
-                <a:gradFill>
-                  <a:gsLst>
-                    <a:gs pos="0">
-                      <a:schemeClr val="accent1">
-                        <a:lumMod val="5000"/>
-                        <a:lumOff val="95000"/>
-                      </a:schemeClr>
-                    </a:gs>
-                    <a:gs pos="74000">
-                      <a:srgbClr val="0000FF"/>
-                    </a:gs>
-                    <a:gs pos="83000">
-                      <a:srgbClr val="000099"/>
-                    </a:gs>
-                    <a:gs pos="100000">
-                      <a:schemeClr val="tx1"/>
-                    </a:gs>
-                  </a:gsLst>
-                  <a:lin ang="5400000" scaled="1"/>
-                </a:gradFill>
-                <a:effectLst>
-                  <a:glow rad="508000">
-                    <a:schemeClr val="bg1">
-                      <a:alpha val="90000"/>
-                    </a:schemeClr>
-                  </a:glow>
-                </a:effectLst>
-                <a:latin typeface="HGP行書体" panose="03000600000000000000" pitchFamily="66" charset="-128"/>
-                <a:ea typeface="HGP行書体" panose="03000600000000000000" pitchFamily="66" charset="-128"/>
-              </a:rPr>
-              <a:t>。必ずや任務を</a:t>
-            </a:r>
-            <a:r>
-              <a:rPr kumimoji="1" lang="ja-JP" altLang="en-US" sz="5400" b="1" dirty="0">
-                <a:gradFill>
-                  <a:gsLst>
-                    <a:gs pos="0">
-                      <a:schemeClr val="accent1">
-                        <a:lumMod val="5000"/>
-                        <a:lumOff val="95000"/>
-                      </a:schemeClr>
-                    </a:gs>
-                    <a:gs pos="74000">
-                      <a:srgbClr val="0000FF"/>
-                    </a:gs>
-                    <a:gs pos="83000">
-                      <a:srgbClr val="000099"/>
-                    </a:gs>
-                    <a:gs pos="100000">
-                      <a:schemeClr val="tx1"/>
-                    </a:gs>
-                  </a:gsLst>
-                  <a:lin ang="5400000" scaled="1"/>
-                </a:gradFill>
-                <a:effectLst>
-                  <a:glow rad="508000">
-                    <a:schemeClr val="bg1">
-                      <a:alpha val="90000"/>
-                    </a:schemeClr>
-                  </a:glow>
-                </a:effectLst>
-                <a:latin typeface="HGP行書体" panose="03000600000000000000" pitchFamily="66" charset="-128"/>
-                <a:ea typeface="HGP行書体" panose="03000600000000000000" pitchFamily="66" charset="-128"/>
-              </a:rPr>
-              <a:t>達成せよ</a:t>
-            </a:r>
-            <a:r>
-              <a:rPr kumimoji="1" lang="ja-JP" altLang="en-US" sz="3200" b="1" dirty="0">
-                <a:gradFill>
-                  <a:gsLst>
-                    <a:gs pos="0">
-                      <a:schemeClr val="accent1">
-                        <a:lumMod val="5000"/>
-                        <a:lumOff val="95000"/>
-                      </a:schemeClr>
-                    </a:gs>
-                    <a:gs pos="74000">
-                      <a:srgbClr val="0000FF"/>
-                    </a:gs>
-                    <a:gs pos="83000">
-                      <a:srgbClr val="000099"/>
-                    </a:gs>
-                    <a:gs pos="100000">
-                      <a:schemeClr val="tx1"/>
-                    </a:gs>
-                  </a:gsLst>
-                  <a:lin ang="5400000" scaled="1"/>
-                </a:gradFill>
-                <a:effectLst>
-                  <a:glow rad="508000">
-                    <a:schemeClr val="bg1">
-                      <a:alpha val="90000"/>
-                    </a:schemeClr>
-                  </a:glow>
-                </a:effectLst>
-                <a:latin typeface="HGP行書体" panose="03000600000000000000" pitchFamily="66" charset="-128"/>
-                <a:ea typeface="HGP行書体" panose="03000600000000000000" pitchFamily="66" charset="-128"/>
-              </a:rPr>
-              <a:t>。</a:t>
-            </a:r>
-            <a:endParaRPr kumimoji="1" lang="ja-JP" altLang="en-US" sz="3600" b="1" dirty="0">
-              <a:gradFill>
-                <a:gsLst>
-                  <a:gs pos="0">
-                    <a:schemeClr val="accent1">
-                      <a:lumMod val="5000"/>
-                      <a:lumOff val="95000"/>
-                    </a:schemeClr>
-                  </a:gs>
-                  <a:gs pos="74000">
-                    <a:srgbClr val="0000FF"/>
-                  </a:gs>
-                  <a:gs pos="83000">
-                    <a:srgbClr val="000099"/>
-                  </a:gs>
-                  <a:gs pos="100000">
-                    <a:schemeClr val="tx1"/>
-                  </a:gs>
-                </a:gsLst>
-                <a:lin ang="5400000" scaled="1"/>
-              </a:gradFill>
-              <a:effectLst>
-                <a:glow rad="508000">
-                  <a:schemeClr val="bg1">
-                    <a:alpha val="90000"/>
-                  </a:schemeClr>
-                </a:glow>
-              </a:effectLst>
-              <a:latin typeface="HGP行書体" panose="03000600000000000000" pitchFamily="66" charset="-128"/>
-              <a:ea typeface="HGP行書体" panose="03000600000000000000" pitchFamily="66" charset="-128"/>
-            </a:endParaRPr>
-          </a:p>
-        </p:txBody>
-      </p:sp>
-      <p:sp>
-        <p:nvSpPr>
           <p:cNvPr id="4" name="テキスト ボックス 3">
             <a:extLst>
               <a:ext uri="{FF2B5EF4-FFF2-40B4-BE49-F238E27FC236}">
@@ -5357,6 +5065,306 @@
               <a:effectLst>
                 <a:glow rad="444500">
                   <a:srgbClr val="00B050"/>
+                </a:glow>
+              </a:effectLst>
+              <a:latin typeface="HGP行書体" panose="03000600000000000000" pitchFamily="66" charset="-128"/>
+              <a:ea typeface="HGP行書体" panose="03000600000000000000" pitchFamily="66" charset="-128"/>
+            </a:endParaRPr>
+          </a:p>
+        </p:txBody>
+      </p:sp>
+      <p:sp>
+        <p:nvSpPr>
+          <p:cNvPr id="2" name="テキスト ボックス 1">
+            <a:extLst>
+              <a:ext uri="{FF2B5EF4-FFF2-40B4-BE49-F238E27FC236}">
+                <a16:creationId xmlns:a16="http://schemas.microsoft.com/office/drawing/2014/main" id="{6C27A94B-9A79-692A-7BC0-E551C4CDD7E8}"/>
+              </a:ext>
+            </a:extLst>
+          </p:cNvPr>
+          <p:cNvSpPr txBox="1"/>
+          <p:nvPr/>
+        </p:nvSpPr>
+        <p:spPr>
+          <a:xfrm>
+            <a:off x="504610" y="0"/>
+            <a:ext cx="11388054" cy="923330"/>
+          </a:xfrm>
+          <a:prstGeom prst="rect">
+            <a:avLst/>
+          </a:prstGeom>
+          <a:noFill/>
+        </p:spPr>
+        <p:txBody>
+          <a:bodyPr wrap="none" rtlCol="0">
+            <a:spAutoFit/>
+          </a:bodyPr>
+          <a:lstStyle/>
+          <a:p>
+            <a:r>
+              <a:rPr kumimoji="1" lang="ja-JP" altLang="en-US" sz="3200" b="1" dirty="0">
+                <a:gradFill>
+                  <a:gsLst>
+                    <a:gs pos="0">
+                      <a:schemeClr val="accent1">
+                        <a:lumMod val="5000"/>
+                        <a:lumOff val="95000"/>
+                      </a:schemeClr>
+                    </a:gs>
+                    <a:gs pos="74000">
+                      <a:srgbClr val="0000FF"/>
+                    </a:gs>
+                    <a:gs pos="83000">
+                      <a:srgbClr val="000099"/>
+                    </a:gs>
+                    <a:gs pos="100000">
+                      <a:schemeClr val="tx1"/>
+                    </a:gs>
+                  </a:gsLst>
+                  <a:lin ang="5400000" scaled="1"/>
+                </a:gradFill>
+                <a:effectLst>
+                  <a:glow rad="508000">
+                    <a:schemeClr val="bg1">
+                      <a:alpha val="90000"/>
+                    </a:schemeClr>
+                  </a:glow>
+                </a:effectLst>
+                <a:latin typeface="HGP行書体" panose="03000600000000000000" pitchFamily="66" charset="-128"/>
+                <a:ea typeface="HGP行書体" panose="03000600000000000000" pitchFamily="66" charset="-128"/>
+              </a:rPr>
+              <a:t>敵は</a:t>
+            </a:r>
+            <a:r>
+              <a:rPr kumimoji="1" lang="ja-JP" altLang="en-US" sz="5400" b="1" dirty="0">
+                <a:gradFill>
+                  <a:gsLst>
+                    <a:gs pos="0">
+                      <a:schemeClr val="accent1">
+                        <a:lumMod val="5000"/>
+                        <a:lumOff val="95000"/>
+                      </a:schemeClr>
+                    </a:gs>
+                    <a:gs pos="74000">
+                      <a:srgbClr val="0000FF"/>
+                    </a:gs>
+                    <a:gs pos="83000">
+                      <a:srgbClr val="000099"/>
+                    </a:gs>
+                    <a:gs pos="100000">
+                      <a:schemeClr val="tx1"/>
+                    </a:gs>
+                  </a:gsLst>
+                  <a:lin ang="5400000" scaled="1"/>
+                </a:gradFill>
+                <a:effectLst>
+                  <a:glow rad="508000">
+                    <a:schemeClr val="bg1">
+                      <a:alpha val="90000"/>
+                    </a:schemeClr>
+                  </a:glow>
+                </a:effectLst>
+                <a:latin typeface="HGP行書体" panose="03000600000000000000" pitchFamily="66" charset="-128"/>
+                <a:ea typeface="HGP行書体" panose="03000600000000000000" pitchFamily="66" charset="-128"/>
+              </a:rPr>
+              <a:t>殺さず</a:t>
+            </a:r>
+            <a:r>
+              <a:rPr kumimoji="1" lang="ja-JP" altLang="en-US" sz="3200" b="1" dirty="0">
+                <a:gradFill>
+                  <a:gsLst>
+                    <a:gs pos="0">
+                      <a:schemeClr val="accent1">
+                        <a:lumMod val="5000"/>
+                        <a:lumOff val="95000"/>
+                      </a:schemeClr>
+                    </a:gs>
+                    <a:gs pos="74000">
+                      <a:srgbClr val="0000FF"/>
+                    </a:gs>
+                    <a:gs pos="83000">
+                      <a:srgbClr val="000099"/>
+                    </a:gs>
+                    <a:gs pos="100000">
+                      <a:schemeClr val="tx1"/>
+                    </a:gs>
+                  </a:gsLst>
+                  <a:lin ang="5400000" scaled="1"/>
+                </a:gradFill>
+                <a:effectLst>
+                  <a:glow rad="508000">
+                    <a:schemeClr val="bg1">
+                      <a:alpha val="90000"/>
+                    </a:schemeClr>
+                  </a:glow>
+                </a:effectLst>
+                <a:latin typeface="HGP行書体" panose="03000600000000000000" pitchFamily="66" charset="-128"/>
+                <a:ea typeface="HGP行書体" panose="03000600000000000000" pitchFamily="66" charset="-128"/>
+              </a:rPr>
+              <a:t>、自分も</a:t>
+            </a:r>
+            <a:r>
+              <a:rPr kumimoji="1" lang="ja-JP" altLang="en-US" sz="5400" b="1" dirty="0">
+                <a:gradFill>
+                  <a:gsLst>
+                    <a:gs pos="0">
+                      <a:schemeClr val="accent1">
+                        <a:lumMod val="5000"/>
+                        <a:lumOff val="95000"/>
+                      </a:schemeClr>
+                    </a:gs>
+                    <a:gs pos="74000">
+                      <a:srgbClr val="0000FF"/>
+                    </a:gs>
+                    <a:gs pos="83000">
+                      <a:srgbClr val="000099"/>
+                    </a:gs>
+                    <a:gs pos="100000">
+                      <a:schemeClr val="tx1"/>
+                    </a:gs>
+                  </a:gsLst>
+                  <a:lin ang="5400000" scaled="1"/>
+                </a:gradFill>
+                <a:effectLst>
+                  <a:glow rad="508000">
+                    <a:schemeClr val="bg1">
+                      <a:alpha val="90000"/>
+                    </a:schemeClr>
+                  </a:glow>
+                </a:effectLst>
+                <a:latin typeface="HGP行書体" panose="03000600000000000000" pitchFamily="66" charset="-128"/>
+                <a:ea typeface="HGP行書体" panose="03000600000000000000" pitchFamily="66" charset="-128"/>
+              </a:rPr>
+              <a:t>死なず</a:t>
+            </a:r>
+            <a:r>
+              <a:rPr kumimoji="1" lang="ja-JP" altLang="en-US" sz="3200" b="1" dirty="0">
+                <a:gradFill>
+                  <a:gsLst>
+                    <a:gs pos="0">
+                      <a:schemeClr val="accent1">
+                        <a:lumMod val="5000"/>
+                        <a:lumOff val="95000"/>
+                      </a:schemeClr>
+                    </a:gs>
+                    <a:gs pos="74000">
+                      <a:srgbClr val="0000FF"/>
+                    </a:gs>
+                    <a:gs pos="83000">
+                      <a:srgbClr val="000099"/>
+                    </a:gs>
+                    <a:gs pos="100000">
+                      <a:schemeClr val="tx1"/>
+                    </a:gs>
+                  </a:gsLst>
+                  <a:lin ang="5400000" scaled="1"/>
+                </a:gradFill>
+                <a:effectLst>
+                  <a:glow rad="508000">
+                    <a:schemeClr val="bg1">
+                      <a:alpha val="90000"/>
+                    </a:schemeClr>
+                  </a:glow>
+                </a:effectLst>
+                <a:latin typeface="HGP行書体" panose="03000600000000000000" pitchFamily="66" charset="-128"/>
+                <a:ea typeface="HGP行書体" panose="03000600000000000000" pitchFamily="66" charset="-128"/>
+              </a:rPr>
+              <a:t>。必ずや任務を</a:t>
+            </a:r>
+            <a:r>
+              <a:rPr kumimoji="1" lang="ja-JP" altLang="en-US" sz="5400" b="1" dirty="0">
+                <a:gradFill>
+                  <a:gsLst>
+                    <a:gs pos="0">
+                      <a:schemeClr val="accent1">
+                        <a:lumMod val="5000"/>
+                        <a:lumOff val="95000"/>
+                      </a:schemeClr>
+                    </a:gs>
+                    <a:gs pos="74000">
+                      <a:srgbClr val="0000FF"/>
+                    </a:gs>
+                    <a:gs pos="83000">
+                      <a:srgbClr val="000099"/>
+                    </a:gs>
+                    <a:gs pos="100000">
+                      <a:schemeClr val="tx1"/>
+                    </a:gs>
+                  </a:gsLst>
+                  <a:lin ang="5400000" scaled="1"/>
+                </a:gradFill>
+                <a:effectLst>
+                  <a:glow rad="508000">
+                    <a:schemeClr val="bg1">
+                      <a:alpha val="90000"/>
+                    </a:schemeClr>
+                  </a:glow>
+                </a:effectLst>
+                <a:latin typeface="HGP行書体" panose="03000600000000000000" pitchFamily="66" charset="-128"/>
+                <a:ea typeface="HGP行書体" panose="03000600000000000000" pitchFamily="66" charset="-128"/>
+              </a:rPr>
+              <a:t>達成せよ</a:t>
+            </a:r>
+            <a:r>
+              <a:rPr kumimoji="1" lang="ja-JP" altLang="en-US" sz="3200" b="1" dirty="0">
+                <a:gradFill>
+                  <a:gsLst>
+                    <a:gs pos="0">
+                      <a:schemeClr val="accent1">
+                        <a:lumMod val="5000"/>
+                        <a:lumOff val="95000"/>
+                      </a:schemeClr>
+                    </a:gs>
+                    <a:gs pos="74000">
+                      <a:srgbClr val="0000FF"/>
+                    </a:gs>
+                    <a:gs pos="83000">
+                      <a:srgbClr val="000099"/>
+                    </a:gs>
+                    <a:gs pos="100000">
+                      <a:schemeClr val="tx1"/>
+                    </a:gs>
+                  </a:gsLst>
+                  <a:lin ang="5400000" scaled="1"/>
+                </a:gradFill>
+                <a:effectLst>
+                  <a:glow rad="508000">
+                    <a:schemeClr val="bg1">
+                      <a:alpha val="90000"/>
+                    </a:schemeClr>
+                  </a:glow>
+                </a:effectLst>
+                <a:latin typeface="HGP行書体" panose="03000600000000000000" pitchFamily="66" charset="-128"/>
+                <a:ea typeface="HGP行書体" panose="03000600000000000000" pitchFamily="66" charset="-128"/>
+              </a:rPr>
+              <a:t>。</a:t>
+            </a:r>
+            <a:endParaRPr kumimoji="1" lang="ja-JP" altLang="en-US" sz="3600" b="1" dirty="0">
+              <a:gradFill>
+                <a:gsLst>
+                  <a:gs pos="0">
+                    <a:schemeClr val="accent1">
+                      <a:lumMod val="5000"/>
+                      <a:lumOff val="95000"/>
+                    </a:schemeClr>
+                  </a:gs>
+                  <a:gs pos="74000">
+                    <a:srgbClr val="0000FF"/>
+                  </a:gs>
+                  <a:gs pos="83000">
+                    <a:srgbClr val="000099"/>
+                  </a:gs>
+                  <a:gs pos="100000">
+                    <a:schemeClr val="tx1"/>
+                  </a:gs>
+                </a:gsLst>
+                <a:lin ang="5400000" scaled="1"/>
+              </a:gradFill>
+              <a:effectLst>
+                <a:glow rad="508000">
+                  <a:schemeClr val="bg1">
+                    <a:alpha val="90000"/>
+                  </a:schemeClr>
                 </a:glow>
               </a:effectLst>
               <a:latin typeface="HGP行書体" panose="03000600000000000000" pitchFamily="66" charset="-128"/>
@@ -5589,7 +5597,7 @@
         </p:nvSpPr>
         <p:spPr>
           <a:xfrm>
-            <a:off x="401973" y="0"/>
+            <a:off x="504610" y="0"/>
             <a:ext cx="11388054" cy="923330"/>
           </a:xfrm>
           <a:prstGeom prst="rect">
@@ -5872,176 +5880,6 @@
               <a:latin typeface="HGP行書体" panose="03000600000000000000" pitchFamily="66" charset="-128"/>
               <a:ea typeface="HGP行書体" panose="03000600000000000000" pitchFamily="66" charset="-128"/>
             </a:endParaRPr>
-          </a:p>
-        </p:txBody>
-      </p:sp>
-      <p:sp>
-        <p:nvSpPr>
-          <p:cNvPr id="4" name="テキスト ボックス 3">
-            <a:extLst>
-              <a:ext uri="{FF2B5EF4-FFF2-40B4-BE49-F238E27FC236}">
-                <a16:creationId xmlns:a16="http://schemas.microsoft.com/office/drawing/2014/main" id="{5B7B9F27-188C-419F-9E5F-FC3A3AE8D5D4}"/>
-              </a:ext>
-            </a:extLst>
-          </p:cNvPr>
-          <p:cNvSpPr txBox="1"/>
-          <p:nvPr/>
-        </p:nvSpPr>
-        <p:spPr>
-          <a:xfrm rot="21157274">
-            <a:off x="60002" y="1451427"/>
-            <a:ext cx="6987810" cy="1384995"/>
-          </a:xfrm>
-          <a:prstGeom prst="rect">
-            <a:avLst/>
-          </a:prstGeom>
-          <a:noFill/>
-          <a:effectLst>
-            <a:glow rad="127000">
-              <a:srgbClr val="0066FF"/>
-            </a:glow>
-          </a:effectLst>
-          <a:scene3d>
-            <a:camera prst="orthographicFront">
-              <a:rot lat="0" lon="0" rev="0"/>
-            </a:camera>
-            <a:lightRig rig="threePt" dir="t"/>
-          </a:scene3d>
-        </p:spPr>
-        <p:txBody>
-          <a:bodyPr wrap="none" rtlCol="0">
-            <a:spAutoFit/>
-          </a:bodyPr>
-          <a:lstStyle/>
-          <a:p>
-            <a:r>
-              <a:rPr lang="ja-JP" altLang="en-US" sz="4000" dirty="0">
-                <a:solidFill>
-                  <a:schemeClr val="bg1"/>
-                </a:solidFill>
-                <a:effectLst>
-                  <a:glow rad="254000">
-                    <a:schemeClr val="accent1">
-                      <a:alpha val="75000"/>
-                    </a:schemeClr>
-                  </a:glow>
-                </a:effectLst>
-                <a:latin typeface="HGP行書体" panose="03000600000000000000" pitchFamily="66" charset="-128"/>
-                <a:ea typeface="HGP行書体" panose="03000600000000000000" pitchFamily="66" charset="-128"/>
-              </a:rPr>
-              <a:t>一流の忍</a:t>
-            </a:r>
-            <a:r>
-              <a:rPr lang="ja-JP" altLang="en-US" sz="2800" dirty="0">
-                <a:solidFill>
-                  <a:schemeClr val="bg1"/>
-                </a:solidFill>
-                <a:effectLst>
-                  <a:glow rad="254000">
-                    <a:schemeClr val="accent1">
-                      <a:alpha val="75000"/>
-                    </a:schemeClr>
-                  </a:glow>
-                </a:effectLst>
-                <a:latin typeface="HGP行書体" panose="03000600000000000000" pitchFamily="66" charset="-128"/>
-                <a:ea typeface="HGP行書体" panose="03000600000000000000" pitchFamily="66" charset="-128"/>
-              </a:rPr>
-              <a:t>たる者無益な</a:t>
-            </a:r>
-            <a:r>
-              <a:rPr lang="ja-JP" altLang="en-US" sz="4400" b="1" dirty="0">
-                <a:effectLst>
-                  <a:glow rad="381000">
-                    <a:srgbClr val="0066FF"/>
-                  </a:glow>
-                </a:effectLst>
-                <a:latin typeface="HGP行書体" panose="03000600000000000000" pitchFamily="66" charset="-128"/>
-                <a:ea typeface="HGP行書体" panose="03000600000000000000" pitchFamily="66" charset="-128"/>
-              </a:rPr>
-              <a:t>殺生はせぬ</a:t>
-            </a:r>
-            <a:r>
-              <a:rPr lang="ja-JP" altLang="en-US" sz="2800" b="1" dirty="0">
-                <a:effectLst>
-                  <a:glow rad="381000">
-                    <a:srgbClr val="0066FF"/>
-                  </a:glow>
-                </a:effectLst>
-                <a:latin typeface="HGP行書体" panose="03000600000000000000" pitchFamily="66" charset="-128"/>
-                <a:ea typeface="HGP行書体" panose="03000600000000000000" pitchFamily="66" charset="-128"/>
-              </a:rPr>
-              <a:t>。</a:t>
-            </a:r>
-          </a:p>
-          <a:p>
-            <a:r>
-              <a:rPr kumimoji="1" lang="ja-JP" altLang="en-US" sz="2800" dirty="0">
-                <a:solidFill>
-                  <a:schemeClr val="bg1"/>
-                </a:solidFill>
-                <a:effectLst>
-                  <a:glow rad="254000">
-                    <a:schemeClr val="accent1">
-                      <a:alpha val="75000"/>
-                    </a:schemeClr>
-                  </a:glow>
-                </a:effectLst>
-                <a:latin typeface="HGP行書体" panose="03000600000000000000" pitchFamily="66" charset="-128"/>
-                <a:ea typeface="HGP行書体" panose="03000600000000000000" pitchFamily="66" charset="-128"/>
-              </a:rPr>
-              <a:t>絶対に殺すことはせず</a:t>
-            </a:r>
-            <a:r>
-              <a:rPr kumimoji="1" lang="ja-JP" altLang="en-US" sz="4000" dirty="0">
-                <a:solidFill>
-                  <a:schemeClr val="bg1"/>
-                </a:solidFill>
-                <a:effectLst>
-                  <a:glow rad="254000">
-                    <a:schemeClr val="accent1">
-                      <a:alpha val="75000"/>
-                    </a:schemeClr>
-                  </a:glow>
-                </a:effectLst>
-                <a:latin typeface="HGP行書体" panose="03000600000000000000" pitchFamily="66" charset="-128"/>
-                <a:ea typeface="HGP行書体" panose="03000600000000000000" pitchFamily="66" charset="-128"/>
-              </a:rPr>
-              <a:t>戦闘不能</a:t>
-            </a:r>
-            <a:r>
-              <a:rPr lang="ja-JP" altLang="en-US" sz="2800" dirty="0">
-                <a:solidFill>
-                  <a:schemeClr val="bg1"/>
-                </a:solidFill>
-                <a:effectLst>
-                  <a:glow rad="254000">
-                    <a:schemeClr val="accent1">
-                      <a:alpha val="75000"/>
-                    </a:schemeClr>
-                  </a:glow>
-                </a:effectLst>
-                <a:latin typeface="HGP行書体" panose="03000600000000000000" pitchFamily="66" charset="-128"/>
-                <a:ea typeface="HGP行書体" panose="03000600000000000000" pitchFamily="66" charset="-128"/>
-              </a:rPr>
-              <a:t>にせよ</a:t>
-            </a:r>
-            <a:r>
-              <a:rPr kumimoji="1" lang="ja-JP" altLang="en-US" sz="2800" dirty="0">
-                <a:solidFill>
-                  <a:schemeClr val="bg1"/>
-                </a:solidFill>
-                <a:effectLst>
-                  <a:glow rad="254000">
-                    <a:schemeClr val="accent1">
-                      <a:alpha val="75000"/>
-                    </a:schemeClr>
-                  </a:glow>
-                </a:effectLst>
-                <a:latin typeface="HGP行書体" panose="03000600000000000000" pitchFamily="66" charset="-128"/>
-                <a:ea typeface="HGP行書体" panose="03000600000000000000" pitchFamily="66" charset="-128"/>
-              </a:rPr>
-              <a:t>。</a:t>
-            </a:r>
           </a:p>
         </p:txBody>
       </p:sp>
@@ -6176,6 +6014,493 @@
               <a:t>隙を生み出せ。</a:t>
             </a:r>
             <a:endParaRPr kumimoji="1" lang="ja-JP" altLang="en-US" sz="1200" dirty="0">
+              <a:solidFill>
+                <a:schemeClr val="bg1"/>
+              </a:solidFill>
+              <a:effectLst>
+                <a:glow rad="254000">
+                  <a:schemeClr val="accent1">
+                    <a:alpha val="75000"/>
+                  </a:schemeClr>
+                </a:glow>
+              </a:effectLst>
+              <a:latin typeface="HGP行書体" panose="03000600000000000000" pitchFamily="66" charset="-128"/>
+              <a:ea typeface="HGP行書体" panose="03000600000000000000" pitchFamily="66" charset="-128"/>
+            </a:endParaRPr>
+          </a:p>
+        </p:txBody>
+      </p:sp>
+      <p:pic>
+        <p:nvPicPr>
+          <p:cNvPr id="11" name="図 10" descr="アイコン&#10;&#10;自動的に生成された説明">
+            <a:extLst>
+              <a:ext uri="{FF2B5EF4-FFF2-40B4-BE49-F238E27FC236}">
+                <a16:creationId xmlns:a16="http://schemas.microsoft.com/office/drawing/2014/main" id="{333953CC-B6B0-58F0-96A9-DCBCE13A3DA7}"/>
+              </a:ext>
+            </a:extLst>
+          </p:cNvPr>
+          <p:cNvPicPr>
+            <a:picLocks noChangeAspect="1"/>
+          </p:cNvPicPr>
+          <p:nvPr/>
+        </p:nvPicPr>
+        <p:blipFill>
+          <a:blip r:embed="rId2">
+            <a:extLst>
+              <a:ext uri="{28A0092B-C50C-407E-A947-70E740481C1C}">
+                <a14:useLocalDpi xmlns:a14="http://schemas.microsoft.com/office/drawing/2010/main" val="0"/>
+              </a:ext>
+            </a:extLst>
+          </a:blip>
+          <a:stretch>
+            <a:fillRect/>
+          </a:stretch>
+        </p:blipFill>
+        <p:spPr>
+          <a:xfrm rot="808516">
+            <a:off x="267669" y="4556078"/>
+            <a:ext cx="1559990" cy="1536783"/>
+          </a:xfrm>
+          <a:prstGeom prst="rect">
+            <a:avLst/>
+          </a:prstGeom>
+          <a:effectLst>
+            <a:glow rad="127000">
+              <a:srgbClr val="FF0000"/>
+            </a:glow>
+          </a:effectLst>
+        </p:spPr>
+      </p:pic>
+      <p:pic>
+        <p:nvPicPr>
+          <p:cNvPr id="13" name="図 12" descr="アイコン&#10;&#10;自動的に生成された説明">
+            <a:extLst>
+              <a:ext uri="{FF2B5EF4-FFF2-40B4-BE49-F238E27FC236}">
+                <a16:creationId xmlns:a16="http://schemas.microsoft.com/office/drawing/2014/main" id="{92C8DACB-7305-86A7-62CE-54BAC21AE3DB}"/>
+              </a:ext>
+            </a:extLst>
+          </p:cNvPr>
+          <p:cNvPicPr>
+            <a:picLocks noChangeAspect="1"/>
+          </p:cNvPicPr>
+          <p:nvPr/>
+        </p:nvPicPr>
+        <p:blipFill>
+          <a:blip r:embed="rId3">
+            <a:extLst>
+              <a:ext uri="{28A0092B-C50C-407E-A947-70E740481C1C}">
+                <a14:useLocalDpi xmlns:a14="http://schemas.microsoft.com/office/drawing/2010/main" val="0"/>
+              </a:ext>
+            </a:extLst>
+          </a:blip>
+          <a:stretch>
+            <a:fillRect/>
+          </a:stretch>
+        </p:blipFill>
+        <p:spPr>
+          <a:xfrm rot="780000">
+            <a:off x="272394" y="4532682"/>
+            <a:ext cx="1559990" cy="1536783"/>
+          </a:xfrm>
+          <a:prstGeom prst="rect">
+            <a:avLst/>
+          </a:prstGeom>
+          <a:effectLst>
+            <a:glow rad="127000">
+              <a:srgbClr val="FF0000"/>
+            </a:glow>
+          </a:effectLst>
+        </p:spPr>
+      </p:pic>
+      <p:pic>
+        <p:nvPicPr>
+          <p:cNvPr id="14" name="図 13" descr="アイコン&#10;&#10;自動的に生成された説明">
+            <a:extLst>
+              <a:ext uri="{FF2B5EF4-FFF2-40B4-BE49-F238E27FC236}">
+                <a16:creationId xmlns:a16="http://schemas.microsoft.com/office/drawing/2014/main" id="{95A0E887-10BC-EB61-6026-A032D6809604}"/>
+              </a:ext>
+            </a:extLst>
+          </p:cNvPr>
+          <p:cNvPicPr>
+            <a:picLocks noChangeAspect="1"/>
+          </p:cNvPicPr>
+          <p:nvPr/>
+        </p:nvPicPr>
+        <p:blipFill>
+          <a:blip r:embed="rId2">
+            <a:extLst>
+              <a:ext uri="{28A0092B-C50C-407E-A947-70E740481C1C}">
+                <a14:useLocalDpi xmlns:a14="http://schemas.microsoft.com/office/drawing/2010/main" val="0"/>
+              </a:ext>
+            </a:extLst>
+          </a:blip>
+          <a:stretch>
+            <a:fillRect/>
+          </a:stretch>
+        </p:blipFill>
+        <p:spPr>
+          <a:xfrm rot="21000000" flipH="1">
+            <a:off x="2356892" y="3451689"/>
+            <a:ext cx="1559990" cy="1536783"/>
+          </a:xfrm>
+          <a:prstGeom prst="rect">
+            <a:avLst/>
+          </a:prstGeom>
+          <a:effectLst>
+            <a:glow rad="127000">
+              <a:srgbClr val="FF0000"/>
+            </a:glow>
+          </a:effectLst>
+        </p:spPr>
+      </p:pic>
+      <p:pic>
+        <p:nvPicPr>
+          <p:cNvPr id="15" name="図 14" descr="アイコン&#10;&#10;自動的に生成された説明">
+            <a:extLst>
+              <a:ext uri="{FF2B5EF4-FFF2-40B4-BE49-F238E27FC236}">
+                <a16:creationId xmlns:a16="http://schemas.microsoft.com/office/drawing/2014/main" id="{2AD46408-05EE-B056-A5CB-D102B5A188F1}"/>
+              </a:ext>
+            </a:extLst>
+          </p:cNvPr>
+          <p:cNvPicPr>
+            <a:picLocks noChangeAspect="1"/>
+          </p:cNvPicPr>
+          <p:nvPr/>
+        </p:nvPicPr>
+        <p:blipFill>
+          <a:blip r:embed="rId3">
+            <a:extLst>
+              <a:ext uri="{28A0092B-C50C-407E-A947-70E740481C1C}">
+                <a14:useLocalDpi xmlns:a14="http://schemas.microsoft.com/office/drawing/2010/main" val="0"/>
+              </a:ext>
+            </a:extLst>
+          </a:blip>
+          <a:stretch>
+            <a:fillRect/>
+          </a:stretch>
+        </p:blipFill>
+        <p:spPr>
+          <a:xfrm rot="21000811" flipH="1">
+            <a:off x="2338499" y="3425735"/>
+            <a:ext cx="1559990" cy="1536783"/>
+          </a:xfrm>
+          <a:prstGeom prst="rect">
+            <a:avLst/>
+          </a:prstGeom>
+          <a:effectLst>
+            <a:glow rad="127000">
+              <a:srgbClr val="FF0000"/>
+            </a:glow>
+          </a:effectLst>
+        </p:spPr>
+      </p:pic>
+      <p:pic>
+        <p:nvPicPr>
+          <p:cNvPr id="9" name="図 8" descr="アイコン&#10;&#10;中程度の精度で自動的に生成された説明">
+            <a:extLst>
+              <a:ext uri="{FF2B5EF4-FFF2-40B4-BE49-F238E27FC236}">
+                <a16:creationId xmlns:a16="http://schemas.microsoft.com/office/drawing/2014/main" id="{12034792-10E4-15DE-1B46-BB3FDD732ECD}"/>
+              </a:ext>
+            </a:extLst>
+          </p:cNvPr>
+          <p:cNvPicPr>
+            <a:picLocks noChangeAspect="1"/>
+          </p:cNvPicPr>
+          <p:nvPr/>
+        </p:nvPicPr>
+        <p:blipFill>
+          <a:blip r:embed="rId4">
+            <a:extLst>
+              <a:ext uri="{28A0092B-C50C-407E-A947-70E740481C1C}">
+                <a14:useLocalDpi xmlns:a14="http://schemas.microsoft.com/office/drawing/2010/main" val="0"/>
+              </a:ext>
+            </a:extLst>
+          </a:blip>
+          <a:stretch>
+            <a:fillRect/>
+          </a:stretch>
+        </p:blipFill>
+        <p:spPr>
+          <a:xfrm rot="312646">
+            <a:off x="-10200195" y="3783919"/>
+            <a:ext cx="4337868" cy="3235224"/>
+          </a:xfrm>
+          <a:prstGeom prst="rect">
+            <a:avLst/>
+          </a:prstGeom>
+          <a:effectLst>
+            <a:glow rad="127000">
+              <a:srgbClr val="00B0F0"/>
+            </a:glow>
+          </a:effectLst>
+        </p:spPr>
+      </p:pic>
+      <p:sp>
+        <p:nvSpPr>
+          <p:cNvPr id="2" name="テキスト ボックス 1">
+            <a:extLst>
+              <a:ext uri="{FF2B5EF4-FFF2-40B4-BE49-F238E27FC236}">
+                <a16:creationId xmlns:a16="http://schemas.microsoft.com/office/drawing/2014/main" id="{59851D96-8405-9254-61F2-F59A1E9401F9}"/>
+              </a:ext>
+            </a:extLst>
+          </p:cNvPr>
+          <p:cNvSpPr txBox="1"/>
+          <p:nvPr/>
+        </p:nvSpPr>
+        <p:spPr>
+          <a:xfrm rot="21242680">
+            <a:off x="140795" y="1413175"/>
+            <a:ext cx="9496777" cy="1538883"/>
+          </a:xfrm>
+          <a:prstGeom prst="rect">
+            <a:avLst/>
+          </a:prstGeom>
+          <a:noFill/>
+          <a:effectLst>
+            <a:glow rad="127000">
+              <a:srgbClr val="0066FF"/>
+            </a:glow>
+          </a:effectLst>
+          <a:scene3d>
+            <a:camera prst="orthographicFront">
+              <a:rot lat="0" lon="0" rev="0"/>
+            </a:camera>
+            <a:lightRig rig="threePt" dir="t"/>
+          </a:scene3d>
+        </p:spPr>
+        <p:txBody>
+          <a:bodyPr wrap="square" rtlCol="0">
+            <a:spAutoFit/>
+          </a:bodyPr>
+          <a:lstStyle/>
+          <a:p>
+            <a:r>
+              <a:rPr lang="ja-JP" altLang="en-US" sz="5400" dirty="0">
+                <a:solidFill>
+                  <a:schemeClr val="bg1"/>
+                </a:solidFill>
+                <a:effectLst>
+                  <a:glow rad="254000">
+                    <a:schemeClr val="accent1">
+                      <a:alpha val="75000"/>
+                    </a:schemeClr>
+                  </a:glow>
+                </a:effectLst>
+                <a:latin typeface="HGP行書体" panose="03000600000000000000" pitchFamily="66" charset="-128"/>
+                <a:ea typeface="HGP行書体" panose="03000600000000000000" pitchFamily="66" charset="-128"/>
+              </a:rPr>
+              <a:t>一流の忍</a:t>
+            </a:r>
+            <a:r>
+              <a:rPr lang="ja-JP" altLang="en-US" sz="4000" dirty="0">
+                <a:solidFill>
+                  <a:schemeClr val="bg1"/>
+                </a:solidFill>
+                <a:effectLst>
+                  <a:glow rad="254000">
+                    <a:schemeClr val="accent1">
+                      <a:alpha val="75000"/>
+                    </a:schemeClr>
+                  </a:glow>
+                </a:effectLst>
+                <a:latin typeface="HGP行書体" panose="03000600000000000000" pitchFamily="66" charset="-128"/>
+                <a:ea typeface="HGP行書体" panose="03000600000000000000" pitchFamily="66" charset="-128"/>
+              </a:rPr>
+              <a:t>たる者</a:t>
+            </a:r>
+            <a:endParaRPr lang="en-US" altLang="ja-JP" sz="4000" b="1" dirty="0">
+              <a:ln w="12700">
+                <a:solidFill>
+                  <a:sysClr val="windowText" lastClr="000000"/>
+                </a:solidFill>
+              </a:ln>
+              <a:solidFill>
+                <a:srgbClr val="FF0000"/>
+              </a:solidFill>
+              <a:effectLst>
+                <a:glow rad="254000">
+                  <a:schemeClr val="accent4"/>
+                </a:glow>
+              </a:effectLst>
+              <a:latin typeface="HGP行書体" panose="03000600000000000000" pitchFamily="66" charset="-128"/>
+              <a:ea typeface="HGP行書体" panose="03000600000000000000" pitchFamily="66" charset="-128"/>
+            </a:endParaRPr>
+          </a:p>
+          <a:p>
+            <a:endParaRPr kumimoji="1" lang="ja-JP" altLang="en-US" sz="4000" dirty="0">
+              <a:solidFill>
+                <a:schemeClr val="bg1"/>
+              </a:solidFill>
+              <a:effectLst>
+                <a:glow rad="254000">
+                  <a:schemeClr val="accent1">
+                    <a:alpha val="75000"/>
+                  </a:schemeClr>
+                </a:glow>
+              </a:effectLst>
+              <a:latin typeface="HGP行書体" panose="03000600000000000000" pitchFamily="66" charset="-128"/>
+              <a:ea typeface="HGP行書体" panose="03000600000000000000" pitchFamily="66" charset="-128"/>
+            </a:endParaRPr>
+          </a:p>
+        </p:txBody>
+      </p:sp>
+      <p:pic>
+        <p:nvPicPr>
+          <p:cNvPr id="7" name="図 6" descr="アイコン&#10;&#10;自動的に生成された説明">
+            <a:extLst>
+              <a:ext uri="{FF2B5EF4-FFF2-40B4-BE49-F238E27FC236}">
+                <a16:creationId xmlns:a16="http://schemas.microsoft.com/office/drawing/2014/main" id="{31FE4AB6-4DD2-367F-EB17-87A9386931A6}"/>
+              </a:ext>
+            </a:extLst>
+          </p:cNvPr>
+          <p:cNvPicPr>
+            <a:picLocks noChangeAspect="1"/>
+          </p:cNvPicPr>
+          <p:nvPr/>
+        </p:nvPicPr>
+        <p:blipFill>
+          <a:blip r:embed="rId5">
+            <a:extLst>
+              <a:ext uri="{28A0092B-C50C-407E-A947-70E740481C1C}">
+                <a14:useLocalDpi xmlns:a14="http://schemas.microsoft.com/office/drawing/2010/main" val="0"/>
+              </a:ext>
+            </a:extLst>
+          </a:blip>
+          <a:stretch>
+            <a:fillRect/>
+          </a:stretch>
+        </p:blipFill>
+        <p:spPr>
+          <a:xfrm rot="20131953">
+            <a:off x="6208635" y="2940268"/>
+            <a:ext cx="2660313" cy="3718143"/>
+          </a:xfrm>
+          <a:prstGeom prst="rect">
+            <a:avLst/>
+          </a:prstGeom>
+          <a:effectLst>
+            <a:glow rad="127000">
+              <a:srgbClr val="FF0000"/>
+            </a:glow>
+          </a:effectLst>
+        </p:spPr>
+      </p:pic>
+      <p:sp>
+        <p:nvSpPr>
+          <p:cNvPr id="8" name="テキスト ボックス 7">
+            <a:extLst>
+              <a:ext uri="{FF2B5EF4-FFF2-40B4-BE49-F238E27FC236}">
+                <a16:creationId xmlns:a16="http://schemas.microsoft.com/office/drawing/2014/main" id="{B87631CF-061E-C302-8358-8E442DD05D0E}"/>
+              </a:ext>
+            </a:extLst>
+          </p:cNvPr>
+          <p:cNvSpPr txBox="1"/>
+          <p:nvPr/>
+        </p:nvSpPr>
+        <p:spPr>
+          <a:xfrm rot="21242680">
+            <a:off x="140794" y="1318454"/>
+            <a:ext cx="9496777" cy="1631216"/>
+          </a:xfrm>
+          <a:prstGeom prst="rect">
+            <a:avLst/>
+          </a:prstGeom>
+          <a:noFill/>
+          <a:effectLst>
+            <a:glow rad="127000">
+              <a:srgbClr val="0066FF"/>
+            </a:glow>
+          </a:effectLst>
+          <a:scene3d>
+            <a:camera prst="orthographicFront">
+              <a:rot lat="0" lon="0" rev="0"/>
+            </a:camera>
+            <a:lightRig rig="threePt" dir="t"/>
+          </a:scene3d>
+        </p:spPr>
+        <p:txBody>
+          <a:bodyPr wrap="square" rtlCol="0">
+            <a:spAutoFit/>
+          </a:bodyPr>
+          <a:lstStyle/>
+          <a:p>
+            <a:r>
+              <a:rPr lang="ja-JP" altLang="en-US" sz="4000" dirty="0">
+                <a:solidFill>
+                  <a:schemeClr val="bg1"/>
+                </a:solidFill>
+                <a:effectLst>
+                  <a:glow rad="254000">
+                    <a:schemeClr val="accent1">
+                      <a:alpha val="75000"/>
+                    </a:schemeClr>
+                  </a:glow>
+                </a:effectLst>
+                <a:latin typeface="HGP行書体" panose="03000600000000000000" pitchFamily="66" charset="-128"/>
+                <a:ea typeface="HGP行書体" panose="03000600000000000000" pitchFamily="66" charset="-128"/>
+              </a:rPr>
+              <a:t>　　　　　　　　　　　 無益な</a:t>
+            </a:r>
+            <a:r>
+              <a:rPr lang="ja-JP" altLang="en-US" sz="6000" b="1" dirty="0">
+                <a:ln w="12700">
+                  <a:solidFill>
+                    <a:sysClr val="windowText" lastClr="000000"/>
+                  </a:solidFill>
+                </a:ln>
+                <a:solidFill>
+                  <a:srgbClr val="FF0000"/>
+                </a:solidFill>
+                <a:effectLst>
+                  <a:glow rad="254000">
+                    <a:schemeClr val="accent4"/>
+                  </a:glow>
+                </a:effectLst>
+                <a:latin typeface="HGP行書体" panose="03000600000000000000" pitchFamily="66" charset="-128"/>
+                <a:ea typeface="HGP行書体" panose="03000600000000000000" pitchFamily="66" charset="-128"/>
+              </a:rPr>
+              <a:t>殺生はせぬ</a:t>
+            </a:r>
+            <a:r>
+              <a:rPr lang="ja-JP" altLang="en-US" sz="4000" b="1" dirty="0">
+                <a:ln w="12700">
+                  <a:solidFill>
+                    <a:sysClr val="windowText" lastClr="000000"/>
+                  </a:solidFill>
+                </a:ln>
+                <a:solidFill>
+                  <a:srgbClr val="FF0000"/>
+                </a:solidFill>
+                <a:effectLst>
+                  <a:glow rad="254000">
+                    <a:schemeClr val="accent4"/>
+                  </a:glow>
+                </a:effectLst>
+                <a:latin typeface="HGP行書体" panose="03000600000000000000" pitchFamily="66" charset="-128"/>
+                <a:ea typeface="HGP行書体" panose="03000600000000000000" pitchFamily="66" charset="-128"/>
+              </a:rPr>
+              <a:t>。</a:t>
+            </a:r>
+            <a:endParaRPr lang="en-US" altLang="ja-JP" sz="4000" b="1" dirty="0">
+              <a:ln w="12700">
+                <a:solidFill>
+                  <a:sysClr val="windowText" lastClr="000000"/>
+                </a:solidFill>
+              </a:ln>
+              <a:solidFill>
+                <a:srgbClr val="FF0000"/>
+              </a:solidFill>
+              <a:effectLst>
+                <a:glow rad="254000">
+                  <a:schemeClr val="accent4"/>
+                </a:glow>
+              </a:effectLst>
+              <a:latin typeface="HGP行書体" panose="03000600000000000000" pitchFamily="66" charset="-128"/>
+              <a:ea typeface="HGP行書体" panose="03000600000000000000" pitchFamily="66" charset="-128"/>
+            </a:endParaRPr>
+          </a:p>
+          <a:p>
+            <a:endParaRPr kumimoji="1" lang="ja-JP" altLang="en-US" sz="4000" dirty="0">
               <a:solidFill>
                 <a:schemeClr val="bg1"/>
               </a:solidFill>
@@ -6239,7 +6564,7 @@
           <p:cNvPr id="6" name="テキスト ボックス 5">
             <a:extLst>
               <a:ext uri="{FF2B5EF4-FFF2-40B4-BE49-F238E27FC236}">
-                <a16:creationId xmlns:a16="http://schemas.microsoft.com/office/drawing/2014/main" id="{C6F9D129-5116-4C4F-B6C8-52A4FD584CDB}"/>
+                <a16:creationId xmlns:a16="http://schemas.microsoft.com/office/drawing/2014/main" id="{F9DC87A5-33A2-40F5-8E54-B966410E2F56}"/>
               </a:ext>
             </a:extLst>
           </p:cNvPr>
@@ -6416,7 +6741,7 @@
         </p:nvSpPr>
         <p:spPr>
           <a:xfrm>
-            <a:off x="401973" y="0"/>
+            <a:off x="504610" y="0"/>
             <a:ext cx="11388054" cy="923330"/>
           </a:xfrm>
           <a:prstGeom prst="rect">
@@ -6694,6 +7019,4189 @@
                   <a:schemeClr val="bg1">
                     <a:alpha val="90000"/>
                   </a:schemeClr>
+                </a:glow>
+              </a:effectLst>
+              <a:latin typeface="HGP行書体" panose="03000600000000000000" pitchFamily="66" charset="-128"/>
+              <a:ea typeface="HGP行書体" panose="03000600000000000000" pitchFamily="66" charset="-128"/>
+            </a:endParaRPr>
+          </a:p>
+        </p:txBody>
+      </p:sp>
+      <p:sp>
+        <p:nvSpPr>
+          <p:cNvPr id="5" name="テキスト ボックス 4">
+            <a:extLst>
+              <a:ext uri="{FF2B5EF4-FFF2-40B4-BE49-F238E27FC236}">
+                <a16:creationId xmlns:a16="http://schemas.microsoft.com/office/drawing/2014/main" id="{FCC250EF-C813-4301-B932-5A0F039D763C}"/>
+              </a:ext>
+            </a:extLst>
+          </p:cNvPr>
+          <p:cNvSpPr txBox="1"/>
+          <p:nvPr/>
+        </p:nvSpPr>
+        <p:spPr>
+          <a:xfrm rot="713856">
+            <a:off x="9525956" y="1272366"/>
+            <a:ext cx="2627642" cy="646331"/>
+          </a:xfrm>
+          <a:prstGeom prst="rect">
+            <a:avLst/>
+          </a:prstGeom>
+          <a:noFill/>
+          <a:scene3d>
+            <a:camera prst="orthographicFront">
+              <a:rot lat="0" lon="0" rev="0"/>
+            </a:camera>
+            <a:lightRig rig="threePt" dir="t"/>
+          </a:scene3d>
+        </p:spPr>
+        <p:txBody>
+          <a:bodyPr wrap="none" rtlCol="0">
+            <a:spAutoFit/>
+          </a:bodyPr>
+          <a:lstStyle/>
+          <a:p>
+            <a:r>
+              <a:rPr lang="ja-JP" altLang="en-US" sz="1200" dirty="0">
+                <a:solidFill>
+                  <a:schemeClr val="bg1"/>
+                </a:solidFill>
+                <a:effectLst>
+                  <a:glow rad="254000">
+                    <a:schemeClr val="accent1">
+                      <a:alpha val="75000"/>
+                    </a:schemeClr>
+                  </a:glow>
+                </a:effectLst>
+                <a:latin typeface="HGP行書体" panose="03000600000000000000" pitchFamily="66" charset="-128"/>
+                <a:ea typeface="HGP行書体" panose="03000600000000000000" pitchFamily="66" charset="-128"/>
+              </a:rPr>
+              <a:t>力は</a:t>
+            </a:r>
+            <a:r>
+              <a:rPr lang="ja-JP" altLang="en-US" sz="1600" dirty="0">
+                <a:solidFill>
+                  <a:schemeClr val="bg1"/>
+                </a:solidFill>
+                <a:effectLst>
+                  <a:glow rad="254000">
+                    <a:schemeClr val="accent1">
+                      <a:alpha val="75000"/>
+                    </a:schemeClr>
+                  </a:glow>
+                </a:effectLst>
+                <a:latin typeface="HGP行書体" panose="03000600000000000000" pitchFamily="66" charset="-128"/>
+                <a:ea typeface="HGP行書体" panose="03000600000000000000" pitchFamily="66" charset="-128"/>
+              </a:rPr>
+              <a:t>自ら振るわぬ。</a:t>
+            </a:r>
+            <a:endParaRPr lang="en-US" altLang="ja-JP" sz="1600" dirty="0">
+              <a:solidFill>
+                <a:schemeClr val="bg1"/>
+              </a:solidFill>
+              <a:effectLst>
+                <a:glow rad="254000">
+                  <a:schemeClr val="accent1">
+                    <a:alpha val="75000"/>
+                  </a:schemeClr>
+                </a:glow>
+              </a:effectLst>
+              <a:latin typeface="HGP行書体" panose="03000600000000000000" pitchFamily="66" charset="-128"/>
+              <a:ea typeface="HGP行書体" panose="03000600000000000000" pitchFamily="66" charset="-128"/>
+            </a:endParaRPr>
+          </a:p>
+          <a:p>
+            <a:r>
+              <a:rPr lang="ja-JP" altLang="en-US" sz="1200" dirty="0">
+                <a:solidFill>
+                  <a:schemeClr val="bg1"/>
+                </a:solidFill>
+                <a:effectLst>
+                  <a:glow rad="254000">
+                    <a:schemeClr val="accent1">
+                      <a:alpha val="75000"/>
+                    </a:schemeClr>
+                  </a:glow>
+                </a:effectLst>
+                <a:latin typeface="HGP行書体" panose="03000600000000000000" pitchFamily="66" charset="-128"/>
+                <a:ea typeface="HGP行書体" panose="03000600000000000000" pitchFamily="66" charset="-128"/>
+              </a:rPr>
+              <a:t>敵の攻撃を</a:t>
+            </a:r>
+            <a:r>
+              <a:rPr lang="ja-JP" altLang="en-US" sz="2000" b="1" dirty="0">
+                <a:effectLst>
+                  <a:glow rad="381000">
+                    <a:srgbClr val="0066FF"/>
+                  </a:glow>
+                </a:effectLst>
+                <a:latin typeface="HGP行書体" panose="03000600000000000000" pitchFamily="66" charset="-128"/>
+                <a:ea typeface="HGP行書体" panose="03000600000000000000" pitchFamily="66" charset="-128"/>
+              </a:rPr>
+              <a:t>弾き返し</a:t>
+            </a:r>
+            <a:r>
+              <a:rPr lang="ja-JP" altLang="en-US" sz="1200" dirty="0">
+                <a:solidFill>
+                  <a:schemeClr val="bg1"/>
+                </a:solidFill>
+                <a:effectLst>
+                  <a:glow rad="254000">
+                    <a:schemeClr val="accent1">
+                      <a:alpha val="75000"/>
+                    </a:schemeClr>
+                  </a:glow>
+                </a:effectLst>
+                <a:latin typeface="HGP行書体" panose="03000600000000000000" pitchFamily="66" charset="-128"/>
+                <a:ea typeface="HGP行書体" panose="03000600000000000000" pitchFamily="66" charset="-128"/>
+              </a:rPr>
+              <a:t>隙を生み出せ。</a:t>
+            </a:r>
+            <a:endParaRPr kumimoji="1" lang="ja-JP" altLang="en-US" sz="1200" dirty="0">
+              <a:solidFill>
+                <a:schemeClr val="bg1"/>
+              </a:solidFill>
+              <a:effectLst>
+                <a:glow rad="254000">
+                  <a:schemeClr val="accent1">
+                    <a:alpha val="75000"/>
+                  </a:schemeClr>
+                </a:glow>
+              </a:effectLst>
+              <a:latin typeface="HGP行書体" panose="03000600000000000000" pitchFamily="66" charset="-128"/>
+              <a:ea typeface="HGP行書体" panose="03000600000000000000" pitchFamily="66" charset="-128"/>
+            </a:endParaRPr>
+          </a:p>
+        </p:txBody>
+      </p:sp>
+      <p:grpSp>
+        <p:nvGrpSpPr>
+          <p:cNvPr id="2" name="グループ化 1">
+            <a:extLst>
+              <a:ext uri="{FF2B5EF4-FFF2-40B4-BE49-F238E27FC236}">
+                <a16:creationId xmlns:a16="http://schemas.microsoft.com/office/drawing/2014/main" id="{73D9710E-0D4C-C842-B2B7-E9227ACD35BE}"/>
+              </a:ext>
+            </a:extLst>
+          </p:cNvPr>
+          <p:cNvGrpSpPr/>
+          <p:nvPr/>
+        </p:nvGrpSpPr>
+        <p:grpSpPr>
+          <a:xfrm>
+            <a:off x="256098" y="3334826"/>
+            <a:ext cx="6358340" cy="3284940"/>
+            <a:chOff x="256098" y="3334826"/>
+            <a:chExt cx="6358340" cy="3284940"/>
+          </a:xfrm>
+        </p:grpSpPr>
+        <p:pic>
+          <p:nvPicPr>
+            <p:cNvPr id="11" name="図 10" descr="アイコン&#10;&#10;自動的に生成された説明">
+              <a:extLst>
+                <a:ext uri="{FF2B5EF4-FFF2-40B4-BE49-F238E27FC236}">
+                  <a16:creationId xmlns:a16="http://schemas.microsoft.com/office/drawing/2014/main" id="{333953CC-B6B0-58F0-96A9-DCBCE13A3DA7}"/>
+                </a:ext>
+              </a:extLst>
+            </p:cNvPr>
+            <p:cNvPicPr>
+              <a:picLocks noChangeAspect="1"/>
+            </p:cNvPicPr>
+            <p:nvPr/>
+          </p:nvPicPr>
+          <p:blipFill>
+            <a:blip r:embed="rId2">
+              <a:extLst>
+                <a:ext uri="{28A0092B-C50C-407E-A947-70E740481C1C}">
+                  <a14:useLocalDpi xmlns:a14="http://schemas.microsoft.com/office/drawing/2010/main" val="0"/>
+                </a:ext>
+              </a:extLst>
+            </a:blip>
+            <a:stretch>
+              <a:fillRect/>
+            </a:stretch>
+          </p:blipFill>
+          <p:spPr>
+            <a:xfrm rot="808516">
+              <a:off x="256098" y="4556078"/>
+              <a:ext cx="1559990" cy="1536783"/>
+            </a:xfrm>
+            <a:prstGeom prst="rect">
+              <a:avLst/>
+            </a:prstGeom>
+            <a:effectLst>
+              <a:glow rad="127000">
+                <a:srgbClr val="FF0000"/>
+              </a:glow>
+            </a:effectLst>
+          </p:spPr>
+        </p:pic>
+        <p:pic>
+          <p:nvPicPr>
+            <p:cNvPr id="13" name="図 12" descr="アイコン&#10;&#10;自動的に生成された説明">
+              <a:extLst>
+                <a:ext uri="{FF2B5EF4-FFF2-40B4-BE49-F238E27FC236}">
+                  <a16:creationId xmlns:a16="http://schemas.microsoft.com/office/drawing/2014/main" id="{92C8DACB-7305-86A7-62CE-54BAC21AE3DB}"/>
+                </a:ext>
+              </a:extLst>
+            </p:cNvPr>
+            <p:cNvPicPr>
+              <a:picLocks noChangeAspect="1"/>
+            </p:cNvPicPr>
+            <p:nvPr/>
+          </p:nvPicPr>
+          <p:blipFill>
+            <a:blip r:embed="rId3">
+              <a:extLst>
+                <a:ext uri="{28A0092B-C50C-407E-A947-70E740481C1C}">
+                  <a14:useLocalDpi xmlns:a14="http://schemas.microsoft.com/office/drawing/2010/main" val="0"/>
+                </a:ext>
+              </a:extLst>
+            </a:blip>
+            <a:stretch>
+              <a:fillRect/>
+            </a:stretch>
+          </p:blipFill>
+          <p:spPr>
+            <a:xfrm rot="1394659">
+              <a:off x="746250" y="4471227"/>
+              <a:ext cx="1559990" cy="1536783"/>
+            </a:xfrm>
+            <a:prstGeom prst="rect">
+              <a:avLst/>
+            </a:prstGeom>
+            <a:effectLst>
+              <a:glow rad="127000">
+                <a:srgbClr val="FF0000"/>
+              </a:glow>
+            </a:effectLst>
+          </p:spPr>
+        </p:pic>
+        <p:pic>
+          <p:nvPicPr>
+            <p:cNvPr id="14" name="図 13" descr="アイコン&#10;&#10;自動的に生成された説明">
+              <a:extLst>
+                <a:ext uri="{FF2B5EF4-FFF2-40B4-BE49-F238E27FC236}">
+                  <a16:creationId xmlns:a16="http://schemas.microsoft.com/office/drawing/2014/main" id="{95A0E887-10BC-EB61-6026-A032D6809604}"/>
+                </a:ext>
+              </a:extLst>
+            </p:cNvPr>
+            <p:cNvPicPr>
+              <a:picLocks noChangeAspect="1"/>
+            </p:cNvPicPr>
+            <p:nvPr/>
+          </p:nvPicPr>
+          <p:blipFill>
+            <a:blip r:embed="rId2">
+              <a:extLst>
+                <a:ext uri="{28A0092B-C50C-407E-A947-70E740481C1C}">
+                  <a14:useLocalDpi xmlns:a14="http://schemas.microsoft.com/office/drawing/2010/main" val="0"/>
+                </a:ext>
+              </a:extLst>
+            </a:blip>
+            <a:stretch>
+              <a:fillRect/>
+            </a:stretch>
+          </p:blipFill>
+          <p:spPr>
+            <a:xfrm rot="21000000" flipH="1">
+              <a:off x="2680984" y="3451689"/>
+              <a:ext cx="1559990" cy="1536783"/>
+            </a:xfrm>
+            <a:prstGeom prst="rect">
+              <a:avLst/>
+            </a:prstGeom>
+            <a:effectLst>
+              <a:glow rad="127000">
+                <a:srgbClr val="FF0000"/>
+              </a:glow>
+            </a:effectLst>
+          </p:spPr>
+        </p:pic>
+        <p:pic>
+          <p:nvPicPr>
+            <p:cNvPr id="15" name="図 14" descr="アイコン&#10;&#10;自動的に生成された説明">
+              <a:extLst>
+                <a:ext uri="{FF2B5EF4-FFF2-40B4-BE49-F238E27FC236}">
+                  <a16:creationId xmlns:a16="http://schemas.microsoft.com/office/drawing/2014/main" id="{2AD46408-05EE-B056-A5CB-D102B5A188F1}"/>
+                </a:ext>
+              </a:extLst>
+            </p:cNvPr>
+            <p:cNvPicPr>
+              <a:picLocks noChangeAspect="1"/>
+            </p:cNvPicPr>
+            <p:nvPr/>
+          </p:nvPicPr>
+          <p:blipFill>
+            <a:blip r:embed="rId3">
+              <a:extLst>
+                <a:ext uri="{28A0092B-C50C-407E-A947-70E740481C1C}">
+                  <a14:useLocalDpi xmlns:a14="http://schemas.microsoft.com/office/drawing/2010/main" val="0"/>
+                </a:ext>
+              </a:extLst>
+            </a:blip>
+            <a:stretch>
+              <a:fillRect/>
+            </a:stretch>
+          </p:blipFill>
+          <p:spPr>
+            <a:xfrm rot="20244876" flipH="1">
+              <a:off x="2185935" y="3334826"/>
+              <a:ext cx="1559990" cy="1536783"/>
+            </a:xfrm>
+            <a:prstGeom prst="rect">
+              <a:avLst/>
+            </a:prstGeom>
+            <a:effectLst>
+              <a:glow rad="127000">
+                <a:srgbClr val="FF0000"/>
+              </a:glow>
+            </a:effectLst>
+          </p:spPr>
+        </p:pic>
+        <p:pic>
+          <p:nvPicPr>
+            <p:cNvPr id="9" name="図 8" descr="アイコン&#10;&#10;中程度の精度で自動的に生成された説明">
+              <a:extLst>
+                <a:ext uri="{FF2B5EF4-FFF2-40B4-BE49-F238E27FC236}">
+                  <a16:creationId xmlns:a16="http://schemas.microsoft.com/office/drawing/2014/main" id="{12034792-10E4-15DE-1B46-BB3FDD732ECD}"/>
+                </a:ext>
+              </a:extLst>
+            </p:cNvPr>
+            <p:cNvPicPr>
+              <a:picLocks noChangeAspect="1"/>
+            </p:cNvPicPr>
+            <p:nvPr/>
+          </p:nvPicPr>
+          <p:blipFill>
+            <a:blip r:embed="rId4">
+              <a:extLst>
+                <a:ext uri="{28A0092B-C50C-407E-A947-70E740481C1C}">
+                  <a14:useLocalDpi xmlns:a14="http://schemas.microsoft.com/office/drawing/2010/main" val="0"/>
+                </a:ext>
+              </a:extLst>
+            </a:blip>
+            <a:stretch>
+              <a:fillRect/>
+            </a:stretch>
+          </p:blipFill>
+          <p:spPr>
+            <a:xfrm rot="1296620">
+              <a:off x="2276570" y="3384542"/>
+              <a:ext cx="4337868" cy="3235224"/>
+            </a:xfrm>
+            <a:prstGeom prst="rect">
+              <a:avLst/>
+            </a:prstGeom>
+            <a:effectLst>
+              <a:glow rad="127000">
+                <a:srgbClr val="00B0F0"/>
+              </a:glow>
+            </a:effectLst>
+          </p:spPr>
+        </p:pic>
+      </p:grpSp>
+      <p:sp>
+        <p:nvSpPr>
+          <p:cNvPr id="10" name="テキスト ボックス 9">
+            <a:extLst>
+              <a:ext uri="{FF2B5EF4-FFF2-40B4-BE49-F238E27FC236}">
+                <a16:creationId xmlns:a16="http://schemas.microsoft.com/office/drawing/2014/main" id="{212649F1-BB78-EE26-1F88-68C3822D066C}"/>
+              </a:ext>
+            </a:extLst>
+          </p:cNvPr>
+          <p:cNvSpPr txBox="1"/>
+          <p:nvPr/>
+        </p:nvSpPr>
+        <p:spPr>
+          <a:xfrm rot="21242680">
+            <a:off x="140795" y="1367009"/>
+            <a:ext cx="9496777" cy="1631216"/>
+          </a:xfrm>
+          <a:prstGeom prst="rect">
+            <a:avLst/>
+          </a:prstGeom>
+          <a:noFill/>
+          <a:effectLst>
+            <a:glow rad="127000">
+              <a:srgbClr val="0066FF"/>
+            </a:glow>
+          </a:effectLst>
+          <a:scene3d>
+            <a:camera prst="orthographicFront">
+              <a:rot lat="0" lon="0" rev="0"/>
+            </a:camera>
+            <a:lightRig rig="threePt" dir="t"/>
+          </a:scene3d>
+        </p:spPr>
+        <p:txBody>
+          <a:bodyPr wrap="square" rtlCol="0">
+            <a:spAutoFit/>
+          </a:bodyPr>
+          <a:lstStyle/>
+          <a:p>
+            <a:r>
+              <a:rPr lang="ja-JP" altLang="en-US" sz="5400" dirty="0">
+                <a:solidFill>
+                  <a:schemeClr val="bg1"/>
+                </a:solidFill>
+                <a:effectLst>
+                  <a:glow rad="254000">
+                    <a:schemeClr val="accent1">
+                      <a:alpha val="75000"/>
+                    </a:schemeClr>
+                  </a:glow>
+                </a:effectLst>
+                <a:latin typeface="HGP行書体" panose="03000600000000000000" pitchFamily="66" charset="-128"/>
+                <a:ea typeface="HGP行書体" panose="03000600000000000000" pitchFamily="66" charset="-128"/>
+              </a:rPr>
+              <a:t>一流の忍</a:t>
+            </a:r>
+            <a:r>
+              <a:rPr lang="ja-JP" altLang="en-US" sz="4000" dirty="0">
+                <a:solidFill>
+                  <a:schemeClr val="bg1"/>
+                </a:solidFill>
+                <a:effectLst>
+                  <a:glow rad="254000">
+                    <a:schemeClr val="accent1">
+                      <a:alpha val="75000"/>
+                    </a:schemeClr>
+                  </a:glow>
+                </a:effectLst>
+                <a:latin typeface="HGP行書体" panose="03000600000000000000" pitchFamily="66" charset="-128"/>
+                <a:ea typeface="HGP行書体" panose="03000600000000000000" pitchFamily="66" charset="-128"/>
+              </a:rPr>
+              <a:t>たる者無益な</a:t>
+            </a:r>
+            <a:r>
+              <a:rPr lang="ja-JP" altLang="en-US" sz="6000" b="1" dirty="0">
+                <a:ln w="12700">
+                  <a:solidFill>
+                    <a:sysClr val="windowText" lastClr="000000"/>
+                  </a:solidFill>
+                </a:ln>
+                <a:solidFill>
+                  <a:srgbClr val="FF0000"/>
+                </a:solidFill>
+                <a:effectLst>
+                  <a:glow rad="254000">
+                    <a:schemeClr val="accent4"/>
+                  </a:glow>
+                </a:effectLst>
+                <a:latin typeface="HGP行書体" panose="03000600000000000000" pitchFamily="66" charset="-128"/>
+                <a:ea typeface="HGP行書体" panose="03000600000000000000" pitchFamily="66" charset="-128"/>
+              </a:rPr>
+              <a:t>殺生はせぬ</a:t>
+            </a:r>
+            <a:r>
+              <a:rPr lang="ja-JP" altLang="en-US" sz="4000" b="1" dirty="0">
+                <a:ln w="12700">
+                  <a:solidFill>
+                    <a:sysClr val="windowText" lastClr="000000"/>
+                  </a:solidFill>
+                </a:ln>
+                <a:solidFill>
+                  <a:srgbClr val="FF0000"/>
+                </a:solidFill>
+                <a:effectLst>
+                  <a:glow rad="254000">
+                    <a:schemeClr val="accent4"/>
+                  </a:glow>
+                </a:effectLst>
+                <a:latin typeface="HGP行書体" panose="03000600000000000000" pitchFamily="66" charset="-128"/>
+                <a:ea typeface="HGP行書体" panose="03000600000000000000" pitchFamily="66" charset="-128"/>
+              </a:rPr>
+              <a:t>。</a:t>
+            </a:r>
+            <a:endParaRPr lang="en-US" altLang="ja-JP" sz="4000" b="1" dirty="0">
+              <a:ln w="12700">
+                <a:solidFill>
+                  <a:sysClr val="windowText" lastClr="000000"/>
+                </a:solidFill>
+              </a:ln>
+              <a:solidFill>
+                <a:srgbClr val="FF0000"/>
+              </a:solidFill>
+              <a:effectLst>
+                <a:glow rad="254000">
+                  <a:schemeClr val="accent4"/>
+                </a:glow>
+              </a:effectLst>
+              <a:latin typeface="HGP行書体" panose="03000600000000000000" pitchFamily="66" charset="-128"/>
+              <a:ea typeface="HGP行書体" panose="03000600000000000000" pitchFamily="66" charset="-128"/>
+            </a:endParaRPr>
+          </a:p>
+          <a:p>
+            <a:endParaRPr kumimoji="1" lang="ja-JP" altLang="en-US" sz="4000" dirty="0">
+              <a:solidFill>
+                <a:schemeClr val="bg1"/>
+              </a:solidFill>
+              <a:effectLst>
+                <a:glow rad="254000">
+                  <a:schemeClr val="accent1">
+                    <a:alpha val="75000"/>
+                  </a:schemeClr>
+                </a:glow>
+              </a:effectLst>
+              <a:latin typeface="HGP行書体" panose="03000600000000000000" pitchFamily="66" charset="-128"/>
+              <a:ea typeface="HGP行書体" panose="03000600000000000000" pitchFamily="66" charset="-128"/>
+            </a:endParaRPr>
+          </a:p>
+        </p:txBody>
+      </p:sp>
+      <p:pic>
+        <p:nvPicPr>
+          <p:cNvPr id="19" name="図 18" descr="アイコン&#10;&#10;自動的に生成された説明">
+            <a:extLst>
+              <a:ext uri="{FF2B5EF4-FFF2-40B4-BE49-F238E27FC236}">
+                <a16:creationId xmlns:a16="http://schemas.microsoft.com/office/drawing/2014/main" id="{71B16080-6213-6BA8-C9F2-F8A68365E3D3}"/>
+              </a:ext>
+            </a:extLst>
+          </p:cNvPr>
+          <p:cNvPicPr>
+            <a:picLocks noChangeAspect="1"/>
+          </p:cNvPicPr>
+          <p:nvPr/>
+        </p:nvPicPr>
+        <p:blipFill>
+          <a:blip r:embed="rId5">
+            <a:extLst>
+              <a:ext uri="{28A0092B-C50C-407E-A947-70E740481C1C}">
+                <a14:useLocalDpi xmlns:a14="http://schemas.microsoft.com/office/drawing/2010/main" val="0"/>
+              </a:ext>
+            </a:extLst>
+          </a:blip>
+          <a:stretch>
+            <a:fillRect/>
+          </a:stretch>
+        </p:blipFill>
+        <p:spPr>
+          <a:xfrm rot="20131953">
+            <a:off x="6208635" y="2940268"/>
+            <a:ext cx="2660313" cy="3718143"/>
+          </a:xfrm>
+          <a:prstGeom prst="rect">
+            <a:avLst/>
+          </a:prstGeom>
+          <a:effectLst>
+            <a:glow rad="127000">
+              <a:srgbClr val="FF0000"/>
+            </a:glow>
+          </a:effectLst>
+        </p:spPr>
+      </p:pic>
+      <p:pic>
+        <p:nvPicPr>
+          <p:cNvPr id="20" name="図 19" descr="選手, 男 が含まれている画像&#10;&#10;自動的に生成された説明">
+            <a:extLst>
+              <a:ext uri="{FF2B5EF4-FFF2-40B4-BE49-F238E27FC236}">
+                <a16:creationId xmlns:a16="http://schemas.microsoft.com/office/drawing/2014/main" id="{4C7A2B20-03BE-28F5-3971-E44EB54B5188}"/>
+              </a:ext>
+            </a:extLst>
+          </p:cNvPr>
+          <p:cNvPicPr>
+            <a:picLocks noChangeAspect="1"/>
+          </p:cNvPicPr>
+          <p:nvPr/>
+        </p:nvPicPr>
+        <p:blipFill>
+          <a:blip r:embed="rId6">
+            <a:extLst>
+              <a:ext uri="{28A0092B-C50C-407E-A947-70E740481C1C}">
+                <a14:useLocalDpi xmlns:a14="http://schemas.microsoft.com/office/drawing/2010/main" val="0"/>
+              </a:ext>
+            </a:extLst>
+          </a:blip>
+          <a:stretch>
+            <a:fillRect/>
+          </a:stretch>
+        </p:blipFill>
+        <p:spPr>
+          <a:xfrm>
+            <a:off x="13979262" y="-5898708"/>
+            <a:ext cx="4744172" cy="4744172"/>
+          </a:xfrm>
+          <a:prstGeom prst="rect">
+            <a:avLst/>
+          </a:prstGeom>
+          <a:effectLst>
+            <a:glow rad="127000">
+              <a:srgbClr val="00B0F0"/>
+            </a:glow>
+          </a:effectLst>
+        </p:spPr>
+      </p:pic>
+      <p:pic>
+        <p:nvPicPr>
+          <p:cNvPr id="21" name="図 20" descr="光 が含まれている画像&#10;&#10;自動的に生成された説明">
+            <a:extLst>
+              <a:ext uri="{FF2B5EF4-FFF2-40B4-BE49-F238E27FC236}">
+                <a16:creationId xmlns:a16="http://schemas.microsoft.com/office/drawing/2014/main" id="{D5C32E5F-C93B-C946-A42F-6397BC14D28F}"/>
+              </a:ext>
+            </a:extLst>
+          </p:cNvPr>
+          <p:cNvPicPr>
+            <a:picLocks noChangeAspect="1"/>
+          </p:cNvPicPr>
+          <p:nvPr/>
+        </p:nvPicPr>
+        <p:blipFill>
+          <a:blip r:embed="rId7">
+            <a:extLst>
+              <a:ext uri="{28A0092B-C50C-407E-A947-70E740481C1C}">
+                <a14:useLocalDpi xmlns:a14="http://schemas.microsoft.com/office/drawing/2010/main" val="0"/>
+              </a:ext>
+            </a:extLst>
+          </a:blip>
+          <a:stretch>
+            <a:fillRect/>
+          </a:stretch>
+        </p:blipFill>
+        <p:spPr>
+          <a:xfrm rot="15598726">
+            <a:off x="12404044" y="-1715822"/>
+            <a:ext cx="1122572" cy="1122572"/>
+          </a:xfrm>
+          <a:prstGeom prst="rect">
+            <a:avLst/>
+          </a:prstGeom>
+          <a:effectLst>
+            <a:glow rad="127000">
+              <a:srgbClr val="00B0F0"/>
+            </a:glow>
+          </a:effectLst>
+        </p:spPr>
+      </p:pic>
+    </p:spTree>
+    <p:extLst>
+      <p:ext uri="{BB962C8B-B14F-4D97-AF65-F5344CB8AC3E}">
+        <p14:creationId xmlns:p14="http://schemas.microsoft.com/office/powerpoint/2010/main" val="536121820"/>
+      </p:ext>
+    </p:extLst>
+  </p:cSld>
+  <p:clrMapOvr>
+    <a:masterClrMapping/>
+  </p:clrMapOvr>
+  <mc:AlternateContent xmlns:mc="http://schemas.openxmlformats.org/markup-compatibility/2006">
+    <mc:Choice xmlns:p159="http://schemas.microsoft.com/office/powerpoint/2015/09/main" Requires="p159">
+      <p:transition>
+        <p159:morph option="byObject"/>
+      </p:transition>
+    </mc:Choice>
+    <mc:Fallback>
+      <p:transition>
+        <p:fade/>
+      </p:transition>
+    </mc:Fallback>
+  </mc:AlternateContent>
+</p:sld>
+</file>
+
+<file path=ppt/slides/slide6.xml><?xml version="1.0" encoding="utf-8"?>
+<p:sld xmlns:a="http://schemas.openxmlformats.org/drawingml/2006/main" xmlns:r="http://schemas.openxmlformats.org/officeDocument/2006/relationships" xmlns:p="http://schemas.openxmlformats.org/presentationml/2006/main">
+  <p:cSld>
+    <p:spTree>
+      <p:nvGrpSpPr>
+        <p:cNvPr id="1" name=""/>
+        <p:cNvGrpSpPr/>
+        <p:nvPr/>
+      </p:nvGrpSpPr>
+      <p:grpSpPr>
+        <a:xfrm>
+          <a:off x="0" y="0"/>
+          <a:ext cx="0" cy="0"/>
+          <a:chOff x="0" y="0"/>
+          <a:chExt cx="0" cy="0"/>
+        </a:xfrm>
+      </p:grpSpPr>
+      <p:sp>
+        <p:nvSpPr>
+          <p:cNvPr id="6" name="テキスト ボックス 5">
+            <a:extLst>
+              <a:ext uri="{FF2B5EF4-FFF2-40B4-BE49-F238E27FC236}">
+                <a16:creationId xmlns:a16="http://schemas.microsoft.com/office/drawing/2014/main" id="{F9DC87A5-33A2-40F5-8E54-B966410E2F56}"/>
+              </a:ext>
+            </a:extLst>
+          </p:cNvPr>
+          <p:cNvSpPr txBox="1"/>
+          <p:nvPr/>
+        </p:nvSpPr>
+        <p:spPr>
+          <a:xfrm>
+            <a:off x="4954501" y="923330"/>
+            <a:ext cx="2282997" cy="584775"/>
+          </a:xfrm>
+          <a:prstGeom prst="rect">
+            <a:avLst/>
+          </a:prstGeom>
+          <a:noFill/>
+        </p:spPr>
+        <p:txBody>
+          <a:bodyPr wrap="none" rtlCol="0">
+            <a:spAutoFit/>
+          </a:bodyPr>
+          <a:lstStyle/>
+          <a:p>
+            <a:r>
+              <a:rPr lang="ja-JP" altLang="en-US" sz="3200" b="1" dirty="0">
+                <a:ln>
+                  <a:solidFill>
+                    <a:schemeClr val="bg1"/>
+                  </a:solidFill>
+                </a:ln>
+                <a:solidFill>
+                  <a:srgbClr val="0000FF"/>
+                </a:solidFill>
+                <a:effectLst>
+                  <a:glow rad="444500">
+                    <a:srgbClr val="00B050"/>
+                  </a:glow>
+                </a:effectLst>
+                <a:latin typeface="HGP行書体" panose="03000600000000000000" pitchFamily="66" charset="-128"/>
+                <a:ea typeface="HGP行書体" panose="03000600000000000000" pitchFamily="66" charset="-128"/>
+              </a:rPr>
+              <a:t>璧</a:t>
+            </a:r>
+            <a:r>
+              <a:rPr lang="ja-JP" altLang="en-US" sz="2000" b="1" dirty="0">
+                <a:ln>
+                  <a:solidFill>
+                    <a:schemeClr val="bg1"/>
+                  </a:solidFill>
+                </a:ln>
+                <a:solidFill>
+                  <a:srgbClr val="0000FF"/>
+                </a:solidFill>
+                <a:effectLst>
+                  <a:glow rad="444500">
+                    <a:srgbClr val="00B050"/>
+                  </a:glow>
+                </a:effectLst>
+                <a:latin typeface="HGP行書体" panose="03000600000000000000" pitchFamily="66" charset="-128"/>
+                <a:ea typeface="HGP行書体" panose="03000600000000000000" pitchFamily="66" charset="-128"/>
+              </a:rPr>
+              <a:t>を</a:t>
+            </a:r>
+            <a:r>
+              <a:rPr lang="ja-JP" altLang="en-US" sz="3200" b="1" dirty="0">
+                <a:ln>
+                  <a:solidFill>
+                    <a:schemeClr val="bg1"/>
+                  </a:solidFill>
+                </a:ln>
+                <a:solidFill>
+                  <a:srgbClr val="0000FF"/>
+                </a:solidFill>
+                <a:effectLst>
+                  <a:glow rad="444500">
+                    <a:srgbClr val="00B050"/>
+                  </a:glow>
+                </a:effectLst>
+                <a:latin typeface="HGP行書体" panose="03000600000000000000" pitchFamily="66" charset="-128"/>
+                <a:ea typeface="HGP行書体" panose="03000600000000000000" pitchFamily="66" charset="-128"/>
+              </a:rPr>
+              <a:t>完</a:t>
+            </a:r>
+            <a:r>
+              <a:rPr lang="ja-JP" altLang="en-US" sz="2000" b="1" dirty="0">
+                <a:ln>
+                  <a:solidFill>
+                    <a:schemeClr val="bg1"/>
+                  </a:solidFill>
+                </a:ln>
+                <a:solidFill>
+                  <a:srgbClr val="0000FF"/>
+                </a:solidFill>
+                <a:effectLst>
+                  <a:glow rad="444500">
+                    <a:srgbClr val="00B050"/>
+                  </a:glow>
+                </a:effectLst>
+                <a:latin typeface="HGP行書体" panose="03000600000000000000" pitchFamily="66" charset="-128"/>
+                <a:ea typeface="HGP行書体" panose="03000600000000000000" pitchFamily="66" charset="-128"/>
+              </a:rPr>
+              <a:t>うして</a:t>
+            </a:r>
+            <a:r>
+              <a:rPr lang="ja-JP" altLang="en-US" sz="3200" b="1" dirty="0">
+                <a:ln>
+                  <a:solidFill>
+                    <a:schemeClr val="bg1"/>
+                  </a:solidFill>
+                </a:ln>
+                <a:solidFill>
+                  <a:srgbClr val="0000FF"/>
+                </a:solidFill>
+                <a:effectLst>
+                  <a:glow rad="444500">
+                    <a:srgbClr val="00B050"/>
+                  </a:glow>
+                </a:effectLst>
+                <a:latin typeface="HGP行書体" panose="03000600000000000000" pitchFamily="66" charset="-128"/>
+                <a:ea typeface="HGP行書体" panose="03000600000000000000" pitchFamily="66" charset="-128"/>
+              </a:rPr>
+              <a:t>帰</a:t>
+            </a:r>
+            <a:r>
+              <a:rPr lang="ja-JP" altLang="en-US" sz="2000" b="1" dirty="0">
+                <a:ln>
+                  <a:solidFill>
+                    <a:schemeClr val="bg1"/>
+                  </a:solidFill>
+                </a:ln>
+                <a:solidFill>
+                  <a:srgbClr val="0000FF"/>
+                </a:solidFill>
+                <a:effectLst>
+                  <a:glow rad="444500">
+                    <a:srgbClr val="00B050"/>
+                  </a:glow>
+                </a:effectLst>
+                <a:latin typeface="HGP行書体" panose="03000600000000000000" pitchFamily="66" charset="-128"/>
+                <a:ea typeface="HGP行書体" panose="03000600000000000000" pitchFamily="66" charset="-128"/>
+              </a:rPr>
+              <a:t>る</a:t>
+            </a:r>
+            <a:endParaRPr kumimoji="1" lang="en-US" altLang="ja-JP" sz="2800" b="1" dirty="0">
+              <a:ln>
+                <a:solidFill>
+                  <a:schemeClr val="bg1"/>
+                </a:solidFill>
+              </a:ln>
+              <a:solidFill>
+                <a:srgbClr val="0000FF"/>
+              </a:solidFill>
+              <a:effectLst>
+                <a:glow rad="444500">
+                  <a:srgbClr val="00B050"/>
+                </a:glow>
+              </a:effectLst>
+              <a:latin typeface="HGP行書体" panose="03000600000000000000" pitchFamily="66" charset="-128"/>
+              <a:ea typeface="HGP行書体" panose="03000600000000000000" pitchFamily="66" charset="-128"/>
+            </a:endParaRPr>
+          </a:p>
+        </p:txBody>
+      </p:sp>
+      <p:sp>
+        <p:nvSpPr>
+          <p:cNvPr id="3" name="テキスト ボックス 2">
+            <a:extLst>
+              <a:ext uri="{FF2B5EF4-FFF2-40B4-BE49-F238E27FC236}">
+                <a16:creationId xmlns:a16="http://schemas.microsoft.com/office/drawing/2014/main" id="{384BC037-DD60-4BC2-961C-2F9C32905BFE}"/>
+              </a:ext>
+            </a:extLst>
+          </p:cNvPr>
+          <p:cNvSpPr txBox="1"/>
+          <p:nvPr/>
+        </p:nvSpPr>
+        <p:spPr>
+          <a:xfrm>
+            <a:off x="504610" y="0"/>
+            <a:ext cx="11388054" cy="923330"/>
+          </a:xfrm>
+          <a:prstGeom prst="rect">
+            <a:avLst/>
+          </a:prstGeom>
+          <a:noFill/>
+        </p:spPr>
+        <p:txBody>
+          <a:bodyPr wrap="none" rtlCol="0">
+            <a:spAutoFit/>
+          </a:bodyPr>
+          <a:lstStyle/>
+          <a:p>
+            <a:r>
+              <a:rPr kumimoji="1" lang="ja-JP" altLang="en-US" sz="3200" b="1" dirty="0">
+                <a:gradFill>
+                  <a:gsLst>
+                    <a:gs pos="0">
+                      <a:schemeClr val="accent1">
+                        <a:lumMod val="5000"/>
+                        <a:lumOff val="95000"/>
+                      </a:schemeClr>
+                    </a:gs>
+                    <a:gs pos="74000">
+                      <a:srgbClr val="0000FF"/>
+                    </a:gs>
+                    <a:gs pos="83000">
+                      <a:srgbClr val="000099"/>
+                    </a:gs>
+                    <a:gs pos="100000">
+                      <a:schemeClr val="tx1"/>
+                    </a:gs>
+                  </a:gsLst>
+                  <a:lin ang="5400000" scaled="1"/>
+                </a:gradFill>
+                <a:effectLst>
+                  <a:glow rad="508000">
+                    <a:schemeClr val="bg1">
+                      <a:alpha val="90000"/>
+                    </a:schemeClr>
+                  </a:glow>
+                </a:effectLst>
+                <a:latin typeface="HGP行書体" panose="03000600000000000000" pitchFamily="66" charset="-128"/>
+                <a:ea typeface="HGP行書体" panose="03000600000000000000" pitchFamily="66" charset="-128"/>
+              </a:rPr>
+              <a:t>敵は</a:t>
+            </a:r>
+            <a:r>
+              <a:rPr kumimoji="1" lang="ja-JP" altLang="en-US" sz="5400" b="1" dirty="0">
+                <a:gradFill>
+                  <a:gsLst>
+                    <a:gs pos="0">
+                      <a:schemeClr val="accent1">
+                        <a:lumMod val="5000"/>
+                        <a:lumOff val="95000"/>
+                      </a:schemeClr>
+                    </a:gs>
+                    <a:gs pos="74000">
+                      <a:srgbClr val="0000FF"/>
+                    </a:gs>
+                    <a:gs pos="83000">
+                      <a:srgbClr val="000099"/>
+                    </a:gs>
+                    <a:gs pos="100000">
+                      <a:schemeClr val="tx1"/>
+                    </a:gs>
+                  </a:gsLst>
+                  <a:lin ang="5400000" scaled="1"/>
+                </a:gradFill>
+                <a:effectLst>
+                  <a:glow rad="508000">
+                    <a:schemeClr val="bg1">
+                      <a:alpha val="90000"/>
+                    </a:schemeClr>
+                  </a:glow>
+                </a:effectLst>
+                <a:latin typeface="HGP行書体" panose="03000600000000000000" pitchFamily="66" charset="-128"/>
+                <a:ea typeface="HGP行書体" panose="03000600000000000000" pitchFamily="66" charset="-128"/>
+              </a:rPr>
+              <a:t>殺さず</a:t>
+            </a:r>
+            <a:r>
+              <a:rPr kumimoji="1" lang="ja-JP" altLang="en-US" sz="3200" b="1" dirty="0">
+                <a:gradFill>
+                  <a:gsLst>
+                    <a:gs pos="0">
+                      <a:schemeClr val="accent1">
+                        <a:lumMod val="5000"/>
+                        <a:lumOff val="95000"/>
+                      </a:schemeClr>
+                    </a:gs>
+                    <a:gs pos="74000">
+                      <a:srgbClr val="0000FF"/>
+                    </a:gs>
+                    <a:gs pos="83000">
+                      <a:srgbClr val="000099"/>
+                    </a:gs>
+                    <a:gs pos="100000">
+                      <a:schemeClr val="tx1"/>
+                    </a:gs>
+                  </a:gsLst>
+                  <a:lin ang="5400000" scaled="1"/>
+                </a:gradFill>
+                <a:effectLst>
+                  <a:glow rad="508000">
+                    <a:schemeClr val="bg1">
+                      <a:alpha val="90000"/>
+                    </a:schemeClr>
+                  </a:glow>
+                </a:effectLst>
+                <a:latin typeface="HGP行書体" panose="03000600000000000000" pitchFamily="66" charset="-128"/>
+                <a:ea typeface="HGP行書体" panose="03000600000000000000" pitchFamily="66" charset="-128"/>
+              </a:rPr>
+              <a:t>、自分も</a:t>
+            </a:r>
+            <a:r>
+              <a:rPr kumimoji="1" lang="ja-JP" altLang="en-US" sz="5400" b="1" dirty="0">
+                <a:gradFill>
+                  <a:gsLst>
+                    <a:gs pos="0">
+                      <a:schemeClr val="accent1">
+                        <a:lumMod val="5000"/>
+                        <a:lumOff val="95000"/>
+                      </a:schemeClr>
+                    </a:gs>
+                    <a:gs pos="74000">
+                      <a:srgbClr val="0000FF"/>
+                    </a:gs>
+                    <a:gs pos="83000">
+                      <a:srgbClr val="000099"/>
+                    </a:gs>
+                    <a:gs pos="100000">
+                      <a:schemeClr val="tx1"/>
+                    </a:gs>
+                  </a:gsLst>
+                  <a:lin ang="5400000" scaled="1"/>
+                </a:gradFill>
+                <a:effectLst>
+                  <a:glow rad="508000">
+                    <a:schemeClr val="bg1">
+                      <a:alpha val="90000"/>
+                    </a:schemeClr>
+                  </a:glow>
+                </a:effectLst>
+                <a:latin typeface="HGP行書体" panose="03000600000000000000" pitchFamily="66" charset="-128"/>
+                <a:ea typeface="HGP行書体" panose="03000600000000000000" pitchFamily="66" charset="-128"/>
+              </a:rPr>
+              <a:t>死なず</a:t>
+            </a:r>
+            <a:r>
+              <a:rPr kumimoji="1" lang="ja-JP" altLang="en-US" sz="3200" b="1" dirty="0">
+                <a:gradFill>
+                  <a:gsLst>
+                    <a:gs pos="0">
+                      <a:schemeClr val="accent1">
+                        <a:lumMod val="5000"/>
+                        <a:lumOff val="95000"/>
+                      </a:schemeClr>
+                    </a:gs>
+                    <a:gs pos="74000">
+                      <a:srgbClr val="0000FF"/>
+                    </a:gs>
+                    <a:gs pos="83000">
+                      <a:srgbClr val="000099"/>
+                    </a:gs>
+                    <a:gs pos="100000">
+                      <a:schemeClr val="tx1"/>
+                    </a:gs>
+                  </a:gsLst>
+                  <a:lin ang="5400000" scaled="1"/>
+                </a:gradFill>
+                <a:effectLst>
+                  <a:glow rad="508000">
+                    <a:schemeClr val="bg1">
+                      <a:alpha val="90000"/>
+                    </a:schemeClr>
+                  </a:glow>
+                </a:effectLst>
+                <a:latin typeface="HGP行書体" panose="03000600000000000000" pitchFamily="66" charset="-128"/>
+                <a:ea typeface="HGP行書体" panose="03000600000000000000" pitchFamily="66" charset="-128"/>
+              </a:rPr>
+              <a:t>。必ずや任務を</a:t>
+            </a:r>
+            <a:r>
+              <a:rPr kumimoji="1" lang="ja-JP" altLang="en-US" sz="5400" b="1" dirty="0">
+                <a:gradFill>
+                  <a:gsLst>
+                    <a:gs pos="0">
+                      <a:schemeClr val="accent1">
+                        <a:lumMod val="5000"/>
+                        <a:lumOff val="95000"/>
+                      </a:schemeClr>
+                    </a:gs>
+                    <a:gs pos="74000">
+                      <a:srgbClr val="0000FF"/>
+                    </a:gs>
+                    <a:gs pos="83000">
+                      <a:srgbClr val="000099"/>
+                    </a:gs>
+                    <a:gs pos="100000">
+                      <a:schemeClr val="tx1"/>
+                    </a:gs>
+                  </a:gsLst>
+                  <a:lin ang="5400000" scaled="1"/>
+                </a:gradFill>
+                <a:effectLst>
+                  <a:glow rad="508000">
+                    <a:schemeClr val="bg1">
+                      <a:alpha val="90000"/>
+                    </a:schemeClr>
+                  </a:glow>
+                </a:effectLst>
+                <a:latin typeface="HGP行書体" panose="03000600000000000000" pitchFamily="66" charset="-128"/>
+                <a:ea typeface="HGP行書体" panose="03000600000000000000" pitchFamily="66" charset="-128"/>
+              </a:rPr>
+              <a:t>達成せよ</a:t>
+            </a:r>
+            <a:r>
+              <a:rPr kumimoji="1" lang="ja-JP" altLang="en-US" sz="3200" b="1" dirty="0">
+                <a:gradFill>
+                  <a:gsLst>
+                    <a:gs pos="0">
+                      <a:schemeClr val="accent1">
+                        <a:lumMod val="5000"/>
+                        <a:lumOff val="95000"/>
+                      </a:schemeClr>
+                    </a:gs>
+                    <a:gs pos="74000">
+                      <a:srgbClr val="0000FF"/>
+                    </a:gs>
+                    <a:gs pos="83000">
+                      <a:srgbClr val="000099"/>
+                    </a:gs>
+                    <a:gs pos="100000">
+                      <a:schemeClr val="tx1"/>
+                    </a:gs>
+                  </a:gsLst>
+                  <a:lin ang="5400000" scaled="1"/>
+                </a:gradFill>
+                <a:effectLst>
+                  <a:glow rad="508000">
+                    <a:schemeClr val="bg1">
+                      <a:alpha val="90000"/>
+                    </a:schemeClr>
+                  </a:glow>
+                </a:effectLst>
+                <a:latin typeface="HGP行書体" panose="03000600000000000000" pitchFamily="66" charset="-128"/>
+                <a:ea typeface="HGP行書体" panose="03000600000000000000" pitchFamily="66" charset="-128"/>
+              </a:rPr>
+              <a:t>。</a:t>
+            </a:r>
+            <a:endParaRPr kumimoji="1" lang="ja-JP" altLang="en-US" sz="3600" b="1" dirty="0">
+              <a:gradFill>
+                <a:gsLst>
+                  <a:gs pos="0">
+                    <a:schemeClr val="accent1">
+                      <a:lumMod val="5000"/>
+                      <a:lumOff val="95000"/>
+                    </a:schemeClr>
+                  </a:gs>
+                  <a:gs pos="74000">
+                    <a:srgbClr val="0000FF"/>
+                  </a:gs>
+                  <a:gs pos="83000">
+                    <a:srgbClr val="000099"/>
+                  </a:gs>
+                  <a:gs pos="100000">
+                    <a:schemeClr val="tx1"/>
+                  </a:gs>
+                </a:gsLst>
+                <a:lin ang="5400000" scaled="1"/>
+              </a:gradFill>
+              <a:effectLst>
+                <a:glow rad="508000">
+                  <a:schemeClr val="bg1">
+                    <a:alpha val="90000"/>
+                  </a:schemeClr>
+                </a:glow>
+              </a:effectLst>
+              <a:latin typeface="HGP行書体" panose="03000600000000000000" pitchFamily="66" charset="-128"/>
+              <a:ea typeface="HGP行書体" panose="03000600000000000000" pitchFamily="66" charset="-128"/>
+            </a:endParaRPr>
+          </a:p>
+        </p:txBody>
+      </p:sp>
+      <p:sp>
+        <p:nvSpPr>
+          <p:cNvPr id="4" name="テキスト ボックス 3">
+            <a:extLst>
+              <a:ext uri="{FF2B5EF4-FFF2-40B4-BE49-F238E27FC236}">
+                <a16:creationId xmlns:a16="http://schemas.microsoft.com/office/drawing/2014/main" id="{5B7B9F27-188C-419F-9E5F-FC3A3AE8D5D4}"/>
+              </a:ext>
+            </a:extLst>
+          </p:cNvPr>
+          <p:cNvSpPr txBox="1"/>
+          <p:nvPr/>
+        </p:nvSpPr>
+        <p:spPr>
+          <a:xfrm rot="21242680">
+            <a:off x="140795" y="1367009"/>
+            <a:ext cx="9496777" cy="1631216"/>
+          </a:xfrm>
+          <a:prstGeom prst="rect">
+            <a:avLst/>
+          </a:prstGeom>
+          <a:noFill/>
+          <a:effectLst>
+            <a:glow rad="127000">
+              <a:srgbClr val="0066FF"/>
+            </a:glow>
+          </a:effectLst>
+          <a:scene3d>
+            <a:camera prst="orthographicFront">
+              <a:rot lat="0" lon="0" rev="0"/>
+            </a:camera>
+            <a:lightRig rig="threePt" dir="t"/>
+          </a:scene3d>
+        </p:spPr>
+        <p:txBody>
+          <a:bodyPr wrap="square" rtlCol="0">
+            <a:spAutoFit/>
+          </a:bodyPr>
+          <a:lstStyle/>
+          <a:p>
+            <a:r>
+              <a:rPr lang="ja-JP" altLang="en-US" sz="5400" dirty="0">
+                <a:solidFill>
+                  <a:schemeClr val="bg1"/>
+                </a:solidFill>
+                <a:effectLst>
+                  <a:glow rad="254000">
+                    <a:schemeClr val="accent1">
+                      <a:alpha val="75000"/>
+                    </a:schemeClr>
+                  </a:glow>
+                </a:effectLst>
+                <a:latin typeface="HGP行書体" panose="03000600000000000000" pitchFamily="66" charset="-128"/>
+                <a:ea typeface="HGP行書体" panose="03000600000000000000" pitchFamily="66" charset="-128"/>
+              </a:rPr>
+              <a:t>一流の忍</a:t>
+            </a:r>
+            <a:r>
+              <a:rPr lang="ja-JP" altLang="en-US" sz="4000" dirty="0">
+                <a:solidFill>
+                  <a:schemeClr val="bg1"/>
+                </a:solidFill>
+                <a:effectLst>
+                  <a:glow rad="254000">
+                    <a:schemeClr val="accent1">
+                      <a:alpha val="75000"/>
+                    </a:schemeClr>
+                  </a:glow>
+                </a:effectLst>
+                <a:latin typeface="HGP行書体" panose="03000600000000000000" pitchFamily="66" charset="-128"/>
+                <a:ea typeface="HGP行書体" panose="03000600000000000000" pitchFamily="66" charset="-128"/>
+              </a:rPr>
+              <a:t>たる者無益な</a:t>
+            </a:r>
+            <a:r>
+              <a:rPr lang="ja-JP" altLang="en-US" sz="6000" b="1" dirty="0">
+                <a:ln w="12700">
+                  <a:solidFill>
+                    <a:sysClr val="windowText" lastClr="000000"/>
+                  </a:solidFill>
+                </a:ln>
+                <a:solidFill>
+                  <a:srgbClr val="FF0000"/>
+                </a:solidFill>
+                <a:effectLst>
+                  <a:glow rad="254000">
+                    <a:schemeClr val="accent4"/>
+                  </a:glow>
+                </a:effectLst>
+                <a:latin typeface="HGP行書体" panose="03000600000000000000" pitchFamily="66" charset="-128"/>
+                <a:ea typeface="HGP行書体" panose="03000600000000000000" pitchFamily="66" charset="-128"/>
+              </a:rPr>
+              <a:t>殺生はせぬ</a:t>
+            </a:r>
+            <a:r>
+              <a:rPr lang="ja-JP" altLang="en-US" sz="4000" b="1" dirty="0">
+                <a:ln w="12700">
+                  <a:solidFill>
+                    <a:sysClr val="windowText" lastClr="000000"/>
+                  </a:solidFill>
+                </a:ln>
+                <a:solidFill>
+                  <a:srgbClr val="FF0000"/>
+                </a:solidFill>
+                <a:effectLst>
+                  <a:glow rad="254000">
+                    <a:schemeClr val="accent4"/>
+                  </a:glow>
+                </a:effectLst>
+                <a:latin typeface="HGP行書体" panose="03000600000000000000" pitchFamily="66" charset="-128"/>
+                <a:ea typeface="HGP行書体" panose="03000600000000000000" pitchFamily="66" charset="-128"/>
+              </a:rPr>
+              <a:t>。</a:t>
+            </a:r>
+            <a:endParaRPr lang="en-US" altLang="ja-JP" sz="4000" b="1" dirty="0">
+              <a:ln w="12700">
+                <a:solidFill>
+                  <a:sysClr val="windowText" lastClr="000000"/>
+                </a:solidFill>
+              </a:ln>
+              <a:solidFill>
+                <a:srgbClr val="FF0000"/>
+              </a:solidFill>
+              <a:effectLst>
+                <a:glow rad="254000">
+                  <a:schemeClr val="accent4"/>
+                </a:glow>
+              </a:effectLst>
+              <a:latin typeface="HGP行書体" panose="03000600000000000000" pitchFamily="66" charset="-128"/>
+              <a:ea typeface="HGP行書体" panose="03000600000000000000" pitchFamily="66" charset="-128"/>
+            </a:endParaRPr>
+          </a:p>
+          <a:p>
+            <a:endParaRPr kumimoji="1" lang="ja-JP" altLang="en-US" sz="4000" dirty="0">
+              <a:solidFill>
+                <a:schemeClr val="bg1"/>
+              </a:solidFill>
+              <a:effectLst>
+                <a:glow rad="254000">
+                  <a:schemeClr val="accent1">
+                    <a:alpha val="75000"/>
+                  </a:schemeClr>
+                </a:glow>
+              </a:effectLst>
+              <a:latin typeface="HGP行書体" panose="03000600000000000000" pitchFamily="66" charset="-128"/>
+              <a:ea typeface="HGP行書体" panose="03000600000000000000" pitchFamily="66" charset="-128"/>
+            </a:endParaRPr>
+          </a:p>
+        </p:txBody>
+      </p:sp>
+      <p:sp>
+        <p:nvSpPr>
+          <p:cNvPr id="5" name="テキスト ボックス 4">
+            <a:extLst>
+              <a:ext uri="{FF2B5EF4-FFF2-40B4-BE49-F238E27FC236}">
+                <a16:creationId xmlns:a16="http://schemas.microsoft.com/office/drawing/2014/main" id="{FCC250EF-C813-4301-B932-5A0F039D763C}"/>
+              </a:ext>
+            </a:extLst>
+          </p:cNvPr>
+          <p:cNvSpPr txBox="1"/>
+          <p:nvPr/>
+        </p:nvSpPr>
+        <p:spPr>
+          <a:xfrm rot="713856">
+            <a:off x="9525956" y="1272366"/>
+            <a:ext cx="2627642" cy="646331"/>
+          </a:xfrm>
+          <a:prstGeom prst="rect">
+            <a:avLst/>
+          </a:prstGeom>
+          <a:noFill/>
+          <a:scene3d>
+            <a:camera prst="orthographicFront">
+              <a:rot lat="0" lon="0" rev="0"/>
+            </a:camera>
+            <a:lightRig rig="threePt" dir="t"/>
+          </a:scene3d>
+        </p:spPr>
+        <p:txBody>
+          <a:bodyPr wrap="none" rtlCol="0">
+            <a:spAutoFit/>
+          </a:bodyPr>
+          <a:lstStyle/>
+          <a:p>
+            <a:r>
+              <a:rPr lang="ja-JP" altLang="en-US" sz="1200" dirty="0">
+                <a:solidFill>
+                  <a:schemeClr val="bg1"/>
+                </a:solidFill>
+                <a:effectLst>
+                  <a:glow rad="254000">
+                    <a:schemeClr val="accent1">
+                      <a:alpha val="75000"/>
+                    </a:schemeClr>
+                  </a:glow>
+                </a:effectLst>
+                <a:latin typeface="HGP行書体" panose="03000600000000000000" pitchFamily="66" charset="-128"/>
+                <a:ea typeface="HGP行書体" panose="03000600000000000000" pitchFamily="66" charset="-128"/>
+              </a:rPr>
+              <a:t>力は</a:t>
+            </a:r>
+            <a:r>
+              <a:rPr lang="ja-JP" altLang="en-US" sz="1600" dirty="0">
+                <a:solidFill>
+                  <a:schemeClr val="bg1"/>
+                </a:solidFill>
+                <a:effectLst>
+                  <a:glow rad="254000">
+                    <a:schemeClr val="accent1">
+                      <a:alpha val="75000"/>
+                    </a:schemeClr>
+                  </a:glow>
+                </a:effectLst>
+                <a:latin typeface="HGP行書体" panose="03000600000000000000" pitchFamily="66" charset="-128"/>
+                <a:ea typeface="HGP行書体" panose="03000600000000000000" pitchFamily="66" charset="-128"/>
+              </a:rPr>
+              <a:t>自ら振るわぬ。</a:t>
+            </a:r>
+            <a:endParaRPr lang="en-US" altLang="ja-JP" sz="1600" dirty="0">
+              <a:solidFill>
+                <a:schemeClr val="bg1"/>
+              </a:solidFill>
+              <a:effectLst>
+                <a:glow rad="254000">
+                  <a:schemeClr val="accent1">
+                    <a:alpha val="75000"/>
+                  </a:schemeClr>
+                </a:glow>
+              </a:effectLst>
+              <a:latin typeface="HGP行書体" panose="03000600000000000000" pitchFamily="66" charset="-128"/>
+              <a:ea typeface="HGP行書体" panose="03000600000000000000" pitchFamily="66" charset="-128"/>
+            </a:endParaRPr>
+          </a:p>
+          <a:p>
+            <a:r>
+              <a:rPr lang="ja-JP" altLang="en-US" sz="1200" dirty="0">
+                <a:solidFill>
+                  <a:schemeClr val="bg1"/>
+                </a:solidFill>
+                <a:effectLst>
+                  <a:glow rad="254000">
+                    <a:schemeClr val="accent1">
+                      <a:alpha val="75000"/>
+                    </a:schemeClr>
+                  </a:glow>
+                </a:effectLst>
+                <a:latin typeface="HGP行書体" panose="03000600000000000000" pitchFamily="66" charset="-128"/>
+                <a:ea typeface="HGP行書体" panose="03000600000000000000" pitchFamily="66" charset="-128"/>
+              </a:rPr>
+              <a:t>敵の攻撃を</a:t>
+            </a:r>
+            <a:r>
+              <a:rPr lang="ja-JP" altLang="en-US" sz="2000" b="1" dirty="0">
+                <a:effectLst>
+                  <a:glow rad="381000">
+                    <a:srgbClr val="0066FF"/>
+                  </a:glow>
+                </a:effectLst>
+                <a:latin typeface="HGP行書体" panose="03000600000000000000" pitchFamily="66" charset="-128"/>
+                <a:ea typeface="HGP行書体" panose="03000600000000000000" pitchFamily="66" charset="-128"/>
+              </a:rPr>
+              <a:t>弾き返し</a:t>
+            </a:r>
+            <a:r>
+              <a:rPr lang="ja-JP" altLang="en-US" sz="1200" dirty="0">
+                <a:solidFill>
+                  <a:schemeClr val="bg1"/>
+                </a:solidFill>
+                <a:effectLst>
+                  <a:glow rad="254000">
+                    <a:schemeClr val="accent1">
+                      <a:alpha val="75000"/>
+                    </a:schemeClr>
+                  </a:glow>
+                </a:effectLst>
+                <a:latin typeface="HGP行書体" panose="03000600000000000000" pitchFamily="66" charset="-128"/>
+                <a:ea typeface="HGP行書体" panose="03000600000000000000" pitchFamily="66" charset="-128"/>
+              </a:rPr>
+              <a:t>隙を生み出せ。</a:t>
+            </a:r>
+            <a:endParaRPr kumimoji="1" lang="ja-JP" altLang="en-US" sz="1200" dirty="0">
+              <a:solidFill>
+                <a:schemeClr val="bg1"/>
+              </a:solidFill>
+              <a:effectLst>
+                <a:glow rad="254000">
+                  <a:schemeClr val="accent1">
+                    <a:alpha val="75000"/>
+                  </a:schemeClr>
+                </a:glow>
+              </a:effectLst>
+              <a:latin typeface="HGP行書体" panose="03000600000000000000" pitchFamily="66" charset="-128"/>
+              <a:ea typeface="HGP行書体" panose="03000600000000000000" pitchFamily="66" charset="-128"/>
+            </a:endParaRPr>
+          </a:p>
+        </p:txBody>
+      </p:sp>
+      <p:grpSp>
+        <p:nvGrpSpPr>
+          <p:cNvPr id="2" name="グループ化 1">
+            <a:extLst>
+              <a:ext uri="{FF2B5EF4-FFF2-40B4-BE49-F238E27FC236}">
+                <a16:creationId xmlns:a16="http://schemas.microsoft.com/office/drawing/2014/main" id="{73D9710E-0D4C-C842-B2B7-E9227ACD35BE}"/>
+              </a:ext>
+            </a:extLst>
+          </p:cNvPr>
+          <p:cNvGrpSpPr/>
+          <p:nvPr/>
+        </p:nvGrpSpPr>
+        <p:grpSpPr>
+          <a:xfrm>
+            <a:off x="256098" y="3334826"/>
+            <a:ext cx="6358340" cy="3284940"/>
+            <a:chOff x="256098" y="3334826"/>
+            <a:chExt cx="6358340" cy="3284940"/>
+          </a:xfrm>
+        </p:grpSpPr>
+        <p:pic>
+          <p:nvPicPr>
+            <p:cNvPr id="11" name="図 10" descr="アイコン&#10;&#10;自動的に生成された説明">
+              <a:extLst>
+                <a:ext uri="{FF2B5EF4-FFF2-40B4-BE49-F238E27FC236}">
+                  <a16:creationId xmlns:a16="http://schemas.microsoft.com/office/drawing/2014/main" id="{333953CC-B6B0-58F0-96A9-DCBCE13A3DA7}"/>
+                </a:ext>
+              </a:extLst>
+            </p:cNvPr>
+            <p:cNvPicPr>
+              <a:picLocks noChangeAspect="1"/>
+            </p:cNvPicPr>
+            <p:nvPr/>
+          </p:nvPicPr>
+          <p:blipFill>
+            <a:blip r:embed="rId2">
+              <a:extLst>
+                <a:ext uri="{28A0092B-C50C-407E-A947-70E740481C1C}">
+                  <a14:useLocalDpi xmlns:a14="http://schemas.microsoft.com/office/drawing/2010/main" val="0"/>
+                </a:ext>
+              </a:extLst>
+            </a:blip>
+            <a:stretch>
+              <a:fillRect/>
+            </a:stretch>
+          </p:blipFill>
+          <p:spPr>
+            <a:xfrm rot="808516">
+              <a:off x="256098" y="4556078"/>
+              <a:ext cx="1559990" cy="1536783"/>
+            </a:xfrm>
+            <a:prstGeom prst="rect">
+              <a:avLst/>
+            </a:prstGeom>
+            <a:effectLst>
+              <a:glow rad="127000">
+                <a:srgbClr val="FF0000"/>
+              </a:glow>
+            </a:effectLst>
+          </p:spPr>
+        </p:pic>
+        <p:pic>
+          <p:nvPicPr>
+            <p:cNvPr id="13" name="図 12" descr="アイコン&#10;&#10;自動的に生成された説明">
+              <a:extLst>
+                <a:ext uri="{FF2B5EF4-FFF2-40B4-BE49-F238E27FC236}">
+                  <a16:creationId xmlns:a16="http://schemas.microsoft.com/office/drawing/2014/main" id="{92C8DACB-7305-86A7-62CE-54BAC21AE3DB}"/>
+                </a:ext>
+              </a:extLst>
+            </p:cNvPr>
+            <p:cNvPicPr>
+              <a:picLocks noChangeAspect="1"/>
+            </p:cNvPicPr>
+            <p:nvPr/>
+          </p:nvPicPr>
+          <p:blipFill>
+            <a:blip r:embed="rId3">
+              <a:extLst>
+                <a:ext uri="{28A0092B-C50C-407E-A947-70E740481C1C}">
+                  <a14:useLocalDpi xmlns:a14="http://schemas.microsoft.com/office/drawing/2010/main" val="0"/>
+                </a:ext>
+              </a:extLst>
+            </a:blip>
+            <a:stretch>
+              <a:fillRect/>
+            </a:stretch>
+          </p:blipFill>
+          <p:spPr>
+            <a:xfrm rot="1394659">
+              <a:off x="746250" y="4471227"/>
+              <a:ext cx="1559990" cy="1536783"/>
+            </a:xfrm>
+            <a:prstGeom prst="rect">
+              <a:avLst/>
+            </a:prstGeom>
+            <a:effectLst>
+              <a:glow rad="127000">
+                <a:srgbClr val="FF0000"/>
+              </a:glow>
+            </a:effectLst>
+          </p:spPr>
+        </p:pic>
+        <p:pic>
+          <p:nvPicPr>
+            <p:cNvPr id="14" name="図 13" descr="アイコン&#10;&#10;自動的に生成された説明">
+              <a:extLst>
+                <a:ext uri="{FF2B5EF4-FFF2-40B4-BE49-F238E27FC236}">
+                  <a16:creationId xmlns:a16="http://schemas.microsoft.com/office/drawing/2014/main" id="{95A0E887-10BC-EB61-6026-A032D6809604}"/>
+                </a:ext>
+              </a:extLst>
+            </p:cNvPr>
+            <p:cNvPicPr>
+              <a:picLocks noChangeAspect="1"/>
+            </p:cNvPicPr>
+            <p:nvPr/>
+          </p:nvPicPr>
+          <p:blipFill>
+            <a:blip r:embed="rId2">
+              <a:extLst>
+                <a:ext uri="{28A0092B-C50C-407E-A947-70E740481C1C}">
+                  <a14:useLocalDpi xmlns:a14="http://schemas.microsoft.com/office/drawing/2010/main" val="0"/>
+                </a:ext>
+              </a:extLst>
+            </a:blip>
+            <a:stretch>
+              <a:fillRect/>
+            </a:stretch>
+          </p:blipFill>
+          <p:spPr>
+            <a:xfrm rot="21000000" flipH="1">
+              <a:off x="2680984" y="3451689"/>
+              <a:ext cx="1559990" cy="1536783"/>
+            </a:xfrm>
+            <a:prstGeom prst="rect">
+              <a:avLst/>
+            </a:prstGeom>
+            <a:effectLst>
+              <a:glow rad="127000">
+                <a:srgbClr val="FF0000"/>
+              </a:glow>
+            </a:effectLst>
+          </p:spPr>
+        </p:pic>
+        <p:pic>
+          <p:nvPicPr>
+            <p:cNvPr id="15" name="図 14" descr="アイコン&#10;&#10;自動的に生成された説明">
+              <a:extLst>
+                <a:ext uri="{FF2B5EF4-FFF2-40B4-BE49-F238E27FC236}">
+                  <a16:creationId xmlns:a16="http://schemas.microsoft.com/office/drawing/2014/main" id="{2AD46408-05EE-B056-A5CB-D102B5A188F1}"/>
+                </a:ext>
+              </a:extLst>
+            </p:cNvPr>
+            <p:cNvPicPr>
+              <a:picLocks noChangeAspect="1"/>
+            </p:cNvPicPr>
+            <p:nvPr/>
+          </p:nvPicPr>
+          <p:blipFill>
+            <a:blip r:embed="rId3">
+              <a:extLst>
+                <a:ext uri="{28A0092B-C50C-407E-A947-70E740481C1C}">
+                  <a14:useLocalDpi xmlns:a14="http://schemas.microsoft.com/office/drawing/2010/main" val="0"/>
+                </a:ext>
+              </a:extLst>
+            </a:blip>
+            <a:stretch>
+              <a:fillRect/>
+            </a:stretch>
+          </p:blipFill>
+          <p:spPr>
+            <a:xfrm rot="20244876" flipH="1">
+              <a:off x="2185935" y="3334826"/>
+              <a:ext cx="1559990" cy="1536783"/>
+            </a:xfrm>
+            <a:prstGeom prst="rect">
+              <a:avLst/>
+            </a:prstGeom>
+            <a:effectLst>
+              <a:glow rad="127000">
+                <a:srgbClr val="FF0000"/>
+              </a:glow>
+            </a:effectLst>
+          </p:spPr>
+        </p:pic>
+        <p:pic>
+          <p:nvPicPr>
+            <p:cNvPr id="9" name="図 8" descr="アイコン&#10;&#10;中程度の精度で自動的に生成された説明">
+              <a:extLst>
+                <a:ext uri="{FF2B5EF4-FFF2-40B4-BE49-F238E27FC236}">
+                  <a16:creationId xmlns:a16="http://schemas.microsoft.com/office/drawing/2014/main" id="{12034792-10E4-15DE-1B46-BB3FDD732ECD}"/>
+                </a:ext>
+              </a:extLst>
+            </p:cNvPr>
+            <p:cNvPicPr>
+              <a:picLocks noChangeAspect="1"/>
+            </p:cNvPicPr>
+            <p:nvPr/>
+          </p:nvPicPr>
+          <p:blipFill>
+            <a:blip r:embed="rId4">
+              <a:extLst>
+                <a:ext uri="{28A0092B-C50C-407E-A947-70E740481C1C}">
+                  <a14:useLocalDpi xmlns:a14="http://schemas.microsoft.com/office/drawing/2010/main" val="0"/>
+                </a:ext>
+              </a:extLst>
+            </a:blip>
+            <a:stretch>
+              <a:fillRect/>
+            </a:stretch>
+          </p:blipFill>
+          <p:spPr>
+            <a:xfrm rot="1296620">
+              <a:off x="2276570" y="3384542"/>
+              <a:ext cx="4337868" cy="3235224"/>
+            </a:xfrm>
+            <a:prstGeom prst="rect">
+              <a:avLst/>
+            </a:prstGeom>
+            <a:effectLst>
+              <a:glow rad="127000">
+                <a:srgbClr val="00B0F0"/>
+              </a:glow>
+            </a:effectLst>
+          </p:spPr>
+        </p:pic>
+      </p:grpSp>
+      <p:sp>
+        <p:nvSpPr>
+          <p:cNvPr id="7" name="テキスト ボックス 6">
+            <a:extLst>
+              <a:ext uri="{FF2B5EF4-FFF2-40B4-BE49-F238E27FC236}">
+                <a16:creationId xmlns:a16="http://schemas.microsoft.com/office/drawing/2014/main" id="{ED044503-3AD8-0709-636F-D7FD7F85AC6E}"/>
+              </a:ext>
+            </a:extLst>
+          </p:cNvPr>
+          <p:cNvSpPr txBox="1"/>
+          <p:nvPr/>
+        </p:nvSpPr>
+        <p:spPr>
+          <a:xfrm>
+            <a:off x="504610" y="3327917"/>
+            <a:ext cx="5441322" cy="3154710"/>
+          </a:xfrm>
+          <a:prstGeom prst="rect">
+            <a:avLst/>
+          </a:prstGeom>
+          <a:noFill/>
+          <a:effectLst>
+            <a:glow rad="127000">
+              <a:srgbClr val="C00000"/>
+            </a:glow>
+          </a:effectLst>
+          <a:scene3d>
+            <a:camera prst="orthographicFront">
+              <a:rot lat="0" lon="0" rev="0"/>
+            </a:camera>
+            <a:lightRig rig="threePt" dir="t"/>
+          </a:scene3d>
+        </p:spPr>
+        <p:txBody>
+          <a:bodyPr wrap="square" rtlCol="0">
+            <a:spAutoFit/>
+          </a:bodyPr>
+          <a:lstStyle/>
+          <a:p>
+            <a:r>
+              <a:rPr kumimoji="1" lang="ja-JP" altLang="en-US" sz="19900" b="1" dirty="0">
+                <a:ln w="38100">
+                  <a:solidFill>
+                    <a:schemeClr val="tx1"/>
+                  </a:solidFill>
+                </a:ln>
+                <a:solidFill>
+                  <a:srgbClr val="FF0000"/>
+                </a:solidFill>
+                <a:effectLst>
+                  <a:glow rad="254000">
+                    <a:srgbClr val="FFFFFF">
+                      <a:alpha val="74902"/>
+                    </a:srgbClr>
+                  </a:glow>
+                </a:effectLst>
+                <a:latin typeface="HGP行書体" panose="03000600000000000000" pitchFamily="66" charset="-128"/>
+                <a:ea typeface="HGP行書体" panose="03000600000000000000" pitchFamily="66" charset="-128"/>
+              </a:rPr>
+              <a:t>不殺</a:t>
+            </a:r>
+            <a:endParaRPr kumimoji="1" lang="ja-JP" altLang="en-US" sz="11500" b="1" dirty="0">
+              <a:ln w="38100">
+                <a:solidFill>
+                  <a:schemeClr val="tx1"/>
+                </a:solidFill>
+              </a:ln>
+              <a:solidFill>
+                <a:srgbClr val="FF0000"/>
+              </a:solidFill>
+              <a:effectLst>
+                <a:glow rad="254000">
+                  <a:srgbClr val="FFFFFF">
+                    <a:alpha val="74902"/>
+                  </a:srgbClr>
+                </a:glow>
+              </a:effectLst>
+              <a:latin typeface="HGP行書体" panose="03000600000000000000" pitchFamily="66" charset="-128"/>
+              <a:ea typeface="HGP行書体" panose="03000600000000000000" pitchFamily="66" charset="-128"/>
+            </a:endParaRPr>
+          </a:p>
+        </p:txBody>
+      </p:sp>
+      <p:sp>
+        <p:nvSpPr>
+          <p:cNvPr id="8" name="テキスト ボックス 7">
+            <a:extLst>
+              <a:ext uri="{FF2B5EF4-FFF2-40B4-BE49-F238E27FC236}">
+                <a16:creationId xmlns:a16="http://schemas.microsoft.com/office/drawing/2014/main" id="{8B739835-B7D4-F1E1-4B6C-1E7C67A865ED}"/>
+              </a:ext>
+            </a:extLst>
+          </p:cNvPr>
+          <p:cNvSpPr txBox="1"/>
+          <p:nvPr/>
+        </p:nvSpPr>
+        <p:spPr>
+          <a:xfrm rot="21242680">
+            <a:off x="1425235" y="1890654"/>
+            <a:ext cx="9496777" cy="923330"/>
+          </a:xfrm>
+          <a:prstGeom prst="rect">
+            <a:avLst/>
+          </a:prstGeom>
+          <a:noFill/>
+          <a:effectLst>
+            <a:glow rad="127000">
+              <a:srgbClr val="0066FF"/>
+            </a:glow>
+          </a:effectLst>
+          <a:scene3d>
+            <a:camera prst="orthographicFront">
+              <a:rot lat="0" lon="0" rev="0"/>
+            </a:camera>
+            <a:lightRig rig="threePt" dir="t"/>
+          </a:scene3d>
+        </p:spPr>
+        <p:txBody>
+          <a:bodyPr wrap="square" rtlCol="0">
+            <a:spAutoFit/>
+          </a:bodyPr>
+          <a:lstStyle/>
+          <a:p>
+            <a:r>
+              <a:rPr kumimoji="1" lang="ja-JP" altLang="en-US" sz="4000" dirty="0">
+                <a:solidFill>
+                  <a:schemeClr val="bg1"/>
+                </a:solidFill>
+                <a:effectLst>
+                  <a:glow rad="254000">
+                    <a:schemeClr val="accent1">
+                      <a:alpha val="75000"/>
+                    </a:schemeClr>
+                  </a:glow>
+                </a:effectLst>
+                <a:latin typeface="HGP行書体" panose="03000600000000000000" pitchFamily="66" charset="-128"/>
+                <a:ea typeface="HGP行書体" panose="03000600000000000000" pitchFamily="66" charset="-128"/>
+              </a:rPr>
+              <a:t>絶対に殺すことはせず</a:t>
+            </a:r>
+            <a:r>
+              <a:rPr kumimoji="1" lang="ja-JP" altLang="en-US" sz="5400" dirty="0">
+                <a:solidFill>
+                  <a:schemeClr val="bg1"/>
+                </a:solidFill>
+                <a:effectLst>
+                  <a:glow rad="254000">
+                    <a:schemeClr val="accent1">
+                      <a:alpha val="75000"/>
+                    </a:schemeClr>
+                  </a:glow>
+                </a:effectLst>
+                <a:latin typeface="HGP行書体" panose="03000600000000000000" pitchFamily="66" charset="-128"/>
+                <a:ea typeface="HGP行書体" panose="03000600000000000000" pitchFamily="66" charset="-128"/>
+              </a:rPr>
+              <a:t>戦闘不能</a:t>
+            </a:r>
+            <a:r>
+              <a:rPr lang="ja-JP" altLang="en-US" sz="4000" dirty="0">
+                <a:solidFill>
+                  <a:schemeClr val="bg1"/>
+                </a:solidFill>
+                <a:effectLst>
+                  <a:glow rad="254000">
+                    <a:schemeClr val="accent1">
+                      <a:alpha val="75000"/>
+                    </a:schemeClr>
+                  </a:glow>
+                </a:effectLst>
+                <a:latin typeface="HGP行書体" panose="03000600000000000000" pitchFamily="66" charset="-128"/>
+                <a:ea typeface="HGP行書体" panose="03000600000000000000" pitchFamily="66" charset="-128"/>
+              </a:rPr>
+              <a:t>にせよ</a:t>
+            </a:r>
+            <a:r>
+              <a:rPr kumimoji="1" lang="ja-JP" altLang="en-US" sz="4000" dirty="0">
+                <a:solidFill>
+                  <a:schemeClr val="bg1"/>
+                </a:solidFill>
+                <a:effectLst>
+                  <a:glow rad="254000">
+                    <a:schemeClr val="accent1">
+                      <a:alpha val="75000"/>
+                    </a:schemeClr>
+                  </a:glow>
+                </a:effectLst>
+                <a:latin typeface="HGP行書体" panose="03000600000000000000" pitchFamily="66" charset="-128"/>
+                <a:ea typeface="HGP行書体" panose="03000600000000000000" pitchFamily="66" charset="-128"/>
+              </a:rPr>
+              <a:t>。</a:t>
+            </a:r>
+          </a:p>
+        </p:txBody>
+      </p:sp>
+      <p:pic>
+        <p:nvPicPr>
+          <p:cNvPr id="12" name="図 11" descr="アイコン&#10;&#10;自動的に生成された説明">
+            <a:extLst>
+              <a:ext uri="{FF2B5EF4-FFF2-40B4-BE49-F238E27FC236}">
+                <a16:creationId xmlns:a16="http://schemas.microsoft.com/office/drawing/2014/main" id="{574ED307-6210-E626-45CE-9B185D8A3375}"/>
+              </a:ext>
+            </a:extLst>
+          </p:cNvPr>
+          <p:cNvPicPr>
+            <a:picLocks noChangeAspect="1"/>
+          </p:cNvPicPr>
+          <p:nvPr/>
+        </p:nvPicPr>
+        <p:blipFill>
+          <a:blip r:embed="rId5">
+            <a:extLst>
+              <a:ext uri="{28A0092B-C50C-407E-A947-70E740481C1C}">
+                <a14:useLocalDpi xmlns:a14="http://schemas.microsoft.com/office/drawing/2010/main" val="0"/>
+              </a:ext>
+            </a:extLst>
+          </a:blip>
+          <a:stretch>
+            <a:fillRect/>
+          </a:stretch>
+        </p:blipFill>
+        <p:spPr>
+          <a:xfrm rot="20131953">
+            <a:off x="6208635" y="2940268"/>
+            <a:ext cx="2660313" cy="3718143"/>
+          </a:xfrm>
+          <a:prstGeom prst="rect">
+            <a:avLst/>
+          </a:prstGeom>
+          <a:effectLst>
+            <a:glow rad="127000">
+              <a:srgbClr val="FF0000"/>
+            </a:glow>
+          </a:effectLst>
+        </p:spPr>
+      </p:pic>
+      <p:pic>
+        <p:nvPicPr>
+          <p:cNvPr id="31" name="図 30" descr="選手, 男 が含まれている画像&#10;&#10;自動的に生成された説明">
+            <a:extLst>
+              <a:ext uri="{FF2B5EF4-FFF2-40B4-BE49-F238E27FC236}">
+                <a16:creationId xmlns:a16="http://schemas.microsoft.com/office/drawing/2014/main" id="{0364618C-2DD9-B728-CB09-0559D97062CC}"/>
+              </a:ext>
+            </a:extLst>
+          </p:cNvPr>
+          <p:cNvPicPr>
+            <a:picLocks noChangeAspect="1"/>
+          </p:cNvPicPr>
+          <p:nvPr/>
+        </p:nvPicPr>
+        <p:blipFill>
+          <a:blip r:embed="rId6">
+            <a:extLst>
+              <a:ext uri="{28A0092B-C50C-407E-A947-70E740481C1C}">
+                <a14:useLocalDpi xmlns:a14="http://schemas.microsoft.com/office/drawing/2010/main" val="0"/>
+              </a:ext>
+            </a:extLst>
+          </a:blip>
+          <a:stretch>
+            <a:fillRect/>
+          </a:stretch>
+        </p:blipFill>
+        <p:spPr>
+          <a:xfrm>
+            <a:off x="13979262" y="-5898708"/>
+            <a:ext cx="4744172" cy="4744172"/>
+          </a:xfrm>
+          <a:prstGeom prst="rect">
+            <a:avLst/>
+          </a:prstGeom>
+          <a:effectLst>
+            <a:glow rad="127000">
+              <a:srgbClr val="00B0F0"/>
+            </a:glow>
+          </a:effectLst>
+        </p:spPr>
+      </p:pic>
+      <p:pic>
+        <p:nvPicPr>
+          <p:cNvPr id="32" name="図 31" descr="光 が含まれている画像&#10;&#10;自動的に生成された説明">
+            <a:extLst>
+              <a:ext uri="{FF2B5EF4-FFF2-40B4-BE49-F238E27FC236}">
+                <a16:creationId xmlns:a16="http://schemas.microsoft.com/office/drawing/2014/main" id="{BCFB32BE-D3B8-5AF0-7CE8-DE37CEF8527E}"/>
+              </a:ext>
+            </a:extLst>
+          </p:cNvPr>
+          <p:cNvPicPr>
+            <a:picLocks noChangeAspect="1"/>
+          </p:cNvPicPr>
+          <p:nvPr/>
+        </p:nvPicPr>
+        <p:blipFill>
+          <a:blip r:embed="rId7">
+            <a:extLst>
+              <a:ext uri="{28A0092B-C50C-407E-A947-70E740481C1C}">
+                <a14:useLocalDpi xmlns:a14="http://schemas.microsoft.com/office/drawing/2010/main" val="0"/>
+              </a:ext>
+            </a:extLst>
+          </a:blip>
+          <a:stretch>
+            <a:fillRect/>
+          </a:stretch>
+        </p:blipFill>
+        <p:spPr>
+          <a:xfrm rot="15598726">
+            <a:off x="12404044" y="-1715822"/>
+            <a:ext cx="1122572" cy="1122572"/>
+          </a:xfrm>
+          <a:prstGeom prst="rect">
+            <a:avLst/>
+          </a:prstGeom>
+          <a:effectLst>
+            <a:glow rad="127000">
+              <a:srgbClr val="00B0F0"/>
+            </a:glow>
+          </a:effectLst>
+        </p:spPr>
+      </p:pic>
+    </p:spTree>
+    <p:extLst>
+      <p:ext uri="{BB962C8B-B14F-4D97-AF65-F5344CB8AC3E}">
+        <p14:creationId xmlns:p14="http://schemas.microsoft.com/office/powerpoint/2010/main" val="2620518340"/>
+      </p:ext>
+    </p:extLst>
+  </p:cSld>
+  <p:clrMapOvr>
+    <a:masterClrMapping/>
+  </p:clrMapOvr>
+  <mc:AlternateContent xmlns:mc="http://schemas.openxmlformats.org/markup-compatibility/2006">
+    <mc:Choice xmlns:p159="http://schemas.microsoft.com/office/powerpoint/2015/09/main" Requires="p159">
+      <p:transition>
+        <p159:morph option="byObject"/>
+      </p:transition>
+    </mc:Choice>
+    <mc:Fallback>
+      <p:transition>
+        <p:fade/>
+      </p:transition>
+    </mc:Fallback>
+  </mc:AlternateContent>
+  <p:timing>
+    <p:tnLst>
+      <p:par>
+        <p:cTn id="1" dur="indefinite" restart="never" nodeType="tmRoot">
+          <p:childTnLst>
+            <p:seq concurrent="1" nextAc="seek">
+              <p:cTn id="2" dur="indefinite" nodeType="mainSeq">
+                <p:childTnLst>
+                  <p:par>
+                    <p:cTn id="3" fill="hold">
+                      <p:stCondLst>
+                        <p:cond delay="indefinite"/>
+                      </p:stCondLst>
+                      <p:childTnLst>
+                        <p:par>
+                          <p:cTn id="4" fill="hold">
+                            <p:stCondLst>
+                              <p:cond delay="0"/>
+                            </p:stCondLst>
+                            <p:childTnLst>
+                              <p:par>
+                                <p:cTn id="5" presetID="2" presetClass="entr" presetSubtype="8" fill="hold" grpId="0" nodeType="clickEffect">
+                                  <p:stCondLst>
+                                    <p:cond delay="0"/>
+                                  </p:stCondLst>
+                                  <p:childTnLst>
+                                    <p:set>
+                                      <p:cBhvr>
+                                        <p:cTn id="6" dur="1" fill="hold">
+                                          <p:stCondLst>
+                                            <p:cond delay="0"/>
+                                          </p:stCondLst>
+                                        </p:cTn>
+                                        <p:tgtEl>
+                                          <p:spTgt spid="7"/>
+                                        </p:tgtEl>
+                                        <p:attrNameLst>
+                                          <p:attrName>style.visibility</p:attrName>
+                                        </p:attrNameLst>
+                                      </p:cBhvr>
+                                      <p:to>
+                                        <p:strVal val="visible"/>
+                                      </p:to>
+                                    </p:set>
+                                    <p:anim calcmode="lin" valueType="num">
+                                      <p:cBhvr additive="base">
+                                        <p:cTn id="7" dur="250" fill="hold"/>
+                                        <p:tgtEl>
+                                          <p:spTgt spid="7"/>
+                                        </p:tgtEl>
+                                        <p:attrNameLst>
+                                          <p:attrName>ppt_x</p:attrName>
+                                        </p:attrNameLst>
+                                      </p:cBhvr>
+                                      <p:tavLst>
+                                        <p:tav tm="0">
+                                          <p:val>
+                                            <p:strVal val="0-#ppt_w/2"/>
+                                          </p:val>
+                                        </p:tav>
+                                        <p:tav tm="100000">
+                                          <p:val>
+                                            <p:strVal val="#ppt_x"/>
+                                          </p:val>
+                                        </p:tav>
+                                      </p:tavLst>
+                                    </p:anim>
+                                    <p:anim calcmode="lin" valueType="num">
+                                      <p:cBhvr additive="base">
+                                        <p:cTn id="8" dur="250" fill="hold"/>
+                                        <p:tgtEl>
+                                          <p:spTgt spid="7"/>
+                                        </p:tgtEl>
+                                        <p:attrNameLst>
+                                          <p:attrName>ppt_y</p:attrName>
+                                        </p:attrNameLst>
+                                      </p:cBhvr>
+                                      <p:tavLst>
+                                        <p:tav tm="0">
+                                          <p:val>
+                                            <p:strVal val="#ppt_y"/>
+                                          </p:val>
+                                        </p:tav>
+                                        <p:tav tm="100000">
+                                          <p:val>
+                                            <p:strVal val="#ppt_y"/>
+                                          </p:val>
+                                        </p:tav>
+                                      </p:tavLst>
+                                    </p:anim>
+                                  </p:childTnLst>
+                                </p:cTn>
+                              </p:par>
+                              <p:par>
+                                <p:cTn id="9" presetID="2" presetClass="entr" presetSubtype="8" fill="hold" grpId="0" nodeType="withEffect">
+                                  <p:stCondLst>
+                                    <p:cond delay="0"/>
+                                  </p:stCondLst>
+                                  <p:childTnLst>
+                                    <p:set>
+                                      <p:cBhvr>
+                                        <p:cTn id="10" dur="1" fill="hold">
+                                          <p:stCondLst>
+                                            <p:cond delay="0"/>
+                                          </p:stCondLst>
+                                        </p:cTn>
+                                        <p:tgtEl>
+                                          <p:spTgt spid="8"/>
+                                        </p:tgtEl>
+                                        <p:attrNameLst>
+                                          <p:attrName>style.visibility</p:attrName>
+                                        </p:attrNameLst>
+                                      </p:cBhvr>
+                                      <p:to>
+                                        <p:strVal val="visible"/>
+                                      </p:to>
+                                    </p:set>
+                                    <p:anim calcmode="lin" valueType="num">
+                                      <p:cBhvr additive="base">
+                                        <p:cTn id="11" dur="250" fill="hold"/>
+                                        <p:tgtEl>
+                                          <p:spTgt spid="8"/>
+                                        </p:tgtEl>
+                                        <p:attrNameLst>
+                                          <p:attrName>ppt_x</p:attrName>
+                                        </p:attrNameLst>
+                                      </p:cBhvr>
+                                      <p:tavLst>
+                                        <p:tav tm="0">
+                                          <p:val>
+                                            <p:strVal val="0-#ppt_w/2"/>
+                                          </p:val>
+                                        </p:tav>
+                                        <p:tav tm="100000">
+                                          <p:val>
+                                            <p:strVal val="#ppt_x"/>
+                                          </p:val>
+                                        </p:tav>
+                                      </p:tavLst>
+                                    </p:anim>
+                                    <p:anim calcmode="lin" valueType="num">
+                                      <p:cBhvr additive="base">
+                                        <p:cTn id="12" dur="250" fill="hold"/>
+                                        <p:tgtEl>
+                                          <p:spTgt spid="8"/>
+                                        </p:tgtEl>
+                                        <p:attrNameLst>
+                                          <p:attrName>ppt_y</p:attrName>
+                                        </p:attrNameLst>
+                                      </p:cBhvr>
+                                      <p:tavLst>
+                                        <p:tav tm="0">
+                                          <p:val>
+                                            <p:strVal val="#ppt_y"/>
+                                          </p:val>
+                                        </p:tav>
+                                        <p:tav tm="100000">
+                                          <p:val>
+                                            <p:strVal val="#ppt_y"/>
+                                          </p:val>
+                                        </p:tav>
+                                      </p:tavLst>
+                                    </p:anim>
+                                  </p:childTnLst>
+                                </p:cTn>
+                              </p:par>
+                            </p:childTnLst>
+                          </p:cTn>
+                        </p:par>
+                      </p:childTnLst>
+                    </p:cTn>
+                  </p:par>
+                </p:childTnLst>
+              </p:cTn>
+              <p:prevCondLst>
+                <p:cond evt="onPrev" delay="0">
+                  <p:tgtEl>
+                    <p:sldTgt/>
+                  </p:tgtEl>
+                </p:cond>
+              </p:prevCondLst>
+              <p:nextCondLst>
+                <p:cond evt="onNext" delay="0">
+                  <p:tgtEl>
+                    <p:sldTgt/>
+                  </p:tgtEl>
+                </p:cond>
+              </p:nextCondLst>
+            </p:seq>
+          </p:childTnLst>
+        </p:cTn>
+      </p:par>
+    </p:tnLst>
+    <p:bldLst>
+      <p:bldP spid="7" grpId="0"/>
+      <p:bldP spid="8" grpId="0"/>
+    </p:bldLst>
+  </p:timing>
+</p:sld>
+</file>
+
+<file path=ppt/slides/slide7.xml><?xml version="1.0" encoding="utf-8"?>
+<p:sld xmlns:a="http://schemas.openxmlformats.org/drawingml/2006/main" xmlns:r="http://schemas.openxmlformats.org/officeDocument/2006/relationships" xmlns:p="http://schemas.openxmlformats.org/presentationml/2006/main">
+  <p:cSld>
+    <p:spTree>
+      <p:nvGrpSpPr>
+        <p:cNvPr id="1" name=""/>
+        <p:cNvGrpSpPr/>
+        <p:nvPr/>
+      </p:nvGrpSpPr>
+      <p:grpSpPr>
+        <a:xfrm>
+          <a:off x="0" y="0"/>
+          <a:ext cx="0" cy="0"/>
+          <a:chOff x="0" y="0"/>
+          <a:chExt cx="0" cy="0"/>
+        </a:xfrm>
+      </p:grpSpPr>
+      <p:sp>
+        <p:nvSpPr>
+          <p:cNvPr id="6" name="テキスト ボックス 5">
+            <a:extLst>
+              <a:ext uri="{FF2B5EF4-FFF2-40B4-BE49-F238E27FC236}">
+                <a16:creationId xmlns:a16="http://schemas.microsoft.com/office/drawing/2014/main" id="{F9DC87A5-33A2-40F5-8E54-B966410E2F56}"/>
+              </a:ext>
+            </a:extLst>
+          </p:cNvPr>
+          <p:cNvSpPr txBox="1"/>
+          <p:nvPr/>
+        </p:nvSpPr>
+        <p:spPr>
+          <a:xfrm>
+            <a:off x="4954501" y="923330"/>
+            <a:ext cx="2282997" cy="584775"/>
+          </a:xfrm>
+          <a:prstGeom prst="rect">
+            <a:avLst/>
+          </a:prstGeom>
+          <a:noFill/>
+        </p:spPr>
+        <p:txBody>
+          <a:bodyPr wrap="none" rtlCol="0">
+            <a:spAutoFit/>
+          </a:bodyPr>
+          <a:lstStyle/>
+          <a:p>
+            <a:r>
+              <a:rPr lang="ja-JP" altLang="en-US" sz="3200" b="1" dirty="0">
+                <a:ln>
+                  <a:solidFill>
+                    <a:schemeClr val="bg1"/>
+                  </a:solidFill>
+                </a:ln>
+                <a:solidFill>
+                  <a:srgbClr val="0000FF"/>
+                </a:solidFill>
+                <a:effectLst>
+                  <a:glow rad="444500">
+                    <a:srgbClr val="00B050"/>
+                  </a:glow>
+                </a:effectLst>
+                <a:latin typeface="HGP行書体" panose="03000600000000000000" pitchFamily="66" charset="-128"/>
+                <a:ea typeface="HGP行書体" panose="03000600000000000000" pitchFamily="66" charset="-128"/>
+              </a:rPr>
+              <a:t>璧</a:t>
+            </a:r>
+            <a:r>
+              <a:rPr lang="ja-JP" altLang="en-US" sz="2000" b="1" dirty="0">
+                <a:ln>
+                  <a:solidFill>
+                    <a:schemeClr val="bg1"/>
+                  </a:solidFill>
+                </a:ln>
+                <a:solidFill>
+                  <a:srgbClr val="0000FF"/>
+                </a:solidFill>
+                <a:effectLst>
+                  <a:glow rad="444500">
+                    <a:srgbClr val="00B050"/>
+                  </a:glow>
+                </a:effectLst>
+                <a:latin typeface="HGP行書体" panose="03000600000000000000" pitchFamily="66" charset="-128"/>
+                <a:ea typeface="HGP行書体" panose="03000600000000000000" pitchFamily="66" charset="-128"/>
+              </a:rPr>
+              <a:t>を</a:t>
+            </a:r>
+            <a:r>
+              <a:rPr lang="ja-JP" altLang="en-US" sz="3200" b="1" dirty="0">
+                <a:ln>
+                  <a:solidFill>
+                    <a:schemeClr val="bg1"/>
+                  </a:solidFill>
+                </a:ln>
+                <a:solidFill>
+                  <a:srgbClr val="0000FF"/>
+                </a:solidFill>
+                <a:effectLst>
+                  <a:glow rad="444500">
+                    <a:srgbClr val="00B050"/>
+                  </a:glow>
+                </a:effectLst>
+                <a:latin typeface="HGP行書体" panose="03000600000000000000" pitchFamily="66" charset="-128"/>
+                <a:ea typeface="HGP行書体" panose="03000600000000000000" pitchFamily="66" charset="-128"/>
+              </a:rPr>
+              <a:t>完</a:t>
+            </a:r>
+            <a:r>
+              <a:rPr lang="ja-JP" altLang="en-US" sz="2000" b="1" dirty="0">
+                <a:ln>
+                  <a:solidFill>
+                    <a:schemeClr val="bg1"/>
+                  </a:solidFill>
+                </a:ln>
+                <a:solidFill>
+                  <a:srgbClr val="0000FF"/>
+                </a:solidFill>
+                <a:effectLst>
+                  <a:glow rad="444500">
+                    <a:srgbClr val="00B050"/>
+                  </a:glow>
+                </a:effectLst>
+                <a:latin typeface="HGP行書体" panose="03000600000000000000" pitchFamily="66" charset="-128"/>
+                <a:ea typeface="HGP行書体" panose="03000600000000000000" pitchFamily="66" charset="-128"/>
+              </a:rPr>
+              <a:t>うして</a:t>
+            </a:r>
+            <a:r>
+              <a:rPr lang="ja-JP" altLang="en-US" sz="3200" b="1" dirty="0">
+                <a:ln>
+                  <a:solidFill>
+                    <a:schemeClr val="bg1"/>
+                  </a:solidFill>
+                </a:ln>
+                <a:solidFill>
+                  <a:srgbClr val="0000FF"/>
+                </a:solidFill>
+                <a:effectLst>
+                  <a:glow rad="444500">
+                    <a:srgbClr val="00B050"/>
+                  </a:glow>
+                </a:effectLst>
+                <a:latin typeface="HGP行書体" panose="03000600000000000000" pitchFamily="66" charset="-128"/>
+                <a:ea typeface="HGP行書体" panose="03000600000000000000" pitchFamily="66" charset="-128"/>
+              </a:rPr>
+              <a:t>帰</a:t>
+            </a:r>
+            <a:r>
+              <a:rPr lang="ja-JP" altLang="en-US" sz="2000" b="1" dirty="0">
+                <a:ln>
+                  <a:solidFill>
+                    <a:schemeClr val="bg1"/>
+                  </a:solidFill>
+                </a:ln>
+                <a:solidFill>
+                  <a:srgbClr val="0000FF"/>
+                </a:solidFill>
+                <a:effectLst>
+                  <a:glow rad="444500">
+                    <a:srgbClr val="00B050"/>
+                  </a:glow>
+                </a:effectLst>
+                <a:latin typeface="HGP行書体" panose="03000600000000000000" pitchFamily="66" charset="-128"/>
+                <a:ea typeface="HGP行書体" panose="03000600000000000000" pitchFamily="66" charset="-128"/>
+              </a:rPr>
+              <a:t>る</a:t>
+            </a:r>
+            <a:endParaRPr kumimoji="1" lang="en-US" altLang="ja-JP" sz="2800" b="1" dirty="0">
+              <a:ln>
+                <a:solidFill>
+                  <a:schemeClr val="bg1"/>
+                </a:solidFill>
+              </a:ln>
+              <a:solidFill>
+                <a:srgbClr val="0000FF"/>
+              </a:solidFill>
+              <a:effectLst>
+                <a:glow rad="444500">
+                  <a:srgbClr val="00B050"/>
+                </a:glow>
+              </a:effectLst>
+              <a:latin typeface="HGP行書体" panose="03000600000000000000" pitchFamily="66" charset="-128"/>
+              <a:ea typeface="HGP行書体" panose="03000600000000000000" pitchFamily="66" charset="-128"/>
+            </a:endParaRPr>
+          </a:p>
+        </p:txBody>
+      </p:sp>
+      <p:sp>
+        <p:nvSpPr>
+          <p:cNvPr id="3" name="テキスト ボックス 2">
+            <a:extLst>
+              <a:ext uri="{FF2B5EF4-FFF2-40B4-BE49-F238E27FC236}">
+                <a16:creationId xmlns:a16="http://schemas.microsoft.com/office/drawing/2014/main" id="{384BC037-DD60-4BC2-961C-2F9C32905BFE}"/>
+              </a:ext>
+            </a:extLst>
+          </p:cNvPr>
+          <p:cNvSpPr txBox="1"/>
+          <p:nvPr/>
+        </p:nvSpPr>
+        <p:spPr>
+          <a:xfrm>
+            <a:off x="504610" y="0"/>
+            <a:ext cx="11388054" cy="923330"/>
+          </a:xfrm>
+          <a:prstGeom prst="rect">
+            <a:avLst/>
+          </a:prstGeom>
+          <a:noFill/>
+        </p:spPr>
+        <p:txBody>
+          <a:bodyPr wrap="none" rtlCol="0">
+            <a:spAutoFit/>
+          </a:bodyPr>
+          <a:lstStyle/>
+          <a:p>
+            <a:r>
+              <a:rPr kumimoji="1" lang="ja-JP" altLang="en-US" sz="3200" b="1" dirty="0">
+                <a:gradFill>
+                  <a:gsLst>
+                    <a:gs pos="0">
+                      <a:schemeClr val="accent1">
+                        <a:lumMod val="5000"/>
+                        <a:lumOff val="95000"/>
+                      </a:schemeClr>
+                    </a:gs>
+                    <a:gs pos="74000">
+                      <a:srgbClr val="0000FF"/>
+                    </a:gs>
+                    <a:gs pos="83000">
+                      <a:srgbClr val="000099"/>
+                    </a:gs>
+                    <a:gs pos="100000">
+                      <a:schemeClr val="tx1"/>
+                    </a:gs>
+                  </a:gsLst>
+                  <a:lin ang="5400000" scaled="1"/>
+                </a:gradFill>
+                <a:effectLst>
+                  <a:glow rad="508000">
+                    <a:schemeClr val="bg1">
+                      <a:alpha val="90000"/>
+                    </a:schemeClr>
+                  </a:glow>
+                </a:effectLst>
+                <a:latin typeface="HGP行書体" panose="03000600000000000000" pitchFamily="66" charset="-128"/>
+                <a:ea typeface="HGP行書体" panose="03000600000000000000" pitchFamily="66" charset="-128"/>
+              </a:rPr>
+              <a:t>敵は</a:t>
+            </a:r>
+            <a:r>
+              <a:rPr kumimoji="1" lang="ja-JP" altLang="en-US" sz="5400" b="1" dirty="0">
+                <a:gradFill>
+                  <a:gsLst>
+                    <a:gs pos="0">
+                      <a:schemeClr val="accent1">
+                        <a:lumMod val="5000"/>
+                        <a:lumOff val="95000"/>
+                      </a:schemeClr>
+                    </a:gs>
+                    <a:gs pos="74000">
+                      <a:srgbClr val="0000FF"/>
+                    </a:gs>
+                    <a:gs pos="83000">
+                      <a:srgbClr val="000099"/>
+                    </a:gs>
+                    <a:gs pos="100000">
+                      <a:schemeClr val="tx1"/>
+                    </a:gs>
+                  </a:gsLst>
+                  <a:lin ang="5400000" scaled="1"/>
+                </a:gradFill>
+                <a:effectLst>
+                  <a:glow rad="508000">
+                    <a:schemeClr val="bg1">
+                      <a:alpha val="90000"/>
+                    </a:schemeClr>
+                  </a:glow>
+                </a:effectLst>
+                <a:latin typeface="HGP行書体" panose="03000600000000000000" pitchFamily="66" charset="-128"/>
+                <a:ea typeface="HGP行書体" panose="03000600000000000000" pitchFamily="66" charset="-128"/>
+              </a:rPr>
+              <a:t>殺さず</a:t>
+            </a:r>
+            <a:r>
+              <a:rPr kumimoji="1" lang="ja-JP" altLang="en-US" sz="3200" b="1" dirty="0">
+                <a:gradFill>
+                  <a:gsLst>
+                    <a:gs pos="0">
+                      <a:schemeClr val="accent1">
+                        <a:lumMod val="5000"/>
+                        <a:lumOff val="95000"/>
+                      </a:schemeClr>
+                    </a:gs>
+                    <a:gs pos="74000">
+                      <a:srgbClr val="0000FF"/>
+                    </a:gs>
+                    <a:gs pos="83000">
+                      <a:srgbClr val="000099"/>
+                    </a:gs>
+                    <a:gs pos="100000">
+                      <a:schemeClr val="tx1"/>
+                    </a:gs>
+                  </a:gsLst>
+                  <a:lin ang="5400000" scaled="1"/>
+                </a:gradFill>
+                <a:effectLst>
+                  <a:glow rad="508000">
+                    <a:schemeClr val="bg1">
+                      <a:alpha val="90000"/>
+                    </a:schemeClr>
+                  </a:glow>
+                </a:effectLst>
+                <a:latin typeface="HGP行書体" panose="03000600000000000000" pitchFamily="66" charset="-128"/>
+                <a:ea typeface="HGP行書体" panose="03000600000000000000" pitchFamily="66" charset="-128"/>
+              </a:rPr>
+              <a:t>、自分も</a:t>
+            </a:r>
+            <a:r>
+              <a:rPr kumimoji="1" lang="ja-JP" altLang="en-US" sz="5400" b="1" dirty="0">
+                <a:gradFill>
+                  <a:gsLst>
+                    <a:gs pos="0">
+                      <a:schemeClr val="accent1">
+                        <a:lumMod val="5000"/>
+                        <a:lumOff val="95000"/>
+                      </a:schemeClr>
+                    </a:gs>
+                    <a:gs pos="74000">
+                      <a:srgbClr val="0000FF"/>
+                    </a:gs>
+                    <a:gs pos="83000">
+                      <a:srgbClr val="000099"/>
+                    </a:gs>
+                    <a:gs pos="100000">
+                      <a:schemeClr val="tx1"/>
+                    </a:gs>
+                  </a:gsLst>
+                  <a:lin ang="5400000" scaled="1"/>
+                </a:gradFill>
+                <a:effectLst>
+                  <a:glow rad="508000">
+                    <a:schemeClr val="bg1">
+                      <a:alpha val="90000"/>
+                    </a:schemeClr>
+                  </a:glow>
+                </a:effectLst>
+                <a:latin typeface="HGP行書体" panose="03000600000000000000" pitchFamily="66" charset="-128"/>
+                <a:ea typeface="HGP行書体" panose="03000600000000000000" pitchFamily="66" charset="-128"/>
+              </a:rPr>
+              <a:t>死なず</a:t>
+            </a:r>
+            <a:r>
+              <a:rPr kumimoji="1" lang="ja-JP" altLang="en-US" sz="3200" b="1" dirty="0">
+                <a:gradFill>
+                  <a:gsLst>
+                    <a:gs pos="0">
+                      <a:schemeClr val="accent1">
+                        <a:lumMod val="5000"/>
+                        <a:lumOff val="95000"/>
+                      </a:schemeClr>
+                    </a:gs>
+                    <a:gs pos="74000">
+                      <a:srgbClr val="0000FF"/>
+                    </a:gs>
+                    <a:gs pos="83000">
+                      <a:srgbClr val="000099"/>
+                    </a:gs>
+                    <a:gs pos="100000">
+                      <a:schemeClr val="tx1"/>
+                    </a:gs>
+                  </a:gsLst>
+                  <a:lin ang="5400000" scaled="1"/>
+                </a:gradFill>
+                <a:effectLst>
+                  <a:glow rad="508000">
+                    <a:schemeClr val="bg1">
+                      <a:alpha val="90000"/>
+                    </a:schemeClr>
+                  </a:glow>
+                </a:effectLst>
+                <a:latin typeface="HGP行書体" panose="03000600000000000000" pitchFamily="66" charset="-128"/>
+                <a:ea typeface="HGP行書体" panose="03000600000000000000" pitchFamily="66" charset="-128"/>
+              </a:rPr>
+              <a:t>。必ずや任務を</a:t>
+            </a:r>
+            <a:r>
+              <a:rPr kumimoji="1" lang="ja-JP" altLang="en-US" sz="5400" b="1" dirty="0">
+                <a:gradFill>
+                  <a:gsLst>
+                    <a:gs pos="0">
+                      <a:schemeClr val="accent1">
+                        <a:lumMod val="5000"/>
+                        <a:lumOff val="95000"/>
+                      </a:schemeClr>
+                    </a:gs>
+                    <a:gs pos="74000">
+                      <a:srgbClr val="0000FF"/>
+                    </a:gs>
+                    <a:gs pos="83000">
+                      <a:srgbClr val="000099"/>
+                    </a:gs>
+                    <a:gs pos="100000">
+                      <a:schemeClr val="tx1"/>
+                    </a:gs>
+                  </a:gsLst>
+                  <a:lin ang="5400000" scaled="1"/>
+                </a:gradFill>
+                <a:effectLst>
+                  <a:glow rad="508000">
+                    <a:schemeClr val="bg1">
+                      <a:alpha val="90000"/>
+                    </a:schemeClr>
+                  </a:glow>
+                </a:effectLst>
+                <a:latin typeface="HGP行書体" panose="03000600000000000000" pitchFamily="66" charset="-128"/>
+                <a:ea typeface="HGP行書体" panose="03000600000000000000" pitchFamily="66" charset="-128"/>
+              </a:rPr>
+              <a:t>達成せよ</a:t>
+            </a:r>
+            <a:r>
+              <a:rPr kumimoji="1" lang="ja-JP" altLang="en-US" sz="3200" b="1" dirty="0">
+                <a:gradFill>
+                  <a:gsLst>
+                    <a:gs pos="0">
+                      <a:schemeClr val="accent1">
+                        <a:lumMod val="5000"/>
+                        <a:lumOff val="95000"/>
+                      </a:schemeClr>
+                    </a:gs>
+                    <a:gs pos="74000">
+                      <a:srgbClr val="0000FF"/>
+                    </a:gs>
+                    <a:gs pos="83000">
+                      <a:srgbClr val="000099"/>
+                    </a:gs>
+                    <a:gs pos="100000">
+                      <a:schemeClr val="tx1"/>
+                    </a:gs>
+                  </a:gsLst>
+                  <a:lin ang="5400000" scaled="1"/>
+                </a:gradFill>
+                <a:effectLst>
+                  <a:glow rad="508000">
+                    <a:schemeClr val="bg1">
+                      <a:alpha val="90000"/>
+                    </a:schemeClr>
+                  </a:glow>
+                </a:effectLst>
+                <a:latin typeface="HGP行書体" panose="03000600000000000000" pitchFamily="66" charset="-128"/>
+                <a:ea typeface="HGP行書体" panose="03000600000000000000" pitchFamily="66" charset="-128"/>
+              </a:rPr>
+              <a:t>。</a:t>
+            </a:r>
+            <a:endParaRPr kumimoji="1" lang="ja-JP" altLang="en-US" sz="3600" b="1" dirty="0">
+              <a:gradFill>
+                <a:gsLst>
+                  <a:gs pos="0">
+                    <a:schemeClr val="accent1">
+                      <a:lumMod val="5000"/>
+                      <a:lumOff val="95000"/>
+                    </a:schemeClr>
+                  </a:gs>
+                  <a:gs pos="74000">
+                    <a:srgbClr val="0000FF"/>
+                  </a:gs>
+                  <a:gs pos="83000">
+                    <a:srgbClr val="000099"/>
+                  </a:gs>
+                  <a:gs pos="100000">
+                    <a:schemeClr val="tx1"/>
+                  </a:gs>
+                </a:gsLst>
+                <a:lin ang="5400000" scaled="1"/>
+              </a:gradFill>
+              <a:effectLst>
+                <a:glow rad="508000">
+                  <a:schemeClr val="bg1">
+                    <a:alpha val="90000"/>
+                  </a:schemeClr>
+                </a:glow>
+              </a:effectLst>
+              <a:latin typeface="HGP行書体" panose="03000600000000000000" pitchFamily="66" charset="-128"/>
+              <a:ea typeface="HGP行書体" panose="03000600000000000000" pitchFamily="66" charset="-128"/>
+            </a:endParaRPr>
+          </a:p>
+        </p:txBody>
+      </p:sp>
+      <p:sp>
+        <p:nvSpPr>
+          <p:cNvPr id="4" name="テキスト ボックス 3">
+            <a:extLst>
+              <a:ext uri="{FF2B5EF4-FFF2-40B4-BE49-F238E27FC236}">
+                <a16:creationId xmlns:a16="http://schemas.microsoft.com/office/drawing/2014/main" id="{5B7B9F27-188C-419F-9E5F-FC3A3AE8D5D4}"/>
+              </a:ext>
+            </a:extLst>
+          </p:cNvPr>
+          <p:cNvSpPr txBox="1"/>
+          <p:nvPr/>
+        </p:nvSpPr>
+        <p:spPr>
+          <a:xfrm rot="21242680">
+            <a:off x="140795" y="1367009"/>
+            <a:ext cx="9496777" cy="1631216"/>
+          </a:xfrm>
+          <a:prstGeom prst="rect">
+            <a:avLst/>
+          </a:prstGeom>
+          <a:noFill/>
+          <a:effectLst>
+            <a:glow rad="127000">
+              <a:srgbClr val="0066FF"/>
+            </a:glow>
+          </a:effectLst>
+          <a:scene3d>
+            <a:camera prst="orthographicFront">
+              <a:rot lat="0" lon="0" rev="0"/>
+            </a:camera>
+            <a:lightRig rig="threePt" dir="t"/>
+          </a:scene3d>
+        </p:spPr>
+        <p:txBody>
+          <a:bodyPr wrap="square" rtlCol="0">
+            <a:spAutoFit/>
+          </a:bodyPr>
+          <a:lstStyle/>
+          <a:p>
+            <a:r>
+              <a:rPr lang="ja-JP" altLang="en-US" sz="5400" dirty="0">
+                <a:solidFill>
+                  <a:schemeClr val="bg1"/>
+                </a:solidFill>
+                <a:effectLst>
+                  <a:glow rad="254000">
+                    <a:schemeClr val="accent1">
+                      <a:alpha val="75000"/>
+                    </a:schemeClr>
+                  </a:glow>
+                </a:effectLst>
+                <a:latin typeface="HGP行書体" panose="03000600000000000000" pitchFamily="66" charset="-128"/>
+                <a:ea typeface="HGP行書体" panose="03000600000000000000" pitchFamily="66" charset="-128"/>
+              </a:rPr>
+              <a:t>一流の忍</a:t>
+            </a:r>
+            <a:r>
+              <a:rPr lang="ja-JP" altLang="en-US" sz="4000" dirty="0">
+                <a:solidFill>
+                  <a:schemeClr val="bg1"/>
+                </a:solidFill>
+                <a:effectLst>
+                  <a:glow rad="254000">
+                    <a:schemeClr val="accent1">
+                      <a:alpha val="75000"/>
+                    </a:schemeClr>
+                  </a:glow>
+                </a:effectLst>
+                <a:latin typeface="HGP行書体" panose="03000600000000000000" pitchFamily="66" charset="-128"/>
+                <a:ea typeface="HGP行書体" panose="03000600000000000000" pitchFamily="66" charset="-128"/>
+              </a:rPr>
+              <a:t>たる者無益な</a:t>
+            </a:r>
+            <a:r>
+              <a:rPr lang="ja-JP" altLang="en-US" sz="6000" b="1" dirty="0">
+                <a:ln w="12700">
+                  <a:solidFill>
+                    <a:sysClr val="windowText" lastClr="000000"/>
+                  </a:solidFill>
+                </a:ln>
+                <a:solidFill>
+                  <a:srgbClr val="FF0000"/>
+                </a:solidFill>
+                <a:effectLst>
+                  <a:glow rad="254000">
+                    <a:schemeClr val="accent4"/>
+                  </a:glow>
+                </a:effectLst>
+                <a:latin typeface="HGP行書体" panose="03000600000000000000" pitchFamily="66" charset="-128"/>
+                <a:ea typeface="HGP行書体" panose="03000600000000000000" pitchFamily="66" charset="-128"/>
+              </a:rPr>
+              <a:t>殺生はせぬ</a:t>
+            </a:r>
+            <a:r>
+              <a:rPr lang="ja-JP" altLang="en-US" sz="4000" b="1" dirty="0">
+                <a:ln w="12700">
+                  <a:solidFill>
+                    <a:sysClr val="windowText" lastClr="000000"/>
+                  </a:solidFill>
+                </a:ln>
+                <a:solidFill>
+                  <a:srgbClr val="FF0000"/>
+                </a:solidFill>
+                <a:effectLst>
+                  <a:glow rad="254000">
+                    <a:schemeClr val="accent4"/>
+                  </a:glow>
+                </a:effectLst>
+                <a:latin typeface="HGP行書体" panose="03000600000000000000" pitchFamily="66" charset="-128"/>
+                <a:ea typeface="HGP行書体" panose="03000600000000000000" pitchFamily="66" charset="-128"/>
+              </a:rPr>
+              <a:t>。</a:t>
+            </a:r>
+            <a:endParaRPr lang="en-US" altLang="ja-JP" sz="4000" b="1" dirty="0">
+              <a:ln w="12700">
+                <a:solidFill>
+                  <a:sysClr val="windowText" lastClr="000000"/>
+                </a:solidFill>
+              </a:ln>
+              <a:solidFill>
+                <a:srgbClr val="FF0000"/>
+              </a:solidFill>
+              <a:effectLst>
+                <a:glow rad="254000">
+                  <a:schemeClr val="accent4"/>
+                </a:glow>
+              </a:effectLst>
+              <a:latin typeface="HGP行書体" panose="03000600000000000000" pitchFamily="66" charset="-128"/>
+              <a:ea typeface="HGP行書体" panose="03000600000000000000" pitchFamily="66" charset="-128"/>
+            </a:endParaRPr>
+          </a:p>
+          <a:p>
+            <a:endParaRPr kumimoji="1" lang="ja-JP" altLang="en-US" sz="4000" dirty="0">
+              <a:solidFill>
+                <a:schemeClr val="bg1"/>
+              </a:solidFill>
+              <a:effectLst>
+                <a:glow rad="254000">
+                  <a:schemeClr val="accent1">
+                    <a:alpha val="75000"/>
+                  </a:schemeClr>
+                </a:glow>
+              </a:effectLst>
+              <a:latin typeface="HGP行書体" panose="03000600000000000000" pitchFamily="66" charset="-128"/>
+              <a:ea typeface="HGP行書体" panose="03000600000000000000" pitchFamily="66" charset="-128"/>
+            </a:endParaRPr>
+          </a:p>
+        </p:txBody>
+      </p:sp>
+      <p:sp>
+        <p:nvSpPr>
+          <p:cNvPr id="5" name="テキスト ボックス 4">
+            <a:extLst>
+              <a:ext uri="{FF2B5EF4-FFF2-40B4-BE49-F238E27FC236}">
+                <a16:creationId xmlns:a16="http://schemas.microsoft.com/office/drawing/2014/main" id="{FCC250EF-C813-4301-B932-5A0F039D763C}"/>
+              </a:ext>
+            </a:extLst>
+          </p:cNvPr>
+          <p:cNvSpPr txBox="1"/>
+          <p:nvPr/>
+        </p:nvSpPr>
+        <p:spPr>
+          <a:xfrm rot="713856">
+            <a:off x="9525956" y="1272366"/>
+            <a:ext cx="2627642" cy="646331"/>
+          </a:xfrm>
+          <a:prstGeom prst="rect">
+            <a:avLst/>
+          </a:prstGeom>
+          <a:noFill/>
+          <a:scene3d>
+            <a:camera prst="orthographicFront">
+              <a:rot lat="0" lon="0" rev="0"/>
+            </a:camera>
+            <a:lightRig rig="threePt" dir="t"/>
+          </a:scene3d>
+        </p:spPr>
+        <p:txBody>
+          <a:bodyPr wrap="none" rtlCol="0">
+            <a:spAutoFit/>
+          </a:bodyPr>
+          <a:lstStyle/>
+          <a:p>
+            <a:r>
+              <a:rPr lang="ja-JP" altLang="en-US" sz="1200" dirty="0">
+                <a:solidFill>
+                  <a:schemeClr val="bg1"/>
+                </a:solidFill>
+                <a:effectLst>
+                  <a:glow rad="254000">
+                    <a:schemeClr val="accent1">
+                      <a:alpha val="75000"/>
+                    </a:schemeClr>
+                  </a:glow>
+                </a:effectLst>
+                <a:latin typeface="HGP行書体" panose="03000600000000000000" pitchFamily="66" charset="-128"/>
+                <a:ea typeface="HGP行書体" panose="03000600000000000000" pitchFamily="66" charset="-128"/>
+              </a:rPr>
+              <a:t>力は</a:t>
+            </a:r>
+            <a:r>
+              <a:rPr lang="ja-JP" altLang="en-US" sz="1600" dirty="0">
+                <a:solidFill>
+                  <a:schemeClr val="bg1"/>
+                </a:solidFill>
+                <a:effectLst>
+                  <a:glow rad="254000">
+                    <a:schemeClr val="accent1">
+                      <a:alpha val="75000"/>
+                    </a:schemeClr>
+                  </a:glow>
+                </a:effectLst>
+                <a:latin typeface="HGP行書体" panose="03000600000000000000" pitchFamily="66" charset="-128"/>
+                <a:ea typeface="HGP行書体" panose="03000600000000000000" pitchFamily="66" charset="-128"/>
+              </a:rPr>
+              <a:t>自ら振るわぬ。</a:t>
+            </a:r>
+            <a:endParaRPr lang="en-US" altLang="ja-JP" sz="1600" dirty="0">
+              <a:solidFill>
+                <a:schemeClr val="bg1"/>
+              </a:solidFill>
+              <a:effectLst>
+                <a:glow rad="254000">
+                  <a:schemeClr val="accent1">
+                    <a:alpha val="75000"/>
+                  </a:schemeClr>
+                </a:glow>
+              </a:effectLst>
+              <a:latin typeface="HGP行書体" panose="03000600000000000000" pitchFamily="66" charset="-128"/>
+              <a:ea typeface="HGP行書体" panose="03000600000000000000" pitchFamily="66" charset="-128"/>
+            </a:endParaRPr>
+          </a:p>
+          <a:p>
+            <a:r>
+              <a:rPr lang="ja-JP" altLang="en-US" sz="1200" dirty="0">
+                <a:solidFill>
+                  <a:schemeClr val="bg1"/>
+                </a:solidFill>
+                <a:effectLst>
+                  <a:glow rad="254000">
+                    <a:schemeClr val="accent1">
+                      <a:alpha val="75000"/>
+                    </a:schemeClr>
+                  </a:glow>
+                </a:effectLst>
+                <a:latin typeface="HGP行書体" panose="03000600000000000000" pitchFamily="66" charset="-128"/>
+                <a:ea typeface="HGP行書体" panose="03000600000000000000" pitchFamily="66" charset="-128"/>
+              </a:rPr>
+              <a:t>敵の攻撃を</a:t>
+            </a:r>
+            <a:r>
+              <a:rPr lang="ja-JP" altLang="en-US" sz="2000" b="1" dirty="0">
+                <a:effectLst>
+                  <a:glow rad="381000">
+                    <a:srgbClr val="0066FF"/>
+                  </a:glow>
+                </a:effectLst>
+                <a:latin typeface="HGP行書体" panose="03000600000000000000" pitchFamily="66" charset="-128"/>
+                <a:ea typeface="HGP行書体" panose="03000600000000000000" pitchFamily="66" charset="-128"/>
+              </a:rPr>
+              <a:t>弾き返し</a:t>
+            </a:r>
+            <a:r>
+              <a:rPr lang="ja-JP" altLang="en-US" sz="1200" dirty="0">
+                <a:solidFill>
+                  <a:schemeClr val="bg1"/>
+                </a:solidFill>
+                <a:effectLst>
+                  <a:glow rad="254000">
+                    <a:schemeClr val="accent1">
+                      <a:alpha val="75000"/>
+                    </a:schemeClr>
+                  </a:glow>
+                </a:effectLst>
+                <a:latin typeface="HGP行書体" panose="03000600000000000000" pitchFamily="66" charset="-128"/>
+                <a:ea typeface="HGP行書体" panose="03000600000000000000" pitchFamily="66" charset="-128"/>
+              </a:rPr>
+              <a:t>隙を生み出せ。</a:t>
+            </a:r>
+            <a:endParaRPr kumimoji="1" lang="ja-JP" altLang="en-US" sz="1200" dirty="0">
+              <a:solidFill>
+                <a:schemeClr val="bg1"/>
+              </a:solidFill>
+              <a:effectLst>
+                <a:glow rad="254000">
+                  <a:schemeClr val="accent1">
+                    <a:alpha val="75000"/>
+                  </a:schemeClr>
+                </a:glow>
+              </a:effectLst>
+              <a:latin typeface="HGP行書体" panose="03000600000000000000" pitchFamily="66" charset="-128"/>
+              <a:ea typeface="HGP行書体" panose="03000600000000000000" pitchFamily="66" charset="-128"/>
+            </a:endParaRPr>
+          </a:p>
+        </p:txBody>
+      </p:sp>
+      <p:grpSp>
+        <p:nvGrpSpPr>
+          <p:cNvPr id="2" name="グループ化 1">
+            <a:extLst>
+              <a:ext uri="{FF2B5EF4-FFF2-40B4-BE49-F238E27FC236}">
+                <a16:creationId xmlns:a16="http://schemas.microsoft.com/office/drawing/2014/main" id="{73D9710E-0D4C-C842-B2B7-E9227ACD35BE}"/>
+              </a:ext>
+            </a:extLst>
+          </p:cNvPr>
+          <p:cNvGrpSpPr/>
+          <p:nvPr/>
+        </p:nvGrpSpPr>
+        <p:grpSpPr>
+          <a:xfrm>
+            <a:off x="256098" y="3334826"/>
+            <a:ext cx="6358340" cy="3284940"/>
+            <a:chOff x="256098" y="3334826"/>
+            <a:chExt cx="6358340" cy="3284940"/>
+          </a:xfrm>
+        </p:grpSpPr>
+        <p:pic>
+          <p:nvPicPr>
+            <p:cNvPr id="11" name="図 10" descr="アイコン&#10;&#10;自動的に生成された説明">
+              <a:extLst>
+                <a:ext uri="{FF2B5EF4-FFF2-40B4-BE49-F238E27FC236}">
+                  <a16:creationId xmlns:a16="http://schemas.microsoft.com/office/drawing/2014/main" id="{333953CC-B6B0-58F0-96A9-DCBCE13A3DA7}"/>
+                </a:ext>
+              </a:extLst>
+            </p:cNvPr>
+            <p:cNvPicPr>
+              <a:picLocks noChangeAspect="1"/>
+            </p:cNvPicPr>
+            <p:nvPr/>
+          </p:nvPicPr>
+          <p:blipFill>
+            <a:blip r:embed="rId2">
+              <a:extLst>
+                <a:ext uri="{28A0092B-C50C-407E-A947-70E740481C1C}">
+                  <a14:useLocalDpi xmlns:a14="http://schemas.microsoft.com/office/drawing/2010/main" val="0"/>
+                </a:ext>
+              </a:extLst>
+            </a:blip>
+            <a:stretch>
+              <a:fillRect/>
+            </a:stretch>
+          </p:blipFill>
+          <p:spPr>
+            <a:xfrm rot="808516">
+              <a:off x="256098" y="4556078"/>
+              <a:ext cx="1559990" cy="1536783"/>
+            </a:xfrm>
+            <a:prstGeom prst="rect">
+              <a:avLst/>
+            </a:prstGeom>
+            <a:effectLst>
+              <a:glow rad="127000">
+                <a:srgbClr val="FF0000"/>
+              </a:glow>
+            </a:effectLst>
+          </p:spPr>
+        </p:pic>
+        <p:pic>
+          <p:nvPicPr>
+            <p:cNvPr id="13" name="図 12" descr="アイコン&#10;&#10;自動的に生成された説明">
+              <a:extLst>
+                <a:ext uri="{FF2B5EF4-FFF2-40B4-BE49-F238E27FC236}">
+                  <a16:creationId xmlns:a16="http://schemas.microsoft.com/office/drawing/2014/main" id="{92C8DACB-7305-86A7-62CE-54BAC21AE3DB}"/>
+                </a:ext>
+              </a:extLst>
+            </p:cNvPr>
+            <p:cNvPicPr>
+              <a:picLocks noChangeAspect="1"/>
+            </p:cNvPicPr>
+            <p:nvPr/>
+          </p:nvPicPr>
+          <p:blipFill>
+            <a:blip r:embed="rId3">
+              <a:extLst>
+                <a:ext uri="{28A0092B-C50C-407E-A947-70E740481C1C}">
+                  <a14:useLocalDpi xmlns:a14="http://schemas.microsoft.com/office/drawing/2010/main" val="0"/>
+                </a:ext>
+              </a:extLst>
+            </a:blip>
+            <a:stretch>
+              <a:fillRect/>
+            </a:stretch>
+          </p:blipFill>
+          <p:spPr>
+            <a:xfrm rot="1394659">
+              <a:off x="746250" y="4471227"/>
+              <a:ext cx="1559990" cy="1536783"/>
+            </a:xfrm>
+            <a:prstGeom prst="rect">
+              <a:avLst/>
+            </a:prstGeom>
+            <a:effectLst>
+              <a:glow rad="127000">
+                <a:srgbClr val="FF0000"/>
+              </a:glow>
+            </a:effectLst>
+          </p:spPr>
+        </p:pic>
+        <p:pic>
+          <p:nvPicPr>
+            <p:cNvPr id="14" name="図 13" descr="アイコン&#10;&#10;自動的に生成された説明">
+              <a:extLst>
+                <a:ext uri="{FF2B5EF4-FFF2-40B4-BE49-F238E27FC236}">
+                  <a16:creationId xmlns:a16="http://schemas.microsoft.com/office/drawing/2014/main" id="{95A0E887-10BC-EB61-6026-A032D6809604}"/>
+                </a:ext>
+              </a:extLst>
+            </p:cNvPr>
+            <p:cNvPicPr>
+              <a:picLocks noChangeAspect="1"/>
+            </p:cNvPicPr>
+            <p:nvPr/>
+          </p:nvPicPr>
+          <p:blipFill>
+            <a:blip r:embed="rId2">
+              <a:extLst>
+                <a:ext uri="{28A0092B-C50C-407E-A947-70E740481C1C}">
+                  <a14:useLocalDpi xmlns:a14="http://schemas.microsoft.com/office/drawing/2010/main" val="0"/>
+                </a:ext>
+              </a:extLst>
+            </a:blip>
+            <a:stretch>
+              <a:fillRect/>
+            </a:stretch>
+          </p:blipFill>
+          <p:spPr>
+            <a:xfrm rot="21000000" flipH="1">
+              <a:off x="2680984" y="3451689"/>
+              <a:ext cx="1559990" cy="1536783"/>
+            </a:xfrm>
+            <a:prstGeom prst="rect">
+              <a:avLst/>
+            </a:prstGeom>
+            <a:effectLst>
+              <a:glow rad="127000">
+                <a:srgbClr val="FF0000"/>
+              </a:glow>
+            </a:effectLst>
+          </p:spPr>
+        </p:pic>
+        <p:pic>
+          <p:nvPicPr>
+            <p:cNvPr id="15" name="図 14" descr="アイコン&#10;&#10;自動的に生成された説明">
+              <a:extLst>
+                <a:ext uri="{FF2B5EF4-FFF2-40B4-BE49-F238E27FC236}">
+                  <a16:creationId xmlns:a16="http://schemas.microsoft.com/office/drawing/2014/main" id="{2AD46408-05EE-B056-A5CB-D102B5A188F1}"/>
+                </a:ext>
+              </a:extLst>
+            </p:cNvPr>
+            <p:cNvPicPr>
+              <a:picLocks noChangeAspect="1"/>
+            </p:cNvPicPr>
+            <p:nvPr/>
+          </p:nvPicPr>
+          <p:blipFill>
+            <a:blip r:embed="rId3">
+              <a:extLst>
+                <a:ext uri="{28A0092B-C50C-407E-A947-70E740481C1C}">
+                  <a14:useLocalDpi xmlns:a14="http://schemas.microsoft.com/office/drawing/2010/main" val="0"/>
+                </a:ext>
+              </a:extLst>
+            </a:blip>
+            <a:stretch>
+              <a:fillRect/>
+            </a:stretch>
+          </p:blipFill>
+          <p:spPr>
+            <a:xfrm rot="20244876" flipH="1">
+              <a:off x="2185935" y="3334826"/>
+              <a:ext cx="1559990" cy="1536783"/>
+            </a:xfrm>
+            <a:prstGeom prst="rect">
+              <a:avLst/>
+            </a:prstGeom>
+            <a:effectLst>
+              <a:glow rad="127000">
+                <a:srgbClr val="FF0000"/>
+              </a:glow>
+            </a:effectLst>
+          </p:spPr>
+        </p:pic>
+        <p:pic>
+          <p:nvPicPr>
+            <p:cNvPr id="9" name="図 8" descr="アイコン&#10;&#10;中程度の精度で自動的に生成された説明">
+              <a:extLst>
+                <a:ext uri="{FF2B5EF4-FFF2-40B4-BE49-F238E27FC236}">
+                  <a16:creationId xmlns:a16="http://schemas.microsoft.com/office/drawing/2014/main" id="{12034792-10E4-15DE-1B46-BB3FDD732ECD}"/>
+                </a:ext>
+              </a:extLst>
+            </p:cNvPr>
+            <p:cNvPicPr>
+              <a:picLocks noChangeAspect="1"/>
+            </p:cNvPicPr>
+            <p:nvPr/>
+          </p:nvPicPr>
+          <p:blipFill>
+            <a:blip r:embed="rId4">
+              <a:extLst>
+                <a:ext uri="{28A0092B-C50C-407E-A947-70E740481C1C}">
+                  <a14:useLocalDpi xmlns:a14="http://schemas.microsoft.com/office/drawing/2010/main" val="0"/>
+                </a:ext>
+              </a:extLst>
+            </a:blip>
+            <a:stretch>
+              <a:fillRect/>
+            </a:stretch>
+          </p:blipFill>
+          <p:spPr>
+            <a:xfrm rot="1296620">
+              <a:off x="2276570" y="3384542"/>
+              <a:ext cx="4337868" cy="3235224"/>
+            </a:xfrm>
+            <a:prstGeom prst="rect">
+              <a:avLst/>
+            </a:prstGeom>
+            <a:effectLst>
+              <a:glow rad="127000">
+                <a:srgbClr val="00B0F0"/>
+              </a:glow>
+            </a:effectLst>
+          </p:spPr>
+        </p:pic>
+      </p:grpSp>
+      <p:sp>
+        <p:nvSpPr>
+          <p:cNvPr id="7" name="テキスト ボックス 6">
+            <a:extLst>
+              <a:ext uri="{FF2B5EF4-FFF2-40B4-BE49-F238E27FC236}">
+                <a16:creationId xmlns:a16="http://schemas.microsoft.com/office/drawing/2014/main" id="{ED044503-3AD8-0709-636F-D7FD7F85AC6E}"/>
+              </a:ext>
+            </a:extLst>
+          </p:cNvPr>
+          <p:cNvSpPr txBox="1"/>
+          <p:nvPr/>
+        </p:nvSpPr>
+        <p:spPr>
+          <a:xfrm>
+            <a:off x="504610" y="3327917"/>
+            <a:ext cx="5441322" cy="3154710"/>
+          </a:xfrm>
+          <a:prstGeom prst="rect">
+            <a:avLst/>
+          </a:prstGeom>
+          <a:noFill/>
+          <a:effectLst>
+            <a:glow rad="127000">
+              <a:srgbClr val="C00000"/>
+            </a:glow>
+          </a:effectLst>
+          <a:scene3d>
+            <a:camera prst="orthographicFront">
+              <a:rot lat="0" lon="0" rev="0"/>
+            </a:camera>
+            <a:lightRig rig="threePt" dir="t"/>
+          </a:scene3d>
+        </p:spPr>
+        <p:txBody>
+          <a:bodyPr wrap="square" rtlCol="0">
+            <a:spAutoFit/>
+          </a:bodyPr>
+          <a:lstStyle/>
+          <a:p>
+            <a:r>
+              <a:rPr kumimoji="1" lang="ja-JP" altLang="en-US" sz="19900" b="1" dirty="0">
+                <a:ln w="38100">
+                  <a:solidFill>
+                    <a:schemeClr val="tx1"/>
+                  </a:solidFill>
+                </a:ln>
+                <a:solidFill>
+                  <a:srgbClr val="FF0000"/>
+                </a:solidFill>
+                <a:effectLst>
+                  <a:glow rad="254000">
+                    <a:srgbClr val="FFFFFF">
+                      <a:alpha val="74902"/>
+                    </a:srgbClr>
+                  </a:glow>
+                </a:effectLst>
+                <a:latin typeface="HGP行書体" panose="03000600000000000000" pitchFamily="66" charset="-128"/>
+                <a:ea typeface="HGP行書体" panose="03000600000000000000" pitchFamily="66" charset="-128"/>
+              </a:rPr>
+              <a:t>不殺</a:t>
+            </a:r>
+            <a:endParaRPr kumimoji="1" lang="ja-JP" altLang="en-US" sz="11500" b="1" dirty="0">
+              <a:ln w="38100">
+                <a:solidFill>
+                  <a:schemeClr val="tx1"/>
+                </a:solidFill>
+              </a:ln>
+              <a:solidFill>
+                <a:srgbClr val="FF0000"/>
+              </a:solidFill>
+              <a:effectLst>
+                <a:glow rad="254000">
+                  <a:srgbClr val="FFFFFF">
+                    <a:alpha val="74902"/>
+                  </a:srgbClr>
+                </a:glow>
+              </a:effectLst>
+              <a:latin typeface="HGP行書体" panose="03000600000000000000" pitchFamily="66" charset="-128"/>
+              <a:ea typeface="HGP行書体" panose="03000600000000000000" pitchFamily="66" charset="-128"/>
+            </a:endParaRPr>
+          </a:p>
+        </p:txBody>
+      </p:sp>
+      <p:sp>
+        <p:nvSpPr>
+          <p:cNvPr id="8" name="テキスト ボックス 7">
+            <a:extLst>
+              <a:ext uri="{FF2B5EF4-FFF2-40B4-BE49-F238E27FC236}">
+                <a16:creationId xmlns:a16="http://schemas.microsoft.com/office/drawing/2014/main" id="{8B739835-B7D4-F1E1-4B6C-1E7C67A865ED}"/>
+              </a:ext>
+            </a:extLst>
+          </p:cNvPr>
+          <p:cNvSpPr txBox="1"/>
+          <p:nvPr/>
+        </p:nvSpPr>
+        <p:spPr>
+          <a:xfrm rot="21242680">
+            <a:off x="1425235" y="1890654"/>
+            <a:ext cx="9496777" cy="923330"/>
+          </a:xfrm>
+          <a:prstGeom prst="rect">
+            <a:avLst/>
+          </a:prstGeom>
+          <a:noFill/>
+          <a:effectLst>
+            <a:glow rad="127000">
+              <a:srgbClr val="0066FF"/>
+            </a:glow>
+          </a:effectLst>
+          <a:scene3d>
+            <a:camera prst="orthographicFront">
+              <a:rot lat="0" lon="0" rev="0"/>
+            </a:camera>
+            <a:lightRig rig="threePt" dir="t"/>
+          </a:scene3d>
+        </p:spPr>
+        <p:txBody>
+          <a:bodyPr wrap="square" rtlCol="0">
+            <a:spAutoFit/>
+          </a:bodyPr>
+          <a:lstStyle/>
+          <a:p>
+            <a:r>
+              <a:rPr kumimoji="1" lang="ja-JP" altLang="en-US" sz="4000" dirty="0">
+                <a:solidFill>
+                  <a:schemeClr val="bg1"/>
+                </a:solidFill>
+                <a:effectLst>
+                  <a:glow rad="254000">
+                    <a:schemeClr val="accent1">
+                      <a:alpha val="75000"/>
+                    </a:schemeClr>
+                  </a:glow>
+                </a:effectLst>
+                <a:latin typeface="HGP行書体" panose="03000600000000000000" pitchFamily="66" charset="-128"/>
+                <a:ea typeface="HGP行書体" panose="03000600000000000000" pitchFamily="66" charset="-128"/>
+              </a:rPr>
+              <a:t>絶対に殺すことはせず</a:t>
+            </a:r>
+            <a:r>
+              <a:rPr kumimoji="1" lang="ja-JP" altLang="en-US" sz="5400" dirty="0">
+                <a:solidFill>
+                  <a:schemeClr val="bg1"/>
+                </a:solidFill>
+                <a:effectLst>
+                  <a:glow rad="254000">
+                    <a:schemeClr val="accent1">
+                      <a:alpha val="75000"/>
+                    </a:schemeClr>
+                  </a:glow>
+                </a:effectLst>
+                <a:latin typeface="HGP行書体" panose="03000600000000000000" pitchFamily="66" charset="-128"/>
+                <a:ea typeface="HGP行書体" panose="03000600000000000000" pitchFamily="66" charset="-128"/>
+              </a:rPr>
+              <a:t>戦闘不能</a:t>
+            </a:r>
+            <a:r>
+              <a:rPr lang="ja-JP" altLang="en-US" sz="4000" dirty="0">
+                <a:solidFill>
+                  <a:schemeClr val="bg1"/>
+                </a:solidFill>
+                <a:effectLst>
+                  <a:glow rad="254000">
+                    <a:schemeClr val="accent1">
+                      <a:alpha val="75000"/>
+                    </a:schemeClr>
+                  </a:glow>
+                </a:effectLst>
+                <a:latin typeface="HGP行書体" panose="03000600000000000000" pitchFamily="66" charset="-128"/>
+                <a:ea typeface="HGP行書体" panose="03000600000000000000" pitchFamily="66" charset="-128"/>
+              </a:rPr>
+              <a:t>にせよ</a:t>
+            </a:r>
+            <a:r>
+              <a:rPr kumimoji="1" lang="ja-JP" altLang="en-US" sz="4000" dirty="0">
+                <a:solidFill>
+                  <a:schemeClr val="bg1"/>
+                </a:solidFill>
+                <a:effectLst>
+                  <a:glow rad="254000">
+                    <a:schemeClr val="accent1">
+                      <a:alpha val="75000"/>
+                    </a:schemeClr>
+                  </a:glow>
+                </a:effectLst>
+                <a:latin typeface="HGP行書体" panose="03000600000000000000" pitchFamily="66" charset="-128"/>
+                <a:ea typeface="HGP行書体" panose="03000600000000000000" pitchFamily="66" charset="-128"/>
+              </a:rPr>
+              <a:t>。</a:t>
+            </a:r>
+          </a:p>
+        </p:txBody>
+      </p:sp>
+      <p:grpSp>
+        <p:nvGrpSpPr>
+          <p:cNvPr id="20" name="グループ化 19">
+            <a:extLst>
+              <a:ext uri="{FF2B5EF4-FFF2-40B4-BE49-F238E27FC236}">
+                <a16:creationId xmlns:a16="http://schemas.microsoft.com/office/drawing/2014/main" id="{5E91CAF0-0D01-AB0A-8036-4FF683AD6BF6}"/>
+              </a:ext>
+            </a:extLst>
+          </p:cNvPr>
+          <p:cNvGrpSpPr/>
+          <p:nvPr/>
+        </p:nvGrpSpPr>
+        <p:grpSpPr>
+          <a:xfrm rot="19426535">
+            <a:off x="6114114" y="2651288"/>
+            <a:ext cx="3638331" cy="3718143"/>
+            <a:chOff x="7305954" y="3478416"/>
+            <a:chExt cx="2754929" cy="2815362"/>
+          </a:xfrm>
+        </p:grpSpPr>
+        <p:pic>
+          <p:nvPicPr>
+            <p:cNvPr id="17" name="図 16" descr="矢印 が含まれている画像&#10;&#10;自動的に生成された説明">
+              <a:extLst>
+                <a:ext uri="{FF2B5EF4-FFF2-40B4-BE49-F238E27FC236}">
+                  <a16:creationId xmlns:a16="http://schemas.microsoft.com/office/drawing/2014/main" id="{B9836CF7-C23C-1301-B29B-AC676CECE7E9}"/>
+                </a:ext>
+              </a:extLst>
+            </p:cNvPr>
+            <p:cNvPicPr>
+              <a:picLocks noChangeAspect="1"/>
+            </p:cNvPicPr>
+            <p:nvPr/>
+          </p:nvPicPr>
+          <p:blipFill rotWithShape="1">
+            <a:blip r:embed="rId5">
+              <a:extLst>
+                <a:ext uri="{28A0092B-C50C-407E-A947-70E740481C1C}">
+                  <a14:useLocalDpi xmlns:a14="http://schemas.microsoft.com/office/drawing/2010/main" val="0"/>
+                </a:ext>
+              </a:extLst>
+            </a:blip>
+            <a:srcRect l="57018" t="47793" r="-6036" b="20396"/>
+            <a:stretch/>
+          </p:blipFill>
+          <p:spPr>
+            <a:xfrm rot="20882129">
+              <a:off x="8526845" y="4430283"/>
+              <a:ext cx="1534038" cy="1391400"/>
+            </a:xfrm>
+            <a:prstGeom prst="rect">
+              <a:avLst/>
+            </a:prstGeom>
+            <a:effectLst>
+              <a:glow rad="127000">
+                <a:srgbClr val="FFFF00"/>
+              </a:glow>
+            </a:effectLst>
+          </p:spPr>
+        </p:pic>
+        <p:pic>
+          <p:nvPicPr>
+            <p:cNvPr id="19" name="図 18" descr="光 が含まれている画像&#10;&#10;自動的に生成された説明">
+              <a:extLst>
+                <a:ext uri="{FF2B5EF4-FFF2-40B4-BE49-F238E27FC236}">
+                  <a16:creationId xmlns:a16="http://schemas.microsoft.com/office/drawing/2014/main" id="{2035E10F-8A00-2769-91DE-D8088198C73B}"/>
+                </a:ext>
+              </a:extLst>
+            </p:cNvPr>
+            <p:cNvPicPr>
+              <a:picLocks noChangeAspect="1"/>
+            </p:cNvPicPr>
+            <p:nvPr/>
+          </p:nvPicPr>
+          <p:blipFill>
+            <a:blip r:embed="rId6">
+              <a:extLst>
+                <a:ext uri="{28A0092B-C50C-407E-A947-70E740481C1C}">
+                  <a14:useLocalDpi xmlns:a14="http://schemas.microsoft.com/office/drawing/2010/main" val="0"/>
+                </a:ext>
+              </a:extLst>
+            </a:blip>
+            <a:stretch>
+              <a:fillRect/>
+            </a:stretch>
+          </p:blipFill>
+          <p:spPr>
+            <a:xfrm rot="17772191">
+              <a:off x="8578810" y="4886577"/>
+              <a:ext cx="850007" cy="850007"/>
+            </a:xfrm>
+            <a:prstGeom prst="rect">
+              <a:avLst/>
+            </a:prstGeom>
+            <a:effectLst>
+              <a:glow rad="127000">
+                <a:srgbClr val="00B0F0"/>
+              </a:glow>
+            </a:effectLst>
+          </p:spPr>
+        </p:pic>
+        <p:pic>
+          <p:nvPicPr>
+            <p:cNvPr id="12" name="図 11" descr="アイコン&#10;&#10;自動的に生成された説明">
+              <a:extLst>
+                <a:ext uri="{FF2B5EF4-FFF2-40B4-BE49-F238E27FC236}">
+                  <a16:creationId xmlns:a16="http://schemas.microsoft.com/office/drawing/2014/main" id="{574ED307-6210-E626-45CE-9B185D8A3375}"/>
+                </a:ext>
+              </a:extLst>
+            </p:cNvPr>
+            <p:cNvPicPr>
+              <a:picLocks noChangeAspect="1"/>
+            </p:cNvPicPr>
+            <p:nvPr/>
+          </p:nvPicPr>
+          <p:blipFill>
+            <a:blip r:embed="rId7">
+              <a:extLst>
+                <a:ext uri="{28A0092B-C50C-407E-A947-70E740481C1C}">
+                  <a14:useLocalDpi xmlns:a14="http://schemas.microsoft.com/office/drawing/2010/main" val="0"/>
+                </a:ext>
+              </a:extLst>
+            </a:blip>
+            <a:stretch>
+              <a:fillRect/>
+            </a:stretch>
+          </p:blipFill>
+          <p:spPr>
+            <a:xfrm rot="705418">
+              <a:off x="7305954" y="3478416"/>
+              <a:ext cx="2014378" cy="2815362"/>
+            </a:xfrm>
+            <a:prstGeom prst="rect">
+              <a:avLst/>
+            </a:prstGeom>
+            <a:effectLst>
+              <a:glow rad="127000">
+                <a:srgbClr val="FF0000"/>
+              </a:glow>
+            </a:effectLst>
+          </p:spPr>
+        </p:pic>
+      </p:grpSp>
+      <p:pic>
+        <p:nvPicPr>
+          <p:cNvPr id="30" name="図 29" descr="選手, 男 が含まれている画像&#10;&#10;自動的に生成された説明">
+            <a:extLst>
+              <a:ext uri="{FF2B5EF4-FFF2-40B4-BE49-F238E27FC236}">
+                <a16:creationId xmlns:a16="http://schemas.microsoft.com/office/drawing/2014/main" id="{9A38C4D6-4485-D0BA-D802-8F2E2AF6D8A7}"/>
+              </a:ext>
+            </a:extLst>
+          </p:cNvPr>
+          <p:cNvPicPr>
+            <a:picLocks noChangeAspect="1"/>
+          </p:cNvPicPr>
+          <p:nvPr/>
+        </p:nvPicPr>
+        <p:blipFill>
+          <a:blip r:embed="rId8">
+            <a:extLst>
+              <a:ext uri="{28A0092B-C50C-407E-A947-70E740481C1C}">
+                <a14:useLocalDpi xmlns:a14="http://schemas.microsoft.com/office/drawing/2010/main" val="0"/>
+              </a:ext>
+            </a:extLst>
+          </a:blip>
+          <a:stretch>
+            <a:fillRect/>
+          </a:stretch>
+        </p:blipFill>
+        <p:spPr>
+          <a:xfrm>
+            <a:off x="8797662" y="1568892"/>
+            <a:ext cx="4744172" cy="4744172"/>
+          </a:xfrm>
+          <a:prstGeom prst="rect">
+            <a:avLst/>
+          </a:prstGeom>
+          <a:effectLst>
+            <a:glow rad="127000">
+              <a:srgbClr val="00B0F0"/>
+            </a:glow>
+          </a:effectLst>
+        </p:spPr>
+      </p:pic>
+      <p:sp>
+        <p:nvSpPr>
+          <p:cNvPr id="28" name="テキスト ボックス 27">
+            <a:extLst>
+              <a:ext uri="{FF2B5EF4-FFF2-40B4-BE49-F238E27FC236}">
+                <a16:creationId xmlns:a16="http://schemas.microsoft.com/office/drawing/2014/main" id="{882916DF-16E4-5F2A-1F5E-6FE2AFB84DE1}"/>
+              </a:ext>
+            </a:extLst>
+          </p:cNvPr>
+          <p:cNvSpPr txBox="1"/>
+          <p:nvPr/>
+        </p:nvSpPr>
+        <p:spPr>
+          <a:xfrm>
+            <a:off x="6497337" y="3293012"/>
+            <a:ext cx="5441322" cy="3154710"/>
+          </a:xfrm>
+          <a:prstGeom prst="rect">
+            <a:avLst/>
+          </a:prstGeom>
+          <a:noFill/>
+          <a:effectLst>
+            <a:glow rad="127000">
+              <a:srgbClr val="C00000"/>
+            </a:glow>
+          </a:effectLst>
+          <a:scene3d>
+            <a:camera prst="orthographicFront">
+              <a:rot lat="0" lon="0" rev="0"/>
+            </a:camera>
+            <a:lightRig rig="threePt" dir="t"/>
+          </a:scene3d>
+        </p:spPr>
+        <p:txBody>
+          <a:bodyPr wrap="square" rtlCol="0">
+            <a:spAutoFit/>
+          </a:bodyPr>
+          <a:lstStyle/>
+          <a:p>
+            <a:r>
+              <a:rPr lang="ja-JP" altLang="en-US" sz="19900" b="1" dirty="0">
+                <a:ln w="38100">
+                  <a:solidFill>
+                    <a:schemeClr val="tx1"/>
+                  </a:solidFill>
+                </a:ln>
+                <a:solidFill>
+                  <a:srgbClr val="00B0F0"/>
+                </a:solidFill>
+                <a:effectLst>
+                  <a:glow rad="254000">
+                    <a:srgbClr val="FFFFFF">
+                      <a:alpha val="74902"/>
+                    </a:srgbClr>
+                  </a:glow>
+                </a:effectLst>
+                <a:latin typeface="HGP行書体" panose="03000600000000000000" pitchFamily="66" charset="-128"/>
+                <a:ea typeface="HGP行書体" panose="03000600000000000000" pitchFamily="66" charset="-128"/>
+              </a:rPr>
+              <a:t>制圧</a:t>
+            </a:r>
+            <a:endParaRPr kumimoji="1" lang="ja-JP" altLang="en-US" sz="11500" b="1" dirty="0">
+              <a:ln w="38100">
+                <a:solidFill>
+                  <a:schemeClr val="tx1"/>
+                </a:solidFill>
+              </a:ln>
+              <a:solidFill>
+                <a:srgbClr val="00B0F0"/>
+              </a:solidFill>
+              <a:effectLst>
+                <a:glow rad="254000">
+                  <a:srgbClr val="FFFFFF">
+                    <a:alpha val="74902"/>
+                  </a:srgbClr>
+                </a:glow>
+              </a:effectLst>
+              <a:latin typeface="HGP行書体" panose="03000600000000000000" pitchFamily="66" charset="-128"/>
+              <a:ea typeface="HGP行書体" panose="03000600000000000000" pitchFamily="66" charset="-128"/>
+            </a:endParaRPr>
+          </a:p>
+        </p:txBody>
+      </p:sp>
+    </p:spTree>
+    <p:extLst>
+      <p:ext uri="{BB962C8B-B14F-4D97-AF65-F5344CB8AC3E}">
+        <p14:creationId xmlns:p14="http://schemas.microsoft.com/office/powerpoint/2010/main" val="1721477865"/>
+      </p:ext>
+    </p:extLst>
+  </p:cSld>
+  <p:clrMapOvr>
+    <a:masterClrMapping/>
+  </p:clrMapOvr>
+  <mc:AlternateContent xmlns:mc="http://schemas.openxmlformats.org/markup-compatibility/2006">
+    <mc:Choice xmlns:p159="http://schemas.microsoft.com/office/powerpoint/2015/09/main" Requires="p159">
+      <p:transition>
+        <p159:morph option="byObject"/>
+      </p:transition>
+    </mc:Choice>
+    <mc:Fallback>
+      <p:transition>
+        <p:fade/>
+      </p:transition>
+    </mc:Fallback>
+  </mc:AlternateContent>
+  <p:timing>
+    <p:tnLst>
+      <p:par>
+        <p:cTn id="1" dur="indefinite" restart="never" nodeType="tmRoot">
+          <p:childTnLst>
+            <p:seq concurrent="1" nextAc="seek">
+              <p:cTn id="2" dur="indefinite" nodeType="mainSeq">
+                <p:childTnLst>
+                  <p:par>
+                    <p:cTn id="3" fill="hold">
+                      <p:stCondLst>
+                        <p:cond delay="indefinite"/>
+                      </p:stCondLst>
+                      <p:childTnLst>
+                        <p:par>
+                          <p:cTn id="4" fill="hold">
+                            <p:stCondLst>
+                              <p:cond delay="0"/>
+                            </p:stCondLst>
+                            <p:childTnLst>
+                              <p:par>
+                                <p:cTn id="5" presetID="2" presetClass="entr" presetSubtype="8" fill="hold" grpId="0" nodeType="clickEffect">
+                                  <p:stCondLst>
+                                    <p:cond delay="0"/>
+                                  </p:stCondLst>
+                                  <p:childTnLst>
+                                    <p:set>
+                                      <p:cBhvr>
+                                        <p:cTn id="6" dur="1" fill="hold">
+                                          <p:stCondLst>
+                                            <p:cond delay="0"/>
+                                          </p:stCondLst>
+                                        </p:cTn>
+                                        <p:tgtEl>
+                                          <p:spTgt spid="7"/>
+                                        </p:tgtEl>
+                                        <p:attrNameLst>
+                                          <p:attrName>style.visibility</p:attrName>
+                                        </p:attrNameLst>
+                                      </p:cBhvr>
+                                      <p:to>
+                                        <p:strVal val="visible"/>
+                                      </p:to>
+                                    </p:set>
+                                    <p:anim calcmode="lin" valueType="num">
+                                      <p:cBhvr additive="base">
+                                        <p:cTn id="7" dur="250" fill="hold"/>
+                                        <p:tgtEl>
+                                          <p:spTgt spid="7"/>
+                                        </p:tgtEl>
+                                        <p:attrNameLst>
+                                          <p:attrName>ppt_x</p:attrName>
+                                        </p:attrNameLst>
+                                      </p:cBhvr>
+                                      <p:tavLst>
+                                        <p:tav tm="0">
+                                          <p:val>
+                                            <p:strVal val="0-#ppt_w/2"/>
+                                          </p:val>
+                                        </p:tav>
+                                        <p:tav tm="100000">
+                                          <p:val>
+                                            <p:strVal val="#ppt_x"/>
+                                          </p:val>
+                                        </p:tav>
+                                      </p:tavLst>
+                                    </p:anim>
+                                    <p:anim calcmode="lin" valueType="num">
+                                      <p:cBhvr additive="base">
+                                        <p:cTn id="8" dur="250" fill="hold"/>
+                                        <p:tgtEl>
+                                          <p:spTgt spid="7"/>
+                                        </p:tgtEl>
+                                        <p:attrNameLst>
+                                          <p:attrName>ppt_y</p:attrName>
+                                        </p:attrNameLst>
+                                      </p:cBhvr>
+                                      <p:tavLst>
+                                        <p:tav tm="0">
+                                          <p:val>
+                                            <p:strVal val="#ppt_y"/>
+                                          </p:val>
+                                        </p:tav>
+                                        <p:tav tm="100000">
+                                          <p:val>
+                                            <p:strVal val="#ppt_y"/>
+                                          </p:val>
+                                        </p:tav>
+                                      </p:tavLst>
+                                    </p:anim>
+                                  </p:childTnLst>
+                                </p:cTn>
+                              </p:par>
+                              <p:par>
+                                <p:cTn id="9" presetID="2" presetClass="entr" presetSubtype="8" fill="hold" grpId="0" nodeType="withEffect">
+                                  <p:stCondLst>
+                                    <p:cond delay="0"/>
+                                  </p:stCondLst>
+                                  <p:childTnLst>
+                                    <p:set>
+                                      <p:cBhvr>
+                                        <p:cTn id="10" dur="1" fill="hold">
+                                          <p:stCondLst>
+                                            <p:cond delay="0"/>
+                                          </p:stCondLst>
+                                        </p:cTn>
+                                        <p:tgtEl>
+                                          <p:spTgt spid="8"/>
+                                        </p:tgtEl>
+                                        <p:attrNameLst>
+                                          <p:attrName>style.visibility</p:attrName>
+                                        </p:attrNameLst>
+                                      </p:cBhvr>
+                                      <p:to>
+                                        <p:strVal val="visible"/>
+                                      </p:to>
+                                    </p:set>
+                                    <p:anim calcmode="lin" valueType="num">
+                                      <p:cBhvr additive="base">
+                                        <p:cTn id="11" dur="250" fill="hold"/>
+                                        <p:tgtEl>
+                                          <p:spTgt spid="8"/>
+                                        </p:tgtEl>
+                                        <p:attrNameLst>
+                                          <p:attrName>ppt_x</p:attrName>
+                                        </p:attrNameLst>
+                                      </p:cBhvr>
+                                      <p:tavLst>
+                                        <p:tav tm="0">
+                                          <p:val>
+                                            <p:strVal val="0-#ppt_w/2"/>
+                                          </p:val>
+                                        </p:tav>
+                                        <p:tav tm="100000">
+                                          <p:val>
+                                            <p:strVal val="#ppt_x"/>
+                                          </p:val>
+                                        </p:tav>
+                                      </p:tavLst>
+                                    </p:anim>
+                                    <p:anim calcmode="lin" valueType="num">
+                                      <p:cBhvr additive="base">
+                                        <p:cTn id="12" dur="250" fill="hold"/>
+                                        <p:tgtEl>
+                                          <p:spTgt spid="8"/>
+                                        </p:tgtEl>
+                                        <p:attrNameLst>
+                                          <p:attrName>ppt_y</p:attrName>
+                                        </p:attrNameLst>
+                                      </p:cBhvr>
+                                      <p:tavLst>
+                                        <p:tav tm="0">
+                                          <p:val>
+                                            <p:strVal val="#ppt_y"/>
+                                          </p:val>
+                                        </p:tav>
+                                        <p:tav tm="100000">
+                                          <p:val>
+                                            <p:strVal val="#ppt_y"/>
+                                          </p:val>
+                                        </p:tav>
+                                      </p:tavLst>
+                                    </p:anim>
+                                  </p:childTnLst>
+                                </p:cTn>
+                              </p:par>
+                            </p:childTnLst>
+                          </p:cTn>
+                        </p:par>
+                      </p:childTnLst>
+                    </p:cTn>
+                  </p:par>
+                  <p:par>
+                    <p:cTn id="13" fill="hold">
+                      <p:stCondLst>
+                        <p:cond delay="indefinite"/>
+                      </p:stCondLst>
+                      <p:childTnLst>
+                        <p:par>
+                          <p:cTn id="14" fill="hold">
+                            <p:stCondLst>
+                              <p:cond delay="0"/>
+                            </p:stCondLst>
+                            <p:childTnLst>
+                              <p:par>
+                                <p:cTn id="15" presetID="2" presetClass="entr" presetSubtype="8" fill="hold" grpId="0" nodeType="clickEffect">
+                                  <p:stCondLst>
+                                    <p:cond delay="0"/>
+                                  </p:stCondLst>
+                                  <p:childTnLst>
+                                    <p:set>
+                                      <p:cBhvr>
+                                        <p:cTn id="16" dur="1" fill="hold">
+                                          <p:stCondLst>
+                                            <p:cond delay="0"/>
+                                          </p:stCondLst>
+                                        </p:cTn>
+                                        <p:tgtEl>
+                                          <p:spTgt spid="28"/>
+                                        </p:tgtEl>
+                                        <p:attrNameLst>
+                                          <p:attrName>style.visibility</p:attrName>
+                                        </p:attrNameLst>
+                                      </p:cBhvr>
+                                      <p:to>
+                                        <p:strVal val="visible"/>
+                                      </p:to>
+                                    </p:set>
+                                    <p:anim calcmode="lin" valueType="num">
+                                      <p:cBhvr additive="base">
+                                        <p:cTn id="17" dur="250" fill="hold"/>
+                                        <p:tgtEl>
+                                          <p:spTgt spid="28"/>
+                                        </p:tgtEl>
+                                        <p:attrNameLst>
+                                          <p:attrName>ppt_x</p:attrName>
+                                        </p:attrNameLst>
+                                      </p:cBhvr>
+                                      <p:tavLst>
+                                        <p:tav tm="0">
+                                          <p:val>
+                                            <p:strVal val="0-#ppt_w/2"/>
+                                          </p:val>
+                                        </p:tav>
+                                        <p:tav tm="100000">
+                                          <p:val>
+                                            <p:strVal val="#ppt_x"/>
+                                          </p:val>
+                                        </p:tav>
+                                      </p:tavLst>
+                                    </p:anim>
+                                    <p:anim calcmode="lin" valueType="num">
+                                      <p:cBhvr additive="base">
+                                        <p:cTn id="18" dur="250" fill="hold"/>
+                                        <p:tgtEl>
+                                          <p:spTgt spid="28"/>
+                                        </p:tgtEl>
+                                        <p:attrNameLst>
+                                          <p:attrName>ppt_y</p:attrName>
+                                        </p:attrNameLst>
+                                      </p:cBhvr>
+                                      <p:tavLst>
+                                        <p:tav tm="0">
+                                          <p:val>
+                                            <p:strVal val="#ppt_y"/>
+                                          </p:val>
+                                        </p:tav>
+                                        <p:tav tm="100000">
+                                          <p:val>
+                                            <p:strVal val="#ppt_y"/>
+                                          </p:val>
+                                        </p:tav>
+                                      </p:tavLst>
+                                    </p:anim>
+                                  </p:childTnLst>
+                                </p:cTn>
+                              </p:par>
+                            </p:childTnLst>
+                          </p:cTn>
+                        </p:par>
+                      </p:childTnLst>
+                    </p:cTn>
+                  </p:par>
+                </p:childTnLst>
+              </p:cTn>
+              <p:prevCondLst>
+                <p:cond evt="onPrev" delay="0">
+                  <p:tgtEl>
+                    <p:sldTgt/>
+                  </p:tgtEl>
+                </p:cond>
+              </p:prevCondLst>
+              <p:nextCondLst>
+                <p:cond evt="onNext" delay="0">
+                  <p:tgtEl>
+                    <p:sldTgt/>
+                  </p:tgtEl>
+                </p:cond>
+              </p:nextCondLst>
+            </p:seq>
+          </p:childTnLst>
+        </p:cTn>
+      </p:par>
+    </p:tnLst>
+    <p:bldLst>
+      <p:bldP spid="7" grpId="0"/>
+      <p:bldP spid="8" grpId="0"/>
+      <p:bldP spid="28" grpId="0"/>
+    </p:bldLst>
+  </p:timing>
+</p:sld>
+</file>
+
+<file path=ppt/slides/slide8.xml><?xml version="1.0" encoding="utf-8"?>
+<p:sld xmlns:a="http://schemas.openxmlformats.org/drawingml/2006/main" xmlns:r="http://schemas.openxmlformats.org/officeDocument/2006/relationships" xmlns:p="http://schemas.openxmlformats.org/presentationml/2006/main">
+  <p:cSld>
+    <p:spTree>
+      <p:nvGrpSpPr>
+        <p:cNvPr id="1" name=""/>
+        <p:cNvGrpSpPr/>
+        <p:nvPr/>
+      </p:nvGrpSpPr>
+      <p:grpSpPr>
+        <a:xfrm>
+          <a:off x="0" y="0"/>
+          <a:ext cx="0" cy="0"/>
+          <a:chOff x="0" y="0"/>
+          <a:chExt cx="0" cy="0"/>
+        </a:xfrm>
+      </p:grpSpPr>
+      <p:sp>
+        <p:nvSpPr>
+          <p:cNvPr id="6" name="テキスト ボックス 5">
+            <a:extLst>
+              <a:ext uri="{FF2B5EF4-FFF2-40B4-BE49-F238E27FC236}">
+                <a16:creationId xmlns:a16="http://schemas.microsoft.com/office/drawing/2014/main" id="{C6F9D129-5116-4C4F-B6C8-52A4FD584CDB}"/>
+              </a:ext>
+            </a:extLst>
+          </p:cNvPr>
+          <p:cNvSpPr txBox="1"/>
+          <p:nvPr/>
+        </p:nvSpPr>
+        <p:spPr>
+          <a:xfrm>
+            <a:off x="4954501" y="923330"/>
+            <a:ext cx="2282997" cy="584775"/>
+          </a:xfrm>
+          <a:prstGeom prst="rect">
+            <a:avLst/>
+          </a:prstGeom>
+          <a:noFill/>
+        </p:spPr>
+        <p:txBody>
+          <a:bodyPr wrap="none" rtlCol="0">
+            <a:spAutoFit/>
+          </a:bodyPr>
+          <a:lstStyle/>
+          <a:p>
+            <a:r>
+              <a:rPr lang="ja-JP" altLang="en-US" sz="3200" b="1" dirty="0">
+                <a:ln>
+                  <a:solidFill>
+                    <a:schemeClr val="bg1"/>
+                  </a:solidFill>
+                </a:ln>
+                <a:solidFill>
+                  <a:srgbClr val="0000FF"/>
+                </a:solidFill>
+                <a:effectLst>
+                  <a:glow rad="444500">
+                    <a:srgbClr val="00B050"/>
+                  </a:glow>
+                </a:effectLst>
+                <a:latin typeface="HGP行書体" panose="03000600000000000000" pitchFamily="66" charset="-128"/>
+                <a:ea typeface="HGP行書体" panose="03000600000000000000" pitchFamily="66" charset="-128"/>
+              </a:rPr>
+              <a:t>璧</a:t>
+            </a:r>
+            <a:r>
+              <a:rPr lang="ja-JP" altLang="en-US" sz="2000" b="1" dirty="0">
+                <a:ln>
+                  <a:solidFill>
+                    <a:schemeClr val="bg1"/>
+                  </a:solidFill>
+                </a:ln>
+                <a:solidFill>
+                  <a:srgbClr val="0000FF"/>
+                </a:solidFill>
+                <a:effectLst>
+                  <a:glow rad="444500">
+                    <a:srgbClr val="00B050"/>
+                  </a:glow>
+                </a:effectLst>
+                <a:latin typeface="HGP行書体" panose="03000600000000000000" pitchFamily="66" charset="-128"/>
+                <a:ea typeface="HGP行書体" panose="03000600000000000000" pitchFamily="66" charset="-128"/>
+              </a:rPr>
+              <a:t>を</a:t>
+            </a:r>
+            <a:r>
+              <a:rPr lang="ja-JP" altLang="en-US" sz="3200" b="1" dirty="0">
+                <a:ln>
+                  <a:solidFill>
+                    <a:schemeClr val="bg1"/>
+                  </a:solidFill>
+                </a:ln>
+                <a:solidFill>
+                  <a:srgbClr val="0000FF"/>
+                </a:solidFill>
+                <a:effectLst>
+                  <a:glow rad="444500">
+                    <a:srgbClr val="00B050"/>
+                  </a:glow>
+                </a:effectLst>
+                <a:latin typeface="HGP行書体" panose="03000600000000000000" pitchFamily="66" charset="-128"/>
+                <a:ea typeface="HGP行書体" panose="03000600000000000000" pitchFamily="66" charset="-128"/>
+              </a:rPr>
+              <a:t>完</a:t>
+            </a:r>
+            <a:r>
+              <a:rPr lang="ja-JP" altLang="en-US" sz="2000" b="1" dirty="0">
+                <a:ln>
+                  <a:solidFill>
+                    <a:schemeClr val="bg1"/>
+                  </a:solidFill>
+                </a:ln>
+                <a:solidFill>
+                  <a:srgbClr val="0000FF"/>
+                </a:solidFill>
+                <a:effectLst>
+                  <a:glow rad="444500">
+                    <a:srgbClr val="00B050"/>
+                  </a:glow>
+                </a:effectLst>
+                <a:latin typeface="HGP行書体" panose="03000600000000000000" pitchFamily="66" charset="-128"/>
+                <a:ea typeface="HGP行書体" panose="03000600000000000000" pitchFamily="66" charset="-128"/>
+              </a:rPr>
+              <a:t>うして</a:t>
+            </a:r>
+            <a:r>
+              <a:rPr lang="ja-JP" altLang="en-US" sz="3200" b="1" dirty="0">
+                <a:ln>
+                  <a:solidFill>
+                    <a:schemeClr val="bg1"/>
+                  </a:solidFill>
+                </a:ln>
+                <a:solidFill>
+                  <a:srgbClr val="0000FF"/>
+                </a:solidFill>
+                <a:effectLst>
+                  <a:glow rad="444500">
+                    <a:srgbClr val="00B050"/>
+                  </a:glow>
+                </a:effectLst>
+                <a:latin typeface="HGP行書体" panose="03000600000000000000" pitchFamily="66" charset="-128"/>
+                <a:ea typeface="HGP行書体" panose="03000600000000000000" pitchFamily="66" charset="-128"/>
+              </a:rPr>
+              <a:t>帰</a:t>
+            </a:r>
+            <a:r>
+              <a:rPr lang="ja-JP" altLang="en-US" sz="2000" b="1" dirty="0">
+                <a:ln>
+                  <a:solidFill>
+                    <a:schemeClr val="bg1"/>
+                  </a:solidFill>
+                </a:ln>
+                <a:solidFill>
+                  <a:srgbClr val="0000FF"/>
+                </a:solidFill>
+                <a:effectLst>
+                  <a:glow rad="444500">
+                    <a:srgbClr val="00B050"/>
+                  </a:glow>
+                </a:effectLst>
+                <a:latin typeface="HGP行書体" panose="03000600000000000000" pitchFamily="66" charset="-128"/>
+                <a:ea typeface="HGP行書体" panose="03000600000000000000" pitchFamily="66" charset="-128"/>
+              </a:rPr>
+              <a:t>る</a:t>
+            </a:r>
+            <a:endParaRPr kumimoji="1" lang="en-US" altLang="ja-JP" sz="2800" b="1" dirty="0">
+              <a:ln>
+                <a:solidFill>
+                  <a:schemeClr val="bg1"/>
+                </a:solidFill>
+              </a:ln>
+              <a:solidFill>
+                <a:srgbClr val="0000FF"/>
+              </a:solidFill>
+              <a:effectLst>
+                <a:glow rad="444500">
+                  <a:srgbClr val="00B050"/>
                 </a:glow>
               </a:effectLst>
               <a:latin typeface="HGP行書体" panose="03000600000000000000" pitchFamily="66" charset="-128"/>
@@ -7010,6 +11518,306 @@
                 <a:glow rad="254000">
                   <a:schemeClr val="accent1">
                     <a:alpha val="75000"/>
+                  </a:schemeClr>
+                </a:glow>
+              </a:effectLst>
+              <a:latin typeface="HGP行書体" panose="03000600000000000000" pitchFamily="66" charset="-128"/>
+              <a:ea typeface="HGP行書体" panose="03000600000000000000" pitchFamily="66" charset="-128"/>
+            </a:endParaRPr>
+          </a:p>
+        </p:txBody>
+      </p:sp>
+      <p:sp>
+        <p:nvSpPr>
+          <p:cNvPr id="2" name="テキスト ボックス 1">
+            <a:extLst>
+              <a:ext uri="{FF2B5EF4-FFF2-40B4-BE49-F238E27FC236}">
+                <a16:creationId xmlns:a16="http://schemas.microsoft.com/office/drawing/2014/main" id="{043BE121-0708-F6A2-07C8-5CAC72ED78B2}"/>
+              </a:ext>
+            </a:extLst>
+          </p:cNvPr>
+          <p:cNvSpPr txBox="1"/>
+          <p:nvPr/>
+        </p:nvSpPr>
+        <p:spPr>
+          <a:xfrm>
+            <a:off x="504610" y="0"/>
+            <a:ext cx="11388054" cy="923330"/>
+          </a:xfrm>
+          <a:prstGeom prst="rect">
+            <a:avLst/>
+          </a:prstGeom>
+          <a:noFill/>
+        </p:spPr>
+        <p:txBody>
+          <a:bodyPr wrap="none" rtlCol="0">
+            <a:spAutoFit/>
+          </a:bodyPr>
+          <a:lstStyle/>
+          <a:p>
+            <a:r>
+              <a:rPr kumimoji="1" lang="ja-JP" altLang="en-US" sz="3200" b="1" dirty="0">
+                <a:gradFill>
+                  <a:gsLst>
+                    <a:gs pos="0">
+                      <a:schemeClr val="accent1">
+                        <a:lumMod val="5000"/>
+                        <a:lumOff val="95000"/>
+                      </a:schemeClr>
+                    </a:gs>
+                    <a:gs pos="74000">
+                      <a:srgbClr val="0000FF"/>
+                    </a:gs>
+                    <a:gs pos="83000">
+                      <a:srgbClr val="000099"/>
+                    </a:gs>
+                    <a:gs pos="100000">
+                      <a:schemeClr val="tx1"/>
+                    </a:gs>
+                  </a:gsLst>
+                  <a:lin ang="5400000" scaled="1"/>
+                </a:gradFill>
+                <a:effectLst>
+                  <a:glow rad="508000">
+                    <a:schemeClr val="bg1">
+                      <a:alpha val="90000"/>
+                    </a:schemeClr>
+                  </a:glow>
+                </a:effectLst>
+                <a:latin typeface="HGP行書体" panose="03000600000000000000" pitchFamily="66" charset="-128"/>
+                <a:ea typeface="HGP行書体" panose="03000600000000000000" pitchFamily="66" charset="-128"/>
+              </a:rPr>
+              <a:t>敵は</a:t>
+            </a:r>
+            <a:r>
+              <a:rPr kumimoji="1" lang="ja-JP" altLang="en-US" sz="5400" b="1" dirty="0">
+                <a:gradFill>
+                  <a:gsLst>
+                    <a:gs pos="0">
+                      <a:schemeClr val="accent1">
+                        <a:lumMod val="5000"/>
+                        <a:lumOff val="95000"/>
+                      </a:schemeClr>
+                    </a:gs>
+                    <a:gs pos="74000">
+                      <a:srgbClr val="0000FF"/>
+                    </a:gs>
+                    <a:gs pos="83000">
+                      <a:srgbClr val="000099"/>
+                    </a:gs>
+                    <a:gs pos="100000">
+                      <a:schemeClr val="tx1"/>
+                    </a:gs>
+                  </a:gsLst>
+                  <a:lin ang="5400000" scaled="1"/>
+                </a:gradFill>
+                <a:effectLst>
+                  <a:glow rad="508000">
+                    <a:schemeClr val="bg1">
+                      <a:alpha val="90000"/>
+                    </a:schemeClr>
+                  </a:glow>
+                </a:effectLst>
+                <a:latin typeface="HGP行書体" panose="03000600000000000000" pitchFamily="66" charset="-128"/>
+                <a:ea typeface="HGP行書体" panose="03000600000000000000" pitchFamily="66" charset="-128"/>
+              </a:rPr>
+              <a:t>殺さず</a:t>
+            </a:r>
+            <a:r>
+              <a:rPr kumimoji="1" lang="ja-JP" altLang="en-US" sz="3200" b="1" dirty="0">
+                <a:gradFill>
+                  <a:gsLst>
+                    <a:gs pos="0">
+                      <a:schemeClr val="accent1">
+                        <a:lumMod val="5000"/>
+                        <a:lumOff val="95000"/>
+                      </a:schemeClr>
+                    </a:gs>
+                    <a:gs pos="74000">
+                      <a:srgbClr val="0000FF"/>
+                    </a:gs>
+                    <a:gs pos="83000">
+                      <a:srgbClr val="000099"/>
+                    </a:gs>
+                    <a:gs pos="100000">
+                      <a:schemeClr val="tx1"/>
+                    </a:gs>
+                  </a:gsLst>
+                  <a:lin ang="5400000" scaled="1"/>
+                </a:gradFill>
+                <a:effectLst>
+                  <a:glow rad="508000">
+                    <a:schemeClr val="bg1">
+                      <a:alpha val="90000"/>
+                    </a:schemeClr>
+                  </a:glow>
+                </a:effectLst>
+                <a:latin typeface="HGP行書体" panose="03000600000000000000" pitchFamily="66" charset="-128"/>
+                <a:ea typeface="HGP行書体" panose="03000600000000000000" pitchFamily="66" charset="-128"/>
+              </a:rPr>
+              <a:t>、自分も</a:t>
+            </a:r>
+            <a:r>
+              <a:rPr kumimoji="1" lang="ja-JP" altLang="en-US" sz="5400" b="1" dirty="0">
+                <a:gradFill>
+                  <a:gsLst>
+                    <a:gs pos="0">
+                      <a:schemeClr val="accent1">
+                        <a:lumMod val="5000"/>
+                        <a:lumOff val="95000"/>
+                      </a:schemeClr>
+                    </a:gs>
+                    <a:gs pos="74000">
+                      <a:srgbClr val="0000FF"/>
+                    </a:gs>
+                    <a:gs pos="83000">
+                      <a:srgbClr val="000099"/>
+                    </a:gs>
+                    <a:gs pos="100000">
+                      <a:schemeClr val="tx1"/>
+                    </a:gs>
+                  </a:gsLst>
+                  <a:lin ang="5400000" scaled="1"/>
+                </a:gradFill>
+                <a:effectLst>
+                  <a:glow rad="508000">
+                    <a:schemeClr val="bg1">
+                      <a:alpha val="90000"/>
+                    </a:schemeClr>
+                  </a:glow>
+                </a:effectLst>
+                <a:latin typeface="HGP行書体" panose="03000600000000000000" pitchFamily="66" charset="-128"/>
+                <a:ea typeface="HGP行書体" panose="03000600000000000000" pitchFamily="66" charset="-128"/>
+              </a:rPr>
+              <a:t>死なず</a:t>
+            </a:r>
+            <a:r>
+              <a:rPr kumimoji="1" lang="ja-JP" altLang="en-US" sz="3200" b="1" dirty="0">
+                <a:gradFill>
+                  <a:gsLst>
+                    <a:gs pos="0">
+                      <a:schemeClr val="accent1">
+                        <a:lumMod val="5000"/>
+                        <a:lumOff val="95000"/>
+                      </a:schemeClr>
+                    </a:gs>
+                    <a:gs pos="74000">
+                      <a:srgbClr val="0000FF"/>
+                    </a:gs>
+                    <a:gs pos="83000">
+                      <a:srgbClr val="000099"/>
+                    </a:gs>
+                    <a:gs pos="100000">
+                      <a:schemeClr val="tx1"/>
+                    </a:gs>
+                  </a:gsLst>
+                  <a:lin ang="5400000" scaled="1"/>
+                </a:gradFill>
+                <a:effectLst>
+                  <a:glow rad="508000">
+                    <a:schemeClr val="bg1">
+                      <a:alpha val="90000"/>
+                    </a:schemeClr>
+                  </a:glow>
+                </a:effectLst>
+                <a:latin typeface="HGP行書体" panose="03000600000000000000" pitchFamily="66" charset="-128"/>
+                <a:ea typeface="HGP行書体" panose="03000600000000000000" pitchFamily="66" charset="-128"/>
+              </a:rPr>
+              <a:t>。必ずや任務を</a:t>
+            </a:r>
+            <a:r>
+              <a:rPr kumimoji="1" lang="ja-JP" altLang="en-US" sz="5400" b="1" dirty="0">
+                <a:gradFill>
+                  <a:gsLst>
+                    <a:gs pos="0">
+                      <a:schemeClr val="accent1">
+                        <a:lumMod val="5000"/>
+                        <a:lumOff val="95000"/>
+                      </a:schemeClr>
+                    </a:gs>
+                    <a:gs pos="74000">
+                      <a:srgbClr val="0000FF"/>
+                    </a:gs>
+                    <a:gs pos="83000">
+                      <a:srgbClr val="000099"/>
+                    </a:gs>
+                    <a:gs pos="100000">
+                      <a:schemeClr val="tx1"/>
+                    </a:gs>
+                  </a:gsLst>
+                  <a:lin ang="5400000" scaled="1"/>
+                </a:gradFill>
+                <a:effectLst>
+                  <a:glow rad="508000">
+                    <a:schemeClr val="bg1">
+                      <a:alpha val="90000"/>
+                    </a:schemeClr>
+                  </a:glow>
+                </a:effectLst>
+                <a:latin typeface="HGP行書体" panose="03000600000000000000" pitchFamily="66" charset="-128"/>
+                <a:ea typeface="HGP行書体" panose="03000600000000000000" pitchFamily="66" charset="-128"/>
+              </a:rPr>
+              <a:t>達成せよ</a:t>
+            </a:r>
+            <a:r>
+              <a:rPr kumimoji="1" lang="ja-JP" altLang="en-US" sz="3200" b="1" dirty="0">
+                <a:gradFill>
+                  <a:gsLst>
+                    <a:gs pos="0">
+                      <a:schemeClr val="accent1">
+                        <a:lumMod val="5000"/>
+                        <a:lumOff val="95000"/>
+                      </a:schemeClr>
+                    </a:gs>
+                    <a:gs pos="74000">
+                      <a:srgbClr val="0000FF"/>
+                    </a:gs>
+                    <a:gs pos="83000">
+                      <a:srgbClr val="000099"/>
+                    </a:gs>
+                    <a:gs pos="100000">
+                      <a:schemeClr val="tx1"/>
+                    </a:gs>
+                  </a:gsLst>
+                  <a:lin ang="5400000" scaled="1"/>
+                </a:gradFill>
+                <a:effectLst>
+                  <a:glow rad="508000">
+                    <a:schemeClr val="bg1">
+                      <a:alpha val="90000"/>
+                    </a:schemeClr>
+                  </a:glow>
+                </a:effectLst>
+                <a:latin typeface="HGP行書体" panose="03000600000000000000" pitchFamily="66" charset="-128"/>
+                <a:ea typeface="HGP行書体" panose="03000600000000000000" pitchFamily="66" charset="-128"/>
+              </a:rPr>
+              <a:t>。</a:t>
+            </a:r>
+            <a:endParaRPr kumimoji="1" lang="ja-JP" altLang="en-US" sz="3600" b="1" dirty="0">
+              <a:gradFill>
+                <a:gsLst>
+                  <a:gs pos="0">
+                    <a:schemeClr val="accent1">
+                      <a:lumMod val="5000"/>
+                      <a:lumOff val="95000"/>
+                    </a:schemeClr>
+                  </a:gs>
+                  <a:gs pos="74000">
+                    <a:srgbClr val="0000FF"/>
+                  </a:gs>
+                  <a:gs pos="83000">
+                    <a:srgbClr val="000099"/>
+                  </a:gs>
+                  <a:gs pos="100000">
+                    <a:schemeClr val="tx1"/>
+                  </a:gs>
+                </a:gsLst>
+                <a:lin ang="5400000" scaled="1"/>
+              </a:gradFill>
+              <a:effectLst>
+                <a:glow rad="508000">
+                  <a:schemeClr val="bg1">
+                    <a:alpha val="90000"/>
                   </a:schemeClr>
                 </a:glow>
               </a:effectLst>

--- a/98_plan/00_pptx/99_just.pptx
+++ b/98_plan/00_pptx/99_just.pptx
@@ -5,7 +5,7 @@
     <p:sldMasterId id="2147483648" r:id="rId1"/>
   </p:sldMasterIdLst>
   <p:notesMasterIdLst>
-    <p:notesMasterId r:id="rId10"/>
+    <p:notesMasterId r:id="rId13"/>
   </p:notesMasterIdLst>
   <p:sldIdLst>
     <p:sldId id="256" r:id="rId2"/>
@@ -16,6 +16,9 @@
     <p:sldId id="268" r:id="rId7"/>
     <p:sldId id="269" r:id="rId8"/>
     <p:sldId id="266" r:id="rId9"/>
+    <p:sldId id="271" r:id="rId10"/>
+    <p:sldId id="270" r:id="rId11"/>
+    <p:sldId id="272" r:id="rId12"/>
   </p:sldIdLst>
   <p:sldSz cx="12192000" cy="6858000"/>
   <p:notesSz cx="6858000" cy="9144000"/>
@@ -4229,6 +4232,2218 @@
 </p:sld>
 </file>
 
+<file path=ppt/slides/slide10.xml><?xml version="1.0" encoding="utf-8"?>
+<p:sld xmlns:a="http://schemas.openxmlformats.org/drawingml/2006/main" xmlns:r="http://schemas.openxmlformats.org/officeDocument/2006/relationships" xmlns:p="http://schemas.openxmlformats.org/presentationml/2006/main">
+  <p:cSld>
+    <p:spTree>
+      <p:nvGrpSpPr>
+        <p:cNvPr id="1" name=""/>
+        <p:cNvGrpSpPr/>
+        <p:nvPr/>
+      </p:nvGrpSpPr>
+      <p:grpSpPr>
+        <a:xfrm>
+          <a:off x="0" y="0"/>
+          <a:ext cx="0" cy="0"/>
+          <a:chOff x="0" y="0"/>
+          <a:chExt cx="0" cy="0"/>
+        </a:xfrm>
+      </p:grpSpPr>
+      <p:pic>
+        <p:nvPicPr>
+          <p:cNvPr id="10" name="図 9" descr="選手, 男 が含まれている画像&#10;&#10;自動的に生成された説明">
+            <a:extLst>
+              <a:ext uri="{FF2B5EF4-FFF2-40B4-BE49-F238E27FC236}">
+                <a16:creationId xmlns:a16="http://schemas.microsoft.com/office/drawing/2014/main" id="{EDC4C8C7-FE80-2E56-8FBB-DEF1BF143AC1}"/>
+              </a:ext>
+            </a:extLst>
+          </p:cNvPr>
+          <p:cNvPicPr>
+            <a:picLocks noChangeAspect="1"/>
+          </p:cNvPicPr>
+          <p:nvPr/>
+        </p:nvPicPr>
+        <p:blipFill>
+          <a:blip r:embed="rId2">
+            <a:extLst>
+              <a:ext uri="{28A0092B-C50C-407E-A947-70E740481C1C}">
+                <a14:useLocalDpi xmlns:a14="http://schemas.microsoft.com/office/drawing/2010/main" val="0"/>
+              </a:ext>
+            </a:extLst>
+          </a:blip>
+          <a:stretch>
+            <a:fillRect/>
+          </a:stretch>
+        </p:blipFill>
+        <p:spPr>
+          <a:xfrm rot="987252">
+            <a:off x="7938044" y="480779"/>
+            <a:ext cx="4744172" cy="4744172"/>
+          </a:xfrm>
+          <a:prstGeom prst="rect">
+            <a:avLst/>
+          </a:prstGeom>
+          <a:effectLst>
+            <a:glow rad="127000">
+              <a:srgbClr val="FF0000"/>
+            </a:glow>
+          </a:effectLst>
+        </p:spPr>
+      </p:pic>
+      <p:pic>
+        <p:nvPicPr>
+          <p:cNvPr id="11" name="図 10" descr="選手, 男 が含まれている画像&#10;&#10;自動的に生成された説明">
+            <a:extLst>
+              <a:ext uri="{FF2B5EF4-FFF2-40B4-BE49-F238E27FC236}">
+                <a16:creationId xmlns:a16="http://schemas.microsoft.com/office/drawing/2014/main" id="{3B1A5CB6-EF0F-6C68-DF91-E16FB52A3629}"/>
+              </a:ext>
+            </a:extLst>
+          </p:cNvPr>
+          <p:cNvPicPr>
+            <a:picLocks noChangeAspect="1"/>
+          </p:cNvPicPr>
+          <p:nvPr/>
+        </p:nvPicPr>
+        <p:blipFill>
+          <a:blip r:embed="rId2">
+            <a:extLst>
+              <a:ext uri="{28A0092B-C50C-407E-A947-70E740481C1C}">
+                <a14:useLocalDpi xmlns:a14="http://schemas.microsoft.com/office/drawing/2010/main" val="0"/>
+              </a:ext>
+            </a:extLst>
+          </a:blip>
+          <a:stretch>
+            <a:fillRect/>
+          </a:stretch>
+        </p:blipFill>
+        <p:spPr>
+          <a:xfrm rot="18569438">
+            <a:off x="-206355" y="633178"/>
+            <a:ext cx="4744172" cy="4744172"/>
+          </a:xfrm>
+          <a:prstGeom prst="rect">
+            <a:avLst/>
+          </a:prstGeom>
+          <a:effectLst>
+            <a:glow rad="127000">
+              <a:srgbClr val="FF0000"/>
+            </a:glow>
+          </a:effectLst>
+        </p:spPr>
+      </p:pic>
+      <p:sp>
+        <p:nvSpPr>
+          <p:cNvPr id="6" name="テキスト ボックス 5">
+            <a:extLst>
+              <a:ext uri="{FF2B5EF4-FFF2-40B4-BE49-F238E27FC236}">
+                <a16:creationId xmlns:a16="http://schemas.microsoft.com/office/drawing/2014/main" id="{C6F9D129-5116-4C4F-B6C8-52A4FD584CDB}"/>
+              </a:ext>
+            </a:extLst>
+          </p:cNvPr>
+          <p:cNvSpPr txBox="1"/>
+          <p:nvPr/>
+        </p:nvSpPr>
+        <p:spPr>
+          <a:xfrm>
+            <a:off x="4954501" y="923330"/>
+            <a:ext cx="2282997" cy="584775"/>
+          </a:xfrm>
+          <a:prstGeom prst="rect">
+            <a:avLst/>
+          </a:prstGeom>
+          <a:noFill/>
+        </p:spPr>
+        <p:txBody>
+          <a:bodyPr wrap="none" rtlCol="0">
+            <a:spAutoFit/>
+          </a:bodyPr>
+          <a:lstStyle/>
+          <a:p>
+            <a:r>
+              <a:rPr lang="ja-JP" altLang="en-US" sz="3200" b="1" dirty="0">
+                <a:ln>
+                  <a:solidFill>
+                    <a:schemeClr val="bg1"/>
+                  </a:solidFill>
+                </a:ln>
+                <a:solidFill>
+                  <a:srgbClr val="0000FF"/>
+                </a:solidFill>
+                <a:effectLst>
+                  <a:glow rad="444500">
+                    <a:srgbClr val="00B050"/>
+                  </a:glow>
+                </a:effectLst>
+                <a:latin typeface="HGP行書体" panose="03000600000000000000" pitchFamily="66" charset="-128"/>
+                <a:ea typeface="HGP行書体" panose="03000600000000000000" pitchFamily="66" charset="-128"/>
+              </a:rPr>
+              <a:t>璧</a:t>
+            </a:r>
+            <a:r>
+              <a:rPr lang="ja-JP" altLang="en-US" sz="2000" b="1" dirty="0">
+                <a:ln>
+                  <a:solidFill>
+                    <a:schemeClr val="bg1"/>
+                  </a:solidFill>
+                </a:ln>
+                <a:solidFill>
+                  <a:srgbClr val="0000FF"/>
+                </a:solidFill>
+                <a:effectLst>
+                  <a:glow rad="444500">
+                    <a:srgbClr val="00B050"/>
+                  </a:glow>
+                </a:effectLst>
+                <a:latin typeface="HGP行書体" panose="03000600000000000000" pitchFamily="66" charset="-128"/>
+                <a:ea typeface="HGP行書体" panose="03000600000000000000" pitchFamily="66" charset="-128"/>
+              </a:rPr>
+              <a:t>を</a:t>
+            </a:r>
+            <a:r>
+              <a:rPr lang="ja-JP" altLang="en-US" sz="3200" b="1" dirty="0">
+                <a:ln>
+                  <a:solidFill>
+                    <a:schemeClr val="bg1"/>
+                  </a:solidFill>
+                </a:ln>
+                <a:solidFill>
+                  <a:srgbClr val="0000FF"/>
+                </a:solidFill>
+                <a:effectLst>
+                  <a:glow rad="444500">
+                    <a:srgbClr val="00B050"/>
+                  </a:glow>
+                </a:effectLst>
+                <a:latin typeface="HGP行書体" panose="03000600000000000000" pitchFamily="66" charset="-128"/>
+                <a:ea typeface="HGP行書体" panose="03000600000000000000" pitchFamily="66" charset="-128"/>
+              </a:rPr>
+              <a:t>完</a:t>
+            </a:r>
+            <a:r>
+              <a:rPr lang="ja-JP" altLang="en-US" sz="2000" b="1" dirty="0">
+                <a:ln>
+                  <a:solidFill>
+                    <a:schemeClr val="bg1"/>
+                  </a:solidFill>
+                </a:ln>
+                <a:solidFill>
+                  <a:srgbClr val="0000FF"/>
+                </a:solidFill>
+                <a:effectLst>
+                  <a:glow rad="444500">
+                    <a:srgbClr val="00B050"/>
+                  </a:glow>
+                </a:effectLst>
+                <a:latin typeface="HGP行書体" panose="03000600000000000000" pitchFamily="66" charset="-128"/>
+                <a:ea typeface="HGP行書体" panose="03000600000000000000" pitchFamily="66" charset="-128"/>
+              </a:rPr>
+              <a:t>うして</a:t>
+            </a:r>
+            <a:r>
+              <a:rPr lang="ja-JP" altLang="en-US" sz="3200" b="1" dirty="0">
+                <a:ln>
+                  <a:solidFill>
+                    <a:schemeClr val="bg1"/>
+                  </a:solidFill>
+                </a:ln>
+                <a:solidFill>
+                  <a:srgbClr val="0000FF"/>
+                </a:solidFill>
+                <a:effectLst>
+                  <a:glow rad="444500">
+                    <a:srgbClr val="00B050"/>
+                  </a:glow>
+                </a:effectLst>
+                <a:latin typeface="HGP行書体" panose="03000600000000000000" pitchFamily="66" charset="-128"/>
+                <a:ea typeface="HGP行書体" panose="03000600000000000000" pitchFamily="66" charset="-128"/>
+              </a:rPr>
+              <a:t>帰</a:t>
+            </a:r>
+            <a:r>
+              <a:rPr lang="ja-JP" altLang="en-US" sz="2000" b="1" dirty="0">
+                <a:ln>
+                  <a:solidFill>
+                    <a:schemeClr val="bg1"/>
+                  </a:solidFill>
+                </a:ln>
+                <a:solidFill>
+                  <a:srgbClr val="0000FF"/>
+                </a:solidFill>
+                <a:effectLst>
+                  <a:glow rad="444500">
+                    <a:srgbClr val="00B050"/>
+                  </a:glow>
+                </a:effectLst>
+                <a:latin typeface="HGP行書体" panose="03000600000000000000" pitchFamily="66" charset="-128"/>
+                <a:ea typeface="HGP行書体" panose="03000600000000000000" pitchFamily="66" charset="-128"/>
+              </a:rPr>
+              <a:t>る</a:t>
+            </a:r>
+            <a:endParaRPr kumimoji="1" lang="en-US" altLang="ja-JP" sz="2800" b="1" dirty="0">
+              <a:ln>
+                <a:solidFill>
+                  <a:schemeClr val="bg1"/>
+                </a:solidFill>
+              </a:ln>
+              <a:solidFill>
+                <a:srgbClr val="0000FF"/>
+              </a:solidFill>
+              <a:effectLst>
+                <a:glow rad="444500">
+                  <a:srgbClr val="00B050"/>
+                </a:glow>
+              </a:effectLst>
+              <a:latin typeface="HGP行書体" panose="03000600000000000000" pitchFamily="66" charset="-128"/>
+              <a:ea typeface="HGP行書体" panose="03000600000000000000" pitchFamily="66" charset="-128"/>
+            </a:endParaRPr>
+          </a:p>
+        </p:txBody>
+      </p:sp>
+      <p:sp>
+        <p:nvSpPr>
+          <p:cNvPr id="2" name="テキスト ボックス 1">
+            <a:extLst>
+              <a:ext uri="{FF2B5EF4-FFF2-40B4-BE49-F238E27FC236}">
+                <a16:creationId xmlns:a16="http://schemas.microsoft.com/office/drawing/2014/main" id="{043BE121-0708-F6A2-07C8-5CAC72ED78B2}"/>
+              </a:ext>
+            </a:extLst>
+          </p:cNvPr>
+          <p:cNvSpPr txBox="1"/>
+          <p:nvPr/>
+        </p:nvSpPr>
+        <p:spPr>
+          <a:xfrm>
+            <a:off x="504610" y="0"/>
+            <a:ext cx="11388054" cy="923330"/>
+          </a:xfrm>
+          <a:prstGeom prst="rect">
+            <a:avLst/>
+          </a:prstGeom>
+          <a:noFill/>
+        </p:spPr>
+        <p:txBody>
+          <a:bodyPr wrap="none" rtlCol="0">
+            <a:spAutoFit/>
+          </a:bodyPr>
+          <a:lstStyle/>
+          <a:p>
+            <a:r>
+              <a:rPr kumimoji="1" lang="ja-JP" altLang="en-US" sz="3200" b="1" dirty="0">
+                <a:gradFill>
+                  <a:gsLst>
+                    <a:gs pos="0">
+                      <a:schemeClr val="accent1">
+                        <a:lumMod val="5000"/>
+                        <a:lumOff val="95000"/>
+                      </a:schemeClr>
+                    </a:gs>
+                    <a:gs pos="74000">
+                      <a:srgbClr val="0000FF"/>
+                    </a:gs>
+                    <a:gs pos="83000">
+                      <a:srgbClr val="000099"/>
+                    </a:gs>
+                    <a:gs pos="100000">
+                      <a:schemeClr val="tx1"/>
+                    </a:gs>
+                  </a:gsLst>
+                  <a:lin ang="5400000" scaled="1"/>
+                </a:gradFill>
+                <a:effectLst>
+                  <a:glow rad="508000">
+                    <a:schemeClr val="bg1">
+                      <a:alpha val="90000"/>
+                    </a:schemeClr>
+                  </a:glow>
+                </a:effectLst>
+                <a:latin typeface="HGP行書体" panose="03000600000000000000" pitchFamily="66" charset="-128"/>
+                <a:ea typeface="HGP行書体" panose="03000600000000000000" pitchFamily="66" charset="-128"/>
+              </a:rPr>
+              <a:t>敵は</a:t>
+            </a:r>
+            <a:r>
+              <a:rPr kumimoji="1" lang="ja-JP" altLang="en-US" sz="5400" b="1" dirty="0">
+                <a:gradFill>
+                  <a:gsLst>
+                    <a:gs pos="0">
+                      <a:schemeClr val="accent1">
+                        <a:lumMod val="5000"/>
+                        <a:lumOff val="95000"/>
+                      </a:schemeClr>
+                    </a:gs>
+                    <a:gs pos="74000">
+                      <a:srgbClr val="0000FF"/>
+                    </a:gs>
+                    <a:gs pos="83000">
+                      <a:srgbClr val="000099"/>
+                    </a:gs>
+                    <a:gs pos="100000">
+                      <a:schemeClr val="tx1"/>
+                    </a:gs>
+                  </a:gsLst>
+                  <a:lin ang="5400000" scaled="1"/>
+                </a:gradFill>
+                <a:effectLst>
+                  <a:glow rad="508000">
+                    <a:schemeClr val="bg1">
+                      <a:alpha val="90000"/>
+                    </a:schemeClr>
+                  </a:glow>
+                </a:effectLst>
+                <a:latin typeface="HGP行書体" panose="03000600000000000000" pitchFamily="66" charset="-128"/>
+                <a:ea typeface="HGP行書体" panose="03000600000000000000" pitchFamily="66" charset="-128"/>
+              </a:rPr>
+              <a:t>殺さず</a:t>
+            </a:r>
+            <a:r>
+              <a:rPr kumimoji="1" lang="ja-JP" altLang="en-US" sz="3200" b="1" dirty="0">
+                <a:gradFill>
+                  <a:gsLst>
+                    <a:gs pos="0">
+                      <a:schemeClr val="accent1">
+                        <a:lumMod val="5000"/>
+                        <a:lumOff val="95000"/>
+                      </a:schemeClr>
+                    </a:gs>
+                    <a:gs pos="74000">
+                      <a:srgbClr val="0000FF"/>
+                    </a:gs>
+                    <a:gs pos="83000">
+                      <a:srgbClr val="000099"/>
+                    </a:gs>
+                    <a:gs pos="100000">
+                      <a:schemeClr val="tx1"/>
+                    </a:gs>
+                  </a:gsLst>
+                  <a:lin ang="5400000" scaled="1"/>
+                </a:gradFill>
+                <a:effectLst>
+                  <a:glow rad="508000">
+                    <a:schemeClr val="bg1">
+                      <a:alpha val="90000"/>
+                    </a:schemeClr>
+                  </a:glow>
+                </a:effectLst>
+                <a:latin typeface="HGP行書体" panose="03000600000000000000" pitchFamily="66" charset="-128"/>
+                <a:ea typeface="HGP行書体" panose="03000600000000000000" pitchFamily="66" charset="-128"/>
+              </a:rPr>
+              <a:t>、自分も</a:t>
+            </a:r>
+            <a:r>
+              <a:rPr kumimoji="1" lang="ja-JP" altLang="en-US" sz="5400" b="1" dirty="0">
+                <a:gradFill>
+                  <a:gsLst>
+                    <a:gs pos="0">
+                      <a:schemeClr val="accent1">
+                        <a:lumMod val="5000"/>
+                        <a:lumOff val="95000"/>
+                      </a:schemeClr>
+                    </a:gs>
+                    <a:gs pos="74000">
+                      <a:srgbClr val="0000FF"/>
+                    </a:gs>
+                    <a:gs pos="83000">
+                      <a:srgbClr val="000099"/>
+                    </a:gs>
+                    <a:gs pos="100000">
+                      <a:schemeClr val="tx1"/>
+                    </a:gs>
+                  </a:gsLst>
+                  <a:lin ang="5400000" scaled="1"/>
+                </a:gradFill>
+                <a:effectLst>
+                  <a:glow rad="508000">
+                    <a:schemeClr val="bg1">
+                      <a:alpha val="90000"/>
+                    </a:schemeClr>
+                  </a:glow>
+                </a:effectLst>
+                <a:latin typeface="HGP行書体" panose="03000600000000000000" pitchFamily="66" charset="-128"/>
+                <a:ea typeface="HGP行書体" panose="03000600000000000000" pitchFamily="66" charset="-128"/>
+              </a:rPr>
+              <a:t>死なず</a:t>
+            </a:r>
+            <a:r>
+              <a:rPr kumimoji="1" lang="ja-JP" altLang="en-US" sz="3200" b="1" dirty="0">
+                <a:gradFill>
+                  <a:gsLst>
+                    <a:gs pos="0">
+                      <a:schemeClr val="accent1">
+                        <a:lumMod val="5000"/>
+                        <a:lumOff val="95000"/>
+                      </a:schemeClr>
+                    </a:gs>
+                    <a:gs pos="74000">
+                      <a:srgbClr val="0000FF"/>
+                    </a:gs>
+                    <a:gs pos="83000">
+                      <a:srgbClr val="000099"/>
+                    </a:gs>
+                    <a:gs pos="100000">
+                      <a:schemeClr val="tx1"/>
+                    </a:gs>
+                  </a:gsLst>
+                  <a:lin ang="5400000" scaled="1"/>
+                </a:gradFill>
+                <a:effectLst>
+                  <a:glow rad="508000">
+                    <a:schemeClr val="bg1">
+                      <a:alpha val="90000"/>
+                    </a:schemeClr>
+                  </a:glow>
+                </a:effectLst>
+                <a:latin typeface="HGP行書体" panose="03000600000000000000" pitchFamily="66" charset="-128"/>
+                <a:ea typeface="HGP行書体" panose="03000600000000000000" pitchFamily="66" charset="-128"/>
+              </a:rPr>
+              <a:t>。必ずや任務を</a:t>
+            </a:r>
+            <a:r>
+              <a:rPr kumimoji="1" lang="ja-JP" altLang="en-US" sz="5400" b="1" dirty="0">
+                <a:gradFill>
+                  <a:gsLst>
+                    <a:gs pos="0">
+                      <a:schemeClr val="accent1">
+                        <a:lumMod val="5000"/>
+                        <a:lumOff val="95000"/>
+                      </a:schemeClr>
+                    </a:gs>
+                    <a:gs pos="74000">
+                      <a:srgbClr val="0000FF"/>
+                    </a:gs>
+                    <a:gs pos="83000">
+                      <a:srgbClr val="000099"/>
+                    </a:gs>
+                    <a:gs pos="100000">
+                      <a:schemeClr val="tx1"/>
+                    </a:gs>
+                  </a:gsLst>
+                  <a:lin ang="5400000" scaled="1"/>
+                </a:gradFill>
+                <a:effectLst>
+                  <a:glow rad="508000">
+                    <a:schemeClr val="bg1">
+                      <a:alpha val="90000"/>
+                    </a:schemeClr>
+                  </a:glow>
+                </a:effectLst>
+                <a:latin typeface="HGP行書体" panose="03000600000000000000" pitchFamily="66" charset="-128"/>
+                <a:ea typeface="HGP行書体" panose="03000600000000000000" pitchFamily="66" charset="-128"/>
+              </a:rPr>
+              <a:t>達成せよ</a:t>
+            </a:r>
+            <a:r>
+              <a:rPr kumimoji="1" lang="ja-JP" altLang="en-US" sz="3200" b="1" dirty="0">
+                <a:gradFill>
+                  <a:gsLst>
+                    <a:gs pos="0">
+                      <a:schemeClr val="accent1">
+                        <a:lumMod val="5000"/>
+                        <a:lumOff val="95000"/>
+                      </a:schemeClr>
+                    </a:gs>
+                    <a:gs pos="74000">
+                      <a:srgbClr val="0000FF"/>
+                    </a:gs>
+                    <a:gs pos="83000">
+                      <a:srgbClr val="000099"/>
+                    </a:gs>
+                    <a:gs pos="100000">
+                      <a:schemeClr val="tx1"/>
+                    </a:gs>
+                  </a:gsLst>
+                  <a:lin ang="5400000" scaled="1"/>
+                </a:gradFill>
+                <a:effectLst>
+                  <a:glow rad="508000">
+                    <a:schemeClr val="bg1">
+                      <a:alpha val="90000"/>
+                    </a:schemeClr>
+                  </a:glow>
+                </a:effectLst>
+                <a:latin typeface="HGP行書体" panose="03000600000000000000" pitchFamily="66" charset="-128"/>
+                <a:ea typeface="HGP行書体" panose="03000600000000000000" pitchFamily="66" charset="-128"/>
+              </a:rPr>
+              <a:t>。</a:t>
+            </a:r>
+            <a:endParaRPr kumimoji="1" lang="ja-JP" altLang="en-US" sz="3600" b="1" dirty="0">
+              <a:gradFill>
+                <a:gsLst>
+                  <a:gs pos="0">
+                    <a:schemeClr val="accent1">
+                      <a:lumMod val="5000"/>
+                      <a:lumOff val="95000"/>
+                    </a:schemeClr>
+                  </a:gs>
+                  <a:gs pos="74000">
+                    <a:srgbClr val="0000FF"/>
+                  </a:gs>
+                  <a:gs pos="83000">
+                    <a:srgbClr val="000099"/>
+                  </a:gs>
+                  <a:gs pos="100000">
+                    <a:schemeClr val="tx1"/>
+                  </a:gs>
+                </a:gsLst>
+                <a:lin ang="5400000" scaled="1"/>
+              </a:gradFill>
+              <a:effectLst>
+                <a:glow rad="508000">
+                  <a:schemeClr val="bg1">
+                    <a:alpha val="90000"/>
+                  </a:schemeClr>
+                </a:glow>
+              </a:effectLst>
+              <a:latin typeface="HGP行書体" panose="03000600000000000000" pitchFamily="66" charset="-128"/>
+              <a:ea typeface="HGP行書体" panose="03000600000000000000" pitchFamily="66" charset="-128"/>
+            </a:endParaRPr>
+          </a:p>
+        </p:txBody>
+      </p:sp>
+      <p:grpSp>
+        <p:nvGrpSpPr>
+          <p:cNvPr id="16" name="グループ化 15">
+            <a:extLst>
+              <a:ext uri="{FF2B5EF4-FFF2-40B4-BE49-F238E27FC236}">
+                <a16:creationId xmlns:a16="http://schemas.microsoft.com/office/drawing/2014/main" id="{69395353-8399-DBD6-11C9-B0A53511B6CC}"/>
+              </a:ext>
+            </a:extLst>
+          </p:cNvPr>
+          <p:cNvGrpSpPr/>
+          <p:nvPr/>
+        </p:nvGrpSpPr>
+        <p:grpSpPr>
+          <a:xfrm rot="713119" flipH="1" flipV="1">
+            <a:off x="7595578" y="2760263"/>
+            <a:ext cx="3578333" cy="2794876"/>
+            <a:chOff x="11721137" y="-1668267"/>
+            <a:chExt cx="3578333" cy="2794876"/>
+          </a:xfrm>
+        </p:grpSpPr>
+        <p:pic>
+          <p:nvPicPr>
+            <p:cNvPr id="17" name="図 16" descr="光 が含まれている画像&#10;&#10;自動的に生成された説明">
+              <a:extLst>
+                <a:ext uri="{FF2B5EF4-FFF2-40B4-BE49-F238E27FC236}">
+                  <a16:creationId xmlns:a16="http://schemas.microsoft.com/office/drawing/2014/main" id="{B397B2BC-D91C-BC9D-AC71-66706DD908BE}"/>
+                </a:ext>
+              </a:extLst>
+            </p:cNvPr>
+            <p:cNvPicPr>
+              <a:picLocks noChangeAspect="1"/>
+            </p:cNvPicPr>
+            <p:nvPr/>
+          </p:nvPicPr>
+          <p:blipFill>
+            <a:blip r:embed="rId3">
+              <a:extLst>
+                <a:ext uri="{28A0092B-C50C-407E-A947-70E740481C1C}">
+                  <a14:useLocalDpi xmlns:a14="http://schemas.microsoft.com/office/drawing/2010/main" val="0"/>
+                </a:ext>
+              </a:extLst>
+            </a:blip>
+            <a:stretch>
+              <a:fillRect/>
+            </a:stretch>
+          </p:blipFill>
+          <p:spPr>
+            <a:xfrm rot="15598726">
+              <a:off x="11721137" y="-1668267"/>
+              <a:ext cx="1122572" cy="1122572"/>
+            </a:xfrm>
+            <a:prstGeom prst="rect">
+              <a:avLst/>
+            </a:prstGeom>
+            <a:effectLst>
+              <a:glow rad="127000">
+                <a:srgbClr val="FF0000"/>
+              </a:glow>
+            </a:effectLst>
+          </p:spPr>
+        </p:pic>
+        <p:pic>
+          <p:nvPicPr>
+            <p:cNvPr id="18" name="図 17" descr="光 が含まれている画像&#10;&#10;自動的に生成された説明">
+              <a:extLst>
+                <a:ext uri="{FF2B5EF4-FFF2-40B4-BE49-F238E27FC236}">
+                  <a16:creationId xmlns:a16="http://schemas.microsoft.com/office/drawing/2014/main" id="{002206FA-F64C-F914-FF06-393A16A889E3}"/>
+                </a:ext>
+              </a:extLst>
+            </p:cNvPr>
+            <p:cNvPicPr>
+              <a:picLocks noChangeAspect="1"/>
+            </p:cNvPicPr>
+            <p:nvPr/>
+          </p:nvPicPr>
+          <p:blipFill>
+            <a:blip r:embed="rId3">
+              <a:extLst>
+                <a:ext uri="{28A0092B-C50C-407E-A947-70E740481C1C}">
+                  <a14:useLocalDpi xmlns:a14="http://schemas.microsoft.com/office/drawing/2010/main" val="0"/>
+                </a:ext>
+              </a:extLst>
+            </a:blip>
+            <a:stretch>
+              <a:fillRect/>
+            </a:stretch>
+          </p:blipFill>
+          <p:spPr>
+            <a:xfrm rot="15598726">
+              <a:off x="14176898" y="-1072169"/>
+              <a:ext cx="1122572" cy="1122572"/>
+            </a:xfrm>
+            <a:prstGeom prst="rect">
+              <a:avLst/>
+            </a:prstGeom>
+            <a:effectLst>
+              <a:glow rad="127000">
+                <a:srgbClr val="FF0000"/>
+              </a:glow>
+            </a:effectLst>
+          </p:spPr>
+        </p:pic>
+        <p:pic>
+          <p:nvPicPr>
+            <p:cNvPr id="19" name="図 18" descr="光 が含まれている画像&#10;&#10;自動的に生成された説明">
+              <a:extLst>
+                <a:ext uri="{FF2B5EF4-FFF2-40B4-BE49-F238E27FC236}">
+                  <a16:creationId xmlns:a16="http://schemas.microsoft.com/office/drawing/2014/main" id="{826E46BE-6C7B-4E07-075B-8A26DE577505}"/>
+                </a:ext>
+              </a:extLst>
+            </p:cNvPr>
+            <p:cNvPicPr>
+              <a:picLocks noChangeAspect="1"/>
+            </p:cNvPicPr>
+            <p:nvPr/>
+          </p:nvPicPr>
+          <p:blipFill>
+            <a:blip r:embed="rId3">
+              <a:extLst>
+                <a:ext uri="{28A0092B-C50C-407E-A947-70E740481C1C}">
+                  <a14:useLocalDpi xmlns:a14="http://schemas.microsoft.com/office/drawing/2010/main" val="0"/>
+                </a:ext>
+              </a:extLst>
+            </a:blip>
+            <a:stretch>
+              <a:fillRect/>
+            </a:stretch>
+          </p:blipFill>
+          <p:spPr>
+            <a:xfrm rot="15598726">
+              <a:off x="12444129" y="4037"/>
+              <a:ext cx="1122572" cy="1122572"/>
+            </a:xfrm>
+            <a:prstGeom prst="rect">
+              <a:avLst/>
+            </a:prstGeom>
+            <a:effectLst>
+              <a:glow rad="127000">
+                <a:srgbClr val="FF0000"/>
+              </a:glow>
+            </a:effectLst>
+          </p:spPr>
+        </p:pic>
+      </p:grpSp>
+      <p:grpSp>
+        <p:nvGrpSpPr>
+          <p:cNvPr id="20" name="グループ化 19">
+            <a:extLst>
+              <a:ext uri="{FF2B5EF4-FFF2-40B4-BE49-F238E27FC236}">
+                <a16:creationId xmlns:a16="http://schemas.microsoft.com/office/drawing/2014/main" id="{72E4851A-B47E-E73F-35A2-B691689073CA}"/>
+              </a:ext>
+            </a:extLst>
+          </p:cNvPr>
+          <p:cNvGrpSpPr/>
+          <p:nvPr/>
+        </p:nvGrpSpPr>
+        <p:grpSpPr>
+          <a:xfrm rot="20661143" flipV="1">
+            <a:off x="978116" y="2802619"/>
+            <a:ext cx="3578334" cy="2794875"/>
+            <a:chOff x="11721137" y="-1668266"/>
+            <a:chExt cx="3578334" cy="2794875"/>
+          </a:xfrm>
+        </p:grpSpPr>
+        <p:pic>
+          <p:nvPicPr>
+            <p:cNvPr id="21" name="図 20" descr="光 が含まれている画像&#10;&#10;自動的に生成された説明">
+              <a:extLst>
+                <a:ext uri="{FF2B5EF4-FFF2-40B4-BE49-F238E27FC236}">
+                  <a16:creationId xmlns:a16="http://schemas.microsoft.com/office/drawing/2014/main" id="{BA0035C6-1061-E65B-544C-C3217A8C71E6}"/>
+                </a:ext>
+              </a:extLst>
+            </p:cNvPr>
+            <p:cNvPicPr>
+              <a:picLocks noChangeAspect="1"/>
+            </p:cNvPicPr>
+            <p:nvPr/>
+          </p:nvPicPr>
+          <p:blipFill>
+            <a:blip r:embed="rId3">
+              <a:extLst>
+                <a:ext uri="{28A0092B-C50C-407E-A947-70E740481C1C}">
+                  <a14:useLocalDpi xmlns:a14="http://schemas.microsoft.com/office/drawing/2010/main" val="0"/>
+                </a:ext>
+              </a:extLst>
+            </a:blip>
+            <a:stretch>
+              <a:fillRect/>
+            </a:stretch>
+          </p:blipFill>
+          <p:spPr>
+            <a:xfrm rot="15598726">
+              <a:off x="11721137" y="-1668266"/>
+              <a:ext cx="1122572" cy="1122572"/>
+            </a:xfrm>
+            <a:prstGeom prst="rect">
+              <a:avLst/>
+            </a:prstGeom>
+            <a:effectLst>
+              <a:glow rad="127000">
+                <a:srgbClr val="FF0000"/>
+              </a:glow>
+            </a:effectLst>
+          </p:spPr>
+        </p:pic>
+        <p:pic>
+          <p:nvPicPr>
+            <p:cNvPr id="22" name="図 21" descr="光 が含まれている画像&#10;&#10;自動的に生成された説明">
+              <a:extLst>
+                <a:ext uri="{FF2B5EF4-FFF2-40B4-BE49-F238E27FC236}">
+                  <a16:creationId xmlns:a16="http://schemas.microsoft.com/office/drawing/2014/main" id="{88A85D2A-361A-5739-9442-2A17F6869419}"/>
+                </a:ext>
+              </a:extLst>
+            </p:cNvPr>
+            <p:cNvPicPr>
+              <a:picLocks noChangeAspect="1"/>
+            </p:cNvPicPr>
+            <p:nvPr/>
+          </p:nvPicPr>
+          <p:blipFill>
+            <a:blip r:embed="rId3">
+              <a:extLst>
+                <a:ext uri="{28A0092B-C50C-407E-A947-70E740481C1C}">
+                  <a14:useLocalDpi xmlns:a14="http://schemas.microsoft.com/office/drawing/2010/main" val="0"/>
+                </a:ext>
+              </a:extLst>
+            </a:blip>
+            <a:stretch>
+              <a:fillRect/>
+            </a:stretch>
+          </p:blipFill>
+          <p:spPr>
+            <a:xfrm rot="15598726">
+              <a:off x="14176899" y="-1072169"/>
+              <a:ext cx="1122572" cy="1122572"/>
+            </a:xfrm>
+            <a:prstGeom prst="rect">
+              <a:avLst/>
+            </a:prstGeom>
+            <a:effectLst>
+              <a:glow rad="127000">
+                <a:srgbClr val="FF0000"/>
+              </a:glow>
+            </a:effectLst>
+          </p:spPr>
+        </p:pic>
+        <p:pic>
+          <p:nvPicPr>
+            <p:cNvPr id="23" name="図 22" descr="光 が含まれている画像&#10;&#10;自動的に生成された説明">
+              <a:extLst>
+                <a:ext uri="{FF2B5EF4-FFF2-40B4-BE49-F238E27FC236}">
+                  <a16:creationId xmlns:a16="http://schemas.microsoft.com/office/drawing/2014/main" id="{8A200057-DB96-D15D-EFCC-38493F5CD16C}"/>
+                </a:ext>
+              </a:extLst>
+            </p:cNvPr>
+            <p:cNvPicPr>
+              <a:picLocks noChangeAspect="1"/>
+            </p:cNvPicPr>
+            <p:nvPr/>
+          </p:nvPicPr>
+          <p:blipFill>
+            <a:blip r:embed="rId3">
+              <a:extLst>
+                <a:ext uri="{28A0092B-C50C-407E-A947-70E740481C1C}">
+                  <a14:useLocalDpi xmlns:a14="http://schemas.microsoft.com/office/drawing/2010/main" val="0"/>
+                </a:ext>
+              </a:extLst>
+            </a:blip>
+            <a:stretch>
+              <a:fillRect/>
+            </a:stretch>
+          </p:blipFill>
+          <p:spPr>
+            <a:xfrm rot="15598726">
+              <a:off x="12444129" y="4037"/>
+              <a:ext cx="1122572" cy="1122572"/>
+            </a:xfrm>
+            <a:prstGeom prst="rect">
+              <a:avLst/>
+            </a:prstGeom>
+            <a:effectLst>
+              <a:glow rad="127000">
+                <a:srgbClr val="FF0000"/>
+              </a:glow>
+            </a:effectLst>
+          </p:spPr>
+        </p:pic>
+      </p:grpSp>
+      <p:sp>
+        <p:nvSpPr>
+          <p:cNvPr id="8" name="テキスト ボックス 7">
+            <a:extLst>
+              <a:ext uri="{FF2B5EF4-FFF2-40B4-BE49-F238E27FC236}">
+                <a16:creationId xmlns:a16="http://schemas.microsoft.com/office/drawing/2014/main" id="{89A3D515-FD1F-D092-953E-0B9429961F80}"/>
+              </a:ext>
+            </a:extLst>
+          </p:cNvPr>
+          <p:cNvSpPr txBox="1"/>
+          <p:nvPr/>
+        </p:nvSpPr>
+        <p:spPr>
+          <a:xfrm rot="270345">
+            <a:off x="2566923" y="2033521"/>
+            <a:ext cx="9592752" cy="1200329"/>
+          </a:xfrm>
+          <a:prstGeom prst="rect">
+            <a:avLst/>
+          </a:prstGeom>
+          <a:noFill/>
+          <a:effectLst>
+            <a:glow rad="127000">
+              <a:srgbClr val="0066FF"/>
+            </a:glow>
+          </a:effectLst>
+          <a:scene3d>
+            <a:camera prst="orthographicFront">
+              <a:rot lat="0" lon="0" rev="0"/>
+            </a:camera>
+            <a:lightRig rig="threePt" dir="t"/>
+          </a:scene3d>
+        </p:spPr>
+        <p:txBody>
+          <a:bodyPr wrap="square" rtlCol="0">
+            <a:spAutoFit/>
+          </a:bodyPr>
+          <a:lstStyle/>
+          <a:p>
+            <a:r>
+              <a:rPr lang="ja-JP" altLang="en-US" sz="4800" dirty="0">
+                <a:solidFill>
+                  <a:schemeClr val="bg1"/>
+                </a:solidFill>
+                <a:effectLst>
+                  <a:glow rad="254000">
+                    <a:schemeClr val="accent1">
+                      <a:alpha val="75000"/>
+                    </a:schemeClr>
+                  </a:glow>
+                </a:effectLst>
+                <a:latin typeface="HGP行書体" panose="03000600000000000000" pitchFamily="66" charset="-128"/>
+                <a:ea typeface="HGP行書体" panose="03000600000000000000" pitchFamily="66" charset="-128"/>
+              </a:rPr>
+              <a:t>敵の攻撃を</a:t>
+            </a:r>
+            <a:r>
+              <a:rPr lang="ja-JP" altLang="en-US" sz="7200" b="1" dirty="0">
+                <a:ln w="12700">
+                  <a:solidFill>
+                    <a:sysClr val="windowText" lastClr="000000"/>
+                  </a:solidFill>
+                </a:ln>
+                <a:solidFill>
+                  <a:srgbClr val="FF0000"/>
+                </a:solidFill>
+                <a:effectLst>
+                  <a:glow rad="254000">
+                    <a:schemeClr val="accent4"/>
+                  </a:glow>
+                </a:effectLst>
+                <a:latin typeface="HGP行書体" panose="03000600000000000000" pitchFamily="66" charset="-128"/>
+                <a:ea typeface="HGP行書体" panose="03000600000000000000" pitchFamily="66" charset="-128"/>
+              </a:rPr>
+              <a:t>弾き返し</a:t>
+            </a:r>
+            <a:r>
+              <a:rPr lang="ja-JP" altLang="en-US" sz="4800" dirty="0">
+                <a:solidFill>
+                  <a:schemeClr val="bg1"/>
+                </a:solidFill>
+                <a:effectLst>
+                  <a:glow rad="254000">
+                    <a:schemeClr val="accent1">
+                      <a:alpha val="75000"/>
+                    </a:schemeClr>
+                  </a:glow>
+                </a:effectLst>
+                <a:latin typeface="HGP行書体" panose="03000600000000000000" pitchFamily="66" charset="-128"/>
+                <a:ea typeface="HGP行書体" panose="03000600000000000000" pitchFamily="66" charset="-128"/>
+              </a:rPr>
+              <a:t>隙を生み出せ。</a:t>
+            </a:r>
+            <a:endParaRPr lang="en-US" altLang="ja-JP" sz="4800" b="1" dirty="0">
+              <a:ln w="12700">
+                <a:solidFill>
+                  <a:sysClr val="windowText" lastClr="000000"/>
+                </a:solidFill>
+              </a:ln>
+              <a:solidFill>
+                <a:srgbClr val="FF0000"/>
+              </a:solidFill>
+              <a:effectLst>
+                <a:glow rad="254000">
+                  <a:schemeClr val="accent4"/>
+                </a:glow>
+              </a:effectLst>
+              <a:latin typeface="HGP行書体" panose="03000600000000000000" pitchFamily="66" charset="-128"/>
+              <a:ea typeface="HGP行書体" panose="03000600000000000000" pitchFamily="66" charset="-128"/>
+            </a:endParaRPr>
+          </a:p>
+        </p:txBody>
+      </p:sp>
+      <p:sp>
+        <p:nvSpPr>
+          <p:cNvPr id="9" name="テキスト ボックス 8">
+            <a:extLst>
+              <a:ext uri="{FF2B5EF4-FFF2-40B4-BE49-F238E27FC236}">
+                <a16:creationId xmlns:a16="http://schemas.microsoft.com/office/drawing/2014/main" id="{5200087F-A304-413B-6BB4-151B2EAB0403}"/>
+              </a:ext>
+            </a:extLst>
+          </p:cNvPr>
+          <p:cNvSpPr txBox="1"/>
+          <p:nvPr/>
+        </p:nvSpPr>
+        <p:spPr>
+          <a:xfrm rot="270345">
+            <a:off x="1019954" y="1074271"/>
+            <a:ext cx="5865097" cy="1107996"/>
+          </a:xfrm>
+          <a:prstGeom prst="rect">
+            <a:avLst/>
+          </a:prstGeom>
+          <a:noFill/>
+          <a:effectLst>
+            <a:glow rad="127000">
+              <a:srgbClr val="0066FF"/>
+            </a:glow>
+          </a:effectLst>
+          <a:scene3d>
+            <a:camera prst="orthographicFront">
+              <a:rot lat="0" lon="0" rev="0"/>
+            </a:camera>
+            <a:lightRig rig="threePt" dir="t"/>
+          </a:scene3d>
+        </p:spPr>
+        <p:txBody>
+          <a:bodyPr wrap="square" rtlCol="0">
+            <a:spAutoFit/>
+          </a:bodyPr>
+          <a:lstStyle/>
+          <a:p>
+            <a:r>
+              <a:rPr kumimoji="1" lang="ja-JP" altLang="en-US" sz="4800" dirty="0">
+                <a:solidFill>
+                  <a:schemeClr val="bg1"/>
+                </a:solidFill>
+                <a:effectLst>
+                  <a:glow rad="254000">
+                    <a:schemeClr val="accent1">
+                      <a:alpha val="75000"/>
+                    </a:schemeClr>
+                  </a:glow>
+                </a:effectLst>
+                <a:latin typeface="HGP行書体" panose="03000600000000000000" pitchFamily="66" charset="-128"/>
+                <a:ea typeface="HGP行書体" panose="03000600000000000000" pitchFamily="66" charset="-128"/>
+              </a:rPr>
+              <a:t>力は</a:t>
+            </a:r>
+            <a:r>
+              <a:rPr kumimoji="1" lang="ja-JP" altLang="en-US" sz="6600" dirty="0">
+                <a:solidFill>
+                  <a:schemeClr val="bg1"/>
+                </a:solidFill>
+                <a:effectLst>
+                  <a:glow rad="254000">
+                    <a:schemeClr val="accent1">
+                      <a:alpha val="75000"/>
+                    </a:schemeClr>
+                  </a:glow>
+                </a:effectLst>
+                <a:latin typeface="HGP行書体" panose="03000600000000000000" pitchFamily="66" charset="-128"/>
+                <a:ea typeface="HGP行書体" panose="03000600000000000000" pitchFamily="66" charset="-128"/>
+              </a:rPr>
+              <a:t>自ら振るわぬ</a:t>
+            </a:r>
+            <a:r>
+              <a:rPr kumimoji="1" lang="ja-JP" altLang="en-US" sz="4800" dirty="0">
+                <a:solidFill>
+                  <a:schemeClr val="bg1"/>
+                </a:solidFill>
+                <a:effectLst>
+                  <a:glow rad="254000">
+                    <a:schemeClr val="accent1">
+                      <a:alpha val="75000"/>
+                    </a:schemeClr>
+                  </a:glow>
+                </a:effectLst>
+                <a:latin typeface="HGP行書体" panose="03000600000000000000" pitchFamily="66" charset="-128"/>
+                <a:ea typeface="HGP行書体" panose="03000600000000000000" pitchFamily="66" charset="-128"/>
+              </a:rPr>
+              <a:t>。</a:t>
+            </a:r>
+          </a:p>
+        </p:txBody>
+      </p:sp>
+      <p:pic>
+        <p:nvPicPr>
+          <p:cNvPr id="15" name="図 14" descr="シルエット, 抽象 が含まれている画像&#10;&#10;自動的に生成された説明">
+            <a:extLst>
+              <a:ext uri="{FF2B5EF4-FFF2-40B4-BE49-F238E27FC236}">
+                <a16:creationId xmlns:a16="http://schemas.microsoft.com/office/drawing/2014/main" id="{35E5C01A-A0DF-CF7E-01A8-41618148A40B}"/>
+              </a:ext>
+            </a:extLst>
+          </p:cNvPr>
+          <p:cNvPicPr>
+            <a:picLocks noChangeAspect="1"/>
+          </p:cNvPicPr>
+          <p:nvPr/>
+        </p:nvPicPr>
+        <p:blipFill>
+          <a:blip r:embed="rId4">
+            <a:extLst>
+              <a:ext uri="{28A0092B-C50C-407E-A947-70E740481C1C}">
+                <a14:useLocalDpi xmlns:a14="http://schemas.microsoft.com/office/drawing/2010/main" val="0"/>
+              </a:ext>
+            </a:extLst>
+          </a:blip>
+          <a:stretch>
+            <a:fillRect/>
+          </a:stretch>
+        </p:blipFill>
+        <p:spPr>
+          <a:xfrm rot="1078829">
+            <a:off x="3020115" y="2508209"/>
+            <a:ext cx="5857085" cy="5382433"/>
+          </a:xfrm>
+          <a:prstGeom prst="rect">
+            <a:avLst/>
+          </a:prstGeom>
+          <a:effectLst>
+            <a:glow rad="127000">
+              <a:srgbClr val="00B0F0"/>
+            </a:glow>
+          </a:effectLst>
+        </p:spPr>
+      </p:pic>
+    </p:spTree>
+    <p:extLst>
+      <p:ext uri="{BB962C8B-B14F-4D97-AF65-F5344CB8AC3E}">
+        <p14:creationId xmlns:p14="http://schemas.microsoft.com/office/powerpoint/2010/main" val="833486229"/>
+      </p:ext>
+    </p:extLst>
+  </p:cSld>
+  <p:clrMapOvr>
+    <a:masterClrMapping/>
+  </p:clrMapOvr>
+  <mc:AlternateContent xmlns:mc="http://schemas.openxmlformats.org/markup-compatibility/2006">
+    <mc:Choice xmlns:p159="http://schemas.microsoft.com/office/powerpoint/2015/09/main" Requires="p159">
+      <p:transition>
+        <p159:morph option="byObject"/>
+      </p:transition>
+    </mc:Choice>
+    <mc:Fallback>
+      <p:transition>
+        <p:fade/>
+      </p:transition>
+    </mc:Fallback>
+  </mc:AlternateContent>
+</p:sld>
+</file>
+
+<file path=ppt/slides/slide11.xml><?xml version="1.0" encoding="utf-8"?>
+<p:sld xmlns:a="http://schemas.openxmlformats.org/drawingml/2006/main" xmlns:r="http://schemas.openxmlformats.org/officeDocument/2006/relationships" xmlns:p="http://schemas.openxmlformats.org/presentationml/2006/main">
+  <p:cSld>
+    <p:spTree>
+      <p:nvGrpSpPr>
+        <p:cNvPr id="1" name=""/>
+        <p:cNvGrpSpPr/>
+        <p:nvPr/>
+      </p:nvGrpSpPr>
+      <p:grpSpPr>
+        <a:xfrm>
+          <a:off x="0" y="0"/>
+          <a:ext cx="0" cy="0"/>
+          <a:chOff x="0" y="0"/>
+          <a:chExt cx="0" cy="0"/>
+        </a:xfrm>
+      </p:grpSpPr>
+      <p:pic>
+        <p:nvPicPr>
+          <p:cNvPr id="10" name="図 9" descr="選手, 男 が含まれている画像&#10;&#10;自動的に生成された説明">
+            <a:extLst>
+              <a:ext uri="{FF2B5EF4-FFF2-40B4-BE49-F238E27FC236}">
+                <a16:creationId xmlns:a16="http://schemas.microsoft.com/office/drawing/2014/main" id="{EDC4C8C7-FE80-2E56-8FBB-DEF1BF143AC1}"/>
+              </a:ext>
+            </a:extLst>
+          </p:cNvPr>
+          <p:cNvPicPr>
+            <a:picLocks noChangeAspect="1"/>
+          </p:cNvPicPr>
+          <p:nvPr/>
+        </p:nvPicPr>
+        <p:blipFill>
+          <a:blip r:embed="rId2">
+            <a:extLst>
+              <a:ext uri="{28A0092B-C50C-407E-A947-70E740481C1C}">
+                <a14:useLocalDpi xmlns:a14="http://schemas.microsoft.com/office/drawing/2010/main" val="0"/>
+              </a:ext>
+            </a:extLst>
+          </a:blip>
+          <a:stretch>
+            <a:fillRect/>
+          </a:stretch>
+        </p:blipFill>
+        <p:spPr>
+          <a:xfrm rot="987252">
+            <a:off x="7938044" y="480779"/>
+            <a:ext cx="4744172" cy="4744172"/>
+          </a:xfrm>
+          <a:prstGeom prst="rect">
+            <a:avLst/>
+          </a:prstGeom>
+          <a:effectLst>
+            <a:glow rad="127000">
+              <a:srgbClr val="FF0000"/>
+            </a:glow>
+          </a:effectLst>
+        </p:spPr>
+      </p:pic>
+      <p:pic>
+        <p:nvPicPr>
+          <p:cNvPr id="11" name="図 10" descr="選手, 男 が含まれている画像&#10;&#10;自動的に生成された説明">
+            <a:extLst>
+              <a:ext uri="{FF2B5EF4-FFF2-40B4-BE49-F238E27FC236}">
+                <a16:creationId xmlns:a16="http://schemas.microsoft.com/office/drawing/2014/main" id="{3B1A5CB6-EF0F-6C68-DF91-E16FB52A3629}"/>
+              </a:ext>
+            </a:extLst>
+          </p:cNvPr>
+          <p:cNvPicPr>
+            <a:picLocks noChangeAspect="1"/>
+          </p:cNvPicPr>
+          <p:nvPr/>
+        </p:nvPicPr>
+        <p:blipFill>
+          <a:blip r:embed="rId2">
+            <a:extLst>
+              <a:ext uri="{28A0092B-C50C-407E-A947-70E740481C1C}">
+                <a14:useLocalDpi xmlns:a14="http://schemas.microsoft.com/office/drawing/2010/main" val="0"/>
+              </a:ext>
+            </a:extLst>
+          </a:blip>
+          <a:stretch>
+            <a:fillRect/>
+          </a:stretch>
+        </p:blipFill>
+        <p:spPr>
+          <a:xfrm rot="18569438">
+            <a:off x="-206355" y="633178"/>
+            <a:ext cx="4744172" cy="4744172"/>
+          </a:xfrm>
+          <a:prstGeom prst="rect">
+            <a:avLst/>
+          </a:prstGeom>
+          <a:effectLst>
+            <a:glow rad="127000">
+              <a:srgbClr val="FF0000"/>
+            </a:glow>
+          </a:effectLst>
+        </p:spPr>
+      </p:pic>
+      <p:sp>
+        <p:nvSpPr>
+          <p:cNvPr id="6" name="テキスト ボックス 5">
+            <a:extLst>
+              <a:ext uri="{FF2B5EF4-FFF2-40B4-BE49-F238E27FC236}">
+                <a16:creationId xmlns:a16="http://schemas.microsoft.com/office/drawing/2014/main" id="{C6F9D129-5116-4C4F-B6C8-52A4FD584CDB}"/>
+              </a:ext>
+            </a:extLst>
+          </p:cNvPr>
+          <p:cNvSpPr txBox="1"/>
+          <p:nvPr/>
+        </p:nvSpPr>
+        <p:spPr>
+          <a:xfrm>
+            <a:off x="4954501" y="923330"/>
+            <a:ext cx="2282997" cy="584775"/>
+          </a:xfrm>
+          <a:prstGeom prst="rect">
+            <a:avLst/>
+          </a:prstGeom>
+          <a:noFill/>
+        </p:spPr>
+        <p:txBody>
+          <a:bodyPr wrap="none" rtlCol="0">
+            <a:spAutoFit/>
+          </a:bodyPr>
+          <a:lstStyle/>
+          <a:p>
+            <a:r>
+              <a:rPr lang="ja-JP" altLang="en-US" sz="3200" b="1" dirty="0">
+                <a:ln>
+                  <a:solidFill>
+                    <a:schemeClr val="bg1"/>
+                  </a:solidFill>
+                </a:ln>
+                <a:solidFill>
+                  <a:srgbClr val="0000FF"/>
+                </a:solidFill>
+                <a:effectLst>
+                  <a:glow rad="444500">
+                    <a:srgbClr val="00B050"/>
+                  </a:glow>
+                </a:effectLst>
+                <a:latin typeface="HGP行書体" panose="03000600000000000000" pitchFamily="66" charset="-128"/>
+                <a:ea typeface="HGP行書体" panose="03000600000000000000" pitchFamily="66" charset="-128"/>
+              </a:rPr>
+              <a:t>璧</a:t>
+            </a:r>
+            <a:r>
+              <a:rPr lang="ja-JP" altLang="en-US" sz="2000" b="1" dirty="0">
+                <a:ln>
+                  <a:solidFill>
+                    <a:schemeClr val="bg1"/>
+                  </a:solidFill>
+                </a:ln>
+                <a:solidFill>
+                  <a:srgbClr val="0000FF"/>
+                </a:solidFill>
+                <a:effectLst>
+                  <a:glow rad="444500">
+                    <a:srgbClr val="00B050"/>
+                  </a:glow>
+                </a:effectLst>
+                <a:latin typeface="HGP行書体" panose="03000600000000000000" pitchFamily="66" charset="-128"/>
+                <a:ea typeface="HGP行書体" panose="03000600000000000000" pitchFamily="66" charset="-128"/>
+              </a:rPr>
+              <a:t>を</a:t>
+            </a:r>
+            <a:r>
+              <a:rPr lang="ja-JP" altLang="en-US" sz="3200" b="1" dirty="0">
+                <a:ln>
+                  <a:solidFill>
+                    <a:schemeClr val="bg1"/>
+                  </a:solidFill>
+                </a:ln>
+                <a:solidFill>
+                  <a:srgbClr val="0000FF"/>
+                </a:solidFill>
+                <a:effectLst>
+                  <a:glow rad="444500">
+                    <a:srgbClr val="00B050"/>
+                  </a:glow>
+                </a:effectLst>
+                <a:latin typeface="HGP行書体" panose="03000600000000000000" pitchFamily="66" charset="-128"/>
+                <a:ea typeface="HGP行書体" panose="03000600000000000000" pitchFamily="66" charset="-128"/>
+              </a:rPr>
+              <a:t>完</a:t>
+            </a:r>
+            <a:r>
+              <a:rPr lang="ja-JP" altLang="en-US" sz="2000" b="1" dirty="0">
+                <a:ln>
+                  <a:solidFill>
+                    <a:schemeClr val="bg1"/>
+                  </a:solidFill>
+                </a:ln>
+                <a:solidFill>
+                  <a:srgbClr val="0000FF"/>
+                </a:solidFill>
+                <a:effectLst>
+                  <a:glow rad="444500">
+                    <a:srgbClr val="00B050"/>
+                  </a:glow>
+                </a:effectLst>
+                <a:latin typeface="HGP行書体" panose="03000600000000000000" pitchFamily="66" charset="-128"/>
+                <a:ea typeface="HGP行書体" panose="03000600000000000000" pitchFamily="66" charset="-128"/>
+              </a:rPr>
+              <a:t>うして</a:t>
+            </a:r>
+            <a:r>
+              <a:rPr lang="ja-JP" altLang="en-US" sz="3200" b="1" dirty="0">
+                <a:ln>
+                  <a:solidFill>
+                    <a:schemeClr val="bg1"/>
+                  </a:solidFill>
+                </a:ln>
+                <a:solidFill>
+                  <a:srgbClr val="0000FF"/>
+                </a:solidFill>
+                <a:effectLst>
+                  <a:glow rad="444500">
+                    <a:srgbClr val="00B050"/>
+                  </a:glow>
+                </a:effectLst>
+                <a:latin typeface="HGP行書体" panose="03000600000000000000" pitchFamily="66" charset="-128"/>
+                <a:ea typeface="HGP行書体" panose="03000600000000000000" pitchFamily="66" charset="-128"/>
+              </a:rPr>
+              <a:t>帰</a:t>
+            </a:r>
+            <a:r>
+              <a:rPr lang="ja-JP" altLang="en-US" sz="2000" b="1" dirty="0">
+                <a:ln>
+                  <a:solidFill>
+                    <a:schemeClr val="bg1"/>
+                  </a:solidFill>
+                </a:ln>
+                <a:solidFill>
+                  <a:srgbClr val="0000FF"/>
+                </a:solidFill>
+                <a:effectLst>
+                  <a:glow rad="444500">
+                    <a:srgbClr val="00B050"/>
+                  </a:glow>
+                </a:effectLst>
+                <a:latin typeface="HGP行書体" panose="03000600000000000000" pitchFamily="66" charset="-128"/>
+                <a:ea typeface="HGP行書体" panose="03000600000000000000" pitchFamily="66" charset="-128"/>
+              </a:rPr>
+              <a:t>る</a:t>
+            </a:r>
+            <a:endParaRPr kumimoji="1" lang="en-US" altLang="ja-JP" sz="2800" b="1" dirty="0">
+              <a:ln>
+                <a:solidFill>
+                  <a:schemeClr val="bg1"/>
+                </a:solidFill>
+              </a:ln>
+              <a:solidFill>
+                <a:srgbClr val="0000FF"/>
+              </a:solidFill>
+              <a:effectLst>
+                <a:glow rad="444500">
+                  <a:srgbClr val="00B050"/>
+                </a:glow>
+              </a:effectLst>
+              <a:latin typeface="HGP行書体" panose="03000600000000000000" pitchFamily="66" charset="-128"/>
+              <a:ea typeface="HGP行書体" panose="03000600000000000000" pitchFamily="66" charset="-128"/>
+            </a:endParaRPr>
+          </a:p>
+        </p:txBody>
+      </p:sp>
+      <p:sp>
+        <p:nvSpPr>
+          <p:cNvPr id="2" name="テキスト ボックス 1">
+            <a:extLst>
+              <a:ext uri="{FF2B5EF4-FFF2-40B4-BE49-F238E27FC236}">
+                <a16:creationId xmlns:a16="http://schemas.microsoft.com/office/drawing/2014/main" id="{043BE121-0708-F6A2-07C8-5CAC72ED78B2}"/>
+              </a:ext>
+            </a:extLst>
+          </p:cNvPr>
+          <p:cNvSpPr txBox="1"/>
+          <p:nvPr/>
+        </p:nvSpPr>
+        <p:spPr>
+          <a:xfrm>
+            <a:off x="504610" y="0"/>
+            <a:ext cx="11388054" cy="923330"/>
+          </a:xfrm>
+          <a:prstGeom prst="rect">
+            <a:avLst/>
+          </a:prstGeom>
+          <a:noFill/>
+        </p:spPr>
+        <p:txBody>
+          <a:bodyPr wrap="none" rtlCol="0">
+            <a:spAutoFit/>
+          </a:bodyPr>
+          <a:lstStyle/>
+          <a:p>
+            <a:r>
+              <a:rPr kumimoji="1" lang="ja-JP" altLang="en-US" sz="3200" b="1" dirty="0">
+                <a:gradFill>
+                  <a:gsLst>
+                    <a:gs pos="0">
+                      <a:schemeClr val="accent1">
+                        <a:lumMod val="5000"/>
+                        <a:lumOff val="95000"/>
+                      </a:schemeClr>
+                    </a:gs>
+                    <a:gs pos="74000">
+                      <a:srgbClr val="0000FF"/>
+                    </a:gs>
+                    <a:gs pos="83000">
+                      <a:srgbClr val="000099"/>
+                    </a:gs>
+                    <a:gs pos="100000">
+                      <a:schemeClr val="tx1"/>
+                    </a:gs>
+                  </a:gsLst>
+                  <a:lin ang="5400000" scaled="1"/>
+                </a:gradFill>
+                <a:effectLst>
+                  <a:glow rad="508000">
+                    <a:schemeClr val="bg1">
+                      <a:alpha val="90000"/>
+                    </a:schemeClr>
+                  </a:glow>
+                </a:effectLst>
+                <a:latin typeface="HGP行書体" panose="03000600000000000000" pitchFamily="66" charset="-128"/>
+                <a:ea typeface="HGP行書体" panose="03000600000000000000" pitchFamily="66" charset="-128"/>
+              </a:rPr>
+              <a:t>敵は</a:t>
+            </a:r>
+            <a:r>
+              <a:rPr kumimoji="1" lang="ja-JP" altLang="en-US" sz="5400" b="1" dirty="0">
+                <a:gradFill>
+                  <a:gsLst>
+                    <a:gs pos="0">
+                      <a:schemeClr val="accent1">
+                        <a:lumMod val="5000"/>
+                        <a:lumOff val="95000"/>
+                      </a:schemeClr>
+                    </a:gs>
+                    <a:gs pos="74000">
+                      <a:srgbClr val="0000FF"/>
+                    </a:gs>
+                    <a:gs pos="83000">
+                      <a:srgbClr val="000099"/>
+                    </a:gs>
+                    <a:gs pos="100000">
+                      <a:schemeClr val="tx1"/>
+                    </a:gs>
+                  </a:gsLst>
+                  <a:lin ang="5400000" scaled="1"/>
+                </a:gradFill>
+                <a:effectLst>
+                  <a:glow rad="508000">
+                    <a:schemeClr val="bg1">
+                      <a:alpha val="90000"/>
+                    </a:schemeClr>
+                  </a:glow>
+                </a:effectLst>
+                <a:latin typeface="HGP行書体" panose="03000600000000000000" pitchFamily="66" charset="-128"/>
+                <a:ea typeface="HGP行書体" panose="03000600000000000000" pitchFamily="66" charset="-128"/>
+              </a:rPr>
+              <a:t>殺さず</a:t>
+            </a:r>
+            <a:r>
+              <a:rPr kumimoji="1" lang="ja-JP" altLang="en-US" sz="3200" b="1" dirty="0">
+                <a:gradFill>
+                  <a:gsLst>
+                    <a:gs pos="0">
+                      <a:schemeClr val="accent1">
+                        <a:lumMod val="5000"/>
+                        <a:lumOff val="95000"/>
+                      </a:schemeClr>
+                    </a:gs>
+                    <a:gs pos="74000">
+                      <a:srgbClr val="0000FF"/>
+                    </a:gs>
+                    <a:gs pos="83000">
+                      <a:srgbClr val="000099"/>
+                    </a:gs>
+                    <a:gs pos="100000">
+                      <a:schemeClr val="tx1"/>
+                    </a:gs>
+                  </a:gsLst>
+                  <a:lin ang="5400000" scaled="1"/>
+                </a:gradFill>
+                <a:effectLst>
+                  <a:glow rad="508000">
+                    <a:schemeClr val="bg1">
+                      <a:alpha val="90000"/>
+                    </a:schemeClr>
+                  </a:glow>
+                </a:effectLst>
+                <a:latin typeface="HGP行書体" panose="03000600000000000000" pitchFamily="66" charset="-128"/>
+                <a:ea typeface="HGP行書体" panose="03000600000000000000" pitchFamily="66" charset="-128"/>
+              </a:rPr>
+              <a:t>、自分も</a:t>
+            </a:r>
+            <a:r>
+              <a:rPr kumimoji="1" lang="ja-JP" altLang="en-US" sz="5400" b="1" dirty="0">
+                <a:gradFill>
+                  <a:gsLst>
+                    <a:gs pos="0">
+                      <a:schemeClr val="accent1">
+                        <a:lumMod val="5000"/>
+                        <a:lumOff val="95000"/>
+                      </a:schemeClr>
+                    </a:gs>
+                    <a:gs pos="74000">
+                      <a:srgbClr val="0000FF"/>
+                    </a:gs>
+                    <a:gs pos="83000">
+                      <a:srgbClr val="000099"/>
+                    </a:gs>
+                    <a:gs pos="100000">
+                      <a:schemeClr val="tx1"/>
+                    </a:gs>
+                  </a:gsLst>
+                  <a:lin ang="5400000" scaled="1"/>
+                </a:gradFill>
+                <a:effectLst>
+                  <a:glow rad="508000">
+                    <a:schemeClr val="bg1">
+                      <a:alpha val="90000"/>
+                    </a:schemeClr>
+                  </a:glow>
+                </a:effectLst>
+                <a:latin typeface="HGP行書体" panose="03000600000000000000" pitchFamily="66" charset="-128"/>
+                <a:ea typeface="HGP行書体" panose="03000600000000000000" pitchFamily="66" charset="-128"/>
+              </a:rPr>
+              <a:t>死なず</a:t>
+            </a:r>
+            <a:r>
+              <a:rPr kumimoji="1" lang="ja-JP" altLang="en-US" sz="3200" b="1" dirty="0">
+                <a:gradFill>
+                  <a:gsLst>
+                    <a:gs pos="0">
+                      <a:schemeClr val="accent1">
+                        <a:lumMod val="5000"/>
+                        <a:lumOff val="95000"/>
+                      </a:schemeClr>
+                    </a:gs>
+                    <a:gs pos="74000">
+                      <a:srgbClr val="0000FF"/>
+                    </a:gs>
+                    <a:gs pos="83000">
+                      <a:srgbClr val="000099"/>
+                    </a:gs>
+                    <a:gs pos="100000">
+                      <a:schemeClr val="tx1"/>
+                    </a:gs>
+                  </a:gsLst>
+                  <a:lin ang="5400000" scaled="1"/>
+                </a:gradFill>
+                <a:effectLst>
+                  <a:glow rad="508000">
+                    <a:schemeClr val="bg1">
+                      <a:alpha val="90000"/>
+                    </a:schemeClr>
+                  </a:glow>
+                </a:effectLst>
+                <a:latin typeface="HGP行書体" panose="03000600000000000000" pitchFamily="66" charset="-128"/>
+                <a:ea typeface="HGP行書体" panose="03000600000000000000" pitchFamily="66" charset="-128"/>
+              </a:rPr>
+              <a:t>。必ずや任務を</a:t>
+            </a:r>
+            <a:r>
+              <a:rPr kumimoji="1" lang="ja-JP" altLang="en-US" sz="5400" b="1" dirty="0">
+                <a:gradFill>
+                  <a:gsLst>
+                    <a:gs pos="0">
+                      <a:schemeClr val="accent1">
+                        <a:lumMod val="5000"/>
+                        <a:lumOff val="95000"/>
+                      </a:schemeClr>
+                    </a:gs>
+                    <a:gs pos="74000">
+                      <a:srgbClr val="0000FF"/>
+                    </a:gs>
+                    <a:gs pos="83000">
+                      <a:srgbClr val="000099"/>
+                    </a:gs>
+                    <a:gs pos="100000">
+                      <a:schemeClr val="tx1"/>
+                    </a:gs>
+                  </a:gsLst>
+                  <a:lin ang="5400000" scaled="1"/>
+                </a:gradFill>
+                <a:effectLst>
+                  <a:glow rad="508000">
+                    <a:schemeClr val="bg1">
+                      <a:alpha val="90000"/>
+                    </a:schemeClr>
+                  </a:glow>
+                </a:effectLst>
+                <a:latin typeface="HGP行書体" panose="03000600000000000000" pitchFamily="66" charset="-128"/>
+                <a:ea typeface="HGP行書体" panose="03000600000000000000" pitchFamily="66" charset="-128"/>
+              </a:rPr>
+              <a:t>達成せよ</a:t>
+            </a:r>
+            <a:r>
+              <a:rPr kumimoji="1" lang="ja-JP" altLang="en-US" sz="3200" b="1" dirty="0">
+                <a:gradFill>
+                  <a:gsLst>
+                    <a:gs pos="0">
+                      <a:schemeClr val="accent1">
+                        <a:lumMod val="5000"/>
+                        <a:lumOff val="95000"/>
+                      </a:schemeClr>
+                    </a:gs>
+                    <a:gs pos="74000">
+                      <a:srgbClr val="0000FF"/>
+                    </a:gs>
+                    <a:gs pos="83000">
+                      <a:srgbClr val="000099"/>
+                    </a:gs>
+                    <a:gs pos="100000">
+                      <a:schemeClr val="tx1"/>
+                    </a:gs>
+                  </a:gsLst>
+                  <a:lin ang="5400000" scaled="1"/>
+                </a:gradFill>
+                <a:effectLst>
+                  <a:glow rad="508000">
+                    <a:schemeClr val="bg1">
+                      <a:alpha val="90000"/>
+                    </a:schemeClr>
+                  </a:glow>
+                </a:effectLst>
+                <a:latin typeface="HGP行書体" panose="03000600000000000000" pitchFamily="66" charset="-128"/>
+                <a:ea typeface="HGP行書体" panose="03000600000000000000" pitchFamily="66" charset="-128"/>
+              </a:rPr>
+              <a:t>。</a:t>
+            </a:r>
+            <a:endParaRPr kumimoji="1" lang="ja-JP" altLang="en-US" sz="3600" b="1" dirty="0">
+              <a:gradFill>
+                <a:gsLst>
+                  <a:gs pos="0">
+                    <a:schemeClr val="accent1">
+                      <a:lumMod val="5000"/>
+                      <a:lumOff val="95000"/>
+                    </a:schemeClr>
+                  </a:gs>
+                  <a:gs pos="74000">
+                    <a:srgbClr val="0000FF"/>
+                  </a:gs>
+                  <a:gs pos="83000">
+                    <a:srgbClr val="000099"/>
+                  </a:gs>
+                  <a:gs pos="100000">
+                    <a:schemeClr val="tx1"/>
+                  </a:gs>
+                </a:gsLst>
+                <a:lin ang="5400000" scaled="1"/>
+              </a:gradFill>
+              <a:effectLst>
+                <a:glow rad="508000">
+                  <a:schemeClr val="bg1">
+                    <a:alpha val="90000"/>
+                  </a:schemeClr>
+                </a:glow>
+              </a:effectLst>
+              <a:latin typeface="HGP行書体" panose="03000600000000000000" pitchFamily="66" charset="-128"/>
+              <a:ea typeface="HGP行書体" panose="03000600000000000000" pitchFamily="66" charset="-128"/>
+            </a:endParaRPr>
+          </a:p>
+        </p:txBody>
+      </p:sp>
+      <p:pic>
+        <p:nvPicPr>
+          <p:cNvPr id="17" name="図 16" descr="光 が含まれている画像&#10;&#10;自動的に生成された説明">
+            <a:extLst>
+              <a:ext uri="{FF2B5EF4-FFF2-40B4-BE49-F238E27FC236}">
+                <a16:creationId xmlns:a16="http://schemas.microsoft.com/office/drawing/2014/main" id="{B397B2BC-D91C-BC9D-AC71-66706DD908BE}"/>
+              </a:ext>
+            </a:extLst>
+          </p:cNvPr>
+          <p:cNvPicPr>
+            <a:picLocks noChangeAspect="1"/>
+          </p:cNvPicPr>
+          <p:nvPr/>
+        </p:nvPicPr>
+        <p:blipFill>
+          <a:blip r:embed="rId3">
+            <a:extLst>
+              <a:ext uri="{28A0092B-C50C-407E-A947-70E740481C1C}">
+                <a14:useLocalDpi xmlns:a14="http://schemas.microsoft.com/office/drawing/2010/main" val="0"/>
+              </a:ext>
+            </a:extLst>
+          </a:blip>
+          <a:stretch>
+            <a:fillRect/>
+          </a:stretch>
+        </p:blipFill>
+        <p:spPr>
+          <a:xfrm rot="16311845" flipH="1" flipV="1">
+            <a:off x="9852807" y="4667528"/>
+            <a:ext cx="1122572" cy="1122572"/>
+          </a:xfrm>
+          <a:prstGeom prst="rect">
+            <a:avLst/>
+          </a:prstGeom>
+          <a:effectLst>
+            <a:glow rad="127000">
+              <a:srgbClr val="00B0F0"/>
+            </a:glow>
+          </a:effectLst>
+        </p:spPr>
+      </p:pic>
+      <p:pic>
+        <p:nvPicPr>
+          <p:cNvPr id="18" name="図 17" descr="光 が含まれている画像&#10;&#10;自動的に生成された説明">
+            <a:extLst>
+              <a:ext uri="{FF2B5EF4-FFF2-40B4-BE49-F238E27FC236}">
+                <a16:creationId xmlns:a16="http://schemas.microsoft.com/office/drawing/2014/main" id="{002206FA-F64C-F914-FF06-393A16A889E3}"/>
+              </a:ext>
+            </a:extLst>
+          </p:cNvPr>
+          <p:cNvPicPr>
+            <a:picLocks noChangeAspect="1"/>
+          </p:cNvPicPr>
+          <p:nvPr/>
+        </p:nvPicPr>
+        <p:blipFill>
+          <a:blip r:embed="rId3">
+            <a:extLst>
+              <a:ext uri="{28A0092B-C50C-407E-A947-70E740481C1C}">
+                <a14:useLocalDpi xmlns:a14="http://schemas.microsoft.com/office/drawing/2010/main" val="0"/>
+              </a:ext>
+            </a:extLst>
+          </a:blip>
+          <a:stretch>
+            <a:fillRect/>
+          </a:stretch>
+        </p:blipFill>
+        <p:spPr>
+          <a:xfrm rot="16311845" flipH="1" flipV="1">
+            <a:off x="7572462" y="3578436"/>
+            <a:ext cx="1122572" cy="1122572"/>
+          </a:xfrm>
+          <a:prstGeom prst="rect">
+            <a:avLst/>
+          </a:prstGeom>
+          <a:effectLst>
+            <a:glow rad="127000">
+              <a:srgbClr val="00B0F0"/>
+            </a:glow>
+          </a:effectLst>
+        </p:spPr>
+      </p:pic>
+      <p:pic>
+        <p:nvPicPr>
+          <p:cNvPr id="19" name="図 18" descr="光 が含まれている画像&#10;&#10;自動的に生成された説明">
+            <a:extLst>
+              <a:ext uri="{FF2B5EF4-FFF2-40B4-BE49-F238E27FC236}">
+                <a16:creationId xmlns:a16="http://schemas.microsoft.com/office/drawing/2014/main" id="{826E46BE-6C7B-4E07-075B-8A26DE577505}"/>
+              </a:ext>
+            </a:extLst>
+          </p:cNvPr>
+          <p:cNvPicPr>
+            <a:picLocks noChangeAspect="1"/>
+          </p:cNvPicPr>
+          <p:nvPr/>
+        </p:nvPicPr>
+        <p:blipFill>
+          <a:blip r:embed="rId3">
+            <a:extLst>
+              <a:ext uri="{28A0092B-C50C-407E-A947-70E740481C1C}">
+                <a14:useLocalDpi xmlns:a14="http://schemas.microsoft.com/office/drawing/2010/main" val="0"/>
+              </a:ext>
+            </a:extLst>
+          </a:blip>
+          <a:stretch>
+            <a:fillRect/>
+          </a:stretch>
+        </p:blipFill>
+        <p:spPr>
+          <a:xfrm rot="16311845" flipH="1" flipV="1">
+            <a:off x="9489731" y="2882172"/>
+            <a:ext cx="1122572" cy="1122572"/>
+          </a:xfrm>
+          <a:prstGeom prst="rect">
+            <a:avLst/>
+          </a:prstGeom>
+          <a:effectLst>
+            <a:glow rad="127000">
+              <a:srgbClr val="00B0F0"/>
+            </a:glow>
+          </a:effectLst>
+        </p:spPr>
+      </p:pic>
+      <p:pic>
+        <p:nvPicPr>
+          <p:cNvPr id="21" name="図 20" descr="光 が含まれている画像&#10;&#10;自動的に生成された説明">
+            <a:extLst>
+              <a:ext uri="{FF2B5EF4-FFF2-40B4-BE49-F238E27FC236}">
+                <a16:creationId xmlns:a16="http://schemas.microsoft.com/office/drawing/2014/main" id="{BA0035C6-1061-E65B-544C-C3217A8C71E6}"/>
+              </a:ext>
+            </a:extLst>
+          </p:cNvPr>
+          <p:cNvPicPr>
+            <a:picLocks noChangeAspect="1"/>
+          </p:cNvPicPr>
+          <p:nvPr/>
+        </p:nvPicPr>
+        <p:blipFill>
+          <a:blip r:embed="rId3">
+            <a:extLst>
+              <a:ext uri="{28A0092B-C50C-407E-A947-70E740481C1C}">
+                <a14:useLocalDpi xmlns:a14="http://schemas.microsoft.com/office/drawing/2010/main" val="0"/>
+              </a:ext>
+            </a:extLst>
+          </a:blip>
+          <a:stretch>
+            <a:fillRect/>
+          </a:stretch>
+        </p:blipFill>
+        <p:spPr>
+          <a:xfrm rot="5062417" flipV="1">
+            <a:off x="1249150" y="4775117"/>
+            <a:ext cx="1122572" cy="1122572"/>
+          </a:xfrm>
+          <a:prstGeom prst="rect">
+            <a:avLst/>
+          </a:prstGeom>
+          <a:effectLst>
+            <a:glow rad="127000">
+              <a:srgbClr val="00B0F0"/>
+            </a:glow>
+          </a:effectLst>
+        </p:spPr>
+      </p:pic>
+      <p:pic>
+        <p:nvPicPr>
+          <p:cNvPr id="22" name="図 21" descr="光 が含まれている画像&#10;&#10;自動的に生成された説明">
+            <a:extLst>
+              <a:ext uri="{FF2B5EF4-FFF2-40B4-BE49-F238E27FC236}">
+                <a16:creationId xmlns:a16="http://schemas.microsoft.com/office/drawing/2014/main" id="{88A85D2A-361A-5739-9442-2A17F6869419}"/>
+              </a:ext>
+            </a:extLst>
+          </p:cNvPr>
+          <p:cNvPicPr>
+            <a:picLocks noChangeAspect="1"/>
+          </p:cNvPicPr>
+          <p:nvPr/>
+        </p:nvPicPr>
+        <p:blipFill>
+          <a:blip r:embed="rId3">
+            <a:extLst>
+              <a:ext uri="{28A0092B-C50C-407E-A947-70E740481C1C}">
+                <a14:useLocalDpi xmlns:a14="http://schemas.microsoft.com/office/drawing/2010/main" val="0"/>
+              </a:ext>
+            </a:extLst>
+          </a:blip>
+          <a:stretch>
+            <a:fillRect/>
+          </a:stretch>
+        </p:blipFill>
+        <p:spPr>
+          <a:xfrm rot="5062417" flipV="1">
+            <a:off x="3453119" y="3538744"/>
+            <a:ext cx="1122572" cy="1122572"/>
+          </a:xfrm>
+          <a:prstGeom prst="rect">
+            <a:avLst/>
+          </a:prstGeom>
+          <a:effectLst>
+            <a:glow rad="127000">
+              <a:srgbClr val="00B0F0"/>
+            </a:glow>
+          </a:effectLst>
+        </p:spPr>
+      </p:pic>
+      <p:pic>
+        <p:nvPicPr>
+          <p:cNvPr id="23" name="図 22" descr="光 が含まれている画像&#10;&#10;自動的に生成された説明">
+            <a:extLst>
+              <a:ext uri="{FF2B5EF4-FFF2-40B4-BE49-F238E27FC236}">
+                <a16:creationId xmlns:a16="http://schemas.microsoft.com/office/drawing/2014/main" id="{8A200057-DB96-D15D-EFCC-38493F5CD16C}"/>
+              </a:ext>
+            </a:extLst>
+          </p:cNvPr>
+          <p:cNvPicPr>
+            <a:picLocks noChangeAspect="1"/>
+          </p:cNvPicPr>
+          <p:nvPr/>
+        </p:nvPicPr>
+        <p:blipFill>
+          <a:blip r:embed="rId3">
+            <a:extLst>
+              <a:ext uri="{28A0092B-C50C-407E-A947-70E740481C1C}">
+                <a14:useLocalDpi xmlns:a14="http://schemas.microsoft.com/office/drawing/2010/main" val="0"/>
+              </a:ext>
+            </a:extLst>
+          </a:blip>
+          <a:stretch>
+            <a:fillRect/>
+          </a:stretch>
+        </p:blipFill>
+        <p:spPr>
+          <a:xfrm rot="5062417" flipV="1">
+            <a:off x="1494293" y="2969787"/>
+            <a:ext cx="1122572" cy="1122572"/>
+          </a:xfrm>
+          <a:prstGeom prst="rect">
+            <a:avLst/>
+          </a:prstGeom>
+          <a:effectLst>
+            <a:glow rad="127000">
+              <a:srgbClr val="00B0F0"/>
+            </a:glow>
+          </a:effectLst>
+        </p:spPr>
+      </p:pic>
+      <p:sp>
+        <p:nvSpPr>
+          <p:cNvPr id="8" name="テキスト ボックス 7">
+            <a:extLst>
+              <a:ext uri="{FF2B5EF4-FFF2-40B4-BE49-F238E27FC236}">
+                <a16:creationId xmlns:a16="http://schemas.microsoft.com/office/drawing/2014/main" id="{89A3D515-FD1F-D092-953E-0B9429961F80}"/>
+              </a:ext>
+            </a:extLst>
+          </p:cNvPr>
+          <p:cNvSpPr txBox="1"/>
+          <p:nvPr/>
+        </p:nvSpPr>
+        <p:spPr>
+          <a:xfrm rot="270345">
+            <a:off x="2566923" y="2033521"/>
+            <a:ext cx="9592752" cy="1200329"/>
+          </a:xfrm>
+          <a:prstGeom prst="rect">
+            <a:avLst/>
+          </a:prstGeom>
+          <a:noFill/>
+          <a:effectLst>
+            <a:glow rad="127000">
+              <a:srgbClr val="0066FF"/>
+            </a:glow>
+          </a:effectLst>
+          <a:scene3d>
+            <a:camera prst="orthographicFront">
+              <a:rot lat="0" lon="0" rev="0"/>
+            </a:camera>
+            <a:lightRig rig="threePt" dir="t"/>
+          </a:scene3d>
+        </p:spPr>
+        <p:txBody>
+          <a:bodyPr wrap="square" rtlCol="0">
+            <a:spAutoFit/>
+          </a:bodyPr>
+          <a:lstStyle/>
+          <a:p>
+            <a:r>
+              <a:rPr lang="ja-JP" altLang="en-US" sz="4800" dirty="0">
+                <a:solidFill>
+                  <a:schemeClr val="bg1"/>
+                </a:solidFill>
+                <a:effectLst>
+                  <a:glow rad="254000">
+                    <a:schemeClr val="accent1">
+                      <a:alpha val="75000"/>
+                    </a:schemeClr>
+                  </a:glow>
+                </a:effectLst>
+                <a:latin typeface="HGP行書体" panose="03000600000000000000" pitchFamily="66" charset="-128"/>
+                <a:ea typeface="HGP行書体" panose="03000600000000000000" pitchFamily="66" charset="-128"/>
+              </a:rPr>
+              <a:t>敵の攻撃を</a:t>
+            </a:r>
+            <a:r>
+              <a:rPr lang="ja-JP" altLang="en-US" sz="7200" b="1" dirty="0">
+                <a:ln w="12700">
+                  <a:solidFill>
+                    <a:sysClr val="windowText" lastClr="000000"/>
+                  </a:solidFill>
+                </a:ln>
+                <a:solidFill>
+                  <a:srgbClr val="FF0000"/>
+                </a:solidFill>
+                <a:effectLst>
+                  <a:glow rad="254000">
+                    <a:schemeClr val="accent4"/>
+                  </a:glow>
+                </a:effectLst>
+                <a:latin typeface="HGP行書体" panose="03000600000000000000" pitchFamily="66" charset="-128"/>
+                <a:ea typeface="HGP行書体" panose="03000600000000000000" pitchFamily="66" charset="-128"/>
+              </a:rPr>
+              <a:t>弾き返し</a:t>
+            </a:r>
+            <a:r>
+              <a:rPr lang="ja-JP" altLang="en-US" sz="4800" dirty="0">
+                <a:solidFill>
+                  <a:schemeClr val="bg1"/>
+                </a:solidFill>
+                <a:effectLst>
+                  <a:glow rad="254000">
+                    <a:schemeClr val="accent1">
+                      <a:alpha val="75000"/>
+                    </a:schemeClr>
+                  </a:glow>
+                </a:effectLst>
+                <a:latin typeface="HGP行書体" panose="03000600000000000000" pitchFamily="66" charset="-128"/>
+                <a:ea typeface="HGP行書体" panose="03000600000000000000" pitchFamily="66" charset="-128"/>
+              </a:rPr>
+              <a:t>隙を生み出せ。</a:t>
+            </a:r>
+            <a:endParaRPr lang="en-US" altLang="ja-JP" sz="4800" b="1" dirty="0">
+              <a:ln w="12700">
+                <a:solidFill>
+                  <a:sysClr val="windowText" lastClr="000000"/>
+                </a:solidFill>
+              </a:ln>
+              <a:solidFill>
+                <a:srgbClr val="FF0000"/>
+              </a:solidFill>
+              <a:effectLst>
+                <a:glow rad="254000">
+                  <a:schemeClr val="accent4"/>
+                </a:glow>
+              </a:effectLst>
+              <a:latin typeface="HGP行書体" panose="03000600000000000000" pitchFamily="66" charset="-128"/>
+              <a:ea typeface="HGP行書体" panose="03000600000000000000" pitchFamily="66" charset="-128"/>
+            </a:endParaRPr>
+          </a:p>
+        </p:txBody>
+      </p:sp>
+      <p:sp>
+        <p:nvSpPr>
+          <p:cNvPr id="9" name="テキスト ボックス 8">
+            <a:extLst>
+              <a:ext uri="{FF2B5EF4-FFF2-40B4-BE49-F238E27FC236}">
+                <a16:creationId xmlns:a16="http://schemas.microsoft.com/office/drawing/2014/main" id="{5200087F-A304-413B-6BB4-151B2EAB0403}"/>
+              </a:ext>
+            </a:extLst>
+          </p:cNvPr>
+          <p:cNvSpPr txBox="1"/>
+          <p:nvPr/>
+        </p:nvSpPr>
+        <p:spPr>
+          <a:xfrm rot="270345">
+            <a:off x="1019954" y="1074271"/>
+            <a:ext cx="5865097" cy="1107996"/>
+          </a:xfrm>
+          <a:prstGeom prst="rect">
+            <a:avLst/>
+          </a:prstGeom>
+          <a:noFill/>
+          <a:effectLst>
+            <a:glow rad="127000">
+              <a:srgbClr val="0066FF"/>
+            </a:glow>
+          </a:effectLst>
+          <a:scene3d>
+            <a:camera prst="orthographicFront">
+              <a:rot lat="0" lon="0" rev="0"/>
+            </a:camera>
+            <a:lightRig rig="threePt" dir="t"/>
+          </a:scene3d>
+        </p:spPr>
+        <p:txBody>
+          <a:bodyPr wrap="square" rtlCol="0">
+            <a:spAutoFit/>
+          </a:bodyPr>
+          <a:lstStyle/>
+          <a:p>
+            <a:r>
+              <a:rPr kumimoji="1" lang="ja-JP" altLang="en-US" sz="4800" dirty="0">
+                <a:solidFill>
+                  <a:schemeClr val="bg1"/>
+                </a:solidFill>
+                <a:effectLst>
+                  <a:glow rad="254000">
+                    <a:schemeClr val="accent1">
+                      <a:alpha val="75000"/>
+                    </a:schemeClr>
+                  </a:glow>
+                </a:effectLst>
+                <a:latin typeface="HGP行書体" panose="03000600000000000000" pitchFamily="66" charset="-128"/>
+                <a:ea typeface="HGP行書体" panose="03000600000000000000" pitchFamily="66" charset="-128"/>
+              </a:rPr>
+              <a:t>力は</a:t>
+            </a:r>
+            <a:r>
+              <a:rPr kumimoji="1" lang="ja-JP" altLang="en-US" sz="6600" dirty="0">
+                <a:solidFill>
+                  <a:schemeClr val="bg1"/>
+                </a:solidFill>
+                <a:effectLst>
+                  <a:glow rad="254000">
+                    <a:schemeClr val="accent1">
+                      <a:alpha val="75000"/>
+                    </a:schemeClr>
+                  </a:glow>
+                </a:effectLst>
+                <a:latin typeface="HGP行書体" panose="03000600000000000000" pitchFamily="66" charset="-128"/>
+                <a:ea typeface="HGP行書体" panose="03000600000000000000" pitchFamily="66" charset="-128"/>
+              </a:rPr>
+              <a:t>自ら振るわぬ</a:t>
+            </a:r>
+            <a:r>
+              <a:rPr kumimoji="1" lang="ja-JP" altLang="en-US" sz="4800" dirty="0">
+                <a:solidFill>
+                  <a:schemeClr val="bg1"/>
+                </a:solidFill>
+                <a:effectLst>
+                  <a:glow rad="254000">
+                    <a:schemeClr val="accent1">
+                      <a:alpha val="75000"/>
+                    </a:schemeClr>
+                  </a:glow>
+                </a:effectLst>
+                <a:latin typeface="HGP行書体" panose="03000600000000000000" pitchFamily="66" charset="-128"/>
+                <a:ea typeface="HGP行書体" panose="03000600000000000000" pitchFamily="66" charset="-128"/>
+              </a:rPr>
+              <a:t>。</a:t>
+            </a:r>
+          </a:p>
+        </p:txBody>
+      </p:sp>
+      <p:pic>
+        <p:nvPicPr>
+          <p:cNvPr id="15" name="図 14" descr="シルエット, 抽象 が含まれている画像&#10;&#10;自動的に生成された説明">
+            <a:extLst>
+              <a:ext uri="{FF2B5EF4-FFF2-40B4-BE49-F238E27FC236}">
+                <a16:creationId xmlns:a16="http://schemas.microsoft.com/office/drawing/2014/main" id="{35E5C01A-A0DF-CF7E-01A8-41618148A40B}"/>
+              </a:ext>
+            </a:extLst>
+          </p:cNvPr>
+          <p:cNvPicPr>
+            <a:picLocks noChangeAspect="1"/>
+          </p:cNvPicPr>
+          <p:nvPr/>
+        </p:nvPicPr>
+        <p:blipFill>
+          <a:blip r:embed="rId4">
+            <a:extLst>
+              <a:ext uri="{28A0092B-C50C-407E-A947-70E740481C1C}">
+                <a14:useLocalDpi xmlns:a14="http://schemas.microsoft.com/office/drawing/2010/main" val="0"/>
+              </a:ext>
+            </a:extLst>
+          </a:blip>
+          <a:stretch>
+            <a:fillRect/>
+          </a:stretch>
+        </p:blipFill>
+        <p:spPr>
+          <a:xfrm rot="1078829">
+            <a:off x="3020115" y="2508209"/>
+            <a:ext cx="5857085" cy="5382433"/>
+          </a:xfrm>
+          <a:prstGeom prst="rect">
+            <a:avLst/>
+          </a:prstGeom>
+          <a:effectLst>
+            <a:glow rad="127000">
+              <a:srgbClr val="00B0F0"/>
+            </a:glow>
+          </a:effectLst>
+        </p:spPr>
+      </p:pic>
+    </p:spTree>
+    <p:extLst>
+      <p:ext uri="{BB962C8B-B14F-4D97-AF65-F5344CB8AC3E}">
+        <p14:creationId xmlns:p14="http://schemas.microsoft.com/office/powerpoint/2010/main" val="2684334627"/>
+      </p:ext>
+    </p:extLst>
+  </p:cSld>
+  <p:clrMapOvr>
+    <a:masterClrMapping/>
+  </p:clrMapOvr>
+  <mc:AlternateContent xmlns:mc="http://schemas.openxmlformats.org/markup-compatibility/2006">
+    <mc:Choice xmlns:p159="http://schemas.microsoft.com/office/powerpoint/2015/09/main" Requires="p159">
+      <p:transition>
+        <p159:morph option="byObject"/>
+      </p:transition>
+    </mc:Choice>
+    <mc:Fallback>
+      <p:transition>
+        <p:fade/>
+      </p:transition>
+    </mc:Fallback>
+  </mc:AlternateContent>
+</p:sld>
+</file>
+
 <file path=ppt/slides/slide2.xml><?xml version="1.0" encoding="utf-8"?>
 <p:sld xmlns:a="http://schemas.openxmlformats.org/drawingml/2006/main" xmlns:r="http://schemas.openxmlformats.org/officeDocument/2006/relationships" xmlns:p="http://schemas.openxmlformats.org/presentationml/2006/main">
   <p:cSld>
@@ -4588,323 +6803,6 @@
           <a:chExt cx="0" cy="0"/>
         </a:xfrm>
       </p:grpSpPr>
-      <p:sp>
-        <p:nvSpPr>
-          <p:cNvPr id="4" name="テキスト ボックス 3">
-            <a:extLst>
-              <a:ext uri="{FF2B5EF4-FFF2-40B4-BE49-F238E27FC236}">
-                <a16:creationId xmlns:a16="http://schemas.microsoft.com/office/drawing/2014/main" id="{5B7B9F27-188C-419F-9E5F-FC3A3AE8D5D4}"/>
-              </a:ext>
-            </a:extLst>
-          </p:cNvPr>
-          <p:cNvSpPr txBox="1"/>
-          <p:nvPr/>
-        </p:nvSpPr>
-        <p:spPr>
-          <a:xfrm rot="21157274">
-            <a:off x="154788" y="1211947"/>
-            <a:ext cx="3212739" cy="677108"/>
-          </a:xfrm>
-          <a:prstGeom prst="rect">
-            <a:avLst/>
-          </a:prstGeom>
-          <a:noFill/>
-          <a:effectLst>
-            <a:glow rad="127000">
-              <a:srgbClr val="0066FF"/>
-            </a:glow>
-          </a:effectLst>
-          <a:scene3d>
-            <a:camera prst="orthographicFront">
-              <a:rot lat="0" lon="0" rev="0"/>
-            </a:camera>
-            <a:lightRig rig="threePt" dir="t"/>
-          </a:scene3d>
-        </p:spPr>
-        <p:txBody>
-          <a:bodyPr wrap="none" rtlCol="0">
-            <a:spAutoFit/>
-          </a:bodyPr>
-          <a:lstStyle/>
-          <a:p>
-            <a:r>
-              <a:rPr lang="ja-JP" altLang="en-US" dirty="0">
-                <a:solidFill>
-                  <a:schemeClr val="bg1"/>
-                </a:solidFill>
-                <a:effectLst>
-                  <a:glow rad="254000">
-                    <a:schemeClr val="accent1">
-                      <a:alpha val="75000"/>
-                    </a:schemeClr>
-                  </a:glow>
-                </a:effectLst>
-                <a:latin typeface="HGP行書体" panose="03000600000000000000" pitchFamily="66" charset="-128"/>
-                <a:ea typeface="HGP行書体" panose="03000600000000000000" pitchFamily="66" charset="-128"/>
-              </a:rPr>
-              <a:t>一流の忍</a:t>
-            </a:r>
-            <a:r>
-              <a:rPr lang="ja-JP" altLang="en-US" sz="1200" dirty="0">
-                <a:solidFill>
-                  <a:schemeClr val="bg1"/>
-                </a:solidFill>
-                <a:effectLst>
-                  <a:glow rad="254000">
-                    <a:schemeClr val="accent1">
-                      <a:alpha val="75000"/>
-                    </a:schemeClr>
-                  </a:glow>
-                </a:effectLst>
-                <a:latin typeface="HGP行書体" panose="03000600000000000000" pitchFamily="66" charset="-128"/>
-                <a:ea typeface="HGP行書体" panose="03000600000000000000" pitchFamily="66" charset="-128"/>
-              </a:rPr>
-              <a:t>たる者無益な</a:t>
-            </a:r>
-            <a:r>
-              <a:rPr lang="ja-JP" altLang="en-US" sz="2000" b="1" dirty="0">
-                <a:effectLst>
-                  <a:glow rad="381000">
-                    <a:srgbClr val="0066FF"/>
-                  </a:glow>
-                </a:effectLst>
-                <a:latin typeface="HGP行書体" panose="03000600000000000000" pitchFamily="66" charset="-128"/>
-                <a:ea typeface="HGP行書体" panose="03000600000000000000" pitchFamily="66" charset="-128"/>
-              </a:rPr>
-              <a:t>殺生はせぬ</a:t>
-            </a:r>
-            <a:r>
-              <a:rPr lang="ja-JP" altLang="en-US" sz="1200" b="1" dirty="0">
-                <a:effectLst>
-                  <a:glow rad="381000">
-                    <a:srgbClr val="0066FF"/>
-                  </a:glow>
-                </a:effectLst>
-                <a:latin typeface="HGP行書体" panose="03000600000000000000" pitchFamily="66" charset="-128"/>
-                <a:ea typeface="HGP行書体" panose="03000600000000000000" pitchFamily="66" charset="-128"/>
-              </a:rPr>
-              <a:t>。</a:t>
-            </a:r>
-          </a:p>
-          <a:p>
-            <a:r>
-              <a:rPr kumimoji="1" lang="ja-JP" altLang="en-US" sz="1200" dirty="0">
-                <a:solidFill>
-                  <a:schemeClr val="bg1"/>
-                </a:solidFill>
-                <a:effectLst>
-                  <a:glow rad="254000">
-                    <a:schemeClr val="accent1">
-                      <a:alpha val="75000"/>
-                    </a:schemeClr>
-                  </a:glow>
-                </a:effectLst>
-                <a:latin typeface="HGP行書体" panose="03000600000000000000" pitchFamily="66" charset="-128"/>
-                <a:ea typeface="HGP行書体" panose="03000600000000000000" pitchFamily="66" charset="-128"/>
-              </a:rPr>
-              <a:t>絶対に殺すことはせず</a:t>
-            </a:r>
-            <a:r>
-              <a:rPr kumimoji="1" lang="ja-JP" altLang="en-US" dirty="0">
-                <a:solidFill>
-                  <a:schemeClr val="bg1"/>
-                </a:solidFill>
-                <a:effectLst>
-                  <a:glow rad="254000">
-                    <a:schemeClr val="accent1">
-                      <a:alpha val="75000"/>
-                    </a:schemeClr>
-                  </a:glow>
-                </a:effectLst>
-                <a:latin typeface="HGP行書体" panose="03000600000000000000" pitchFamily="66" charset="-128"/>
-                <a:ea typeface="HGP行書体" panose="03000600000000000000" pitchFamily="66" charset="-128"/>
-              </a:rPr>
-              <a:t>戦闘不能</a:t>
-            </a:r>
-            <a:r>
-              <a:rPr lang="ja-JP" altLang="en-US" sz="1200" dirty="0">
-                <a:solidFill>
-                  <a:schemeClr val="bg1"/>
-                </a:solidFill>
-                <a:effectLst>
-                  <a:glow rad="254000">
-                    <a:schemeClr val="accent1">
-                      <a:alpha val="75000"/>
-                    </a:schemeClr>
-                  </a:glow>
-                </a:effectLst>
-                <a:latin typeface="HGP行書体" panose="03000600000000000000" pitchFamily="66" charset="-128"/>
-                <a:ea typeface="HGP行書体" panose="03000600000000000000" pitchFamily="66" charset="-128"/>
-              </a:rPr>
-              <a:t>にせよ</a:t>
-            </a:r>
-            <a:r>
-              <a:rPr kumimoji="1" lang="ja-JP" altLang="en-US" sz="1200" dirty="0">
-                <a:solidFill>
-                  <a:schemeClr val="bg1"/>
-                </a:solidFill>
-                <a:effectLst>
-                  <a:glow rad="254000">
-                    <a:schemeClr val="accent1">
-                      <a:alpha val="75000"/>
-                    </a:schemeClr>
-                  </a:glow>
-                </a:effectLst>
-                <a:latin typeface="HGP行書体" panose="03000600000000000000" pitchFamily="66" charset="-128"/>
-                <a:ea typeface="HGP行書体" panose="03000600000000000000" pitchFamily="66" charset="-128"/>
-              </a:rPr>
-              <a:t>。</a:t>
-            </a:r>
-          </a:p>
-        </p:txBody>
-      </p:sp>
-      <p:sp>
-        <p:nvSpPr>
-          <p:cNvPr id="5" name="テキスト ボックス 4">
-            <a:extLst>
-              <a:ext uri="{FF2B5EF4-FFF2-40B4-BE49-F238E27FC236}">
-                <a16:creationId xmlns:a16="http://schemas.microsoft.com/office/drawing/2014/main" id="{FCC250EF-C813-4301-B932-5A0F039D763C}"/>
-              </a:ext>
-            </a:extLst>
-          </p:cNvPr>
-          <p:cNvSpPr txBox="1"/>
-          <p:nvPr/>
-        </p:nvSpPr>
-        <p:spPr>
-          <a:xfrm rot="713856">
-            <a:off x="9525956" y="1272366"/>
-            <a:ext cx="2627642" cy="646331"/>
-          </a:xfrm>
-          <a:prstGeom prst="rect">
-            <a:avLst/>
-          </a:prstGeom>
-          <a:noFill/>
-          <a:scene3d>
-            <a:camera prst="orthographicFront">
-              <a:rot lat="0" lon="0" rev="0"/>
-            </a:camera>
-            <a:lightRig rig="threePt" dir="t"/>
-          </a:scene3d>
-        </p:spPr>
-        <p:txBody>
-          <a:bodyPr wrap="none" rtlCol="0">
-            <a:spAutoFit/>
-          </a:bodyPr>
-          <a:lstStyle/>
-          <a:p>
-            <a:r>
-              <a:rPr lang="ja-JP" altLang="en-US" sz="1200" dirty="0">
-                <a:solidFill>
-                  <a:schemeClr val="bg1"/>
-                </a:solidFill>
-                <a:effectLst>
-                  <a:glow rad="254000">
-                    <a:schemeClr val="accent1">
-                      <a:alpha val="75000"/>
-                    </a:schemeClr>
-                  </a:glow>
-                </a:effectLst>
-                <a:latin typeface="HGP行書体" panose="03000600000000000000" pitchFamily="66" charset="-128"/>
-                <a:ea typeface="HGP行書体" panose="03000600000000000000" pitchFamily="66" charset="-128"/>
-              </a:rPr>
-              <a:t>力は</a:t>
-            </a:r>
-            <a:r>
-              <a:rPr lang="ja-JP" altLang="en-US" sz="1600" dirty="0">
-                <a:solidFill>
-                  <a:schemeClr val="bg1"/>
-                </a:solidFill>
-                <a:effectLst>
-                  <a:glow rad="254000">
-                    <a:schemeClr val="accent1">
-                      <a:alpha val="75000"/>
-                    </a:schemeClr>
-                  </a:glow>
-                </a:effectLst>
-                <a:latin typeface="HGP行書体" panose="03000600000000000000" pitchFamily="66" charset="-128"/>
-                <a:ea typeface="HGP行書体" panose="03000600000000000000" pitchFamily="66" charset="-128"/>
-              </a:rPr>
-              <a:t>自ら振るわぬ。</a:t>
-            </a:r>
-            <a:endParaRPr lang="en-US" altLang="ja-JP" sz="1600" dirty="0">
-              <a:solidFill>
-                <a:schemeClr val="bg1"/>
-              </a:solidFill>
-              <a:effectLst>
-                <a:glow rad="254000">
-                  <a:schemeClr val="accent1">
-                    <a:alpha val="75000"/>
-                  </a:schemeClr>
-                </a:glow>
-              </a:effectLst>
-              <a:latin typeface="HGP行書体" panose="03000600000000000000" pitchFamily="66" charset="-128"/>
-              <a:ea typeface="HGP行書体" panose="03000600000000000000" pitchFamily="66" charset="-128"/>
-            </a:endParaRPr>
-          </a:p>
-          <a:p>
-            <a:r>
-              <a:rPr lang="ja-JP" altLang="en-US" sz="1200" dirty="0">
-                <a:solidFill>
-                  <a:schemeClr val="bg1"/>
-                </a:solidFill>
-                <a:effectLst>
-                  <a:glow rad="254000">
-                    <a:schemeClr val="accent1">
-                      <a:alpha val="75000"/>
-                    </a:schemeClr>
-                  </a:glow>
-                </a:effectLst>
-                <a:latin typeface="HGP行書体" panose="03000600000000000000" pitchFamily="66" charset="-128"/>
-                <a:ea typeface="HGP行書体" panose="03000600000000000000" pitchFamily="66" charset="-128"/>
-              </a:rPr>
-              <a:t>敵の攻撃を</a:t>
-            </a:r>
-            <a:r>
-              <a:rPr lang="ja-JP" altLang="en-US" sz="2000" b="1" dirty="0">
-                <a:effectLst>
-                  <a:glow rad="381000">
-                    <a:srgbClr val="0066FF"/>
-                  </a:glow>
-                </a:effectLst>
-                <a:latin typeface="HGP行書体" panose="03000600000000000000" pitchFamily="66" charset="-128"/>
-                <a:ea typeface="HGP行書体" panose="03000600000000000000" pitchFamily="66" charset="-128"/>
-              </a:rPr>
-              <a:t>弾き返し</a:t>
-            </a:r>
-            <a:r>
-              <a:rPr lang="ja-JP" altLang="en-US" sz="1200" dirty="0">
-                <a:solidFill>
-                  <a:schemeClr val="bg1"/>
-                </a:solidFill>
-                <a:effectLst>
-                  <a:glow rad="254000">
-                    <a:schemeClr val="accent1">
-                      <a:alpha val="75000"/>
-                    </a:schemeClr>
-                  </a:glow>
-                </a:effectLst>
-                <a:latin typeface="HGP行書体" panose="03000600000000000000" pitchFamily="66" charset="-128"/>
-                <a:ea typeface="HGP行書体" panose="03000600000000000000" pitchFamily="66" charset="-128"/>
-              </a:rPr>
-              <a:t>隙を生み出せ。</a:t>
-            </a:r>
-            <a:endParaRPr kumimoji="1" lang="ja-JP" altLang="en-US" sz="1200" dirty="0">
-              <a:solidFill>
-                <a:schemeClr val="bg1"/>
-              </a:solidFill>
-              <a:effectLst>
-                <a:glow rad="254000">
-                  <a:schemeClr val="accent1">
-                    <a:alpha val="75000"/>
-                  </a:schemeClr>
-                </a:glow>
-              </a:effectLst>
-              <a:latin typeface="HGP行書体" panose="03000600000000000000" pitchFamily="66" charset="-128"/>
-              <a:ea typeface="HGP行書体" panose="03000600000000000000" pitchFamily="66" charset="-128"/>
-            </a:endParaRPr>
-          </a:p>
-        </p:txBody>
-      </p:sp>
       <p:sp>
         <p:nvSpPr>
           <p:cNvPr id="6" name="テキスト ボックス 5">
@@ -5883,153 +7781,6 @@
           </a:p>
         </p:txBody>
       </p:sp>
-      <p:sp>
-        <p:nvSpPr>
-          <p:cNvPr id="5" name="テキスト ボックス 4">
-            <a:extLst>
-              <a:ext uri="{FF2B5EF4-FFF2-40B4-BE49-F238E27FC236}">
-                <a16:creationId xmlns:a16="http://schemas.microsoft.com/office/drawing/2014/main" id="{FCC250EF-C813-4301-B932-5A0F039D763C}"/>
-              </a:ext>
-            </a:extLst>
-          </p:cNvPr>
-          <p:cNvSpPr txBox="1"/>
-          <p:nvPr/>
-        </p:nvSpPr>
-        <p:spPr>
-          <a:xfrm rot="713856">
-            <a:off x="9525956" y="1272366"/>
-            <a:ext cx="2627642" cy="646331"/>
-          </a:xfrm>
-          <a:prstGeom prst="rect">
-            <a:avLst/>
-          </a:prstGeom>
-          <a:noFill/>
-          <a:scene3d>
-            <a:camera prst="orthographicFront">
-              <a:rot lat="0" lon="0" rev="0"/>
-            </a:camera>
-            <a:lightRig rig="threePt" dir="t"/>
-          </a:scene3d>
-        </p:spPr>
-        <p:txBody>
-          <a:bodyPr wrap="none" rtlCol="0">
-            <a:spAutoFit/>
-          </a:bodyPr>
-          <a:lstStyle/>
-          <a:p>
-            <a:r>
-              <a:rPr lang="ja-JP" altLang="en-US" sz="1200" dirty="0">
-                <a:solidFill>
-                  <a:schemeClr val="bg1"/>
-                </a:solidFill>
-                <a:effectLst>
-                  <a:glow rad="254000">
-                    <a:schemeClr val="accent1">
-                      <a:alpha val="75000"/>
-                    </a:schemeClr>
-                  </a:glow>
-                </a:effectLst>
-                <a:latin typeface="HGP行書体" panose="03000600000000000000" pitchFamily="66" charset="-128"/>
-                <a:ea typeface="HGP行書体" panose="03000600000000000000" pitchFamily="66" charset="-128"/>
-              </a:rPr>
-              <a:t>力は</a:t>
-            </a:r>
-            <a:r>
-              <a:rPr lang="ja-JP" altLang="en-US" sz="1600" dirty="0">
-                <a:solidFill>
-                  <a:schemeClr val="bg1"/>
-                </a:solidFill>
-                <a:effectLst>
-                  <a:glow rad="254000">
-                    <a:schemeClr val="accent1">
-                      <a:alpha val="75000"/>
-                    </a:schemeClr>
-                  </a:glow>
-                </a:effectLst>
-                <a:latin typeface="HGP行書体" panose="03000600000000000000" pitchFamily="66" charset="-128"/>
-                <a:ea typeface="HGP行書体" panose="03000600000000000000" pitchFamily="66" charset="-128"/>
-              </a:rPr>
-              <a:t>自ら振るわぬ。</a:t>
-            </a:r>
-            <a:endParaRPr lang="en-US" altLang="ja-JP" sz="1600" dirty="0">
-              <a:solidFill>
-                <a:schemeClr val="bg1"/>
-              </a:solidFill>
-              <a:effectLst>
-                <a:glow rad="254000">
-                  <a:schemeClr val="accent1">
-                    <a:alpha val="75000"/>
-                  </a:schemeClr>
-                </a:glow>
-              </a:effectLst>
-              <a:latin typeface="HGP行書体" panose="03000600000000000000" pitchFamily="66" charset="-128"/>
-              <a:ea typeface="HGP行書体" panose="03000600000000000000" pitchFamily="66" charset="-128"/>
-            </a:endParaRPr>
-          </a:p>
-          <a:p>
-            <a:r>
-              <a:rPr lang="ja-JP" altLang="en-US" sz="1200" dirty="0">
-                <a:solidFill>
-                  <a:schemeClr val="bg1"/>
-                </a:solidFill>
-                <a:effectLst>
-                  <a:glow rad="254000">
-                    <a:schemeClr val="accent1">
-                      <a:alpha val="75000"/>
-                    </a:schemeClr>
-                  </a:glow>
-                </a:effectLst>
-                <a:latin typeface="HGP行書体" panose="03000600000000000000" pitchFamily="66" charset="-128"/>
-                <a:ea typeface="HGP行書体" panose="03000600000000000000" pitchFamily="66" charset="-128"/>
-              </a:rPr>
-              <a:t>敵の攻撃を</a:t>
-            </a:r>
-            <a:r>
-              <a:rPr lang="ja-JP" altLang="en-US" sz="2000" b="1" dirty="0">
-                <a:effectLst>
-                  <a:glow rad="381000">
-                    <a:srgbClr val="0066FF"/>
-                  </a:glow>
-                </a:effectLst>
-                <a:latin typeface="HGP行書体" panose="03000600000000000000" pitchFamily="66" charset="-128"/>
-                <a:ea typeface="HGP行書体" panose="03000600000000000000" pitchFamily="66" charset="-128"/>
-              </a:rPr>
-              <a:t>弾き返し</a:t>
-            </a:r>
-            <a:r>
-              <a:rPr lang="ja-JP" altLang="en-US" sz="1200" dirty="0">
-                <a:solidFill>
-                  <a:schemeClr val="bg1"/>
-                </a:solidFill>
-                <a:effectLst>
-                  <a:glow rad="254000">
-                    <a:schemeClr val="accent1">
-                      <a:alpha val="75000"/>
-                    </a:schemeClr>
-                  </a:glow>
-                </a:effectLst>
-                <a:latin typeface="HGP行書体" panose="03000600000000000000" pitchFamily="66" charset="-128"/>
-                <a:ea typeface="HGP行書体" panose="03000600000000000000" pitchFamily="66" charset="-128"/>
-              </a:rPr>
-              <a:t>隙を生み出せ。</a:t>
-            </a:r>
-            <a:endParaRPr kumimoji="1" lang="ja-JP" altLang="en-US" sz="1200" dirty="0">
-              <a:solidFill>
-                <a:schemeClr val="bg1"/>
-              </a:solidFill>
-              <a:effectLst>
-                <a:glow rad="254000">
-                  <a:schemeClr val="accent1">
-                    <a:alpha val="75000"/>
-                  </a:schemeClr>
-                </a:glow>
-              </a:effectLst>
-              <a:latin typeface="HGP行書体" panose="03000600000000000000" pitchFamily="66" charset="-128"/>
-              <a:ea typeface="HGP行書体" panose="03000600000000000000" pitchFamily="66" charset="-128"/>
-            </a:endParaRPr>
-          </a:p>
-        </p:txBody>
-      </p:sp>
       <p:pic>
         <p:nvPicPr>
           <p:cNvPr id="11" name="図 10" descr="アイコン&#10;&#10;自動的に生成された説明">
@@ -6235,115 +7986,6 @@
           </a:effectLst>
         </p:spPr>
       </p:pic>
-      <p:sp>
-        <p:nvSpPr>
-          <p:cNvPr id="2" name="テキスト ボックス 1">
-            <a:extLst>
-              <a:ext uri="{FF2B5EF4-FFF2-40B4-BE49-F238E27FC236}">
-                <a16:creationId xmlns:a16="http://schemas.microsoft.com/office/drawing/2014/main" id="{59851D96-8405-9254-61F2-F59A1E9401F9}"/>
-              </a:ext>
-            </a:extLst>
-          </p:cNvPr>
-          <p:cNvSpPr txBox="1"/>
-          <p:nvPr/>
-        </p:nvSpPr>
-        <p:spPr>
-          <a:xfrm rot="21242680">
-            <a:off x="140795" y="1413175"/>
-            <a:ext cx="9496777" cy="1538883"/>
-          </a:xfrm>
-          <a:prstGeom prst="rect">
-            <a:avLst/>
-          </a:prstGeom>
-          <a:noFill/>
-          <a:effectLst>
-            <a:glow rad="127000">
-              <a:srgbClr val="0066FF"/>
-            </a:glow>
-          </a:effectLst>
-          <a:scene3d>
-            <a:camera prst="orthographicFront">
-              <a:rot lat="0" lon="0" rev="0"/>
-            </a:camera>
-            <a:lightRig rig="threePt" dir="t"/>
-          </a:scene3d>
-        </p:spPr>
-        <p:txBody>
-          <a:bodyPr wrap="square" rtlCol="0">
-            <a:spAutoFit/>
-          </a:bodyPr>
-          <a:lstStyle/>
-          <a:p>
-            <a:r>
-              <a:rPr lang="ja-JP" altLang="en-US" sz="5400" dirty="0">
-                <a:solidFill>
-                  <a:schemeClr val="bg1"/>
-                </a:solidFill>
-                <a:effectLst>
-                  <a:glow rad="254000">
-                    <a:schemeClr val="accent1">
-                      <a:alpha val="75000"/>
-                    </a:schemeClr>
-                  </a:glow>
-                </a:effectLst>
-                <a:latin typeface="HGP行書体" panose="03000600000000000000" pitchFamily="66" charset="-128"/>
-                <a:ea typeface="HGP行書体" panose="03000600000000000000" pitchFamily="66" charset="-128"/>
-              </a:rPr>
-              <a:t>一流の忍</a:t>
-            </a:r>
-            <a:r>
-              <a:rPr lang="ja-JP" altLang="en-US" sz="4000" dirty="0">
-                <a:solidFill>
-                  <a:schemeClr val="bg1"/>
-                </a:solidFill>
-                <a:effectLst>
-                  <a:glow rad="254000">
-                    <a:schemeClr val="accent1">
-                      <a:alpha val="75000"/>
-                    </a:schemeClr>
-                  </a:glow>
-                </a:effectLst>
-                <a:latin typeface="HGP行書体" panose="03000600000000000000" pitchFamily="66" charset="-128"/>
-                <a:ea typeface="HGP行書体" panose="03000600000000000000" pitchFamily="66" charset="-128"/>
-              </a:rPr>
-              <a:t>たる者</a:t>
-            </a:r>
-            <a:endParaRPr lang="en-US" altLang="ja-JP" sz="4000" b="1" dirty="0">
-              <a:ln w="12700">
-                <a:solidFill>
-                  <a:sysClr val="windowText" lastClr="000000"/>
-                </a:solidFill>
-              </a:ln>
-              <a:solidFill>
-                <a:srgbClr val="FF0000"/>
-              </a:solidFill>
-              <a:effectLst>
-                <a:glow rad="254000">
-                  <a:schemeClr val="accent4"/>
-                </a:glow>
-              </a:effectLst>
-              <a:latin typeface="HGP行書体" panose="03000600000000000000" pitchFamily="66" charset="-128"/>
-              <a:ea typeface="HGP行書体" panose="03000600000000000000" pitchFamily="66" charset="-128"/>
-            </a:endParaRPr>
-          </a:p>
-          <a:p>
-            <a:endParaRPr kumimoji="1" lang="ja-JP" altLang="en-US" sz="4000" dirty="0">
-              <a:solidFill>
-                <a:schemeClr val="bg1"/>
-              </a:solidFill>
-              <a:effectLst>
-                <a:glow rad="254000">
-                  <a:schemeClr val="accent1">
-                    <a:alpha val="75000"/>
-                  </a:schemeClr>
-                </a:glow>
-              </a:effectLst>
-              <a:latin typeface="HGP行書体" panose="03000600000000000000" pitchFamily="66" charset="-128"/>
-              <a:ea typeface="HGP行書体" panose="03000600000000000000" pitchFamily="66" charset="-128"/>
-            </a:endParaRPr>
-          </a:p>
-        </p:txBody>
-      </p:sp>
       <p:pic>
         <p:nvPicPr>
           <p:cNvPr id="7" name="図 6" descr="アイコン&#10;&#10;自動的に生成された説明">
@@ -6387,10 +8029,10 @@
       </p:pic>
       <p:sp>
         <p:nvSpPr>
-          <p:cNvPr id="8" name="テキスト ボックス 7">
-            <a:extLst>
-              <a:ext uri="{FF2B5EF4-FFF2-40B4-BE49-F238E27FC236}">
-                <a16:creationId xmlns:a16="http://schemas.microsoft.com/office/drawing/2014/main" id="{B87631CF-061E-C302-8358-8E442DD05D0E}"/>
+          <p:cNvPr id="10" name="テキスト ボックス 9">
+            <a:extLst>
+              <a:ext uri="{FF2B5EF4-FFF2-40B4-BE49-F238E27FC236}">
+                <a16:creationId xmlns:a16="http://schemas.microsoft.com/office/drawing/2014/main" id="{A6230841-C179-0B1F-9BA8-6A9BC9F87056}"/>
               </a:ext>
             </a:extLst>
           </p:cNvPr>
@@ -6399,7 +8041,7 @@
         </p:nvSpPr>
         <p:spPr>
           <a:xfrm rot="21242680">
-            <a:off x="140794" y="1318454"/>
+            <a:off x="140795" y="1367009"/>
             <a:ext cx="9496777" cy="1631216"/>
           </a:xfrm>
           <a:prstGeom prst="rect">
@@ -6425,6 +8067,23 @@
           <a:lstStyle/>
           <a:p>
             <a:r>
+              <a:rPr lang="ja-JP" altLang="en-US" sz="5400" dirty="0">
+                <a:solidFill>
+                  <a:schemeClr val="bg1"/>
+                </a:solidFill>
+                <a:effectLst>
+                  <a:glow rad="254000">
+                    <a:schemeClr val="accent1">
+                      <a:alpha val="75000"/>
+                    </a:schemeClr>
+                  </a:glow>
+                </a:effectLst>
+                <a:latin typeface="HGP行書体" panose="03000600000000000000" pitchFamily="66" charset="-128"/>
+                <a:ea typeface="HGP行書体" panose="03000600000000000000" pitchFamily="66" charset="-128"/>
+              </a:rPr>
+              <a:t>一流の忍</a:t>
+            </a:r>
+            <a:r>
               <a:rPr lang="ja-JP" altLang="en-US" sz="4000" dirty="0">
                 <a:solidFill>
                   <a:schemeClr val="bg1"/>
@@ -6439,7 +8098,7 @@
                 <a:latin typeface="HGP行書体" panose="03000600000000000000" pitchFamily="66" charset="-128"/>
                 <a:ea typeface="HGP行書体" panose="03000600000000000000" pitchFamily="66" charset="-128"/>
               </a:rPr>
-              <a:t>　　　　　　　　　　　 無益な</a:t>
+              <a:t>たる者無益な</a:t>
             </a:r>
             <a:r>
               <a:rPr lang="ja-JP" altLang="en-US" sz="6000" b="1" dirty="0">
@@ -7027,379 +8686,211 @@
           </a:p>
         </p:txBody>
       </p:sp>
-      <p:sp>
-        <p:nvSpPr>
-          <p:cNvPr id="5" name="テキスト ボックス 4">
-            <a:extLst>
-              <a:ext uri="{FF2B5EF4-FFF2-40B4-BE49-F238E27FC236}">
-                <a16:creationId xmlns:a16="http://schemas.microsoft.com/office/drawing/2014/main" id="{FCC250EF-C813-4301-B932-5A0F039D763C}"/>
-              </a:ext>
-            </a:extLst>
-          </p:cNvPr>
-          <p:cNvSpPr txBox="1"/>
+      <p:pic>
+        <p:nvPicPr>
+          <p:cNvPr id="11" name="図 10" descr="アイコン&#10;&#10;自動的に生成された説明">
+            <a:extLst>
+              <a:ext uri="{FF2B5EF4-FFF2-40B4-BE49-F238E27FC236}">
+                <a16:creationId xmlns:a16="http://schemas.microsoft.com/office/drawing/2014/main" id="{333953CC-B6B0-58F0-96A9-DCBCE13A3DA7}"/>
+              </a:ext>
+            </a:extLst>
+          </p:cNvPr>
+          <p:cNvPicPr>
+            <a:picLocks noChangeAspect="1"/>
+          </p:cNvPicPr>
           <p:nvPr/>
-        </p:nvSpPr>
+        </p:nvPicPr>
+        <p:blipFill>
+          <a:blip r:embed="rId2">
+            <a:extLst>
+              <a:ext uri="{28A0092B-C50C-407E-A947-70E740481C1C}">
+                <a14:useLocalDpi xmlns:a14="http://schemas.microsoft.com/office/drawing/2010/main" val="0"/>
+              </a:ext>
+            </a:extLst>
+          </a:blip>
+          <a:stretch>
+            <a:fillRect/>
+          </a:stretch>
+        </p:blipFill>
         <p:spPr>
-          <a:xfrm rot="713856">
-            <a:off x="9525956" y="1272366"/>
-            <a:ext cx="2627642" cy="646331"/>
+          <a:xfrm rot="808516">
+            <a:off x="256098" y="4556078"/>
+            <a:ext cx="1559990" cy="1536783"/>
           </a:xfrm>
           <a:prstGeom prst="rect">
             <a:avLst/>
           </a:prstGeom>
-          <a:noFill/>
-          <a:scene3d>
-            <a:camera prst="orthographicFront">
-              <a:rot lat="0" lon="0" rev="0"/>
-            </a:camera>
-            <a:lightRig rig="threePt" dir="t"/>
-          </a:scene3d>
+          <a:effectLst>
+            <a:glow rad="127000">
+              <a:srgbClr val="FF0000"/>
+            </a:glow>
+          </a:effectLst>
         </p:spPr>
-        <p:txBody>
-          <a:bodyPr wrap="none" rtlCol="0">
-            <a:spAutoFit/>
-          </a:bodyPr>
-          <a:lstStyle/>
-          <a:p>
-            <a:r>
-              <a:rPr lang="ja-JP" altLang="en-US" sz="1200" dirty="0">
-                <a:solidFill>
-                  <a:schemeClr val="bg1"/>
-                </a:solidFill>
-                <a:effectLst>
-                  <a:glow rad="254000">
-                    <a:schemeClr val="accent1">
-                      <a:alpha val="75000"/>
-                    </a:schemeClr>
-                  </a:glow>
-                </a:effectLst>
-                <a:latin typeface="HGP行書体" panose="03000600000000000000" pitchFamily="66" charset="-128"/>
-                <a:ea typeface="HGP行書体" panose="03000600000000000000" pitchFamily="66" charset="-128"/>
-              </a:rPr>
-              <a:t>力は</a:t>
-            </a:r>
-            <a:r>
-              <a:rPr lang="ja-JP" altLang="en-US" sz="1600" dirty="0">
-                <a:solidFill>
-                  <a:schemeClr val="bg1"/>
-                </a:solidFill>
-                <a:effectLst>
-                  <a:glow rad="254000">
-                    <a:schemeClr val="accent1">
-                      <a:alpha val="75000"/>
-                    </a:schemeClr>
-                  </a:glow>
-                </a:effectLst>
-                <a:latin typeface="HGP行書体" panose="03000600000000000000" pitchFamily="66" charset="-128"/>
-                <a:ea typeface="HGP行書体" panose="03000600000000000000" pitchFamily="66" charset="-128"/>
-              </a:rPr>
-              <a:t>自ら振るわぬ。</a:t>
-            </a:r>
-            <a:endParaRPr lang="en-US" altLang="ja-JP" sz="1600" dirty="0">
-              <a:solidFill>
-                <a:schemeClr val="bg1"/>
-              </a:solidFill>
-              <a:effectLst>
-                <a:glow rad="254000">
-                  <a:schemeClr val="accent1">
-                    <a:alpha val="75000"/>
-                  </a:schemeClr>
-                </a:glow>
-              </a:effectLst>
-              <a:latin typeface="HGP行書体" panose="03000600000000000000" pitchFamily="66" charset="-128"/>
-              <a:ea typeface="HGP行書体" panose="03000600000000000000" pitchFamily="66" charset="-128"/>
-            </a:endParaRPr>
-          </a:p>
-          <a:p>
-            <a:r>
-              <a:rPr lang="ja-JP" altLang="en-US" sz="1200" dirty="0">
-                <a:solidFill>
-                  <a:schemeClr val="bg1"/>
-                </a:solidFill>
-                <a:effectLst>
-                  <a:glow rad="254000">
-                    <a:schemeClr val="accent1">
-                      <a:alpha val="75000"/>
-                    </a:schemeClr>
-                  </a:glow>
-                </a:effectLst>
-                <a:latin typeface="HGP行書体" panose="03000600000000000000" pitchFamily="66" charset="-128"/>
-                <a:ea typeface="HGP行書体" panose="03000600000000000000" pitchFamily="66" charset="-128"/>
-              </a:rPr>
-              <a:t>敵の攻撃を</a:t>
-            </a:r>
-            <a:r>
-              <a:rPr lang="ja-JP" altLang="en-US" sz="2000" b="1" dirty="0">
-                <a:effectLst>
-                  <a:glow rad="381000">
-                    <a:srgbClr val="0066FF"/>
-                  </a:glow>
-                </a:effectLst>
-                <a:latin typeface="HGP行書体" panose="03000600000000000000" pitchFamily="66" charset="-128"/>
-                <a:ea typeface="HGP行書体" panose="03000600000000000000" pitchFamily="66" charset="-128"/>
-              </a:rPr>
-              <a:t>弾き返し</a:t>
-            </a:r>
-            <a:r>
-              <a:rPr lang="ja-JP" altLang="en-US" sz="1200" dirty="0">
-                <a:solidFill>
-                  <a:schemeClr val="bg1"/>
-                </a:solidFill>
-                <a:effectLst>
-                  <a:glow rad="254000">
-                    <a:schemeClr val="accent1">
-                      <a:alpha val="75000"/>
-                    </a:schemeClr>
-                  </a:glow>
-                </a:effectLst>
-                <a:latin typeface="HGP行書体" panose="03000600000000000000" pitchFamily="66" charset="-128"/>
-                <a:ea typeface="HGP行書体" panose="03000600000000000000" pitchFamily="66" charset="-128"/>
-              </a:rPr>
-              <a:t>隙を生み出せ。</a:t>
-            </a:r>
-            <a:endParaRPr kumimoji="1" lang="ja-JP" altLang="en-US" sz="1200" dirty="0">
-              <a:solidFill>
-                <a:schemeClr val="bg1"/>
-              </a:solidFill>
-              <a:effectLst>
-                <a:glow rad="254000">
-                  <a:schemeClr val="accent1">
-                    <a:alpha val="75000"/>
-                  </a:schemeClr>
-                </a:glow>
-              </a:effectLst>
-              <a:latin typeface="HGP行書体" panose="03000600000000000000" pitchFamily="66" charset="-128"/>
-              <a:ea typeface="HGP行書体" panose="03000600000000000000" pitchFamily="66" charset="-128"/>
-            </a:endParaRPr>
-          </a:p>
-        </p:txBody>
-      </p:sp>
-      <p:grpSp>
-        <p:nvGrpSpPr>
-          <p:cNvPr id="2" name="グループ化 1">
-            <a:extLst>
-              <a:ext uri="{FF2B5EF4-FFF2-40B4-BE49-F238E27FC236}">
-                <a16:creationId xmlns:a16="http://schemas.microsoft.com/office/drawing/2014/main" id="{73D9710E-0D4C-C842-B2B7-E9227ACD35BE}"/>
-              </a:ext>
-            </a:extLst>
-          </p:cNvPr>
-          <p:cNvGrpSpPr/>
+      </p:pic>
+      <p:pic>
+        <p:nvPicPr>
+          <p:cNvPr id="13" name="図 12" descr="アイコン&#10;&#10;自動的に生成された説明">
+            <a:extLst>
+              <a:ext uri="{FF2B5EF4-FFF2-40B4-BE49-F238E27FC236}">
+                <a16:creationId xmlns:a16="http://schemas.microsoft.com/office/drawing/2014/main" id="{92C8DACB-7305-86A7-62CE-54BAC21AE3DB}"/>
+              </a:ext>
+            </a:extLst>
+          </p:cNvPr>
+          <p:cNvPicPr>
+            <a:picLocks noChangeAspect="1"/>
+          </p:cNvPicPr>
           <p:nvPr/>
-        </p:nvGrpSpPr>
-        <p:grpSpPr>
-          <a:xfrm>
-            <a:off x="256098" y="3334826"/>
-            <a:ext cx="6358340" cy="3284940"/>
-            <a:chOff x="256098" y="3334826"/>
-            <a:chExt cx="6358340" cy="3284940"/>
+        </p:nvPicPr>
+        <p:blipFill>
+          <a:blip r:embed="rId3">
+            <a:extLst>
+              <a:ext uri="{28A0092B-C50C-407E-A947-70E740481C1C}">
+                <a14:useLocalDpi xmlns:a14="http://schemas.microsoft.com/office/drawing/2010/main" val="0"/>
+              </a:ext>
+            </a:extLst>
+          </a:blip>
+          <a:stretch>
+            <a:fillRect/>
+          </a:stretch>
+        </p:blipFill>
+        <p:spPr>
+          <a:xfrm rot="1394659">
+            <a:off x="746250" y="4471227"/>
+            <a:ext cx="1559990" cy="1536783"/>
           </a:xfrm>
-        </p:grpSpPr>
-        <p:pic>
-          <p:nvPicPr>
-            <p:cNvPr id="11" name="図 10" descr="アイコン&#10;&#10;自動的に生成された説明">
-              <a:extLst>
-                <a:ext uri="{FF2B5EF4-FFF2-40B4-BE49-F238E27FC236}">
-                  <a16:creationId xmlns:a16="http://schemas.microsoft.com/office/drawing/2014/main" id="{333953CC-B6B0-58F0-96A9-DCBCE13A3DA7}"/>
-                </a:ext>
-              </a:extLst>
-            </p:cNvPr>
-            <p:cNvPicPr>
-              <a:picLocks noChangeAspect="1"/>
-            </p:cNvPicPr>
-            <p:nvPr/>
-          </p:nvPicPr>
-          <p:blipFill>
-            <a:blip r:embed="rId2">
-              <a:extLst>
-                <a:ext uri="{28A0092B-C50C-407E-A947-70E740481C1C}">
-                  <a14:useLocalDpi xmlns:a14="http://schemas.microsoft.com/office/drawing/2010/main" val="0"/>
-                </a:ext>
-              </a:extLst>
-            </a:blip>
-            <a:stretch>
-              <a:fillRect/>
-            </a:stretch>
-          </p:blipFill>
-          <p:spPr>
-            <a:xfrm rot="808516">
-              <a:off x="256098" y="4556078"/>
-              <a:ext cx="1559990" cy="1536783"/>
-            </a:xfrm>
-            <a:prstGeom prst="rect">
-              <a:avLst/>
-            </a:prstGeom>
-            <a:effectLst>
-              <a:glow rad="127000">
-                <a:srgbClr val="FF0000"/>
-              </a:glow>
-            </a:effectLst>
-          </p:spPr>
-        </p:pic>
-        <p:pic>
-          <p:nvPicPr>
-            <p:cNvPr id="13" name="図 12" descr="アイコン&#10;&#10;自動的に生成された説明">
-              <a:extLst>
-                <a:ext uri="{FF2B5EF4-FFF2-40B4-BE49-F238E27FC236}">
-                  <a16:creationId xmlns:a16="http://schemas.microsoft.com/office/drawing/2014/main" id="{92C8DACB-7305-86A7-62CE-54BAC21AE3DB}"/>
-                </a:ext>
-              </a:extLst>
-            </p:cNvPr>
-            <p:cNvPicPr>
-              <a:picLocks noChangeAspect="1"/>
-            </p:cNvPicPr>
-            <p:nvPr/>
-          </p:nvPicPr>
-          <p:blipFill>
-            <a:blip r:embed="rId3">
-              <a:extLst>
-                <a:ext uri="{28A0092B-C50C-407E-A947-70E740481C1C}">
-                  <a14:useLocalDpi xmlns:a14="http://schemas.microsoft.com/office/drawing/2010/main" val="0"/>
-                </a:ext>
-              </a:extLst>
-            </a:blip>
-            <a:stretch>
-              <a:fillRect/>
-            </a:stretch>
-          </p:blipFill>
-          <p:spPr>
-            <a:xfrm rot="1394659">
-              <a:off x="746250" y="4471227"/>
-              <a:ext cx="1559990" cy="1536783"/>
-            </a:xfrm>
-            <a:prstGeom prst="rect">
-              <a:avLst/>
-            </a:prstGeom>
-            <a:effectLst>
-              <a:glow rad="127000">
-                <a:srgbClr val="FF0000"/>
-              </a:glow>
-            </a:effectLst>
-          </p:spPr>
-        </p:pic>
-        <p:pic>
-          <p:nvPicPr>
-            <p:cNvPr id="14" name="図 13" descr="アイコン&#10;&#10;自動的に生成された説明">
-              <a:extLst>
-                <a:ext uri="{FF2B5EF4-FFF2-40B4-BE49-F238E27FC236}">
-                  <a16:creationId xmlns:a16="http://schemas.microsoft.com/office/drawing/2014/main" id="{95A0E887-10BC-EB61-6026-A032D6809604}"/>
-                </a:ext>
-              </a:extLst>
-            </p:cNvPr>
-            <p:cNvPicPr>
-              <a:picLocks noChangeAspect="1"/>
-            </p:cNvPicPr>
-            <p:nvPr/>
-          </p:nvPicPr>
-          <p:blipFill>
-            <a:blip r:embed="rId2">
-              <a:extLst>
-                <a:ext uri="{28A0092B-C50C-407E-A947-70E740481C1C}">
-                  <a14:useLocalDpi xmlns:a14="http://schemas.microsoft.com/office/drawing/2010/main" val="0"/>
-                </a:ext>
-              </a:extLst>
-            </a:blip>
-            <a:stretch>
-              <a:fillRect/>
-            </a:stretch>
-          </p:blipFill>
-          <p:spPr>
-            <a:xfrm rot="21000000" flipH="1">
-              <a:off x="2680984" y="3451689"/>
-              <a:ext cx="1559990" cy="1536783"/>
-            </a:xfrm>
-            <a:prstGeom prst="rect">
-              <a:avLst/>
-            </a:prstGeom>
-            <a:effectLst>
-              <a:glow rad="127000">
-                <a:srgbClr val="FF0000"/>
-              </a:glow>
-            </a:effectLst>
-          </p:spPr>
-        </p:pic>
-        <p:pic>
-          <p:nvPicPr>
-            <p:cNvPr id="15" name="図 14" descr="アイコン&#10;&#10;自動的に生成された説明">
-              <a:extLst>
-                <a:ext uri="{FF2B5EF4-FFF2-40B4-BE49-F238E27FC236}">
-                  <a16:creationId xmlns:a16="http://schemas.microsoft.com/office/drawing/2014/main" id="{2AD46408-05EE-B056-A5CB-D102B5A188F1}"/>
-                </a:ext>
-              </a:extLst>
-            </p:cNvPr>
-            <p:cNvPicPr>
-              <a:picLocks noChangeAspect="1"/>
-            </p:cNvPicPr>
-            <p:nvPr/>
-          </p:nvPicPr>
-          <p:blipFill>
-            <a:blip r:embed="rId3">
-              <a:extLst>
-                <a:ext uri="{28A0092B-C50C-407E-A947-70E740481C1C}">
-                  <a14:useLocalDpi xmlns:a14="http://schemas.microsoft.com/office/drawing/2010/main" val="0"/>
-                </a:ext>
-              </a:extLst>
-            </a:blip>
-            <a:stretch>
-              <a:fillRect/>
-            </a:stretch>
-          </p:blipFill>
-          <p:spPr>
-            <a:xfrm rot="20244876" flipH="1">
-              <a:off x="2185935" y="3334826"/>
-              <a:ext cx="1559990" cy="1536783"/>
-            </a:xfrm>
-            <a:prstGeom prst="rect">
-              <a:avLst/>
-            </a:prstGeom>
-            <a:effectLst>
-              <a:glow rad="127000">
-                <a:srgbClr val="FF0000"/>
-              </a:glow>
-            </a:effectLst>
-          </p:spPr>
-        </p:pic>
-        <p:pic>
-          <p:nvPicPr>
-            <p:cNvPr id="9" name="図 8" descr="アイコン&#10;&#10;中程度の精度で自動的に生成された説明">
-              <a:extLst>
-                <a:ext uri="{FF2B5EF4-FFF2-40B4-BE49-F238E27FC236}">
-                  <a16:creationId xmlns:a16="http://schemas.microsoft.com/office/drawing/2014/main" id="{12034792-10E4-15DE-1B46-BB3FDD732ECD}"/>
-                </a:ext>
-              </a:extLst>
-            </p:cNvPr>
-            <p:cNvPicPr>
-              <a:picLocks noChangeAspect="1"/>
-            </p:cNvPicPr>
-            <p:nvPr/>
-          </p:nvPicPr>
-          <p:blipFill>
-            <a:blip r:embed="rId4">
-              <a:extLst>
-                <a:ext uri="{28A0092B-C50C-407E-A947-70E740481C1C}">
-                  <a14:useLocalDpi xmlns:a14="http://schemas.microsoft.com/office/drawing/2010/main" val="0"/>
-                </a:ext>
-              </a:extLst>
-            </a:blip>
-            <a:stretch>
-              <a:fillRect/>
-            </a:stretch>
-          </p:blipFill>
-          <p:spPr>
-            <a:xfrm rot="1296620">
-              <a:off x="2276570" y="3384542"/>
-              <a:ext cx="4337868" cy="3235224"/>
-            </a:xfrm>
-            <a:prstGeom prst="rect">
-              <a:avLst/>
-            </a:prstGeom>
-            <a:effectLst>
-              <a:glow rad="127000">
-                <a:srgbClr val="00B0F0"/>
-              </a:glow>
-            </a:effectLst>
-          </p:spPr>
-        </p:pic>
-      </p:grpSp>
+          <a:prstGeom prst="rect">
+            <a:avLst/>
+          </a:prstGeom>
+          <a:effectLst>
+            <a:glow rad="127000">
+              <a:srgbClr val="FF0000"/>
+            </a:glow>
+          </a:effectLst>
+        </p:spPr>
+      </p:pic>
+      <p:pic>
+        <p:nvPicPr>
+          <p:cNvPr id="14" name="図 13" descr="アイコン&#10;&#10;自動的に生成された説明">
+            <a:extLst>
+              <a:ext uri="{FF2B5EF4-FFF2-40B4-BE49-F238E27FC236}">
+                <a16:creationId xmlns:a16="http://schemas.microsoft.com/office/drawing/2014/main" id="{95A0E887-10BC-EB61-6026-A032D6809604}"/>
+              </a:ext>
+            </a:extLst>
+          </p:cNvPr>
+          <p:cNvPicPr>
+            <a:picLocks noChangeAspect="1"/>
+          </p:cNvPicPr>
+          <p:nvPr/>
+        </p:nvPicPr>
+        <p:blipFill>
+          <a:blip r:embed="rId2">
+            <a:extLst>
+              <a:ext uri="{28A0092B-C50C-407E-A947-70E740481C1C}">
+                <a14:useLocalDpi xmlns:a14="http://schemas.microsoft.com/office/drawing/2010/main" val="0"/>
+              </a:ext>
+            </a:extLst>
+          </a:blip>
+          <a:stretch>
+            <a:fillRect/>
+          </a:stretch>
+        </p:blipFill>
+        <p:spPr>
+          <a:xfrm rot="21000000" flipH="1">
+            <a:off x="2680984" y="3451689"/>
+            <a:ext cx="1559990" cy="1536783"/>
+          </a:xfrm>
+          <a:prstGeom prst="rect">
+            <a:avLst/>
+          </a:prstGeom>
+          <a:effectLst>
+            <a:glow rad="127000">
+              <a:srgbClr val="FF0000"/>
+            </a:glow>
+          </a:effectLst>
+        </p:spPr>
+      </p:pic>
+      <p:pic>
+        <p:nvPicPr>
+          <p:cNvPr id="15" name="図 14" descr="アイコン&#10;&#10;自動的に生成された説明">
+            <a:extLst>
+              <a:ext uri="{FF2B5EF4-FFF2-40B4-BE49-F238E27FC236}">
+                <a16:creationId xmlns:a16="http://schemas.microsoft.com/office/drawing/2014/main" id="{2AD46408-05EE-B056-A5CB-D102B5A188F1}"/>
+              </a:ext>
+            </a:extLst>
+          </p:cNvPr>
+          <p:cNvPicPr>
+            <a:picLocks noChangeAspect="1"/>
+          </p:cNvPicPr>
+          <p:nvPr/>
+        </p:nvPicPr>
+        <p:blipFill>
+          <a:blip r:embed="rId3">
+            <a:extLst>
+              <a:ext uri="{28A0092B-C50C-407E-A947-70E740481C1C}">
+                <a14:useLocalDpi xmlns:a14="http://schemas.microsoft.com/office/drawing/2010/main" val="0"/>
+              </a:ext>
+            </a:extLst>
+          </a:blip>
+          <a:stretch>
+            <a:fillRect/>
+          </a:stretch>
+        </p:blipFill>
+        <p:spPr>
+          <a:xfrm rot="20244876" flipH="1">
+            <a:off x="2185935" y="3334826"/>
+            <a:ext cx="1559990" cy="1536783"/>
+          </a:xfrm>
+          <a:prstGeom prst="rect">
+            <a:avLst/>
+          </a:prstGeom>
+          <a:effectLst>
+            <a:glow rad="127000">
+              <a:srgbClr val="FF0000"/>
+            </a:glow>
+          </a:effectLst>
+        </p:spPr>
+      </p:pic>
+      <p:pic>
+        <p:nvPicPr>
+          <p:cNvPr id="9" name="図 8" descr="アイコン&#10;&#10;中程度の精度で自動的に生成された説明">
+            <a:extLst>
+              <a:ext uri="{FF2B5EF4-FFF2-40B4-BE49-F238E27FC236}">
+                <a16:creationId xmlns:a16="http://schemas.microsoft.com/office/drawing/2014/main" id="{12034792-10E4-15DE-1B46-BB3FDD732ECD}"/>
+              </a:ext>
+            </a:extLst>
+          </p:cNvPr>
+          <p:cNvPicPr>
+            <a:picLocks noChangeAspect="1"/>
+          </p:cNvPicPr>
+          <p:nvPr/>
+        </p:nvPicPr>
+        <p:blipFill>
+          <a:blip r:embed="rId4">
+            <a:extLst>
+              <a:ext uri="{28A0092B-C50C-407E-A947-70E740481C1C}">
+                <a14:useLocalDpi xmlns:a14="http://schemas.microsoft.com/office/drawing/2010/main" val="0"/>
+              </a:ext>
+            </a:extLst>
+          </a:blip>
+          <a:stretch>
+            <a:fillRect/>
+          </a:stretch>
+        </p:blipFill>
+        <p:spPr>
+          <a:xfrm rot="1296620">
+            <a:off x="2276570" y="3384542"/>
+            <a:ext cx="4337868" cy="3235224"/>
+          </a:xfrm>
+          <a:prstGeom prst="rect">
+            <a:avLst/>
+          </a:prstGeom>
+          <a:effectLst>
+            <a:glow rad="127000">
+              <a:srgbClr val="00B0F0"/>
+            </a:glow>
+          </a:effectLst>
+        </p:spPr>
+      </p:pic>
       <p:sp>
         <p:nvSpPr>
           <p:cNvPr id="10" name="テキスト ボックス 9">
@@ -8331,379 +9822,211 @@
           </a:p>
         </p:txBody>
       </p:sp>
-      <p:sp>
-        <p:nvSpPr>
-          <p:cNvPr id="5" name="テキスト ボックス 4">
-            <a:extLst>
-              <a:ext uri="{FF2B5EF4-FFF2-40B4-BE49-F238E27FC236}">
-                <a16:creationId xmlns:a16="http://schemas.microsoft.com/office/drawing/2014/main" id="{FCC250EF-C813-4301-B932-5A0F039D763C}"/>
-              </a:ext>
-            </a:extLst>
-          </p:cNvPr>
-          <p:cNvSpPr txBox="1"/>
+      <p:pic>
+        <p:nvPicPr>
+          <p:cNvPr id="11" name="図 10" descr="アイコン&#10;&#10;自動的に生成された説明">
+            <a:extLst>
+              <a:ext uri="{FF2B5EF4-FFF2-40B4-BE49-F238E27FC236}">
+                <a16:creationId xmlns:a16="http://schemas.microsoft.com/office/drawing/2014/main" id="{333953CC-B6B0-58F0-96A9-DCBCE13A3DA7}"/>
+              </a:ext>
+            </a:extLst>
+          </p:cNvPr>
+          <p:cNvPicPr>
+            <a:picLocks noChangeAspect="1"/>
+          </p:cNvPicPr>
           <p:nvPr/>
-        </p:nvSpPr>
+        </p:nvPicPr>
+        <p:blipFill>
+          <a:blip r:embed="rId2">
+            <a:extLst>
+              <a:ext uri="{28A0092B-C50C-407E-A947-70E740481C1C}">
+                <a14:useLocalDpi xmlns:a14="http://schemas.microsoft.com/office/drawing/2010/main" val="0"/>
+              </a:ext>
+            </a:extLst>
+          </a:blip>
+          <a:stretch>
+            <a:fillRect/>
+          </a:stretch>
+        </p:blipFill>
         <p:spPr>
-          <a:xfrm rot="713856">
-            <a:off x="9525956" y="1272366"/>
-            <a:ext cx="2627642" cy="646331"/>
+          <a:xfrm rot="808516">
+            <a:off x="256098" y="4556078"/>
+            <a:ext cx="1559990" cy="1536783"/>
           </a:xfrm>
           <a:prstGeom prst="rect">
             <a:avLst/>
           </a:prstGeom>
-          <a:noFill/>
-          <a:scene3d>
-            <a:camera prst="orthographicFront">
-              <a:rot lat="0" lon="0" rev="0"/>
-            </a:camera>
-            <a:lightRig rig="threePt" dir="t"/>
-          </a:scene3d>
+          <a:effectLst>
+            <a:glow rad="127000">
+              <a:srgbClr val="FF0000"/>
+            </a:glow>
+          </a:effectLst>
         </p:spPr>
-        <p:txBody>
-          <a:bodyPr wrap="none" rtlCol="0">
-            <a:spAutoFit/>
-          </a:bodyPr>
-          <a:lstStyle/>
-          <a:p>
-            <a:r>
-              <a:rPr lang="ja-JP" altLang="en-US" sz="1200" dirty="0">
-                <a:solidFill>
-                  <a:schemeClr val="bg1"/>
-                </a:solidFill>
-                <a:effectLst>
-                  <a:glow rad="254000">
-                    <a:schemeClr val="accent1">
-                      <a:alpha val="75000"/>
-                    </a:schemeClr>
-                  </a:glow>
-                </a:effectLst>
-                <a:latin typeface="HGP行書体" panose="03000600000000000000" pitchFamily="66" charset="-128"/>
-                <a:ea typeface="HGP行書体" panose="03000600000000000000" pitchFamily="66" charset="-128"/>
-              </a:rPr>
-              <a:t>力は</a:t>
-            </a:r>
-            <a:r>
-              <a:rPr lang="ja-JP" altLang="en-US" sz="1600" dirty="0">
-                <a:solidFill>
-                  <a:schemeClr val="bg1"/>
-                </a:solidFill>
-                <a:effectLst>
-                  <a:glow rad="254000">
-                    <a:schemeClr val="accent1">
-                      <a:alpha val="75000"/>
-                    </a:schemeClr>
-                  </a:glow>
-                </a:effectLst>
-                <a:latin typeface="HGP行書体" panose="03000600000000000000" pitchFamily="66" charset="-128"/>
-                <a:ea typeface="HGP行書体" panose="03000600000000000000" pitchFamily="66" charset="-128"/>
-              </a:rPr>
-              <a:t>自ら振るわぬ。</a:t>
-            </a:r>
-            <a:endParaRPr lang="en-US" altLang="ja-JP" sz="1600" dirty="0">
-              <a:solidFill>
-                <a:schemeClr val="bg1"/>
-              </a:solidFill>
-              <a:effectLst>
-                <a:glow rad="254000">
-                  <a:schemeClr val="accent1">
-                    <a:alpha val="75000"/>
-                  </a:schemeClr>
-                </a:glow>
-              </a:effectLst>
-              <a:latin typeface="HGP行書体" panose="03000600000000000000" pitchFamily="66" charset="-128"/>
-              <a:ea typeface="HGP行書体" panose="03000600000000000000" pitchFamily="66" charset="-128"/>
-            </a:endParaRPr>
-          </a:p>
-          <a:p>
-            <a:r>
-              <a:rPr lang="ja-JP" altLang="en-US" sz="1200" dirty="0">
-                <a:solidFill>
-                  <a:schemeClr val="bg1"/>
-                </a:solidFill>
-                <a:effectLst>
-                  <a:glow rad="254000">
-                    <a:schemeClr val="accent1">
-                      <a:alpha val="75000"/>
-                    </a:schemeClr>
-                  </a:glow>
-                </a:effectLst>
-                <a:latin typeface="HGP行書体" panose="03000600000000000000" pitchFamily="66" charset="-128"/>
-                <a:ea typeface="HGP行書体" panose="03000600000000000000" pitchFamily="66" charset="-128"/>
-              </a:rPr>
-              <a:t>敵の攻撃を</a:t>
-            </a:r>
-            <a:r>
-              <a:rPr lang="ja-JP" altLang="en-US" sz="2000" b="1" dirty="0">
-                <a:effectLst>
-                  <a:glow rad="381000">
-                    <a:srgbClr val="0066FF"/>
-                  </a:glow>
-                </a:effectLst>
-                <a:latin typeface="HGP行書体" panose="03000600000000000000" pitchFamily="66" charset="-128"/>
-                <a:ea typeface="HGP行書体" panose="03000600000000000000" pitchFamily="66" charset="-128"/>
-              </a:rPr>
-              <a:t>弾き返し</a:t>
-            </a:r>
-            <a:r>
-              <a:rPr lang="ja-JP" altLang="en-US" sz="1200" dirty="0">
-                <a:solidFill>
-                  <a:schemeClr val="bg1"/>
-                </a:solidFill>
-                <a:effectLst>
-                  <a:glow rad="254000">
-                    <a:schemeClr val="accent1">
-                      <a:alpha val="75000"/>
-                    </a:schemeClr>
-                  </a:glow>
-                </a:effectLst>
-                <a:latin typeface="HGP行書体" panose="03000600000000000000" pitchFamily="66" charset="-128"/>
-                <a:ea typeface="HGP行書体" panose="03000600000000000000" pitchFamily="66" charset="-128"/>
-              </a:rPr>
-              <a:t>隙を生み出せ。</a:t>
-            </a:r>
-            <a:endParaRPr kumimoji="1" lang="ja-JP" altLang="en-US" sz="1200" dirty="0">
-              <a:solidFill>
-                <a:schemeClr val="bg1"/>
-              </a:solidFill>
-              <a:effectLst>
-                <a:glow rad="254000">
-                  <a:schemeClr val="accent1">
-                    <a:alpha val="75000"/>
-                  </a:schemeClr>
-                </a:glow>
-              </a:effectLst>
-              <a:latin typeface="HGP行書体" panose="03000600000000000000" pitchFamily="66" charset="-128"/>
-              <a:ea typeface="HGP行書体" panose="03000600000000000000" pitchFamily="66" charset="-128"/>
-            </a:endParaRPr>
-          </a:p>
-        </p:txBody>
-      </p:sp>
-      <p:grpSp>
-        <p:nvGrpSpPr>
-          <p:cNvPr id="2" name="グループ化 1">
-            <a:extLst>
-              <a:ext uri="{FF2B5EF4-FFF2-40B4-BE49-F238E27FC236}">
-                <a16:creationId xmlns:a16="http://schemas.microsoft.com/office/drawing/2014/main" id="{73D9710E-0D4C-C842-B2B7-E9227ACD35BE}"/>
-              </a:ext>
-            </a:extLst>
-          </p:cNvPr>
-          <p:cNvGrpSpPr/>
+      </p:pic>
+      <p:pic>
+        <p:nvPicPr>
+          <p:cNvPr id="13" name="図 12" descr="アイコン&#10;&#10;自動的に生成された説明">
+            <a:extLst>
+              <a:ext uri="{FF2B5EF4-FFF2-40B4-BE49-F238E27FC236}">
+                <a16:creationId xmlns:a16="http://schemas.microsoft.com/office/drawing/2014/main" id="{92C8DACB-7305-86A7-62CE-54BAC21AE3DB}"/>
+              </a:ext>
+            </a:extLst>
+          </p:cNvPr>
+          <p:cNvPicPr>
+            <a:picLocks noChangeAspect="1"/>
+          </p:cNvPicPr>
           <p:nvPr/>
-        </p:nvGrpSpPr>
-        <p:grpSpPr>
-          <a:xfrm>
-            <a:off x="256098" y="3334826"/>
-            <a:ext cx="6358340" cy="3284940"/>
-            <a:chOff x="256098" y="3334826"/>
-            <a:chExt cx="6358340" cy="3284940"/>
+        </p:nvPicPr>
+        <p:blipFill>
+          <a:blip r:embed="rId3">
+            <a:extLst>
+              <a:ext uri="{28A0092B-C50C-407E-A947-70E740481C1C}">
+                <a14:useLocalDpi xmlns:a14="http://schemas.microsoft.com/office/drawing/2010/main" val="0"/>
+              </a:ext>
+            </a:extLst>
+          </a:blip>
+          <a:stretch>
+            <a:fillRect/>
+          </a:stretch>
+        </p:blipFill>
+        <p:spPr>
+          <a:xfrm rot="1394659">
+            <a:off x="746250" y="4471227"/>
+            <a:ext cx="1559990" cy="1536783"/>
           </a:xfrm>
-        </p:grpSpPr>
-        <p:pic>
-          <p:nvPicPr>
-            <p:cNvPr id="11" name="図 10" descr="アイコン&#10;&#10;自動的に生成された説明">
-              <a:extLst>
-                <a:ext uri="{FF2B5EF4-FFF2-40B4-BE49-F238E27FC236}">
-                  <a16:creationId xmlns:a16="http://schemas.microsoft.com/office/drawing/2014/main" id="{333953CC-B6B0-58F0-96A9-DCBCE13A3DA7}"/>
-                </a:ext>
-              </a:extLst>
-            </p:cNvPr>
-            <p:cNvPicPr>
-              <a:picLocks noChangeAspect="1"/>
-            </p:cNvPicPr>
-            <p:nvPr/>
-          </p:nvPicPr>
-          <p:blipFill>
-            <a:blip r:embed="rId2">
-              <a:extLst>
-                <a:ext uri="{28A0092B-C50C-407E-A947-70E740481C1C}">
-                  <a14:useLocalDpi xmlns:a14="http://schemas.microsoft.com/office/drawing/2010/main" val="0"/>
-                </a:ext>
-              </a:extLst>
-            </a:blip>
-            <a:stretch>
-              <a:fillRect/>
-            </a:stretch>
-          </p:blipFill>
-          <p:spPr>
-            <a:xfrm rot="808516">
-              <a:off x="256098" y="4556078"/>
-              <a:ext cx="1559990" cy="1536783"/>
-            </a:xfrm>
-            <a:prstGeom prst="rect">
-              <a:avLst/>
-            </a:prstGeom>
-            <a:effectLst>
-              <a:glow rad="127000">
-                <a:srgbClr val="FF0000"/>
-              </a:glow>
-            </a:effectLst>
-          </p:spPr>
-        </p:pic>
-        <p:pic>
-          <p:nvPicPr>
-            <p:cNvPr id="13" name="図 12" descr="アイコン&#10;&#10;自動的に生成された説明">
-              <a:extLst>
-                <a:ext uri="{FF2B5EF4-FFF2-40B4-BE49-F238E27FC236}">
-                  <a16:creationId xmlns:a16="http://schemas.microsoft.com/office/drawing/2014/main" id="{92C8DACB-7305-86A7-62CE-54BAC21AE3DB}"/>
-                </a:ext>
-              </a:extLst>
-            </p:cNvPr>
-            <p:cNvPicPr>
-              <a:picLocks noChangeAspect="1"/>
-            </p:cNvPicPr>
-            <p:nvPr/>
-          </p:nvPicPr>
-          <p:blipFill>
-            <a:blip r:embed="rId3">
-              <a:extLst>
-                <a:ext uri="{28A0092B-C50C-407E-A947-70E740481C1C}">
-                  <a14:useLocalDpi xmlns:a14="http://schemas.microsoft.com/office/drawing/2010/main" val="0"/>
-                </a:ext>
-              </a:extLst>
-            </a:blip>
-            <a:stretch>
-              <a:fillRect/>
-            </a:stretch>
-          </p:blipFill>
-          <p:spPr>
-            <a:xfrm rot="1394659">
-              <a:off x="746250" y="4471227"/>
-              <a:ext cx="1559990" cy="1536783"/>
-            </a:xfrm>
-            <a:prstGeom prst="rect">
-              <a:avLst/>
-            </a:prstGeom>
-            <a:effectLst>
-              <a:glow rad="127000">
-                <a:srgbClr val="FF0000"/>
-              </a:glow>
-            </a:effectLst>
-          </p:spPr>
-        </p:pic>
-        <p:pic>
-          <p:nvPicPr>
-            <p:cNvPr id="14" name="図 13" descr="アイコン&#10;&#10;自動的に生成された説明">
-              <a:extLst>
-                <a:ext uri="{FF2B5EF4-FFF2-40B4-BE49-F238E27FC236}">
-                  <a16:creationId xmlns:a16="http://schemas.microsoft.com/office/drawing/2014/main" id="{95A0E887-10BC-EB61-6026-A032D6809604}"/>
-                </a:ext>
-              </a:extLst>
-            </p:cNvPr>
-            <p:cNvPicPr>
-              <a:picLocks noChangeAspect="1"/>
-            </p:cNvPicPr>
-            <p:nvPr/>
-          </p:nvPicPr>
-          <p:blipFill>
-            <a:blip r:embed="rId2">
-              <a:extLst>
-                <a:ext uri="{28A0092B-C50C-407E-A947-70E740481C1C}">
-                  <a14:useLocalDpi xmlns:a14="http://schemas.microsoft.com/office/drawing/2010/main" val="0"/>
-                </a:ext>
-              </a:extLst>
-            </a:blip>
-            <a:stretch>
-              <a:fillRect/>
-            </a:stretch>
-          </p:blipFill>
-          <p:spPr>
-            <a:xfrm rot="21000000" flipH="1">
-              <a:off x="2680984" y="3451689"/>
-              <a:ext cx="1559990" cy="1536783"/>
-            </a:xfrm>
-            <a:prstGeom prst="rect">
-              <a:avLst/>
-            </a:prstGeom>
-            <a:effectLst>
-              <a:glow rad="127000">
-                <a:srgbClr val="FF0000"/>
-              </a:glow>
-            </a:effectLst>
-          </p:spPr>
-        </p:pic>
-        <p:pic>
-          <p:nvPicPr>
-            <p:cNvPr id="15" name="図 14" descr="アイコン&#10;&#10;自動的に生成された説明">
-              <a:extLst>
-                <a:ext uri="{FF2B5EF4-FFF2-40B4-BE49-F238E27FC236}">
-                  <a16:creationId xmlns:a16="http://schemas.microsoft.com/office/drawing/2014/main" id="{2AD46408-05EE-B056-A5CB-D102B5A188F1}"/>
-                </a:ext>
-              </a:extLst>
-            </p:cNvPr>
-            <p:cNvPicPr>
-              <a:picLocks noChangeAspect="1"/>
-            </p:cNvPicPr>
-            <p:nvPr/>
-          </p:nvPicPr>
-          <p:blipFill>
-            <a:blip r:embed="rId3">
-              <a:extLst>
-                <a:ext uri="{28A0092B-C50C-407E-A947-70E740481C1C}">
-                  <a14:useLocalDpi xmlns:a14="http://schemas.microsoft.com/office/drawing/2010/main" val="0"/>
-                </a:ext>
-              </a:extLst>
-            </a:blip>
-            <a:stretch>
-              <a:fillRect/>
-            </a:stretch>
-          </p:blipFill>
-          <p:spPr>
-            <a:xfrm rot="20244876" flipH="1">
-              <a:off x="2185935" y="3334826"/>
-              <a:ext cx="1559990" cy="1536783"/>
-            </a:xfrm>
-            <a:prstGeom prst="rect">
-              <a:avLst/>
-            </a:prstGeom>
-            <a:effectLst>
-              <a:glow rad="127000">
-                <a:srgbClr val="FF0000"/>
-              </a:glow>
-            </a:effectLst>
-          </p:spPr>
-        </p:pic>
-        <p:pic>
-          <p:nvPicPr>
-            <p:cNvPr id="9" name="図 8" descr="アイコン&#10;&#10;中程度の精度で自動的に生成された説明">
-              <a:extLst>
-                <a:ext uri="{FF2B5EF4-FFF2-40B4-BE49-F238E27FC236}">
-                  <a16:creationId xmlns:a16="http://schemas.microsoft.com/office/drawing/2014/main" id="{12034792-10E4-15DE-1B46-BB3FDD732ECD}"/>
-                </a:ext>
-              </a:extLst>
-            </p:cNvPr>
-            <p:cNvPicPr>
-              <a:picLocks noChangeAspect="1"/>
-            </p:cNvPicPr>
-            <p:nvPr/>
-          </p:nvPicPr>
-          <p:blipFill>
-            <a:blip r:embed="rId4">
-              <a:extLst>
-                <a:ext uri="{28A0092B-C50C-407E-A947-70E740481C1C}">
-                  <a14:useLocalDpi xmlns:a14="http://schemas.microsoft.com/office/drawing/2010/main" val="0"/>
-                </a:ext>
-              </a:extLst>
-            </a:blip>
-            <a:stretch>
-              <a:fillRect/>
-            </a:stretch>
-          </p:blipFill>
-          <p:spPr>
-            <a:xfrm rot="1296620">
-              <a:off x="2276570" y="3384542"/>
-              <a:ext cx="4337868" cy="3235224"/>
-            </a:xfrm>
-            <a:prstGeom prst="rect">
-              <a:avLst/>
-            </a:prstGeom>
-            <a:effectLst>
-              <a:glow rad="127000">
-                <a:srgbClr val="00B0F0"/>
-              </a:glow>
-            </a:effectLst>
-          </p:spPr>
-        </p:pic>
-      </p:grpSp>
+          <a:prstGeom prst="rect">
+            <a:avLst/>
+          </a:prstGeom>
+          <a:effectLst>
+            <a:glow rad="127000">
+              <a:srgbClr val="FF0000"/>
+            </a:glow>
+          </a:effectLst>
+        </p:spPr>
+      </p:pic>
+      <p:pic>
+        <p:nvPicPr>
+          <p:cNvPr id="14" name="図 13" descr="アイコン&#10;&#10;自動的に生成された説明">
+            <a:extLst>
+              <a:ext uri="{FF2B5EF4-FFF2-40B4-BE49-F238E27FC236}">
+                <a16:creationId xmlns:a16="http://schemas.microsoft.com/office/drawing/2014/main" id="{95A0E887-10BC-EB61-6026-A032D6809604}"/>
+              </a:ext>
+            </a:extLst>
+          </p:cNvPr>
+          <p:cNvPicPr>
+            <a:picLocks noChangeAspect="1"/>
+          </p:cNvPicPr>
+          <p:nvPr/>
+        </p:nvPicPr>
+        <p:blipFill>
+          <a:blip r:embed="rId2">
+            <a:extLst>
+              <a:ext uri="{28A0092B-C50C-407E-A947-70E740481C1C}">
+                <a14:useLocalDpi xmlns:a14="http://schemas.microsoft.com/office/drawing/2010/main" val="0"/>
+              </a:ext>
+            </a:extLst>
+          </a:blip>
+          <a:stretch>
+            <a:fillRect/>
+          </a:stretch>
+        </p:blipFill>
+        <p:spPr>
+          <a:xfrm rot="21000000" flipH="1">
+            <a:off x="2680984" y="3451689"/>
+            <a:ext cx="1559990" cy="1536783"/>
+          </a:xfrm>
+          <a:prstGeom prst="rect">
+            <a:avLst/>
+          </a:prstGeom>
+          <a:effectLst>
+            <a:glow rad="127000">
+              <a:srgbClr val="FF0000"/>
+            </a:glow>
+          </a:effectLst>
+        </p:spPr>
+      </p:pic>
+      <p:pic>
+        <p:nvPicPr>
+          <p:cNvPr id="15" name="図 14" descr="アイコン&#10;&#10;自動的に生成された説明">
+            <a:extLst>
+              <a:ext uri="{FF2B5EF4-FFF2-40B4-BE49-F238E27FC236}">
+                <a16:creationId xmlns:a16="http://schemas.microsoft.com/office/drawing/2014/main" id="{2AD46408-05EE-B056-A5CB-D102B5A188F1}"/>
+              </a:ext>
+            </a:extLst>
+          </p:cNvPr>
+          <p:cNvPicPr>
+            <a:picLocks noChangeAspect="1"/>
+          </p:cNvPicPr>
+          <p:nvPr/>
+        </p:nvPicPr>
+        <p:blipFill>
+          <a:blip r:embed="rId3">
+            <a:extLst>
+              <a:ext uri="{28A0092B-C50C-407E-A947-70E740481C1C}">
+                <a14:useLocalDpi xmlns:a14="http://schemas.microsoft.com/office/drawing/2010/main" val="0"/>
+              </a:ext>
+            </a:extLst>
+          </a:blip>
+          <a:stretch>
+            <a:fillRect/>
+          </a:stretch>
+        </p:blipFill>
+        <p:spPr>
+          <a:xfrm rot="20244876" flipH="1">
+            <a:off x="2185935" y="3334826"/>
+            <a:ext cx="1559990" cy="1536783"/>
+          </a:xfrm>
+          <a:prstGeom prst="rect">
+            <a:avLst/>
+          </a:prstGeom>
+          <a:effectLst>
+            <a:glow rad="127000">
+              <a:srgbClr val="FF0000"/>
+            </a:glow>
+          </a:effectLst>
+        </p:spPr>
+      </p:pic>
+      <p:pic>
+        <p:nvPicPr>
+          <p:cNvPr id="9" name="図 8" descr="アイコン&#10;&#10;中程度の精度で自動的に生成された説明">
+            <a:extLst>
+              <a:ext uri="{FF2B5EF4-FFF2-40B4-BE49-F238E27FC236}">
+                <a16:creationId xmlns:a16="http://schemas.microsoft.com/office/drawing/2014/main" id="{12034792-10E4-15DE-1B46-BB3FDD732ECD}"/>
+              </a:ext>
+            </a:extLst>
+          </p:cNvPr>
+          <p:cNvPicPr>
+            <a:picLocks noChangeAspect="1"/>
+          </p:cNvPicPr>
+          <p:nvPr/>
+        </p:nvPicPr>
+        <p:blipFill>
+          <a:blip r:embed="rId4">
+            <a:extLst>
+              <a:ext uri="{28A0092B-C50C-407E-A947-70E740481C1C}">
+                <a14:useLocalDpi xmlns:a14="http://schemas.microsoft.com/office/drawing/2010/main" val="0"/>
+              </a:ext>
+            </a:extLst>
+          </a:blip>
+          <a:stretch>
+            <a:fillRect/>
+          </a:stretch>
+        </p:blipFill>
+        <p:spPr>
+          <a:xfrm rot="1296620">
+            <a:off x="2276570" y="3384542"/>
+            <a:ext cx="4337868" cy="3235224"/>
+          </a:xfrm>
+          <a:prstGeom prst="rect">
+            <a:avLst/>
+          </a:prstGeom>
+          <a:effectLst>
+            <a:glow rad="127000">
+              <a:srgbClr val="00B0F0"/>
+            </a:glow>
+          </a:effectLst>
+        </p:spPr>
+      </p:pic>
       <p:sp>
         <p:nvSpPr>
           <p:cNvPr id="7" name="テキスト ボックス 6">
@@ -9042,204 +10365,6 @@
       </p:transition>
     </mc:Fallback>
   </mc:AlternateContent>
-  <p:timing>
-    <p:tnLst>
-      <p:par>
-        <p:cTn id="1" dur="indefinite" restart="never" nodeType="tmRoot">
-          <p:childTnLst>
-            <p:seq concurrent="1" nextAc="seek">
-              <p:cTn id="2" dur="indefinite" nodeType="mainSeq">
-                <p:childTnLst>
-                  <p:par>
-                    <p:cTn id="3" fill="hold">
-                      <p:stCondLst>
-                        <p:cond delay="indefinite"/>
-                      </p:stCondLst>
-                      <p:childTnLst>
-                        <p:par>
-                          <p:cTn id="4" fill="hold">
-                            <p:stCondLst>
-                              <p:cond delay="0"/>
-                            </p:stCondLst>
-                            <p:childTnLst>
-                              <p:par>
-                                <p:cTn id="5" presetID="2" presetClass="entr" presetSubtype="8" fill="hold" grpId="0" nodeType="clickEffect">
-                                  <p:stCondLst>
-                                    <p:cond delay="0"/>
-                                  </p:stCondLst>
-                                  <p:childTnLst>
-                                    <p:set>
-                                      <p:cBhvr>
-                                        <p:cTn id="6" dur="1" fill="hold">
-                                          <p:stCondLst>
-                                            <p:cond delay="0"/>
-                                          </p:stCondLst>
-                                        </p:cTn>
-                                        <p:tgtEl>
-                                          <p:spTgt spid="7"/>
-                                        </p:tgtEl>
-                                        <p:attrNameLst>
-                                          <p:attrName>style.visibility</p:attrName>
-                                        </p:attrNameLst>
-                                      </p:cBhvr>
-                                      <p:to>
-                                        <p:strVal val="visible"/>
-                                      </p:to>
-                                    </p:set>
-                                    <p:anim calcmode="lin" valueType="num">
-                                      <p:cBhvr additive="base">
-                                        <p:cTn id="7" dur="250" fill="hold"/>
-                                        <p:tgtEl>
-                                          <p:spTgt spid="7"/>
-                                        </p:tgtEl>
-                                        <p:attrNameLst>
-                                          <p:attrName>ppt_x</p:attrName>
-                                        </p:attrNameLst>
-                                      </p:cBhvr>
-                                      <p:tavLst>
-                                        <p:tav tm="0">
-                                          <p:val>
-                                            <p:strVal val="0-#ppt_w/2"/>
-                                          </p:val>
-                                        </p:tav>
-                                        <p:tav tm="100000">
-                                          <p:val>
-                                            <p:strVal val="#ppt_x"/>
-                                          </p:val>
-                                        </p:tav>
-                                      </p:tavLst>
-                                    </p:anim>
-                                    <p:anim calcmode="lin" valueType="num">
-                                      <p:cBhvr additive="base">
-                                        <p:cTn id="8" dur="250" fill="hold"/>
-                                        <p:tgtEl>
-                                          <p:spTgt spid="7"/>
-                                        </p:tgtEl>
-                                        <p:attrNameLst>
-                                          <p:attrName>ppt_y</p:attrName>
-                                        </p:attrNameLst>
-                                      </p:cBhvr>
-                                      <p:tavLst>
-                                        <p:tav tm="0">
-                                          <p:val>
-                                            <p:strVal val="#ppt_y"/>
-                                          </p:val>
-                                        </p:tav>
-                                        <p:tav tm="100000">
-                                          <p:val>
-                                            <p:strVal val="#ppt_y"/>
-                                          </p:val>
-                                        </p:tav>
-                                      </p:tavLst>
-                                    </p:anim>
-                                  </p:childTnLst>
-                                </p:cTn>
-                              </p:par>
-                              <p:par>
-                                <p:cTn id="9" presetID="2" presetClass="entr" presetSubtype="8" fill="hold" grpId="0" nodeType="withEffect">
-                                  <p:stCondLst>
-                                    <p:cond delay="0"/>
-                                  </p:stCondLst>
-                                  <p:childTnLst>
-                                    <p:set>
-                                      <p:cBhvr>
-                                        <p:cTn id="10" dur="1" fill="hold">
-                                          <p:stCondLst>
-                                            <p:cond delay="0"/>
-                                          </p:stCondLst>
-                                        </p:cTn>
-                                        <p:tgtEl>
-                                          <p:spTgt spid="8"/>
-                                        </p:tgtEl>
-                                        <p:attrNameLst>
-                                          <p:attrName>style.visibility</p:attrName>
-                                        </p:attrNameLst>
-                                      </p:cBhvr>
-                                      <p:to>
-                                        <p:strVal val="visible"/>
-                                      </p:to>
-                                    </p:set>
-                                    <p:anim calcmode="lin" valueType="num">
-                                      <p:cBhvr additive="base">
-                                        <p:cTn id="11" dur="250" fill="hold"/>
-                                        <p:tgtEl>
-                                          <p:spTgt spid="8"/>
-                                        </p:tgtEl>
-                                        <p:attrNameLst>
-                                          <p:attrName>ppt_x</p:attrName>
-                                        </p:attrNameLst>
-                                      </p:cBhvr>
-                                      <p:tavLst>
-                                        <p:tav tm="0">
-                                          <p:val>
-                                            <p:strVal val="0-#ppt_w/2"/>
-                                          </p:val>
-                                        </p:tav>
-                                        <p:tav tm="100000">
-                                          <p:val>
-                                            <p:strVal val="#ppt_x"/>
-                                          </p:val>
-                                        </p:tav>
-                                      </p:tavLst>
-                                    </p:anim>
-                                    <p:anim calcmode="lin" valueType="num">
-                                      <p:cBhvr additive="base">
-                                        <p:cTn id="12" dur="250" fill="hold"/>
-                                        <p:tgtEl>
-                                          <p:spTgt spid="8"/>
-                                        </p:tgtEl>
-                                        <p:attrNameLst>
-                                          <p:attrName>ppt_y</p:attrName>
-                                        </p:attrNameLst>
-                                      </p:cBhvr>
-                                      <p:tavLst>
-                                        <p:tav tm="0">
-                                          <p:val>
-                                            <p:strVal val="#ppt_y"/>
-                                          </p:val>
-                                        </p:tav>
-                                        <p:tav tm="100000">
-                                          <p:val>
-                                            <p:strVal val="#ppt_y"/>
-                                          </p:val>
-                                        </p:tav>
-                                      </p:tavLst>
-                                    </p:anim>
-                                  </p:childTnLst>
-                                </p:cTn>
-                              </p:par>
-                            </p:childTnLst>
-                          </p:cTn>
-                        </p:par>
-                      </p:childTnLst>
-                    </p:cTn>
-                  </p:par>
-                </p:childTnLst>
-              </p:cTn>
-              <p:prevCondLst>
-                <p:cond evt="onPrev" delay="0">
-                  <p:tgtEl>
-                    <p:sldTgt/>
-                  </p:tgtEl>
-                </p:cond>
-              </p:prevCondLst>
-              <p:nextCondLst>
-                <p:cond evt="onNext" delay="0">
-                  <p:tgtEl>
-                    <p:sldTgt/>
-                  </p:tgtEl>
-                </p:cond>
-              </p:nextCondLst>
-            </p:seq>
-          </p:childTnLst>
-        </p:cTn>
-      </p:par>
-    </p:tnLst>
-    <p:bldLst>
-      <p:bldP spid="7" grpId="0"/>
-      <p:bldP spid="8" grpId="0"/>
-    </p:bldLst>
-  </p:timing>
 </p:sld>
 </file>
 
@@ -9877,379 +11002,211 @@
           </a:p>
         </p:txBody>
       </p:sp>
-      <p:sp>
-        <p:nvSpPr>
-          <p:cNvPr id="5" name="テキスト ボックス 4">
-            <a:extLst>
-              <a:ext uri="{FF2B5EF4-FFF2-40B4-BE49-F238E27FC236}">
-                <a16:creationId xmlns:a16="http://schemas.microsoft.com/office/drawing/2014/main" id="{FCC250EF-C813-4301-B932-5A0F039D763C}"/>
-              </a:ext>
-            </a:extLst>
-          </p:cNvPr>
-          <p:cNvSpPr txBox="1"/>
+      <p:pic>
+        <p:nvPicPr>
+          <p:cNvPr id="11" name="図 10" descr="アイコン&#10;&#10;自動的に生成された説明">
+            <a:extLst>
+              <a:ext uri="{FF2B5EF4-FFF2-40B4-BE49-F238E27FC236}">
+                <a16:creationId xmlns:a16="http://schemas.microsoft.com/office/drawing/2014/main" id="{333953CC-B6B0-58F0-96A9-DCBCE13A3DA7}"/>
+              </a:ext>
+            </a:extLst>
+          </p:cNvPr>
+          <p:cNvPicPr>
+            <a:picLocks noChangeAspect="1"/>
+          </p:cNvPicPr>
           <p:nvPr/>
-        </p:nvSpPr>
+        </p:nvPicPr>
+        <p:blipFill>
+          <a:blip r:embed="rId2">
+            <a:extLst>
+              <a:ext uri="{28A0092B-C50C-407E-A947-70E740481C1C}">
+                <a14:useLocalDpi xmlns:a14="http://schemas.microsoft.com/office/drawing/2010/main" val="0"/>
+              </a:ext>
+            </a:extLst>
+          </a:blip>
+          <a:stretch>
+            <a:fillRect/>
+          </a:stretch>
+        </p:blipFill>
         <p:spPr>
-          <a:xfrm rot="713856">
-            <a:off x="9525956" y="1272366"/>
-            <a:ext cx="2627642" cy="646331"/>
+          <a:xfrm rot="808516">
+            <a:off x="256098" y="4556078"/>
+            <a:ext cx="1559990" cy="1536783"/>
           </a:xfrm>
           <a:prstGeom prst="rect">
             <a:avLst/>
           </a:prstGeom>
-          <a:noFill/>
-          <a:scene3d>
-            <a:camera prst="orthographicFront">
-              <a:rot lat="0" lon="0" rev="0"/>
-            </a:camera>
-            <a:lightRig rig="threePt" dir="t"/>
-          </a:scene3d>
+          <a:effectLst>
+            <a:glow rad="127000">
+              <a:srgbClr val="FF0000"/>
+            </a:glow>
+          </a:effectLst>
         </p:spPr>
-        <p:txBody>
-          <a:bodyPr wrap="none" rtlCol="0">
-            <a:spAutoFit/>
-          </a:bodyPr>
-          <a:lstStyle/>
-          <a:p>
-            <a:r>
-              <a:rPr lang="ja-JP" altLang="en-US" sz="1200" dirty="0">
-                <a:solidFill>
-                  <a:schemeClr val="bg1"/>
-                </a:solidFill>
-                <a:effectLst>
-                  <a:glow rad="254000">
-                    <a:schemeClr val="accent1">
-                      <a:alpha val="75000"/>
-                    </a:schemeClr>
-                  </a:glow>
-                </a:effectLst>
-                <a:latin typeface="HGP行書体" panose="03000600000000000000" pitchFamily="66" charset="-128"/>
-                <a:ea typeface="HGP行書体" panose="03000600000000000000" pitchFamily="66" charset="-128"/>
-              </a:rPr>
-              <a:t>力は</a:t>
-            </a:r>
-            <a:r>
-              <a:rPr lang="ja-JP" altLang="en-US" sz="1600" dirty="0">
-                <a:solidFill>
-                  <a:schemeClr val="bg1"/>
-                </a:solidFill>
-                <a:effectLst>
-                  <a:glow rad="254000">
-                    <a:schemeClr val="accent1">
-                      <a:alpha val="75000"/>
-                    </a:schemeClr>
-                  </a:glow>
-                </a:effectLst>
-                <a:latin typeface="HGP行書体" panose="03000600000000000000" pitchFamily="66" charset="-128"/>
-                <a:ea typeface="HGP行書体" panose="03000600000000000000" pitchFamily="66" charset="-128"/>
-              </a:rPr>
-              <a:t>自ら振るわぬ。</a:t>
-            </a:r>
-            <a:endParaRPr lang="en-US" altLang="ja-JP" sz="1600" dirty="0">
-              <a:solidFill>
-                <a:schemeClr val="bg1"/>
-              </a:solidFill>
-              <a:effectLst>
-                <a:glow rad="254000">
-                  <a:schemeClr val="accent1">
-                    <a:alpha val="75000"/>
-                  </a:schemeClr>
-                </a:glow>
-              </a:effectLst>
-              <a:latin typeface="HGP行書体" panose="03000600000000000000" pitchFamily="66" charset="-128"/>
-              <a:ea typeface="HGP行書体" panose="03000600000000000000" pitchFamily="66" charset="-128"/>
-            </a:endParaRPr>
-          </a:p>
-          <a:p>
-            <a:r>
-              <a:rPr lang="ja-JP" altLang="en-US" sz="1200" dirty="0">
-                <a:solidFill>
-                  <a:schemeClr val="bg1"/>
-                </a:solidFill>
-                <a:effectLst>
-                  <a:glow rad="254000">
-                    <a:schemeClr val="accent1">
-                      <a:alpha val="75000"/>
-                    </a:schemeClr>
-                  </a:glow>
-                </a:effectLst>
-                <a:latin typeface="HGP行書体" panose="03000600000000000000" pitchFamily="66" charset="-128"/>
-                <a:ea typeface="HGP行書体" panose="03000600000000000000" pitchFamily="66" charset="-128"/>
-              </a:rPr>
-              <a:t>敵の攻撃を</a:t>
-            </a:r>
-            <a:r>
-              <a:rPr lang="ja-JP" altLang="en-US" sz="2000" b="1" dirty="0">
-                <a:effectLst>
-                  <a:glow rad="381000">
-                    <a:srgbClr val="0066FF"/>
-                  </a:glow>
-                </a:effectLst>
-                <a:latin typeface="HGP行書体" panose="03000600000000000000" pitchFamily="66" charset="-128"/>
-                <a:ea typeface="HGP行書体" panose="03000600000000000000" pitchFamily="66" charset="-128"/>
-              </a:rPr>
-              <a:t>弾き返し</a:t>
-            </a:r>
-            <a:r>
-              <a:rPr lang="ja-JP" altLang="en-US" sz="1200" dirty="0">
-                <a:solidFill>
-                  <a:schemeClr val="bg1"/>
-                </a:solidFill>
-                <a:effectLst>
-                  <a:glow rad="254000">
-                    <a:schemeClr val="accent1">
-                      <a:alpha val="75000"/>
-                    </a:schemeClr>
-                  </a:glow>
-                </a:effectLst>
-                <a:latin typeface="HGP行書体" panose="03000600000000000000" pitchFamily="66" charset="-128"/>
-                <a:ea typeface="HGP行書体" panose="03000600000000000000" pitchFamily="66" charset="-128"/>
-              </a:rPr>
-              <a:t>隙を生み出せ。</a:t>
-            </a:r>
-            <a:endParaRPr kumimoji="1" lang="ja-JP" altLang="en-US" sz="1200" dirty="0">
-              <a:solidFill>
-                <a:schemeClr val="bg1"/>
-              </a:solidFill>
-              <a:effectLst>
-                <a:glow rad="254000">
-                  <a:schemeClr val="accent1">
-                    <a:alpha val="75000"/>
-                  </a:schemeClr>
-                </a:glow>
-              </a:effectLst>
-              <a:latin typeface="HGP行書体" panose="03000600000000000000" pitchFamily="66" charset="-128"/>
-              <a:ea typeface="HGP行書体" panose="03000600000000000000" pitchFamily="66" charset="-128"/>
-            </a:endParaRPr>
-          </a:p>
-        </p:txBody>
-      </p:sp>
-      <p:grpSp>
-        <p:nvGrpSpPr>
-          <p:cNvPr id="2" name="グループ化 1">
-            <a:extLst>
-              <a:ext uri="{FF2B5EF4-FFF2-40B4-BE49-F238E27FC236}">
-                <a16:creationId xmlns:a16="http://schemas.microsoft.com/office/drawing/2014/main" id="{73D9710E-0D4C-C842-B2B7-E9227ACD35BE}"/>
-              </a:ext>
-            </a:extLst>
-          </p:cNvPr>
-          <p:cNvGrpSpPr/>
+      </p:pic>
+      <p:pic>
+        <p:nvPicPr>
+          <p:cNvPr id="13" name="図 12" descr="アイコン&#10;&#10;自動的に生成された説明">
+            <a:extLst>
+              <a:ext uri="{FF2B5EF4-FFF2-40B4-BE49-F238E27FC236}">
+                <a16:creationId xmlns:a16="http://schemas.microsoft.com/office/drawing/2014/main" id="{92C8DACB-7305-86A7-62CE-54BAC21AE3DB}"/>
+              </a:ext>
+            </a:extLst>
+          </p:cNvPr>
+          <p:cNvPicPr>
+            <a:picLocks noChangeAspect="1"/>
+          </p:cNvPicPr>
           <p:nvPr/>
-        </p:nvGrpSpPr>
-        <p:grpSpPr>
-          <a:xfrm>
-            <a:off x="256098" y="3334826"/>
-            <a:ext cx="6358340" cy="3284940"/>
-            <a:chOff x="256098" y="3334826"/>
-            <a:chExt cx="6358340" cy="3284940"/>
+        </p:nvPicPr>
+        <p:blipFill>
+          <a:blip r:embed="rId3">
+            <a:extLst>
+              <a:ext uri="{28A0092B-C50C-407E-A947-70E740481C1C}">
+                <a14:useLocalDpi xmlns:a14="http://schemas.microsoft.com/office/drawing/2010/main" val="0"/>
+              </a:ext>
+            </a:extLst>
+          </a:blip>
+          <a:stretch>
+            <a:fillRect/>
+          </a:stretch>
+        </p:blipFill>
+        <p:spPr>
+          <a:xfrm rot="1394659">
+            <a:off x="746250" y="4471227"/>
+            <a:ext cx="1559990" cy="1536783"/>
           </a:xfrm>
-        </p:grpSpPr>
-        <p:pic>
-          <p:nvPicPr>
-            <p:cNvPr id="11" name="図 10" descr="アイコン&#10;&#10;自動的に生成された説明">
-              <a:extLst>
-                <a:ext uri="{FF2B5EF4-FFF2-40B4-BE49-F238E27FC236}">
-                  <a16:creationId xmlns:a16="http://schemas.microsoft.com/office/drawing/2014/main" id="{333953CC-B6B0-58F0-96A9-DCBCE13A3DA7}"/>
-                </a:ext>
-              </a:extLst>
-            </p:cNvPr>
-            <p:cNvPicPr>
-              <a:picLocks noChangeAspect="1"/>
-            </p:cNvPicPr>
-            <p:nvPr/>
-          </p:nvPicPr>
-          <p:blipFill>
-            <a:blip r:embed="rId2">
-              <a:extLst>
-                <a:ext uri="{28A0092B-C50C-407E-A947-70E740481C1C}">
-                  <a14:useLocalDpi xmlns:a14="http://schemas.microsoft.com/office/drawing/2010/main" val="0"/>
-                </a:ext>
-              </a:extLst>
-            </a:blip>
-            <a:stretch>
-              <a:fillRect/>
-            </a:stretch>
-          </p:blipFill>
-          <p:spPr>
-            <a:xfrm rot="808516">
-              <a:off x="256098" y="4556078"/>
-              <a:ext cx="1559990" cy="1536783"/>
-            </a:xfrm>
-            <a:prstGeom prst="rect">
-              <a:avLst/>
-            </a:prstGeom>
-            <a:effectLst>
-              <a:glow rad="127000">
-                <a:srgbClr val="FF0000"/>
-              </a:glow>
-            </a:effectLst>
-          </p:spPr>
-        </p:pic>
-        <p:pic>
-          <p:nvPicPr>
-            <p:cNvPr id="13" name="図 12" descr="アイコン&#10;&#10;自動的に生成された説明">
-              <a:extLst>
-                <a:ext uri="{FF2B5EF4-FFF2-40B4-BE49-F238E27FC236}">
-                  <a16:creationId xmlns:a16="http://schemas.microsoft.com/office/drawing/2014/main" id="{92C8DACB-7305-86A7-62CE-54BAC21AE3DB}"/>
-                </a:ext>
-              </a:extLst>
-            </p:cNvPr>
-            <p:cNvPicPr>
-              <a:picLocks noChangeAspect="1"/>
-            </p:cNvPicPr>
-            <p:nvPr/>
-          </p:nvPicPr>
-          <p:blipFill>
-            <a:blip r:embed="rId3">
-              <a:extLst>
-                <a:ext uri="{28A0092B-C50C-407E-A947-70E740481C1C}">
-                  <a14:useLocalDpi xmlns:a14="http://schemas.microsoft.com/office/drawing/2010/main" val="0"/>
-                </a:ext>
-              </a:extLst>
-            </a:blip>
-            <a:stretch>
-              <a:fillRect/>
-            </a:stretch>
-          </p:blipFill>
-          <p:spPr>
-            <a:xfrm rot="1394659">
-              <a:off x="746250" y="4471227"/>
-              <a:ext cx="1559990" cy="1536783"/>
-            </a:xfrm>
-            <a:prstGeom prst="rect">
-              <a:avLst/>
-            </a:prstGeom>
-            <a:effectLst>
-              <a:glow rad="127000">
-                <a:srgbClr val="FF0000"/>
-              </a:glow>
-            </a:effectLst>
-          </p:spPr>
-        </p:pic>
-        <p:pic>
-          <p:nvPicPr>
-            <p:cNvPr id="14" name="図 13" descr="アイコン&#10;&#10;自動的に生成された説明">
-              <a:extLst>
-                <a:ext uri="{FF2B5EF4-FFF2-40B4-BE49-F238E27FC236}">
-                  <a16:creationId xmlns:a16="http://schemas.microsoft.com/office/drawing/2014/main" id="{95A0E887-10BC-EB61-6026-A032D6809604}"/>
-                </a:ext>
-              </a:extLst>
-            </p:cNvPr>
-            <p:cNvPicPr>
-              <a:picLocks noChangeAspect="1"/>
-            </p:cNvPicPr>
-            <p:nvPr/>
-          </p:nvPicPr>
-          <p:blipFill>
-            <a:blip r:embed="rId2">
-              <a:extLst>
-                <a:ext uri="{28A0092B-C50C-407E-A947-70E740481C1C}">
-                  <a14:useLocalDpi xmlns:a14="http://schemas.microsoft.com/office/drawing/2010/main" val="0"/>
-                </a:ext>
-              </a:extLst>
-            </a:blip>
-            <a:stretch>
-              <a:fillRect/>
-            </a:stretch>
-          </p:blipFill>
-          <p:spPr>
-            <a:xfrm rot="21000000" flipH="1">
-              <a:off x="2680984" y="3451689"/>
-              <a:ext cx="1559990" cy="1536783"/>
-            </a:xfrm>
-            <a:prstGeom prst="rect">
-              <a:avLst/>
-            </a:prstGeom>
-            <a:effectLst>
-              <a:glow rad="127000">
-                <a:srgbClr val="FF0000"/>
-              </a:glow>
-            </a:effectLst>
-          </p:spPr>
-        </p:pic>
-        <p:pic>
-          <p:nvPicPr>
-            <p:cNvPr id="15" name="図 14" descr="アイコン&#10;&#10;自動的に生成された説明">
-              <a:extLst>
-                <a:ext uri="{FF2B5EF4-FFF2-40B4-BE49-F238E27FC236}">
-                  <a16:creationId xmlns:a16="http://schemas.microsoft.com/office/drawing/2014/main" id="{2AD46408-05EE-B056-A5CB-D102B5A188F1}"/>
-                </a:ext>
-              </a:extLst>
-            </p:cNvPr>
-            <p:cNvPicPr>
-              <a:picLocks noChangeAspect="1"/>
-            </p:cNvPicPr>
-            <p:nvPr/>
-          </p:nvPicPr>
-          <p:blipFill>
-            <a:blip r:embed="rId3">
-              <a:extLst>
-                <a:ext uri="{28A0092B-C50C-407E-A947-70E740481C1C}">
-                  <a14:useLocalDpi xmlns:a14="http://schemas.microsoft.com/office/drawing/2010/main" val="0"/>
-                </a:ext>
-              </a:extLst>
-            </a:blip>
-            <a:stretch>
-              <a:fillRect/>
-            </a:stretch>
-          </p:blipFill>
-          <p:spPr>
-            <a:xfrm rot="20244876" flipH="1">
-              <a:off x="2185935" y="3334826"/>
-              <a:ext cx="1559990" cy="1536783"/>
-            </a:xfrm>
-            <a:prstGeom prst="rect">
-              <a:avLst/>
-            </a:prstGeom>
-            <a:effectLst>
-              <a:glow rad="127000">
-                <a:srgbClr val="FF0000"/>
-              </a:glow>
-            </a:effectLst>
-          </p:spPr>
-        </p:pic>
-        <p:pic>
-          <p:nvPicPr>
-            <p:cNvPr id="9" name="図 8" descr="アイコン&#10;&#10;中程度の精度で自動的に生成された説明">
-              <a:extLst>
-                <a:ext uri="{FF2B5EF4-FFF2-40B4-BE49-F238E27FC236}">
-                  <a16:creationId xmlns:a16="http://schemas.microsoft.com/office/drawing/2014/main" id="{12034792-10E4-15DE-1B46-BB3FDD732ECD}"/>
-                </a:ext>
-              </a:extLst>
-            </p:cNvPr>
-            <p:cNvPicPr>
-              <a:picLocks noChangeAspect="1"/>
-            </p:cNvPicPr>
-            <p:nvPr/>
-          </p:nvPicPr>
-          <p:blipFill>
-            <a:blip r:embed="rId4">
-              <a:extLst>
-                <a:ext uri="{28A0092B-C50C-407E-A947-70E740481C1C}">
-                  <a14:useLocalDpi xmlns:a14="http://schemas.microsoft.com/office/drawing/2010/main" val="0"/>
-                </a:ext>
-              </a:extLst>
-            </a:blip>
-            <a:stretch>
-              <a:fillRect/>
-            </a:stretch>
-          </p:blipFill>
-          <p:spPr>
-            <a:xfrm rot="1296620">
-              <a:off x="2276570" y="3384542"/>
-              <a:ext cx="4337868" cy="3235224"/>
-            </a:xfrm>
-            <a:prstGeom prst="rect">
-              <a:avLst/>
-            </a:prstGeom>
-            <a:effectLst>
-              <a:glow rad="127000">
-                <a:srgbClr val="00B0F0"/>
-              </a:glow>
-            </a:effectLst>
-          </p:spPr>
-        </p:pic>
-      </p:grpSp>
+          <a:prstGeom prst="rect">
+            <a:avLst/>
+          </a:prstGeom>
+          <a:effectLst>
+            <a:glow rad="127000">
+              <a:srgbClr val="FF0000"/>
+            </a:glow>
+          </a:effectLst>
+        </p:spPr>
+      </p:pic>
+      <p:pic>
+        <p:nvPicPr>
+          <p:cNvPr id="14" name="図 13" descr="アイコン&#10;&#10;自動的に生成された説明">
+            <a:extLst>
+              <a:ext uri="{FF2B5EF4-FFF2-40B4-BE49-F238E27FC236}">
+                <a16:creationId xmlns:a16="http://schemas.microsoft.com/office/drawing/2014/main" id="{95A0E887-10BC-EB61-6026-A032D6809604}"/>
+              </a:ext>
+            </a:extLst>
+          </p:cNvPr>
+          <p:cNvPicPr>
+            <a:picLocks noChangeAspect="1"/>
+          </p:cNvPicPr>
+          <p:nvPr/>
+        </p:nvPicPr>
+        <p:blipFill>
+          <a:blip r:embed="rId2">
+            <a:extLst>
+              <a:ext uri="{28A0092B-C50C-407E-A947-70E740481C1C}">
+                <a14:useLocalDpi xmlns:a14="http://schemas.microsoft.com/office/drawing/2010/main" val="0"/>
+              </a:ext>
+            </a:extLst>
+          </a:blip>
+          <a:stretch>
+            <a:fillRect/>
+          </a:stretch>
+        </p:blipFill>
+        <p:spPr>
+          <a:xfrm rot="21000000" flipH="1">
+            <a:off x="2680984" y="3451689"/>
+            <a:ext cx="1559990" cy="1536783"/>
+          </a:xfrm>
+          <a:prstGeom prst="rect">
+            <a:avLst/>
+          </a:prstGeom>
+          <a:effectLst>
+            <a:glow rad="127000">
+              <a:srgbClr val="FF0000"/>
+            </a:glow>
+          </a:effectLst>
+        </p:spPr>
+      </p:pic>
+      <p:pic>
+        <p:nvPicPr>
+          <p:cNvPr id="15" name="図 14" descr="アイコン&#10;&#10;自動的に生成された説明">
+            <a:extLst>
+              <a:ext uri="{FF2B5EF4-FFF2-40B4-BE49-F238E27FC236}">
+                <a16:creationId xmlns:a16="http://schemas.microsoft.com/office/drawing/2014/main" id="{2AD46408-05EE-B056-A5CB-D102B5A188F1}"/>
+              </a:ext>
+            </a:extLst>
+          </p:cNvPr>
+          <p:cNvPicPr>
+            <a:picLocks noChangeAspect="1"/>
+          </p:cNvPicPr>
+          <p:nvPr/>
+        </p:nvPicPr>
+        <p:blipFill>
+          <a:blip r:embed="rId3">
+            <a:extLst>
+              <a:ext uri="{28A0092B-C50C-407E-A947-70E740481C1C}">
+                <a14:useLocalDpi xmlns:a14="http://schemas.microsoft.com/office/drawing/2010/main" val="0"/>
+              </a:ext>
+            </a:extLst>
+          </a:blip>
+          <a:stretch>
+            <a:fillRect/>
+          </a:stretch>
+        </p:blipFill>
+        <p:spPr>
+          <a:xfrm rot="20244876" flipH="1">
+            <a:off x="2185935" y="3334826"/>
+            <a:ext cx="1559990" cy="1536783"/>
+          </a:xfrm>
+          <a:prstGeom prst="rect">
+            <a:avLst/>
+          </a:prstGeom>
+          <a:effectLst>
+            <a:glow rad="127000">
+              <a:srgbClr val="FF0000"/>
+            </a:glow>
+          </a:effectLst>
+        </p:spPr>
+      </p:pic>
+      <p:pic>
+        <p:nvPicPr>
+          <p:cNvPr id="9" name="図 8" descr="アイコン&#10;&#10;中程度の精度で自動的に生成された説明">
+            <a:extLst>
+              <a:ext uri="{FF2B5EF4-FFF2-40B4-BE49-F238E27FC236}">
+                <a16:creationId xmlns:a16="http://schemas.microsoft.com/office/drawing/2014/main" id="{12034792-10E4-15DE-1B46-BB3FDD732ECD}"/>
+              </a:ext>
+            </a:extLst>
+          </p:cNvPr>
+          <p:cNvPicPr>
+            <a:picLocks noChangeAspect="1"/>
+          </p:cNvPicPr>
+          <p:nvPr/>
+        </p:nvPicPr>
+        <p:blipFill>
+          <a:blip r:embed="rId4">
+            <a:extLst>
+              <a:ext uri="{28A0092B-C50C-407E-A947-70E740481C1C}">
+                <a14:useLocalDpi xmlns:a14="http://schemas.microsoft.com/office/drawing/2010/main" val="0"/>
+              </a:ext>
+            </a:extLst>
+          </a:blip>
+          <a:stretch>
+            <a:fillRect/>
+          </a:stretch>
+        </p:blipFill>
+        <p:spPr>
+          <a:xfrm rot="1296620">
+            <a:off x="2276570" y="3384542"/>
+            <a:ext cx="4337868" cy="3235224"/>
+          </a:xfrm>
+          <a:prstGeom prst="rect">
+            <a:avLst/>
+          </a:prstGeom>
+          <a:effectLst>
+            <a:glow rad="127000">
+              <a:srgbClr val="00B0F0"/>
+            </a:glow>
+          </a:effectLst>
+        </p:spPr>
+      </p:pic>
       <p:sp>
         <p:nvSpPr>
           <p:cNvPr id="7" name="テキスト ボックス 6">
@@ -10443,149 +11400,128 @@
           </a:p>
         </p:txBody>
       </p:sp>
-      <p:grpSp>
-        <p:nvGrpSpPr>
-          <p:cNvPr id="20" name="グループ化 19">
-            <a:extLst>
-              <a:ext uri="{FF2B5EF4-FFF2-40B4-BE49-F238E27FC236}">
-                <a16:creationId xmlns:a16="http://schemas.microsoft.com/office/drawing/2014/main" id="{5E91CAF0-0D01-AB0A-8036-4FF683AD6BF6}"/>
-              </a:ext>
-            </a:extLst>
-          </p:cNvPr>
-          <p:cNvGrpSpPr/>
+      <p:pic>
+        <p:nvPicPr>
+          <p:cNvPr id="17" name="図 16" descr="矢印 が含まれている画像&#10;&#10;自動的に生成された説明">
+            <a:extLst>
+              <a:ext uri="{FF2B5EF4-FFF2-40B4-BE49-F238E27FC236}">
+                <a16:creationId xmlns:a16="http://schemas.microsoft.com/office/drawing/2014/main" id="{B9836CF7-C23C-1301-B29B-AC676CECE7E9}"/>
+              </a:ext>
+            </a:extLst>
+          </p:cNvPr>
+          <p:cNvPicPr>
+            <a:picLocks noChangeAspect="1"/>
+          </p:cNvPicPr>
           <p:nvPr/>
-        </p:nvGrpSpPr>
-        <p:grpSpPr>
-          <a:xfrm rot="19426535">
-            <a:off x="6114114" y="2651288"/>
-            <a:ext cx="3638331" cy="3718143"/>
-            <a:chOff x="7305954" y="3478416"/>
-            <a:chExt cx="2754929" cy="2815362"/>
+        </p:nvPicPr>
+        <p:blipFill rotWithShape="1">
+          <a:blip r:embed="rId5">
+            <a:extLst>
+              <a:ext uri="{28A0092B-C50C-407E-A947-70E740481C1C}">
+                <a14:useLocalDpi xmlns:a14="http://schemas.microsoft.com/office/drawing/2010/main" val="0"/>
+              </a:ext>
+            </a:extLst>
+          </a:blip>
+          <a:srcRect l="57018" t="47793" r="-6036" b="20396"/>
+          <a:stretch/>
+        </p:blipFill>
+        <p:spPr>
+          <a:xfrm rot="18708664">
+            <a:off x="7757886" y="3370728"/>
+            <a:ext cx="2025946" cy="1837570"/>
           </a:xfrm>
-        </p:grpSpPr>
-        <p:pic>
-          <p:nvPicPr>
-            <p:cNvPr id="17" name="図 16" descr="矢印 が含まれている画像&#10;&#10;自動的に生成された説明">
-              <a:extLst>
-                <a:ext uri="{FF2B5EF4-FFF2-40B4-BE49-F238E27FC236}">
-                  <a16:creationId xmlns:a16="http://schemas.microsoft.com/office/drawing/2014/main" id="{B9836CF7-C23C-1301-B29B-AC676CECE7E9}"/>
-                </a:ext>
-              </a:extLst>
-            </p:cNvPr>
-            <p:cNvPicPr>
-              <a:picLocks noChangeAspect="1"/>
-            </p:cNvPicPr>
-            <p:nvPr/>
-          </p:nvPicPr>
-          <p:blipFill rotWithShape="1">
-            <a:blip r:embed="rId5">
-              <a:extLst>
-                <a:ext uri="{28A0092B-C50C-407E-A947-70E740481C1C}">
-                  <a14:useLocalDpi xmlns:a14="http://schemas.microsoft.com/office/drawing/2010/main" val="0"/>
-                </a:ext>
-              </a:extLst>
-            </a:blip>
-            <a:srcRect l="57018" t="47793" r="-6036" b="20396"/>
-            <a:stretch/>
-          </p:blipFill>
-          <p:spPr>
-            <a:xfrm rot="20882129">
-              <a:off x="8526845" y="4430283"/>
-              <a:ext cx="1534038" cy="1391400"/>
-            </a:xfrm>
-            <a:prstGeom prst="rect">
-              <a:avLst/>
-            </a:prstGeom>
-            <a:effectLst>
-              <a:glow rad="127000">
-                <a:srgbClr val="FFFF00"/>
-              </a:glow>
-            </a:effectLst>
-          </p:spPr>
-        </p:pic>
-        <p:pic>
-          <p:nvPicPr>
-            <p:cNvPr id="19" name="図 18" descr="光 が含まれている画像&#10;&#10;自動的に生成された説明">
-              <a:extLst>
-                <a:ext uri="{FF2B5EF4-FFF2-40B4-BE49-F238E27FC236}">
-                  <a16:creationId xmlns:a16="http://schemas.microsoft.com/office/drawing/2014/main" id="{2035E10F-8A00-2769-91DE-D8088198C73B}"/>
-                </a:ext>
-              </a:extLst>
-            </p:cNvPr>
-            <p:cNvPicPr>
-              <a:picLocks noChangeAspect="1"/>
-            </p:cNvPicPr>
-            <p:nvPr/>
-          </p:nvPicPr>
-          <p:blipFill>
-            <a:blip r:embed="rId6">
-              <a:extLst>
-                <a:ext uri="{28A0092B-C50C-407E-A947-70E740481C1C}">
-                  <a14:useLocalDpi xmlns:a14="http://schemas.microsoft.com/office/drawing/2010/main" val="0"/>
-                </a:ext>
-              </a:extLst>
-            </a:blip>
-            <a:stretch>
-              <a:fillRect/>
-            </a:stretch>
-          </p:blipFill>
-          <p:spPr>
-            <a:xfrm rot="17772191">
-              <a:off x="8578810" y="4886577"/>
-              <a:ext cx="850007" cy="850007"/>
-            </a:xfrm>
-            <a:prstGeom prst="rect">
-              <a:avLst/>
-            </a:prstGeom>
-            <a:effectLst>
-              <a:glow rad="127000">
-                <a:srgbClr val="00B0F0"/>
-              </a:glow>
-            </a:effectLst>
-          </p:spPr>
-        </p:pic>
-        <p:pic>
-          <p:nvPicPr>
-            <p:cNvPr id="12" name="図 11" descr="アイコン&#10;&#10;自動的に生成された説明">
-              <a:extLst>
-                <a:ext uri="{FF2B5EF4-FFF2-40B4-BE49-F238E27FC236}">
-                  <a16:creationId xmlns:a16="http://schemas.microsoft.com/office/drawing/2014/main" id="{574ED307-6210-E626-45CE-9B185D8A3375}"/>
-                </a:ext>
-              </a:extLst>
-            </p:cNvPr>
-            <p:cNvPicPr>
-              <a:picLocks noChangeAspect="1"/>
-            </p:cNvPicPr>
-            <p:nvPr/>
-          </p:nvPicPr>
-          <p:blipFill>
-            <a:blip r:embed="rId7">
-              <a:extLst>
-                <a:ext uri="{28A0092B-C50C-407E-A947-70E740481C1C}">
-                  <a14:useLocalDpi xmlns:a14="http://schemas.microsoft.com/office/drawing/2010/main" val="0"/>
-                </a:ext>
-              </a:extLst>
-            </a:blip>
-            <a:stretch>
-              <a:fillRect/>
-            </a:stretch>
-          </p:blipFill>
-          <p:spPr>
-            <a:xfrm rot="705418">
-              <a:off x="7305954" y="3478416"/>
-              <a:ext cx="2014378" cy="2815362"/>
-            </a:xfrm>
-            <a:prstGeom prst="rect">
-              <a:avLst/>
-            </a:prstGeom>
-            <a:effectLst>
-              <a:glow rad="127000">
-                <a:srgbClr val="FF0000"/>
-              </a:glow>
-            </a:effectLst>
-          </p:spPr>
-        </p:pic>
-      </p:grpSp>
+          <a:prstGeom prst="rect">
+            <a:avLst/>
+          </a:prstGeom>
+          <a:effectLst>
+            <a:glow rad="127000">
+              <a:srgbClr val="FFFF00"/>
+            </a:glow>
+          </a:effectLst>
+        </p:spPr>
+      </p:pic>
+      <p:pic>
+        <p:nvPicPr>
+          <p:cNvPr id="19" name="図 18" descr="光 が含まれている画像&#10;&#10;自動的に生成された説明">
+            <a:extLst>
+              <a:ext uri="{FF2B5EF4-FFF2-40B4-BE49-F238E27FC236}">
+                <a16:creationId xmlns:a16="http://schemas.microsoft.com/office/drawing/2014/main" id="{2035E10F-8A00-2769-91DE-D8088198C73B}"/>
+              </a:ext>
+            </a:extLst>
+          </p:cNvPr>
+          <p:cNvPicPr>
+            <a:picLocks noChangeAspect="1"/>
+          </p:cNvPicPr>
+          <p:nvPr/>
+        </p:nvPicPr>
+        <p:blipFill>
+          <a:blip r:embed="rId6">
+            <a:extLst>
+              <a:ext uri="{28A0092B-C50C-407E-A947-70E740481C1C}">
+                <a14:useLocalDpi xmlns:a14="http://schemas.microsoft.com/office/drawing/2010/main" val="0"/>
+              </a:ext>
+            </a:extLst>
+          </a:blip>
+          <a:stretch>
+            <a:fillRect/>
+          </a:stretch>
+        </p:blipFill>
+        <p:spPr>
+          <a:xfrm rot="15598726">
+            <a:off x="8045405" y="4152329"/>
+            <a:ext cx="1122572" cy="1122572"/>
+          </a:xfrm>
+          <a:prstGeom prst="rect">
+            <a:avLst/>
+          </a:prstGeom>
+          <a:effectLst>
+            <a:glow rad="127000">
+              <a:srgbClr val="00B0F0"/>
+            </a:glow>
+          </a:effectLst>
+        </p:spPr>
+      </p:pic>
+      <p:pic>
+        <p:nvPicPr>
+          <p:cNvPr id="12" name="図 11" descr="アイコン&#10;&#10;自動的に生成された説明">
+            <a:extLst>
+              <a:ext uri="{FF2B5EF4-FFF2-40B4-BE49-F238E27FC236}">
+                <a16:creationId xmlns:a16="http://schemas.microsoft.com/office/drawing/2014/main" id="{574ED307-6210-E626-45CE-9B185D8A3375}"/>
+              </a:ext>
+            </a:extLst>
+          </p:cNvPr>
+          <p:cNvPicPr>
+            <a:picLocks noChangeAspect="1"/>
+          </p:cNvPicPr>
+          <p:nvPr/>
+        </p:nvPicPr>
+        <p:blipFill>
+          <a:blip r:embed="rId7">
+            <a:extLst>
+              <a:ext uri="{28A0092B-C50C-407E-A947-70E740481C1C}">
+                <a14:useLocalDpi xmlns:a14="http://schemas.microsoft.com/office/drawing/2010/main" val="0"/>
+              </a:ext>
+            </a:extLst>
+          </a:blip>
+          <a:stretch>
+            <a:fillRect/>
+          </a:stretch>
+        </p:blipFill>
+        <p:spPr>
+          <a:xfrm rot="20131953">
+            <a:off x="6208635" y="2940268"/>
+            <a:ext cx="2660313" cy="3718143"/>
+          </a:xfrm>
+          <a:prstGeom prst="rect">
+            <a:avLst/>
+          </a:prstGeom>
+          <a:effectLst>
+            <a:glow rad="127000">
+              <a:srgbClr val="FF0000"/>
+            </a:glow>
+          </a:effectLst>
+        </p:spPr>
+      </p:pic>
       <p:pic>
         <p:nvPicPr>
           <p:cNvPr id="30" name="図 29" descr="選手, 男 が含まれている画像&#10;&#10;自動的に生成された説明">
@@ -10732,296 +11668,6 @@
       </p:transition>
     </mc:Fallback>
   </mc:AlternateContent>
-  <p:timing>
-    <p:tnLst>
-      <p:par>
-        <p:cTn id="1" dur="indefinite" restart="never" nodeType="tmRoot">
-          <p:childTnLst>
-            <p:seq concurrent="1" nextAc="seek">
-              <p:cTn id="2" dur="indefinite" nodeType="mainSeq">
-                <p:childTnLst>
-                  <p:par>
-                    <p:cTn id="3" fill="hold">
-                      <p:stCondLst>
-                        <p:cond delay="indefinite"/>
-                      </p:stCondLst>
-                      <p:childTnLst>
-                        <p:par>
-                          <p:cTn id="4" fill="hold">
-                            <p:stCondLst>
-                              <p:cond delay="0"/>
-                            </p:stCondLst>
-                            <p:childTnLst>
-                              <p:par>
-                                <p:cTn id="5" presetID="2" presetClass="entr" presetSubtype="8" fill="hold" grpId="0" nodeType="clickEffect">
-                                  <p:stCondLst>
-                                    <p:cond delay="0"/>
-                                  </p:stCondLst>
-                                  <p:childTnLst>
-                                    <p:set>
-                                      <p:cBhvr>
-                                        <p:cTn id="6" dur="1" fill="hold">
-                                          <p:stCondLst>
-                                            <p:cond delay="0"/>
-                                          </p:stCondLst>
-                                        </p:cTn>
-                                        <p:tgtEl>
-                                          <p:spTgt spid="7"/>
-                                        </p:tgtEl>
-                                        <p:attrNameLst>
-                                          <p:attrName>style.visibility</p:attrName>
-                                        </p:attrNameLst>
-                                      </p:cBhvr>
-                                      <p:to>
-                                        <p:strVal val="visible"/>
-                                      </p:to>
-                                    </p:set>
-                                    <p:anim calcmode="lin" valueType="num">
-                                      <p:cBhvr additive="base">
-                                        <p:cTn id="7" dur="250" fill="hold"/>
-                                        <p:tgtEl>
-                                          <p:spTgt spid="7"/>
-                                        </p:tgtEl>
-                                        <p:attrNameLst>
-                                          <p:attrName>ppt_x</p:attrName>
-                                        </p:attrNameLst>
-                                      </p:cBhvr>
-                                      <p:tavLst>
-                                        <p:tav tm="0">
-                                          <p:val>
-                                            <p:strVal val="0-#ppt_w/2"/>
-                                          </p:val>
-                                        </p:tav>
-                                        <p:tav tm="100000">
-                                          <p:val>
-                                            <p:strVal val="#ppt_x"/>
-                                          </p:val>
-                                        </p:tav>
-                                      </p:tavLst>
-                                    </p:anim>
-                                    <p:anim calcmode="lin" valueType="num">
-                                      <p:cBhvr additive="base">
-                                        <p:cTn id="8" dur="250" fill="hold"/>
-                                        <p:tgtEl>
-                                          <p:spTgt spid="7"/>
-                                        </p:tgtEl>
-                                        <p:attrNameLst>
-                                          <p:attrName>ppt_y</p:attrName>
-                                        </p:attrNameLst>
-                                      </p:cBhvr>
-                                      <p:tavLst>
-                                        <p:tav tm="0">
-                                          <p:val>
-                                            <p:strVal val="#ppt_y"/>
-                                          </p:val>
-                                        </p:tav>
-                                        <p:tav tm="100000">
-                                          <p:val>
-                                            <p:strVal val="#ppt_y"/>
-                                          </p:val>
-                                        </p:tav>
-                                      </p:tavLst>
-                                    </p:anim>
-                                  </p:childTnLst>
-                                </p:cTn>
-                              </p:par>
-                              <p:par>
-                                <p:cTn id="9" presetID="2" presetClass="entr" presetSubtype="8" fill="hold" grpId="0" nodeType="withEffect">
-                                  <p:stCondLst>
-                                    <p:cond delay="0"/>
-                                  </p:stCondLst>
-                                  <p:childTnLst>
-                                    <p:set>
-                                      <p:cBhvr>
-                                        <p:cTn id="10" dur="1" fill="hold">
-                                          <p:stCondLst>
-                                            <p:cond delay="0"/>
-                                          </p:stCondLst>
-                                        </p:cTn>
-                                        <p:tgtEl>
-                                          <p:spTgt spid="8"/>
-                                        </p:tgtEl>
-                                        <p:attrNameLst>
-                                          <p:attrName>style.visibility</p:attrName>
-                                        </p:attrNameLst>
-                                      </p:cBhvr>
-                                      <p:to>
-                                        <p:strVal val="visible"/>
-                                      </p:to>
-                                    </p:set>
-                                    <p:anim calcmode="lin" valueType="num">
-                                      <p:cBhvr additive="base">
-                                        <p:cTn id="11" dur="250" fill="hold"/>
-                                        <p:tgtEl>
-                                          <p:spTgt spid="8"/>
-                                        </p:tgtEl>
-                                        <p:attrNameLst>
-                                          <p:attrName>ppt_x</p:attrName>
-                                        </p:attrNameLst>
-                                      </p:cBhvr>
-                                      <p:tavLst>
-                                        <p:tav tm="0">
-                                          <p:val>
-                                            <p:strVal val="0-#ppt_w/2"/>
-                                          </p:val>
-                                        </p:tav>
-                                        <p:tav tm="100000">
-                                          <p:val>
-                                            <p:strVal val="#ppt_x"/>
-                                          </p:val>
-                                        </p:tav>
-                                      </p:tavLst>
-                                    </p:anim>
-                                    <p:anim calcmode="lin" valueType="num">
-                                      <p:cBhvr additive="base">
-                                        <p:cTn id="12" dur="250" fill="hold"/>
-                                        <p:tgtEl>
-                                          <p:spTgt spid="8"/>
-                                        </p:tgtEl>
-                                        <p:attrNameLst>
-                                          <p:attrName>ppt_y</p:attrName>
-                                        </p:attrNameLst>
-                                      </p:cBhvr>
-                                      <p:tavLst>
-                                        <p:tav tm="0">
-                                          <p:val>
-                                            <p:strVal val="#ppt_y"/>
-                                          </p:val>
-                                        </p:tav>
-                                        <p:tav tm="100000">
-                                          <p:val>
-                                            <p:strVal val="#ppt_y"/>
-                                          </p:val>
-                                        </p:tav>
-                                      </p:tavLst>
-                                    </p:anim>
-                                  </p:childTnLst>
-                                </p:cTn>
-                              </p:par>
-                            </p:childTnLst>
-                          </p:cTn>
-                        </p:par>
-                      </p:childTnLst>
-                    </p:cTn>
-                  </p:par>
-                  <p:par>
-                    <p:cTn id="13" fill="hold">
-                      <p:stCondLst>
-                        <p:cond delay="indefinite"/>
-                      </p:stCondLst>
-                      <p:childTnLst>
-                        <p:par>
-                          <p:cTn id="14" fill="hold">
-                            <p:stCondLst>
-                              <p:cond delay="0"/>
-                            </p:stCondLst>
-                            <p:childTnLst>
-                              <p:par>
-                                <p:cTn id="15" presetID="2" presetClass="entr" presetSubtype="8" fill="hold" grpId="0" nodeType="clickEffect">
-                                  <p:stCondLst>
-                                    <p:cond delay="0"/>
-                                  </p:stCondLst>
-                                  <p:childTnLst>
-                                    <p:set>
-                                      <p:cBhvr>
-                                        <p:cTn id="16" dur="1" fill="hold">
-                                          <p:stCondLst>
-                                            <p:cond delay="0"/>
-                                          </p:stCondLst>
-                                        </p:cTn>
-                                        <p:tgtEl>
-                                          <p:spTgt spid="28"/>
-                                        </p:tgtEl>
-                                        <p:attrNameLst>
-                                          <p:attrName>style.visibility</p:attrName>
-                                        </p:attrNameLst>
-                                      </p:cBhvr>
-                                      <p:to>
-                                        <p:strVal val="visible"/>
-                                      </p:to>
-                                    </p:set>
-                                    <p:anim calcmode="lin" valueType="num">
-                                      <p:cBhvr additive="base">
-                                        <p:cTn id="17" dur="250" fill="hold"/>
-                                        <p:tgtEl>
-                                          <p:spTgt spid="28"/>
-                                        </p:tgtEl>
-                                        <p:attrNameLst>
-                                          <p:attrName>ppt_x</p:attrName>
-                                        </p:attrNameLst>
-                                      </p:cBhvr>
-                                      <p:tavLst>
-                                        <p:tav tm="0">
-                                          <p:val>
-                                            <p:strVal val="0-#ppt_w/2"/>
-                                          </p:val>
-                                        </p:tav>
-                                        <p:tav tm="100000">
-                                          <p:val>
-                                            <p:strVal val="#ppt_x"/>
-                                          </p:val>
-                                        </p:tav>
-                                      </p:tavLst>
-                                    </p:anim>
-                                    <p:anim calcmode="lin" valueType="num">
-                                      <p:cBhvr additive="base">
-                                        <p:cTn id="18" dur="250" fill="hold"/>
-                                        <p:tgtEl>
-                                          <p:spTgt spid="28"/>
-                                        </p:tgtEl>
-                                        <p:attrNameLst>
-                                          <p:attrName>ppt_y</p:attrName>
-                                        </p:attrNameLst>
-                                      </p:cBhvr>
-                                      <p:tavLst>
-                                        <p:tav tm="0">
-                                          <p:val>
-                                            <p:strVal val="#ppt_y"/>
-                                          </p:val>
-                                        </p:tav>
-                                        <p:tav tm="100000">
-                                          <p:val>
-                                            <p:strVal val="#ppt_y"/>
-                                          </p:val>
-                                        </p:tav>
-                                      </p:tavLst>
-                                    </p:anim>
-                                  </p:childTnLst>
-                                </p:cTn>
-                              </p:par>
-                            </p:childTnLst>
-                          </p:cTn>
-                        </p:par>
-                      </p:childTnLst>
-                    </p:cTn>
-                  </p:par>
-                </p:childTnLst>
-              </p:cTn>
-              <p:prevCondLst>
-                <p:cond evt="onPrev" delay="0">
-                  <p:tgtEl>
-                    <p:sldTgt/>
-                  </p:tgtEl>
-                </p:cond>
-              </p:prevCondLst>
-              <p:nextCondLst>
-                <p:cond evt="onNext" delay="0">
-                  <p:tgtEl>
-                    <p:sldTgt/>
-                  </p:tgtEl>
-                </p:cond>
-              </p:nextCondLst>
-            </p:seq>
-          </p:childTnLst>
-        </p:cTn>
-      </p:par>
-    </p:tnLst>
-    <p:bldLst>
-      <p:bldP spid="7" grpId="0"/>
-      <p:bldP spid="8" grpId="0"/>
-      <p:bldP spid="28" grpId="0"/>
-    </p:bldLst>
-  </p:timing>
 </p:sld>
 </file>
 
@@ -11042,6 +11688,88 @@
           <a:chExt cx="0" cy="0"/>
         </a:xfrm>
       </p:grpSpPr>
+      <p:pic>
+        <p:nvPicPr>
+          <p:cNvPr id="10" name="図 9" descr="選手, 男 が含まれている画像&#10;&#10;自動的に生成された説明">
+            <a:extLst>
+              <a:ext uri="{FF2B5EF4-FFF2-40B4-BE49-F238E27FC236}">
+                <a16:creationId xmlns:a16="http://schemas.microsoft.com/office/drawing/2014/main" id="{EDC4C8C7-FE80-2E56-8FBB-DEF1BF143AC1}"/>
+              </a:ext>
+            </a:extLst>
+          </p:cNvPr>
+          <p:cNvPicPr>
+            <a:picLocks noChangeAspect="1"/>
+          </p:cNvPicPr>
+          <p:nvPr/>
+        </p:nvPicPr>
+        <p:blipFill>
+          <a:blip r:embed="rId2">
+            <a:extLst>
+              <a:ext uri="{28A0092B-C50C-407E-A947-70E740481C1C}">
+                <a14:useLocalDpi xmlns:a14="http://schemas.microsoft.com/office/drawing/2010/main" val="0"/>
+              </a:ext>
+            </a:extLst>
+          </a:blip>
+          <a:stretch>
+            <a:fillRect/>
+          </a:stretch>
+        </p:blipFill>
+        <p:spPr>
+          <a:xfrm rot="987252">
+            <a:off x="11932033" y="-4027964"/>
+            <a:ext cx="4744172" cy="4744172"/>
+          </a:xfrm>
+          <a:prstGeom prst="rect">
+            <a:avLst/>
+          </a:prstGeom>
+          <a:effectLst>
+            <a:glow rad="127000">
+              <a:srgbClr val="FF0000"/>
+            </a:glow>
+          </a:effectLst>
+        </p:spPr>
+      </p:pic>
+      <p:pic>
+        <p:nvPicPr>
+          <p:cNvPr id="11" name="図 10" descr="選手, 男 が含まれている画像&#10;&#10;自動的に生成された説明">
+            <a:extLst>
+              <a:ext uri="{FF2B5EF4-FFF2-40B4-BE49-F238E27FC236}">
+                <a16:creationId xmlns:a16="http://schemas.microsoft.com/office/drawing/2014/main" id="{3B1A5CB6-EF0F-6C68-DF91-E16FB52A3629}"/>
+              </a:ext>
+            </a:extLst>
+          </p:cNvPr>
+          <p:cNvPicPr>
+            <a:picLocks noChangeAspect="1"/>
+          </p:cNvPicPr>
+          <p:nvPr/>
+        </p:nvPicPr>
+        <p:blipFill>
+          <a:blip r:embed="rId2">
+            <a:extLst>
+              <a:ext uri="{28A0092B-C50C-407E-A947-70E740481C1C}">
+                <a14:useLocalDpi xmlns:a14="http://schemas.microsoft.com/office/drawing/2010/main" val="0"/>
+              </a:ext>
+            </a:extLst>
+          </a:blip>
+          <a:stretch>
+            <a:fillRect/>
+          </a:stretch>
+        </p:blipFill>
+        <p:spPr>
+          <a:xfrm rot="18569438">
+            <a:off x="-4336308" y="-3680917"/>
+            <a:ext cx="4744172" cy="4744172"/>
+          </a:xfrm>
+          <a:prstGeom prst="rect">
+            <a:avLst/>
+          </a:prstGeom>
+          <a:effectLst>
+            <a:glow rad="127000">
+              <a:srgbClr val="FF0000"/>
+            </a:glow>
+          </a:effectLst>
+        </p:spPr>
+      </p:pic>
       <p:sp>
         <p:nvSpPr>
           <p:cNvPr id="6" name="テキスト ボックス 5">
@@ -11202,323 +11930,6 @@
               <a:effectLst>
                 <a:glow rad="444500">
                   <a:srgbClr val="00B050"/>
-                </a:glow>
-              </a:effectLst>
-              <a:latin typeface="HGP行書体" panose="03000600000000000000" pitchFamily="66" charset="-128"/>
-              <a:ea typeface="HGP行書体" panose="03000600000000000000" pitchFamily="66" charset="-128"/>
-            </a:endParaRPr>
-          </a:p>
-        </p:txBody>
-      </p:sp>
-      <p:sp>
-        <p:nvSpPr>
-          <p:cNvPr id="4" name="テキスト ボックス 3">
-            <a:extLst>
-              <a:ext uri="{FF2B5EF4-FFF2-40B4-BE49-F238E27FC236}">
-                <a16:creationId xmlns:a16="http://schemas.microsoft.com/office/drawing/2014/main" id="{5B7B9F27-188C-419F-9E5F-FC3A3AE8D5D4}"/>
-              </a:ext>
-            </a:extLst>
-          </p:cNvPr>
-          <p:cNvSpPr txBox="1"/>
-          <p:nvPr/>
-        </p:nvSpPr>
-        <p:spPr>
-          <a:xfrm rot="21157274">
-            <a:off x="154788" y="1211947"/>
-            <a:ext cx="3212739" cy="677108"/>
-          </a:xfrm>
-          <a:prstGeom prst="rect">
-            <a:avLst/>
-          </a:prstGeom>
-          <a:noFill/>
-          <a:effectLst>
-            <a:glow rad="127000">
-              <a:srgbClr val="0066FF"/>
-            </a:glow>
-          </a:effectLst>
-          <a:scene3d>
-            <a:camera prst="orthographicFront">
-              <a:rot lat="0" lon="0" rev="0"/>
-            </a:camera>
-            <a:lightRig rig="threePt" dir="t"/>
-          </a:scene3d>
-        </p:spPr>
-        <p:txBody>
-          <a:bodyPr wrap="none" rtlCol="0">
-            <a:spAutoFit/>
-          </a:bodyPr>
-          <a:lstStyle/>
-          <a:p>
-            <a:r>
-              <a:rPr lang="ja-JP" altLang="en-US" dirty="0">
-                <a:solidFill>
-                  <a:schemeClr val="bg1"/>
-                </a:solidFill>
-                <a:effectLst>
-                  <a:glow rad="254000">
-                    <a:schemeClr val="accent1">
-                      <a:alpha val="75000"/>
-                    </a:schemeClr>
-                  </a:glow>
-                </a:effectLst>
-                <a:latin typeface="HGP行書体" panose="03000600000000000000" pitchFamily="66" charset="-128"/>
-                <a:ea typeface="HGP行書体" panose="03000600000000000000" pitchFamily="66" charset="-128"/>
-              </a:rPr>
-              <a:t>一流の忍</a:t>
-            </a:r>
-            <a:r>
-              <a:rPr lang="ja-JP" altLang="en-US" sz="1200" dirty="0">
-                <a:solidFill>
-                  <a:schemeClr val="bg1"/>
-                </a:solidFill>
-                <a:effectLst>
-                  <a:glow rad="254000">
-                    <a:schemeClr val="accent1">
-                      <a:alpha val="75000"/>
-                    </a:schemeClr>
-                  </a:glow>
-                </a:effectLst>
-                <a:latin typeface="HGP行書体" panose="03000600000000000000" pitchFamily="66" charset="-128"/>
-                <a:ea typeface="HGP行書体" panose="03000600000000000000" pitchFamily="66" charset="-128"/>
-              </a:rPr>
-              <a:t>たる者無益な</a:t>
-            </a:r>
-            <a:r>
-              <a:rPr lang="ja-JP" altLang="en-US" sz="2000" b="1" dirty="0">
-                <a:effectLst>
-                  <a:glow rad="381000">
-                    <a:srgbClr val="0066FF"/>
-                  </a:glow>
-                </a:effectLst>
-                <a:latin typeface="HGP行書体" panose="03000600000000000000" pitchFamily="66" charset="-128"/>
-                <a:ea typeface="HGP行書体" panose="03000600000000000000" pitchFamily="66" charset="-128"/>
-              </a:rPr>
-              <a:t>殺生はせぬ</a:t>
-            </a:r>
-            <a:r>
-              <a:rPr lang="ja-JP" altLang="en-US" sz="1200" b="1" dirty="0">
-                <a:effectLst>
-                  <a:glow rad="381000">
-                    <a:srgbClr val="0066FF"/>
-                  </a:glow>
-                </a:effectLst>
-                <a:latin typeface="HGP行書体" panose="03000600000000000000" pitchFamily="66" charset="-128"/>
-                <a:ea typeface="HGP行書体" panose="03000600000000000000" pitchFamily="66" charset="-128"/>
-              </a:rPr>
-              <a:t>。</a:t>
-            </a:r>
-          </a:p>
-          <a:p>
-            <a:r>
-              <a:rPr kumimoji="1" lang="ja-JP" altLang="en-US" sz="1200" dirty="0">
-                <a:solidFill>
-                  <a:schemeClr val="bg1"/>
-                </a:solidFill>
-                <a:effectLst>
-                  <a:glow rad="254000">
-                    <a:schemeClr val="accent1">
-                      <a:alpha val="75000"/>
-                    </a:schemeClr>
-                  </a:glow>
-                </a:effectLst>
-                <a:latin typeface="HGP行書体" panose="03000600000000000000" pitchFamily="66" charset="-128"/>
-                <a:ea typeface="HGP行書体" panose="03000600000000000000" pitchFamily="66" charset="-128"/>
-              </a:rPr>
-              <a:t>絶対に殺すことはせず</a:t>
-            </a:r>
-            <a:r>
-              <a:rPr kumimoji="1" lang="ja-JP" altLang="en-US" dirty="0">
-                <a:solidFill>
-                  <a:schemeClr val="bg1"/>
-                </a:solidFill>
-                <a:effectLst>
-                  <a:glow rad="254000">
-                    <a:schemeClr val="accent1">
-                      <a:alpha val="75000"/>
-                    </a:schemeClr>
-                  </a:glow>
-                </a:effectLst>
-                <a:latin typeface="HGP行書体" panose="03000600000000000000" pitchFamily="66" charset="-128"/>
-                <a:ea typeface="HGP行書体" panose="03000600000000000000" pitchFamily="66" charset="-128"/>
-              </a:rPr>
-              <a:t>戦闘不能</a:t>
-            </a:r>
-            <a:r>
-              <a:rPr lang="ja-JP" altLang="en-US" sz="1200" dirty="0">
-                <a:solidFill>
-                  <a:schemeClr val="bg1"/>
-                </a:solidFill>
-                <a:effectLst>
-                  <a:glow rad="254000">
-                    <a:schemeClr val="accent1">
-                      <a:alpha val="75000"/>
-                    </a:schemeClr>
-                  </a:glow>
-                </a:effectLst>
-                <a:latin typeface="HGP行書体" panose="03000600000000000000" pitchFamily="66" charset="-128"/>
-                <a:ea typeface="HGP行書体" panose="03000600000000000000" pitchFamily="66" charset="-128"/>
-              </a:rPr>
-              <a:t>にせよ</a:t>
-            </a:r>
-            <a:r>
-              <a:rPr kumimoji="1" lang="ja-JP" altLang="en-US" sz="1200" dirty="0">
-                <a:solidFill>
-                  <a:schemeClr val="bg1"/>
-                </a:solidFill>
-                <a:effectLst>
-                  <a:glow rad="254000">
-                    <a:schemeClr val="accent1">
-                      <a:alpha val="75000"/>
-                    </a:schemeClr>
-                  </a:glow>
-                </a:effectLst>
-                <a:latin typeface="HGP行書体" panose="03000600000000000000" pitchFamily="66" charset="-128"/>
-                <a:ea typeface="HGP行書体" panose="03000600000000000000" pitchFamily="66" charset="-128"/>
-              </a:rPr>
-              <a:t>。</a:t>
-            </a:r>
-          </a:p>
-        </p:txBody>
-      </p:sp>
-      <p:sp>
-        <p:nvSpPr>
-          <p:cNvPr id="5" name="テキスト ボックス 4">
-            <a:extLst>
-              <a:ext uri="{FF2B5EF4-FFF2-40B4-BE49-F238E27FC236}">
-                <a16:creationId xmlns:a16="http://schemas.microsoft.com/office/drawing/2014/main" id="{FCC250EF-C813-4301-B932-5A0F039D763C}"/>
-              </a:ext>
-            </a:extLst>
-          </p:cNvPr>
-          <p:cNvSpPr txBox="1"/>
-          <p:nvPr/>
-        </p:nvSpPr>
-        <p:spPr>
-          <a:xfrm rot="713856">
-            <a:off x="6551043" y="1589129"/>
-            <a:ext cx="5771132" cy="1323439"/>
-          </a:xfrm>
-          <a:prstGeom prst="rect">
-            <a:avLst/>
-          </a:prstGeom>
-          <a:noFill/>
-          <a:scene3d>
-            <a:camera prst="orthographicFront">
-              <a:rot lat="0" lon="0" rev="0"/>
-            </a:camera>
-            <a:lightRig rig="threePt" dir="t"/>
-          </a:scene3d>
-        </p:spPr>
-        <p:txBody>
-          <a:bodyPr wrap="none" rtlCol="0">
-            <a:spAutoFit/>
-          </a:bodyPr>
-          <a:lstStyle/>
-          <a:p>
-            <a:r>
-              <a:rPr lang="ja-JP" altLang="en-US" sz="2800" dirty="0">
-                <a:solidFill>
-                  <a:schemeClr val="bg1"/>
-                </a:solidFill>
-                <a:effectLst>
-                  <a:glow rad="254000">
-                    <a:schemeClr val="accent1">
-                      <a:alpha val="75000"/>
-                    </a:schemeClr>
-                  </a:glow>
-                </a:effectLst>
-                <a:latin typeface="HGP行書体" panose="03000600000000000000" pitchFamily="66" charset="-128"/>
-                <a:ea typeface="HGP行書体" panose="03000600000000000000" pitchFamily="66" charset="-128"/>
-              </a:rPr>
-              <a:t>力は</a:t>
-            </a:r>
-            <a:r>
-              <a:rPr lang="ja-JP" altLang="en-US" sz="3600" dirty="0">
-                <a:solidFill>
-                  <a:schemeClr val="bg1"/>
-                </a:solidFill>
-                <a:effectLst>
-                  <a:glow rad="254000">
-                    <a:schemeClr val="accent1">
-                      <a:alpha val="75000"/>
-                    </a:schemeClr>
-                  </a:glow>
-                </a:effectLst>
-                <a:latin typeface="HGP行書体" panose="03000600000000000000" pitchFamily="66" charset="-128"/>
-                <a:ea typeface="HGP行書体" panose="03000600000000000000" pitchFamily="66" charset="-128"/>
-              </a:rPr>
-              <a:t>自ら振るわぬ。</a:t>
-            </a:r>
-            <a:endParaRPr lang="en-US" altLang="ja-JP" sz="3600" dirty="0">
-              <a:solidFill>
-                <a:schemeClr val="bg1"/>
-              </a:solidFill>
-              <a:effectLst>
-                <a:glow rad="254000">
-                  <a:schemeClr val="accent1">
-                    <a:alpha val="75000"/>
-                  </a:schemeClr>
-                </a:glow>
-              </a:effectLst>
-              <a:latin typeface="HGP行書体" panose="03000600000000000000" pitchFamily="66" charset="-128"/>
-              <a:ea typeface="HGP行書体" panose="03000600000000000000" pitchFamily="66" charset="-128"/>
-            </a:endParaRPr>
-          </a:p>
-          <a:p>
-            <a:r>
-              <a:rPr lang="ja-JP" altLang="en-US" sz="2800" dirty="0">
-                <a:solidFill>
-                  <a:schemeClr val="bg1"/>
-                </a:solidFill>
-                <a:effectLst>
-                  <a:glow rad="254000">
-                    <a:schemeClr val="accent1">
-                      <a:alpha val="75000"/>
-                    </a:schemeClr>
-                  </a:glow>
-                </a:effectLst>
-                <a:latin typeface="HGP行書体" panose="03000600000000000000" pitchFamily="66" charset="-128"/>
-                <a:ea typeface="HGP行書体" panose="03000600000000000000" pitchFamily="66" charset="-128"/>
-              </a:rPr>
-              <a:t>敵の攻撃を</a:t>
-            </a:r>
-            <a:r>
-              <a:rPr lang="ja-JP" altLang="en-US" sz="4400" b="1" dirty="0">
-                <a:effectLst>
-                  <a:glow rad="381000">
-                    <a:srgbClr val="0066FF"/>
-                  </a:glow>
-                </a:effectLst>
-                <a:latin typeface="HGP行書体" panose="03000600000000000000" pitchFamily="66" charset="-128"/>
-                <a:ea typeface="HGP行書体" panose="03000600000000000000" pitchFamily="66" charset="-128"/>
-              </a:rPr>
-              <a:t>弾き返し</a:t>
-            </a:r>
-            <a:r>
-              <a:rPr lang="ja-JP" altLang="en-US" sz="2800" dirty="0">
-                <a:solidFill>
-                  <a:schemeClr val="bg1"/>
-                </a:solidFill>
-                <a:effectLst>
-                  <a:glow rad="254000">
-                    <a:schemeClr val="accent1">
-                      <a:alpha val="75000"/>
-                    </a:schemeClr>
-                  </a:glow>
-                </a:effectLst>
-                <a:latin typeface="HGP行書体" panose="03000600000000000000" pitchFamily="66" charset="-128"/>
-                <a:ea typeface="HGP行書体" panose="03000600000000000000" pitchFamily="66" charset="-128"/>
-              </a:rPr>
-              <a:t>隙を生み出せ。</a:t>
-            </a:r>
-            <a:endParaRPr kumimoji="1" lang="ja-JP" altLang="en-US" sz="2800" dirty="0">
-              <a:solidFill>
-                <a:schemeClr val="bg1"/>
-              </a:solidFill>
-              <a:effectLst>
-                <a:glow rad="254000">
-                  <a:schemeClr val="accent1">
-                    <a:alpha val="75000"/>
-                  </a:schemeClr>
                 </a:glow>
               </a:effectLst>
               <a:latin typeface="HGP行書体" panose="03000600000000000000" pitchFamily="66" charset="-128"/>
@@ -11827,10 +12238,1672 @@
           </a:p>
         </p:txBody>
       </p:sp>
+      <p:sp>
+        <p:nvSpPr>
+          <p:cNvPr id="8" name="テキスト ボックス 7">
+            <a:extLst>
+              <a:ext uri="{FF2B5EF4-FFF2-40B4-BE49-F238E27FC236}">
+                <a16:creationId xmlns:a16="http://schemas.microsoft.com/office/drawing/2014/main" id="{89A3D515-FD1F-D092-953E-0B9429961F80}"/>
+              </a:ext>
+            </a:extLst>
+          </p:cNvPr>
+          <p:cNvSpPr txBox="1"/>
+          <p:nvPr/>
+        </p:nvSpPr>
+        <p:spPr>
+          <a:xfrm rot="270345">
+            <a:off x="2566923" y="2033521"/>
+            <a:ext cx="9592752" cy="1200329"/>
+          </a:xfrm>
+          <a:prstGeom prst="rect">
+            <a:avLst/>
+          </a:prstGeom>
+          <a:noFill/>
+          <a:effectLst>
+            <a:glow rad="127000">
+              <a:srgbClr val="0066FF"/>
+            </a:glow>
+          </a:effectLst>
+          <a:scene3d>
+            <a:camera prst="orthographicFront">
+              <a:rot lat="0" lon="0" rev="0"/>
+            </a:camera>
+            <a:lightRig rig="threePt" dir="t"/>
+          </a:scene3d>
+        </p:spPr>
+        <p:txBody>
+          <a:bodyPr wrap="square" rtlCol="0">
+            <a:spAutoFit/>
+          </a:bodyPr>
+          <a:lstStyle/>
+          <a:p>
+            <a:r>
+              <a:rPr lang="ja-JP" altLang="en-US" sz="4800" dirty="0">
+                <a:solidFill>
+                  <a:schemeClr val="bg1"/>
+                </a:solidFill>
+                <a:effectLst>
+                  <a:glow rad="254000">
+                    <a:schemeClr val="accent1">
+                      <a:alpha val="75000"/>
+                    </a:schemeClr>
+                  </a:glow>
+                </a:effectLst>
+                <a:latin typeface="HGP行書体" panose="03000600000000000000" pitchFamily="66" charset="-128"/>
+                <a:ea typeface="HGP行書体" panose="03000600000000000000" pitchFamily="66" charset="-128"/>
+              </a:rPr>
+              <a:t>敵の攻撃を</a:t>
+            </a:r>
+            <a:r>
+              <a:rPr lang="ja-JP" altLang="en-US" sz="7200" b="1" dirty="0">
+                <a:ln w="12700">
+                  <a:solidFill>
+                    <a:sysClr val="windowText" lastClr="000000"/>
+                  </a:solidFill>
+                </a:ln>
+                <a:solidFill>
+                  <a:srgbClr val="FF0000"/>
+                </a:solidFill>
+                <a:effectLst>
+                  <a:glow rad="254000">
+                    <a:schemeClr val="accent4"/>
+                  </a:glow>
+                </a:effectLst>
+                <a:latin typeface="HGP行書体" panose="03000600000000000000" pitchFamily="66" charset="-128"/>
+                <a:ea typeface="HGP行書体" panose="03000600000000000000" pitchFamily="66" charset="-128"/>
+              </a:rPr>
+              <a:t>弾き返し</a:t>
+            </a:r>
+            <a:r>
+              <a:rPr lang="ja-JP" altLang="en-US" sz="4800" dirty="0">
+                <a:solidFill>
+                  <a:schemeClr val="bg1"/>
+                </a:solidFill>
+                <a:effectLst>
+                  <a:glow rad="254000">
+                    <a:schemeClr val="accent1">
+                      <a:alpha val="75000"/>
+                    </a:schemeClr>
+                  </a:glow>
+                </a:effectLst>
+                <a:latin typeface="HGP行書体" panose="03000600000000000000" pitchFamily="66" charset="-128"/>
+                <a:ea typeface="HGP行書体" panose="03000600000000000000" pitchFamily="66" charset="-128"/>
+              </a:rPr>
+              <a:t>隙を生み出せ。</a:t>
+            </a:r>
+            <a:endParaRPr lang="en-US" altLang="ja-JP" sz="4800" b="1" dirty="0">
+              <a:ln w="12700">
+                <a:solidFill>
+                  <a:sysClr val="windowText" lastClr="000000"/>
+                </a:solidFill>
+              </a:ln>
+              <a:solidFill>
+                <a:srgbClr val="FF0000"/>
+              </a:solidFill>
+              <a:effectLst>
+                <a:glow rad="254000">
+                  <a:schemeClr val="accent4"/>
+                </a:glow>
+              </a:effectLst>
+              <a:latin typeface="HGP行書体" panose="03000600000000000000" pitchFamily="66" charset="-128"/>
+              <a:ea typeface="HGP行書体" panose="03000600000000000000" pitchFamily="66" charset="-128"/>
+            </a:endParaRPr>
+          </a:p>
+        </p:txBody>
+      </p:sp>
+      <p:sp>
+        <p:nvSpPr>
+          <p:cNvPr id="9" name="テキスト ボックス 8">
+            <a:extLst>
+              <a:ext uri="{FF2B5EF4-FFF2-40B4-BE49-F238E27FC236}">
+                <a16:creationId xmlns:a16="http://schemas.microsoft.com/office/drawing/2014/main" id="{5200087F-A304-413B-6BB4-151B2EAB0403}"/>
+              </a:ext>
+            </a:extLst>
+          </p:cNvPr>
+          <p:cNvSpPr txBox="1"/>
+          <p:nvPr/>
+        </p:nvSpPr>
+        <p:spPr>
+          <a:xfrm rot="270345">
+            <a:off x="1019954" y="1074271"/>
+            <a:ext cx="5865097" cy="1107996"/>
+          </a:xfrm>
+          <a:prstGeom prst="rect">
+            <a:avLst/>
+          </a:prstGeom>
+          <a:noFill/>
+          <a:effectLst>
+            <a:glow rad="127000">
+              <a:srgbClr val="0066FF"/>
+            </a:glow>
+          </a:effectLst>
+          <a:scene3d>
+            <a:camera prst="orthographicFront">
+              <a:rot lat="0" lon="0" rev="0"/>
+            </a:camera>
+            <a:lightRig rig="threePt" dir="t"/>
+          </a:scene3d>
+        </p:spPr>
+        <p:txBody>
+          <a:bodyPr wrap="square" rtlCol="0">
+            <a:spAutoFit/>
+          </a:bodyPr>
+          <a:lstStyle/>
+          <a:p>
+            <a:r>
+              <a:rPr kumimoji="1" lang="ja-JP" altLang="en-US" sz="4800" dirty="0">
+                <a:solidFill>
+                  <a:schemeClr val="bg1"/>
+                </a:solidFill>
+                <a:effectLst>
+                  <a:glow rad="254000">
+                    <a:schemeClr val="accent1">
+                      <a:alpha val="75000"/>
+                    </a:schemeClr>
+                  </a:glow>
+                </a:effectLst>
+                <a:latin typeface="HGP行書体" panose="03000600000000000000" pitchFamily="66" charset="-128"/>
+                <a:ea typeface="HGP行書体" panose="03000600000000000000" pitchFamily="66" charset="-128"/>
+              </a:rPr>
+              <a:t>力は</a:t>
+            </a:r>
+            <a:r>
+              <a:rPr kumimoji="1" lang="ja-JP" altLang="en-US" sz="6600" dirty="0">
+                <a:solidFill>
+                  <a:schemeClr val="bg1"/>
+                </a:solidFill>
+                <a:effectLst>
+                  <a:glow rad="254000">
+                    <a:schemeClr val="accent1">
+                      <a:alpha val="75000"/>
+                    </a:schemeClr>
+                  </a:glow>
+                </a:effectLst>
+                <a:latin typeface="HGP行書体" panose="03000600000000000000" pitchFamily="66" charset="-128"/>
+                <a:ea typeface="HGP行書体" panose="03000600000000000000" pitchFamily="66" charset="-128"/>
+              </a:rPr>
+              <a:t>自ら振るわぬ</a:t>
+            </a:r>
+            <a:r>
+              <a:rPr kumimoji="1" lang="ja-JP" altLang="en-US" sz="4800" dirty="0">
+                <a:solidFill>
+                  <a:schemeClr val="bg1"/>
+                </a:solidFill>
+                <a:effectLst>
+                  <a:glow rad="254000">
+                    <a:schemeClr val="accent1">
+                      <a:alpha val="75000"/>
+                    </a:schemeClr>
+                  </a:glow>
+                </a:effectLst>
+                <a:latin typeface="HGP行書体" panose="03000600000000000000" pitchFamily="66" charset="-128"/>
+                <a:ea typeface="HGP行書体" panose="03000600000000000000" pitchFamily="66" charset="-128"/>
+              </a:rPr>
+              <a:t>。</a:t>
+            </a:r>
+          </a:p>
+        </p:txBody>
+      </p:sp>
+      <p:pic>
+        <p:nvPicPr>
+          <p:cNvPr id="12" name="図 11">
+            <a:extLst>
+              <a:ext uri="{FF2B5EF4-FFF2-40B4-BE49-F238E27FC236}">
+                <a16:creationId xmlns:a16="http://schemas.microsoft.com/office/drawing/2014/main" id="{9A90FC6D-BCC8-F9B0-736E-374D8D80757D}"/>
+              </a:ext>
+            </a:extLst>
+          </p:cNvPr>
+          <p:cNvPicPr>
+            <a:picLocks noChangeAspect="1"/>
+          </p:cNvPicPr>
+          <p:nvPr/>
+        </p:nvPicPr>
+        <p:blipFill>
+          <a:blip r:embed="rId3">
+            <a:extLst>
+              <a:ext uri="{28A0092B-C50C-407E-A947-70E740481C1C}">
+                <a14:useLocalDpi xmlns:a14="http://schemas.microsoft.com/office/drawing/2010/main" val="0"/>
+              </a:ext>
+            </a:extLst>
+          </a:blip>
+          <a:stretch>
+            <a:fillRect/>
+          </a:stretch>
+        </p:blipFill>
+        <p:spPr>
+          <a:xfrm rot="988872">
+            <a:off x="3606643" y="2805493"/>
+            <a:ext cx="4828699" cy="4273076"/>
+          </a:xfrm>
+          <a:prstGeom prst="rect">
+            <a:avLst/>
+          </a:prstGeom>
+          <a:effectLst>
+            <a:glow rad="127000">
+              <a:srgbClr val="00B0F0"/>
+            </a:glow>
+          </a:effectLst>
+        </p:spPr>
+      </p:pic>
+      <p:grpSp>
+        <p:nvGrpSpPr>
+          <p:cNvPr id="16" name="グループ化 15">
+            <a:extLst>
+              <a:ext uri="{FF2B5EF4-FFF2-40B4-BE49-F238E27FC236}">
+                <a16:creationId xmlns:a16="http://schemas.microsoft.com/office/drawing/2014/main" id="{9B467BAB-CB15-EDBC-1BA9-32E94909D40F}"/>
+              </a:ext>
+            </a:extLst>
+          </p:cNvPr>
+          <p:cNvGrpSpPr/>
+          <p:nvPr/>
+        </p:nvGrpSpPr>
+        <p:grpSpPr>
+          <a:xfrm>
+            <a:off x="11721137" y="-1668266"/>
+            <a:ext cx="3578334" cy="2794875"/>
+            <a:chOff x="11721137" y="-1668266"/>
+            <a:chExt cx="3578334" cy="2794875"/>
+          </a:xfrm>
+        </p:grpSpPr>
+        <p:pic>
+          <p:nvPicPr>
+            <p:cNvPr id="13" name="図 12" descr="光 が含まれている画像&#10;&#10;自動的に生成された説明">
+              <a:extLst>
+                <a:ext uri="{FF2B5EF4-FFF2-40B4-BE49-F238E27FC236}">
+                  <a16:creationId xmlns:a16="http://schemas.microsoft.com/office/drawing/2014/main" id="{59DF4458-B89E-1A2F-A65B-5AF1033698C6}"/>
+                </a:ext>
+              </a:extLst>
+            </p:cNvPr>
+            <p:cNvPicPr>
+              <a:picLocks noChangeAspect="1"/>
+            </p:cNvPicPr>
+            <p:nvPr/>
+          </p:nvPicPr>
+          <p:blipFill>
+            <a:blip r:embed="rId4">
+              <a:extLst>
+                <a:ext uri="{28A0092B-C50C-407E-A947-70E740481C1C}">
+                  <a14:useLocalDpi xmlns:a14="http://schemas.microsoft.com/office/drawing/2010/main" val="0"/>
+                </a:ext>
+              </a:extLst>
+            </a:blip>
+            <a:stretch>
+              <a:fillRect/>
+            </a:stretch>
+          </p:blipFill>
+          <p:spPr>
+            <a:xfrm rot="15598726">
+              <a:off x="11721137" y="-1668266"/>
+              <a:ext cx="1122572" cy="1122572"/>
+            </a:xfrm>
+            <a:prstGeom prst="rect">
+              <a:avLst/>
+            </a:prstGeom>
+            <a:effectLst>
+              <a:glow rad="127000">
+                <a:srgbClr val="FF0000"/>
+              </a:glow>
+            </a:effectLst>
+          </p:spPr>
+        </p:pic>
+        <p:pic>
+          <p:nvPicPr>
+            <p:cNvPr id="14" name="図 13" descr="光 が含まれている画像&#10;&#10;自動的に生成された説明">
+              <a:extLst>
+                <a:ext uri="{FF2B5EF4-FFF2-40B4-BE49-F238E27FC236}">
+                  <a16:creationId xmlns:a16="http://schemas.microsoft.com/office/drawing/2014/main" id="{90CDB01E-AEEA-7E26-7B1F-8369A9B364DF}"/>
+                </a:ext>
+              </a:extLst>
+            </p:cNvPr>
+            <p:cNvPicPr>
+              <a:picLocks noChangeAspect="1"/>
+            </p:cNvPicPr>
+            <p:nvPr/>
+          </p:nvPicPr>
+          <p:blipFill>
+            <a:blip r:embed="rId4">
+              <a:extLst>
+                <a:ext uri="{28A0092B-C50C-407E-A947-70E740481C1C}">
+                  <a14:useLocalDpi xmlns:a14="http://schemas.microsoft.com/office/drawing/2010/main" val="0"/>
+                </a:ext>
+              </a:extLst>
+            </a:blip>
+            <a:stretch>
+              <a:fillRect/>
+            </a:stretch>
+          </p:blipFill>
+          <p:spPr>
+            <a:xfrm rot="15598726">
+              <a:off x="14176899" y="-1072169"/>
+              <a:ext cx="1122572" cy="1122572"/>
+            </a:xfrm>
+            <a:prstGeom prst="rect">
+              <a:avLst/>
+            </a:prstGeom>
+            <a:effectLst>
+              <a:glow rad="127000">
+                <a:srgbClr val="FF0000"/>
+              </a:glow>
+            </a:effectLst>
+          </p:spPr>
+        </p:pic>
+        <p:pic>
+          <p:nvPicPr>
+            <p:cNvPr id="15" name="図 14" descr="光 が含まれている画像&#10;&#10;自動的に生成された説明">
+              <a:extLst>
+                <a:ext uri="{FF2B5EF4-FFF2-40B4-BE49-F238E27FC236}">
+                  <a16:creationId xmlns:a16="http://schemas.microsoft.com/office/drawing/2014/main" id="{9981332B-80AD-6E64-FD20-D62E646D48F3}"/>
+                </a:ext>
+              </a:extLst>
+            </p:cNvPr>
+            <p:cNvPicPr>
+              <a:picLocks noChangeAspect="1"/>
+            </p:cNvPicPr>
+            <p:nvPr/>
+          </p:nvPicPr>
+          <p:blipFill>
+            <a:blip r:embed="rId4">
+              <a:extLst>
+                <a:ext uri="{28A0092B-C50C-407E-A947-70E740481C1C}">
+                  <a14:useLocalDpi xmlns:a14="http://schemas.microsoft.com/office/drawing/2010/main" val="0"/>
+                </a:ext>
+              </a:extLst>
+            </a:blip>
+            <a:stretch>
+              <a:fillRect/>
+            </a:stretch>
+          </p:blipFill>
+          <p:spPr>
+            <a:xfrm rot="15598726">
+              <a:off x="12444129" y="4037"/>
+              <a:ext cx="1122572" cy="1122572"/>
+            </a:xfrm>
+            <a:prstGeom prst="rect">
+              <a:avLst/>
+            </a:prstGeom>
+            <a:effectLst>
+              <a:glow rad="127000">
+                <a:srgbClr val="FF0000"/>
+              </a:glow>
+            </a:effectLst>
+          </p:spPr>
+        </p:pic>
+      </p:grpSp>
+      <p:grpSp>
+        <p:nvGrpSpPr>
+          <p:cNvPr id="17" name="グループ化 16">
+            <a:extLst>
+              <a:ext uri="{FF2B5EF4-FFF2-40B4-BE49-F238E27FC236}">
+                <a16:creationId xmlns:a16="http://schemas.microsoft.com/office/drawing/2014/main" id="{1DB3E1B8-7E98-BCAF-5889-5C52CF0926E2}"/>
+              </a:ext>
+            </a:extLst>
+          </p:cNvPr>
+          <p:cNvGrpSpPr/>
+          <p:nvPr/>
+        </p:nvGrpSpPr>
+        <p:grpSpPr>
+          <a:xfrm flipH="1">
+            <a:off x="-3615179" y="-935773"/>
+            <a:ext cx="3578334" cy="2794875"/>
+            <a:chOff x="11721137" y="-1668266"/>
+            <a:chExt cx="3578334" cy="2794875"/>
+          </a:xfrm>
+        </p:grpSpPr>
+        <p:pic>
+          <p:nvPicPr>
+            <p:cNvPr id="18" name="図 17" descr="光 が含まれている画像&#10;&#10;自動的に生成された説明">
+              <a:extLst>
+                <a:ext uri="{FF2B5EF4-FFF2-40B4-BE49-F238E27FC236}">
+                  <a16:creationId xmlns:a16="http://schemas.microsoft.com/office/drawing/2014/main" id="{5FC0B375-9E23-9709-92C4-1AD5696C14D6}"/>
+                </a:ext>
+              </a:extLst>
+            </p:cNvPr>
+            <p:cNvPicPr>
+              <a:picLocks noChangeAspect="1"/>
+            </p:cNvPicPr>
+            <p:nvPr/>
+          </p:nvPicPr>
+          <p:blipFill>
+            <a:blip r:embed="rId4">
+              <a:extLst>
+                <a:ext uri="{28A0092B-C50C-407E-A947-70E740481C1C}">
+                  <a14:useLocalDpi xmlns:a14="http://schemas.microsoft.com/office/drawing/2010/main" val="0"/>
+                </a:ext>
+              </a:extLst>
+            </a:blip>
+            <a:stretch>
+              <a:fillRect/>
+            </a:stretch>
+          </p:blipFill>
+          <p:spPr>
+            <a:xfrm rot="15598726">
+              <a:off x="11721137" y="-1668266"/>
+              <a:ext cx="1122572" cy="1122572"/>
+            </a:xfrm>
+            <a:prstGeom prst="rect">
+              <a:avLst/>
+            </a:prstGeom>
+            <a:effectLst>
+              <a:glow rad="127000">
+                <a:srgbClr val="FF0000"/>
+              </a:glow>
+            </a:effectLst>
+          </p:spPr>
+        </p:pic>
+        <p:pic>
+          <p:nvPicPr>
+            <p:cNvPr id="19" name="図 18" descr="光 が含まれている画像&#10;&#10;自動的に生成された説明">
+              <a:extLst>
+                <a:ext uri="{FF2B5EF4-FFF2-40B4-BE49-F238E27FC236}">
+                  <a16:creationId xmlns:a16="http://schemas.microsoft.com/office/drawing/2014/main" id="{42E4CBC8-BF38-9AFA-9294-9D204A4197CE}"/>
+                </a:ext>
+              </a:extLst>
+            </p:cNvPr>
+            <p:cNvPicPr>
+              <a:picLocks noChangeAspect="1"/>
+            </p:cNvPicPr>
+            <p:nvPr/>
+          </p:nvPicPr>
+          <p:blipFill>
+            <a:blip r:embed="rId4">
+              <a:extLst>
+                <a:ext uri="{28A0092B-C50C-407E-A947-70E740481C1C}">
+                  <a14:useLocalDpi xmlns:a14="http://schemas.microsoft.com/office/drawing/2010/main" val="0"/>
+                </a:ext>
+              </a:extLst>
+            </a:blip>
+            <a:stretch>
+              <a:fillRect/>
+            </a:stretch>
+          </p:blipFill>
+          <p:spPr>
+            <a:xfrm rot="15598726">
+              <a:off x="14176899" y="-1072169"/>
+              <a:ext cx="1122572" cy="1122572"/>
+            </a:xfrm>
+            <a:prstGeom prst="rect">
+              <a:avLst/>
+            </a:prstGeom>
+            <a:effectLst>
+              <a:glow rad="127000">
+                <a:srgbClr val="FF0000"/>
+              </a:glow>
+            </a:effectLst>
+          </p:spPr>
+        </p:pic>
+        <p:pic>
+          <p:nvPicPr>
+            <p:cNvPr id="20" name="図 19" descr="光 が含まれている画像&#10;&#10;自動的に生成された説明">
+              <a:extLst>
+                <a:ext uri="{FF2B5EF4-FFF2-40B4-BE49-F238E27FC236}">
+                  <a16:creationId xmlns:a16="http://schemas.microsoft.com/office/drawing/2014/main" id="{E17A0EB0-B953-D10E-E0C8-263F9E4D7BD2}"/>
+                </a:ext>
+              </a:extLst>
+            </p:cNvPr>
+            <p:cNvPicPr>
+              <a:picLocks noChangeAspect="1"/>
+            </p:cNvPicPr>
+            <p:nvPr/>
+          </p:nvPicPr>
+          <p:blipFill>
+            <a:blip r:embed="rId4">
+              <a:extLst>
+                <a:ext uri="{28A0092B-C50C-407E-A947-70E740481C1C}">
+                  <a14:useLocalDpi xmlns:a14="http://schemas.microsoft.com/office/drawing/2010/main" val="0"/>
+                </a:ext>
+              </a:extLst>
+            </a:blip>
+            <a:stretch>
+              <a:fillRect/>
+            </a:stretch>
+          </p:blipFill>
+          <p:spPr>
+            <a:xfrm rot="15598726">
+              <a:off x="12444129" y="4037"/>
+              <a:ext cx="1122572" cy="1122572"/>
+            </a:xfrm>
+            <a:prstGeom prst="rect">
+              <a:avLst/>
+            </a:prstGeom>
+            <a:effectLst>
+              <a:glow rad="127000">
+                <a:srgbClr val="FF0000"/>
+              </a:glow>
+            </a:effectLst>
+          </p:spPr>
+        </p:pic>
+      </p:grpSp>
     </p:spTree>
     <p:extLst>
       <p:ext uri="{BB962C8B-B14F-4D97-AF65-F5344CB8AC3E}">
         <p14:creationId xmlns:p14="http://schemas.microsoft.com/office/powerpoint/2010/main" val="565383766"/>
+      </p:ext>
+    </p:extLst>
+  </p:cSld>
+  <p:clrMapOvr>
+    <a:masterClrMapping/>
+  </p:clrMapOvr>
+  <mc:AlternateContent xmlns:mc="http://schemas.openxmlformats.org/markup-compatibility/2006">
+    <mc:Choice xmlns:p14="http://schemas.microsoft.com/office/powerpoint/2010/main" Requires="p14">
+      <p:transition spd="med" p14:dur="700">
+        <p:fade/>
+      </p:transition>
+    </mc:Choice>
+    <mc:Fallback>
+      <p:transition spd="med">
+        <p:fade/>
+      </p:transition>
+    </mc:Fallback>
+  </mc:AlternateContent>
+</p:sld>
+</file>
+
+<file path=ppt/slides/slide9.xml><?xml version="1.0" encoding="utf-8"?>
+<p:sld xmlns:a="http://schemas.openxmlformats.org/drawingml/2006/main" xmlns:r="http://schemas.openxmlformats.org/officeDocument/2006/relationships" xmlns:p="http://schemas.openxmlformats.org/presentationml/2006/main">
+  <p:cSld>
+    <p:spTree>
+      <p:nvGrpSpPr>
+        <p:cNvPr id="1" name=""/>
+        <p:cNvGrpSpPr/>
+        <p:nvPr/>
+      </p:nvGrpSpPr>
+      <p:grpSpPr>
+        <a:xfrm>
+          <a:off x="0" y="0"/>
+          <a:ext cx="0" cy="0"/>
+          <a:chOff x="0" y="0"/>
+          <a:chExt cx="0" cy="0"/>
+        </a:xfrm>
+      </p:grpSpPr>
+      <p:pic>
+        <p:nvPicPr>
+          <p:cNvPr id="10" name="図 9" descr="選手, 男 が含まれている画像&#10;&#10;自動的に生成された説明">
+            <a:extLst>
+              <a:ext uri="{FF2B5EF4-FFF2-40B4-BE49-F238E27FC236}">
+                <a16:creationId xmlns:a16="http://schemas.microsoft.com/office/drawing/2014/main" id="{EDC4C8C7-FE80-2E56-8FBB-DEF1BF143AC1}"/>
+              </a:ext>
+            </a:extLst>
+          </p:cNvPr>
+          <p:cNvPicPr>
+            <a:picLocks noChangeAspect="1"/>
+          </p:cNvPicPr>
+          <p:nvPr/>
+        </p:nvPicPr>
+        <p:blipFill>
+          <a:blip r:embed="rId2">
+            <a:extLst>
+              <a:ext uri="{28A0092B-C50C-407E-A947-70E740481C1C}">
+                <a14:useLocalDpi xmlns:a14="http://schemas.microsoft.com/office/drawing/2010/main" val="0"/>
+              </a:ext>
+            </a:extLst>
+          </a:blip>
+          <a:stretch>
+            <a:fillRect/>
+          </a:stretch>
+        </p:blipFill>
+        <p:spPr>
+          <a:xfrm rot="987252">
+            <a:off x="7938044" y="480779"/>
+            <a:ext cx="4744172" cy="4744172"/>
+          </a:xfrm>
+          <a:prstGeom prst="rect">
+            <a:avLst/>
+          </a:prstGeom>
+          <a:effectLst>
+            <a:glow rad="127000">
+              <a:srgbClr val="FF0000"/>
+            </a:glow>
+          </a:effectLst>
+        </p:spPr>
+      </p:pic>
+      <p:pic>
+        <p:nvPicPr>
+          <p:cNvPr id="11" name="図 10" descr="選手, 男 が含まれている画像&#10;&#10;自動的に生成された説明">
+            <a:extLst>
+              <a:ext uri="{FF2B5EF4-FFF2-40B4-BE49-F238E27FC236}">
+                <a16:creationId xmlns:a16="http://schemas.microsoft.com/office/drawing/2014/main" id="{3B1A5CB6-EF0F-6C68-DF91-E16FB52A3629}"/>
+              </a:ext>
+            </a:extLst>
+          </p:cNvPr>
+          <p:cNvPicPr>
+            <a:picLocks noChangeAspect="1"/>
+          </p:cNvPicPr>
+          <p:nvPr/>
+        </p:nvPicPr>
+        <p:blipFill>
+          <a:blip r:embed="rId2">
+            <a:extLst>
+              <a:ext uri="{28A0092B-C50C-407E-A947-70E740481C1C}">
+                <a14:useLocalDpi xmlns:a14="http://schemas.microsoft.com/office/drawing/2010/main" val="0"/>
+              </a:ext>
+            </a:extLst>
+          </a:blip>
+          <a:stretch>
+            <a:fillRect/>
+          </a:stretch>
+        </p:blipFill>
+        <p:spPr>
+          <a:xfrm rot="18569438">
+            <a:off x="-206355" y="633178"/>
+            <a:ext cx="4744172" cy="4744172"/>
+          </a:xfrm>
+          <a:prstGeom prst="rect">
+            <a:avLst/>
+          </a:prstGeom>
+          <a:effectLst>
+            <a:glow rad="127000">
+              <a:srgbClr val="FF0000"/>
+            </a:glow>
+          </a:effectLst>
+        </p:spPr>
+      </p:pic>
+      <p:sp>
+        <p:nvSpPr>
+          <p:cNvPr id="6" name="テキスト ボックス 5">
+            <a:extLst>
+              <a:ext uri="{FF2B5EF4-FFF2-40B4-BE49-F238E27FC236}">
+                <a16:creationId xmlns:a16="http://schemas.microsoft.com/office/drawing/2014/main" id="{C6F9D129-5116-4C4F-B6C8-52A4FD584CDB}"/>
+              </a:ext>
+            </a:extLst>
+          </p:cNvPr>
+          <p:cNvSpPr txBox="1"/>
+          <p:nvPr/>
+        </p:nvSpPr>
+        <p:spPr>
+          <a:xfrm>
+            <a:off x="4954501" y="923330"/>
+            <a:ext cx="2282997" cy="584775"/>
+          </a:xfrm>
+          <a:prstGeom prst="rect">
+            <a:avLst/>
+          </a:prstGeom>
+          <a:noFill/>
+        </p:spPr>
+        <p:txBody>
+          <a:bodyPr wrap="none" rtlCol="0">
+            <a:spAutoFit/>
+          </a:bodyPr>
+          <a:lstStyle/>
+          <a:p>
+            <a:r>
+              <a:rPr lang="ja-JP" altLang="en-US" sz="3200" b="1" dirty="0">
+                <a:ln>
+                  <a:solidFill>
+                    <a:schemeClr val="bg1"/>
+                  </a:solidFill>
+                </a:ln>
+                <a:solidFill>
+                  <a:srgbClr val="0000FF"/>
+                </a:solidFill>
+                <a:effectLst>
+                  <a:glow rad="444500">
+                    <a:srgbClr val="00B050"/>
+                  </a:glow>
+                </a:effectLst>
+                <a:latin typeface="HGP行書体" panose="03000600000000000000" pitchFamily="66" charset="-128"/>
+                <a:ea typeface="HGP行書体" panose="03000600000000000000" pitchFamily="66" charset="-128"/>
+              </a:rPr>
+              <a:t>璧</a:t>
+            </a:r>
+            <a:r>
+              <a:rPr lang="ja-JP" altLang="en-US" sz="2000" b="1" dirty="0">
+                <a:ln>
+                  <a:solidFill>
+                    <a:schemeClr val="bg1"/>
+                  </a:solidFill>
+                </a:ln>
+                <a:solidFill>
+                  <a:srgbClr val="0000FF"/>
+                </a:solidFill>
+                <a:effectLst>
+                  <a:glow rad="444500">
+                    <a:srgbClr val="00B050"/>
+                  </a:glow>
+                </a:effectLst>
+                <a:latin typeface="HGP行書体" panose="03000600000000000000" pitchFamily="66" charset="-128"/>
+                <a:ea typeface="HGP行書体" panose="03000600000000000000" pitchFamily="66" charset="-128"/>
+              </a:rPr>
+              <a:t>を</a:t>
+            </a:r>
+            <a:r>
+              <a:rPr lang="ja-JP" altLang="en-US" sz="3200" b="1" dirty="0">
+                <a:ln>
+                  <a:solidFill>
+                    <a:schemeClr val="bg1"/>
+                  </a:solidFill>
+                </a:ln>
+                <a:solidFill>
+                  <a:srgbClr val="0000FF"/>
+                </a:solidFill>
+                <a:effectLst>
+                  <a:glow rad="444500">
+                    <a:srgbClr val="00B050"/>
+                  </a:glow>
+                </a:effectLst>
+                <a:latin typeface="HGP行書体" panose="03000600000000000000" pitchFamily="66" charset="-128"/>
+                <a:ea typeface="HGP行書体" panose="03000600000000000000" pitchFamily="66" charset="-128"/>
+              </a:rPr>
+              <a:t>完</a:t>
+            </a:r>
+            <a:r>
+              <a:rPr lang="ja-JP" altLang="en-US" sz="2000" b="1" dirty="0">
+                <a:ln>
+                  <a:solidFill>
+                    <a:schemeClr val="bg1"/>
+                  </a:solidFill>
+                </a:ln>
+                <a:solidFill>
+                  <a:srgbClr val="0000FF"/>
+                </a:solidFill>
+                <a:effectLst>
+                  <a:glow rad="444500">
+                    <a:srgbClr val="00B050"/>
+                  </a:glow>
+                </a:effectLst>
+                <a:latin typeface="HGP行書体" panose="03000600000000000000" pitchFamily="66" charset="-128"/>
+                <a:ea typeface="HGP行書体" panose="03000600000000000000" pitchFamily="66" charset="-128"/>
+              </a:rPr>
+              <a:t>うして</a:t>
+            </a:r>
+            <a:r>
+              <a:rPr lang="ja-JP" altLang="en-US" sz="3200" b="1" dirty="0">
+                <a:ln>
+                  <a:solidFill>
+                    <a:schemeClr val="bg1"/>
+                  </a:solidFill>
+                </a:ln>
+                <a:solidFill>
+                  <a:srgbClr val="0000FF"/>
+                </a:solidFill>
+                <a:effectLst>
+                  <a:glow rad="444500">
+                    <a:srgbClr val="00B050"/>
+                  </a:glow>
+                </a:effectLst>
+                <a:latin typeface="HGP行書体" panose="03000600000000000000" pitchFamily="66" charset="-128"/>
+                <a:ea typeface="HGP行書体" panose="03000600000000000000" pitchFamily="66" charset="-128"/>
+              </a:rPr>
+              <a:t>帰</a:t>
+            </a:r>
+            <a:r>
+              <a:rPr lang="ja-JP" altLang="en-US" sz="2000" b="1" dirty="0">
+                <a:ln>
+                  <a:solidFill>
+                    <a:schemeClr val="bg1"/>
+                  </a:solidFill>
+                </a:ln>
+                <a:solidFill>
+                  <a:srgbClr val="0000FF"/>
+                </a:solidFill>
+                <a:effectLst>
+                  <a:glow rad="444500">
+                    <a:srgbClr val="00B050"/>
+                  </a:glow>
+                </a:effectLst>
+                <a:latin typeface="HGP行書体" panose="03000600000000000000" pitchFamily="66" charset="-128"/>
+                <a:ea typeface="HGP行書体" panose="03000600000000000000" pitchFamily="66" charset="-128"/>
+              </a:rPr>
+              <a:t>る</a:t>
+            </a:r>
+            <a:endParaRPr kumimoji="1" lang="en-US" altLang="ja-JP" sz="2800" b="1" dirty="0">
+              <a:ln>
+                <a:solidFill>
+                  <a:schemeClr val="bg1"/>
+                </a:solidFill>
+              </a:ln>
+              <a:solidFill>
+                <a:srgbClr val="0000FF"/>
+              </a:solidFill>
+              <a:effectLst>
+                <a:glow rad="444500">
+                  <a:srgbClr val="00B050"/>
+                </a:glow>
+              </a:effectLst>
+              <a:latin typeface="HGP行書体" panose="03000600000000000000" pitchFamily="66" charset="-128"/>
+              <a:ea typeface="HGP行書体" panose="03000600000000000000" pitchFamily="66" charset="-128"/>
+            </a:endParaRPr>
+          </a:p>
+        </p:txBody>
+      </p:sp>
+      <p:grpSp>
+        <p:nvGrpSpPr>
+          <p:cNvPr id="4" name="グループ化 3">
+            <a:extLst>
+              <a:ext uri="{FF2B5EF4-FFF2-40B4-BE49-F238E27FC236}">
+                <a16:creationId xmlns:a16="http://schemas.microsoft.com/office/drawing/2014/main" id="{63F6C66E-5D7D-9C6D-EF50-C4367D90CE8C}"/>
+              </a:ext>
+            </a:extLst>
+          </p:cNvPr>
+          <p:cNvGrpSpPr/>
+          <p:nvPr/>
+        </p:nvGrpSpPr>
+        <p:grpSpPr>
+          <a:xfrm rot="713119">
+            <a:off x="7153114" y="3090780"/>
+            <a:ext cx="3578334" cy="2794875"/>
+            <a:chOff x="11721137" y="-1668266"/>
+            <a:chExt cx="3578334" cy="2794875"/>
+          </a:xfrm>
+        </p:grpSpPr>
+        <p:pic>
+          <p:nvPicPr>
+            <p:cNvPr id="5" name="図 4" descr="光 が含まれている画像&#10;&#10;自動的に生成された説明">
+              <a:extLst>
+                <a:ext uri="{FF2B5EF4-FFF2-40B4-BE49-F238E27FC236}">
+                  <a16:creationId xmlns:a16="http://schemas.microsoft.com/office/drawing/2014/main" id="{D4BA8311-6005-2886-CE7C-0DCA16293D32}"/>
+                </a:ext>
+              </a:extLst>
+            </p:cNvPr>
+            <p:cNvPicPr>
+              <a:picLocks noChangeAspect="1"/>
+            </p:cNvPicPr>
+            <p:nvPr/>
+          </p:nvPicPr>
+          <p:blipFill>
+            <a:blip r:embed="rId3">
+              <a:extLst>
+                <a:ext uri="{28A0092B-C50C-407E-A947-70E740481C1C}">
+                  <a14:useLocalDpi xmlns:a14="http://schemas.microsoft.com/office/drawing/2010/main" val="0"/>
+                </a:ext>
+              </a:extLst>
+            </a:blip>
+            <a:stretch>
+              <a:fillRect/>
+            </a:stretch>
+          </p:blipFill>
+          <p:spPr>
+            <a:xfrm rot="15598726">
+              <a:off x="11721137" y="-1668266"/>
+              <a:ext cx="1122572" cy="1122572"/>
+            </a:xfrm>
+            <a:prstGeom prst="rect">
+              <a:avLst/>
+            </a:prstGeom>
+            <a:effectLst>
+              <a:glow rad="127000">
+                <a:srgbClr val="FF0000"/>
+              </a:glow>
+            </a:effectLst>
+          </p:spPr>
+        </p:pic>
+        <p:pic>
+          <p:nvPicPr>
+            <p:cNvPr id="7" name="図 6" descr="光 が含まれている画像&#10;&#10;自動的に生成された説明">
+              <a:extLst>
+                <a:ext uri="{FF2B5EF4-FFF2-40B4-BE49-F238E27FC236}">
+                  <a16:creationId xmlns:a16="http://schemas.microsoft.com/office/drawing/2014/main" id="{E5F330F4-E71F-3E87-C05C-D7A7A0195B3A}"/>
+                </a:ext>
+              </a:extLst>
+            </p:cNvPr>
+            <p:cNvPicPr>
+              <a:picLocks noChangeAspect="1"/>
+            </p:cNvPicPr>
+            <p:nvPr/>
+          </p:nvPicPr>
+          <p:blipFill>
+            <a:blip r:embed="rId3">
+              <a:extLst>
+                <a:ext uri="{28A0092B-C50C-407E-A947-70E740481C1C}">
+                  <a14:useLocalDpi xmlns:a14="http://schemas.microsoft.com/office/drawing/2010/main" val="0"/>
+                </a:ext>
+              </a:extLst>
+            </a:blip>
+            <a:stretch>
+              <a:fillRect/>
+            </a:stretch>
+          </p:blipFill>
+          <p:spPr>
+            <a:xfrm rot="15598726">
+              <a:off x="14176899" y="-1072169"/>
+              <a:ext cx="1122572" cy="1122572"/>
+            </a:xfrm>
+            <a:prstGeom prst="rect">
+              <a:avLst/>
+            </a:prstGeom>
+            <a:effectLst>
+              <a:glow rad="127000">
+                <a:srgbClr val="FF0000"/>
+              </a:glow>
+            </a:effectLst>
+          </p:spPr>
+        </p:pic>
+        <p:pic>
+          <p:nvPicPr>
+            <p:cNvPr id="12" name="図 11" descr="光 が含まれている画像&#10;&#10;自動的に生成された説明">
+              <a:extLst>
+                <a:ext uri="{FF2B5EF4-FFF2-40B4-BE49-F238E27FC236}">
+                  <a16:creationId xmlns:a16="http://schemas.microsoft.com/office/drawing/2014/main" id="{7F53CDF0-07CF-D641-EE79-155629A479C5}"/>
+                </a:ext>
+              </a:extLst>
+            </p:cNvPr>
+            <p:cNvPicPr>
+              <a:picLocks noChangeAspect="1"/>
+            </p:cNvPicPr>
+            <p:nvPr/>
+          </p:nvPicPr>
+          <p:blipFill>
+            <a:blip r:embed="rId3">
+              <a:extLst>
+                <a:ext uri="{28A0092B-C50C-407E-A947-70E740481C1C}">
+                  <a14:useLocalDpi xmlns:a14="http://schemas.microsoft.com/office/drawing/2010/main" val="0"/>
+                </a:ext>
+              </a:extLst>
+            </a:blip>
+            <a:stretch>
+              <a:fillRect/>
+            </a:stretch>
+          </p:blipFill>
+          <p:spPr>
+            <a:xfrm rot="15598726">
+              <a:off x="12444129" y="4037"/>
+              <a:ext cx="1122572" cy="1122572"/>
+            </a:xfrm>
+            <a:prstGeom prst="rect">
+              <a:avLst/>
+            </a:prstGeom>
+            <a:effectLst>
+              <a:glow rad="127000">
+                <a:srgbClr val="FF0000"/>
+              </a:glow>
+            </a:effectLst>
+          </p:spPr>
+        </p:pic>
+      </p:grpSp>
+      <p:grpSp>
+        <p:nvGrpSpPr>
+          <p:cNvPr id="13" name="グループ化 12">
+            <a:extLst>
+              <a:ext uri="{FF2B5EF4-FFF2-40B4-BE49-F238E27FC236}">
+                <a16:creationId xmlns:a16="http://schemas.microsoft.com/office/drawing/2014/main" id="{90C4B4F3-53C7-F0ED-6EFF-EDF622A2315D}"/>
+              </a:ext>
+            </a:extLst>
+          </p:cNvPr>
+          <p:cNvGrpSpPr/>
+          <p:nvPr/>
+        </p:nvGrpSpPr>
+        <p:grpSpPr>
+          <a:xfrm rot="20661143" flipH="1">
+            <a:off x="1286842" y="3108759"/>
+            <a:ext cx="3578334" cy="2794875"/>
+            <a:chOff x="11721137" y="-1668266"/>
+            <a:chExt cx="3578334" cy="2794875"/>
+          </a:xfrm>
+        </p:grpSpPr>
+        <p:pic>
+          <p:nvPicPr>
+            <p:cNvPr id="14" name="図 13" descr="光 が含まれている画像&#10;&#10;自動的に生成された説明">
+              <a:extLst>
+                <a:ext uri="{FF2B5EF4-FFF2-40B4-BE49-F238E27FC236}">
+                  <a16:creationId xmlns:a16="http://schemas.microsoft.com/office/drawing/2014/main" id="{3EB31E2E-9730-4F15-7294-4F4BFF98BCE8}"/>
+                </a:ext>
+              </a:extLst>
+            </p:cNvPr>
+            <p:cNvPicPr>
+              <a:picLocks noChangeAspect="1"/>
+            </p:cNvPicPr>
+            <p:nvPr/>
+          </p:nvPicPr>
+          <p:blipFill>
+            <a:blip r:embed="rId3">
+              <a:extLst>
+                <a:ext uri="{28A0092B-C50C-407E-A947-70E740481C1C}">
+                  <a14:useLocalDpi xmlns:a14="http://schemas.microsoft.com/office/drawing/2010/main" val="0"/>
+                </a:ext>
+              </a:extLst>
+            </a:blip>
+            <a:stretch>
+              <a:fillRect/>
+            </a:stretch>
+          </p:blipFill>
+          <p:spPr>
+            <a:xfrm rot="15598726">
+              <a:off x="11721137" y="-1668266"/>
+              <a:ext cx="1122572" cy="1122572"/>
+            </a:xfrm>
+            <a:prstGeom prst="rect">
+              <a:avLst/>
+            </a:prstGeom>
+            <a:effectLst>
+              <a:glow rad="127000">
+                <a:srgbClr val="FF0000"/>
+              </a:glow>
+            </a:effectLst>
+          </p:spPr>
+        </p:pic>
+        <p:pic>
+          <p:nvPicPr>
+            <p:cNvPr id="16" name="図 15" descr="光 が含まれている画像&#10;&#10;自動的に生成された説明">
+              <a:extLst>
+                <a:ext uri="{FF2B5EF4-FFF2-40B4-BE49-F238E27FC236}">
+                  <a16:creationId xmlns:a16="http://schemas.microsoft.com/office/drawing/2014/main" id="{A8176D3B-C73E-B9AF-1B44-0E5B806305E5}"/>
+                </a:ext>
+              </a:extLst>
+            </p:cNvPr>
+            <p:cNvPicPr>
+              <a:picLocks noChangeAspect="1"/>
+            </p:cNvPicPr>
+            <p:nvPr/>
+          </p:nvPicPr>
+          <p:blipFill>
+            <a:blip r:embed="rId3">
+              <a:extLst>
+                <a:ext uri="{28A0092B-C50C-407E-A947-70E740481C1C}">
+                  <a14:useLocalDpi xmlns:a14="http://schemas.microsoft.com/office/drawing/2010/main" val="0"/>
+                </a:ext>
+              </a:extLst>
+            </a:blip>
+            <a:stretch>
+              <a:fillRect/>
+            </a:stretch>
+          </p:blipFill>
+          <p:spPr>
+            <a:xfrm rot="15598726">
+              <a:off x="14176899" y="-1072169"/>
+              <a:ext cx="1122572" cy="1122572"/>
+            </a:xfrm>
+            <a:prstGeom prst="rect">
+              <a:avLst/>
+            </a:prstGeom>
+            <a:effectLst>
+              <a:glow rad="127000">
+                <a:srgbClr val="FF0000"/>
+              </a:glow>
+            </a:effectLst>
+          </p:spPr>
+        </p:pic>
+        <p:pic>
+          <p:nvPicPr>
+            <p:cNvPr id="17" name="図 16" descr="光 が含まれている画像&#10;&#10;自動的に生成された説明">
+              <a:extLst>
+                <a:ext uri="{FF2B5EF4-FFF2-40B4-BE49-F238E27FC236}">
+                  <a16:creationId xmlns:a16="http://schemas.microsoft.com/office/drawing/2014/main" id="{9D7C384F-11D6-1357-4CA9-527820D8EB84}"/>
+                </a:ext>
+              </a:extLst>
+            </p:cNvPr>
+            <p:cNvPicPr>
+              <a:picLocks noChangeAspect="1"/>
+            </p:cNvPicPr>
+            <p:nvPr/>
+          </p:nvPicPr>
+          <p:blipFill>
+            <a:blip r:embed="rId3">
+              <a:extLst>
+                <a:ext uri="{28A0092B-C50C-407E-A947-70E740481C1C}">
+                  <a14:useLocalDpi xmlns:a14="http://schemas.microsoft.com/office/drawing/2010/main" val="0"/>
+                </a:ext>
+              </a:extLst>
+            </a:blip>
+            <a:stretch>
+              <a:fillRect/>
+            </a:stretch>
+          </p:blipFill>
+          <p:spPr>
+            <a:xfrm rot="15598726">
+              <a:off x="12444129" y="4037"/>
+              <a:ext cx="1122572" cy="1122572"/>
+            </a:xfrm>
+            <a:prstGeom prst="rect">
+              <a:avLst/>
+            </a:prstGeom>
+            <a:effectLst>
+              <a:glow rad="127000">
+                <a:srgbClr val="FF0000"/>
+              </a:glow>
+            </a:effectLst>
+          </p:spPr>
+        </p:pic>
+      </p:grpSp>
+      <p:sp>
+        <p:nvSpPr>
+          <p:cNvPr id="2" name="テキスト ボックス 1">
+            <a:extLst>
+              <a:ext uri="{FF2B5EF4-FFF2-40B4-BE49-F238E27FC236}">
+                <a16:creationId xmlns:a16="http://schemas.microsoft.com/office/drawing/2014/main" id="{043BE121-0708-F6A2-07C8-5CAC72ED78B2}"/>
+              </a:ext>
+            </a:extLst>
+          </p:cNvPr>
+          <p:cNvSpPr txBox="1"/>
+          <p:nvPr/>
+        </p:nvSpPr>
+        <p:spPr>
+          <a:xfrm>
+            <a:off x="504610" y="0"/>
+            <a:ext cx="11388054" cy="923330"/>
+          </a:xfrm>
+          <a:prstGeom prst="rect">
+            <a:avLst/>
+          </a:prstGeom>
+          <a:noFill/>
+        </p:spPr>
+        <p:txBody>
+          <a:bodyPr wrap="none" rtlCol="0">
+            <a:spAutoFit/>
+          </a:bodyPr>
+          <a:lstStyle/>
+          <a:p>
+            <a:r>
+              <a:rPr kumimoji="1" lang="ja-JP" altLang="en-US" sz="3200" b="1" dirty="0">
+                <a:gradFill>
+                  <a:gsLst>
+                    <a:gs pos="0">
+                      <a:schemeClr val="accent1">
+                        <a:lumMod val="5000"/>
+                        <a:lumOff val="95000"/>
+                      </a:schemeClr>
+                    </a:gs>
+                    <a:gs pos="74000">
+                      <a:srgbClr val="0000FF"/>
+                    </a:gs>
+                    <a:gs pos="83000">
+                      <a:srgbClr val="000099"/>
+                    </a:gs>
+                    <a:gs pos="100000">
+                      <a:schemeClr val="tx1"/>
+                    </a:gs>
+                  </a:gsLst>
+                  <a:lin ang="5400000" scaled="1"/>
+                </a:gradFill>
+                <a:effectLst>
+                  <a:glow rad="508000">
+                    <a:schemeClr val="bg1">
+                      <a:alpha val="90000"/>
+                    </a:schemeClr>
+                  </a:glow>
+                </a:effectLst>
+                <a:latin typeface="HGP行書体" panose="03000600000000000000" pitchFamily="66" charset="-128"/>
+                <a:ea typeface="HGP行書体" panose="03000600000000000000" pitchFamily="66" charset="-128"/>
+              </a:rPr>
+              <a:t>敵は</a:t>
+            </a:r>
+            <a:r>
+              <a:rPr kumimoji="1" lang="ja-JP" altLang="en-US" sz="5400" b="1" dirty="0">
+                <a:gradFill>
+                  <a:gsLst>
+                    <a:gs pos="0">
+                      <a:schemeClr val="accent1">
+                        <a:lumMod val="5000"/>
+                        <a:lumOff val="95000"/>
+                      </a:schemeClr>
+                    </a:gs>
+                    <a:gs pos="74000">
+                      <a:srgbClr val="0000FF"/>
+                    </a:gs>
+                    <a:gs pos="83000">
+                      <a:srgbClr val="000099"/>
+                    </a:gs>
+                    <a:gs pos="100000">
+                      <a:schemeClr val="tx1"/>
+                    </a:gs>
+                  </a:gsLst>
+                  <a:lin ang="5400000" scaled="1"/>
+                </a:gradFill>
+                <a:effectLst>
+                  <a:glow rad="508000">
+                    <a:schemeClr val="bg1">
+                      <a:alpha val="90000"/>
+                    </a:schemeClr>
+                  </a:glow>
+                </a:effectLst>
+                <a:latin typeface="HGP行書体" panose="03000600000000000000" pitchFamily="66" charset="-128"/>
+                <a:ea typeface="HGP行書体" panose="03000600000000000000" pitchFamily="66" charset="-128"/>
+              </a:rPr>
+              <a:t>殺さず</a:t>
+            </a:r>
+            <a:r>
+              <a:rPr kumimoji="1" lang="ja-JP" altLang="en-US" sz="3200" b="1" dirty="0">
+                <a:gradFill>
+                  <a:gsLst>
+                    <a:gs pos="0">
+                      <a:schemeClr val="accent1">
+                        <a:lumMod val="5000"/>
+                        <a:lumOff val="95000"/>
+                      </a:schemeClr>
+                    </a:gs>
+                    <a:gs pos="74000">
+                      <a:srgbClr val="0000FF"/>
+                    </a:gs>
+                    <a:gs pos="83000">
+                      <a:srgbClr val="000099"/>
+                    </a:gs>
+                    <a:gs pos="100000">
+                      <a:schemeClr val="tx1"/>
+                    </a:gs>
+                  </a:gsLst>
+                  <a:lin ang="5400000" scaled="1"/>
+                </a:gradFill>
+                <a:effectLst>
+                  <a:glow rad="508000">
+                    <a:schemeClr val="bg1">
+                      <a:alpha val="90000"/>
+                    </a:schemeClr>
+                  </a:glow>
+                </a:effectLst>
+                <a:latin typeface="HGP行書体" panose="03000600000000000000" pitchFamily="66" charset="-128"/>
+                <a:ea typeface="HGP行書体" panose="03000600000000000000" pitchFamily="66" charset="-128"/>
+              </a:rPr>
+              <a:t>、自分も</a:t>
+            </a:r>
+            <a:r>
+              <a:rPr kumimoji="1" lang="ja-JP" altLang="en-US" sz="5400" b="1" dirty="0">
+                <a:gradFill>
+                  <a:gsLst>
+                    <a:gs pos="0">
+                      <a:schemeClr val="accent1">
+                        <a:lumMod val="5000"/>
+                        <a:lumOff val="95000"/>
+                      </a:schemeClr>
+                    </a:gs>
+                    <a:gs pos="74000">
+                      <a:srgbClr val="0000FF"/>
+                    </a:gs>
+                    <a:gs pos="83000">
+                      <a:srgbClr val="000099"/>
+                    </a:gs>
+                    <a:gs pos="100000">
+                      <a:schemeClr val="tx1"/>
+                    </a:gs>
+                  </a:gsLst>
+                  <a:lin ang="5400000" scaled="1"/>
+                </a:gradFill>
+                <a:effectLst>
+                  <a:glow rad="508000">
+                    <a:schemeClr val="bg1">
+                      <a:alpha val="90000"/>
+                    </a:schemeClr>
+                  </a:glow>
+                </a:effectLst>
+                <a:latin typeface="HGP行書体" panose="03000600000000000000" pitchFamily="66" charset="-128"/>
+                <a:ea typeface="HGP行書体" panose="03000600000000000000" pitchFamily="66" charset="-128"/>
+              </a:rPr>
+              <a:t>死なず</a:t>
+            </a:r>
+            <a:r>
+              <a:rPr kumimoji="1" lang="ja-JP" altLang="en-US" sz="3200" b="1" dirty="0">
+                <a:gradFill>
+                  <a:gsLst>
+                    <a:gs pos="0">
+                      <a:schemeClr val="accent1">
+                        <a:lumMod val="5000"/>
+                        <a:lumOff val="95000"/>
+                      </a:schemeClr>
+                    </a:gs>
+                    <a:gs pos="74000">
+                      <a:srgbClr val="0000FF"/>
+                    </a:gs>
+                    <a:gs pos="83000">
+                      <a:srgbClr val="000099"/>
+                    </a:gs>
+                    <a:gs pos="100000">
+                      <a:schemeClr val="tx1"/>
+                    </a:gs>
+                  </a:gsLst>
+                  <a:lin ang="5400000" scaled="1"/>
+                </a:gradFill>
+                <a:effectLst>
+                  <a:glow rad="508000">
+                    <a:schemeClr val="bg1">
+                      <a:alpha val="90000"/>
+                    </a:schemeClr>
+                  </a:glow>
+                </a:effectLst>
+                <a:latin typeface="HGP行書体" panose="03000600000000000000" pitchFamily="66" charset="-128"/>
+                <a:ea typeface="HGP行書体" panose="03000600000000000000" pitchFamily="66" charset="-128"/>
+              </a:rPr>
+              <a:t>。必ずや任務を</a:t>
+            </a:r>
+            <a:r>
+              <a:rPr kumimoji="1" lang="ja-JP" altLang="en-US" sz="5400" b="1" dirty="0">
+                <a:gradFill>
+                  <a:gsLst>
+                    <a:gs pos="0">
+                      <a:schemeClr val="accent1">
+                        <a:lumMod val="5000"/>
+                        <a:lumOff val="95000"/>
+                      </a:schemeClr>
+                    </a:gs>
+                    <a:gs pos="74000">
+                      <a:srgbClr val="0000FF"/>
+                    </a:gs>
+                    <a:gs pos="83000">
+                      <a:srgbClr val="000099"/>
+                    </a:gs>
+                    <a:gs pos="100000">
+                      <a:schemeClr val="tx1"/>
+                    </a:gs>
+                  </a:gsLst>
+                  <a:lin ang="5400000" scaled="1"/>
+                </a:gradFill>
+                <a:effectLst>
+                  <a:glow rad="508000">
+                    <a:schemeClr val="bg1">
+                      <a:alpha val="90000"/>
+                    </a:schemeClr>
+                  </a:glow>
+                </a:effectLst>
+                <a:latin typeface="HGP行書体" panose="03000600000000000000" pitchFamily="66" charset="-128"/>
+                <a:ea typeface="HGP行書体" panose="03000600000000000000" pitchFamily="66" charset="-128"/>
+              </a:rPr>
+              <a:t>達成せよ</a:t>
+            </a:r>
+            <a:r>
+              <a:rPr kumimoji="1" lang="ja-JP" altLang="en-US" sz="3200" b="1" dirty="0">
+                <a:gradFill>
+                  <a:gsLst>
+                    <a:gs pos="0">
+                      <a:schemeClr val="accent1">
+                        <a:lumMod val="5000"/>
+                        <a:lumOff val="95000"/>
+                      </a:schemeClr>
+                    </a:gs>
+                    <a:gs pos="74000">
+                      <a:srgbClr val="0000FF"/>
+                    </a:gs>
+                    <a:gs pos="83000">
+                      <a:srgbClr val="000099"/>
+                    </a:gs>
+                    <a:gs pos="100000">
+                      <a:schemeClr val="tx1"/>
+                    </a:gs>
+                  </a:gsLst>
+                  <a:lin ang="5400000" scaled="1"/>
+                </a:gradFill>
+                <a:effectLst>
+                  <a:glow rad="508000">
+                    <a:schemeClr val="bg1">
+                      <a:alpha val="90000"/>
+                    </a:schemeClr>
+                  </a:glow>
+                </a:effectLst>
+                <a:latin typeface="HGP行書体" panose="03000600000000000000" pitchFamily="66" charset="-128"/>
+                <a:ea typeface="HGP行書体" panose="03000600000000000000" pitchFamily="66" charset="-128"/>
+              </a:rPr>
+              <a:t>。</a:t>
+            </a:r>
+            <a:endParaRPr kumimoji="1" lang="ja-JP" altLang="en-US" sz="3600" b="1" dirty="0">
+              <a:gradFill>
+                <a:gsLst>
+                  <a:gs pos="0">
+                    <a:schemeClr val="accent1">
+                      <a:lumMod val="5000"/>
+                      <a:lumOff val="95000"/>
+                    </a:schemeClr>
+                  </a:gs>
+                  <a:gs pos="74000">
+                    <a:srgbClr val="0000FF"/>
+                  </a:gs>
+                  <a:gs pos="83000">
+                    <a:srgbClr val="000099"/>
+                  </a:gs>
+                  <a:gs pos="100000">
+                    <a:schemeClr val="tx1"/>
+                  </a:gs>
+                </a:gsLst>
+                <a:lin ang="5400000" scaled="1"/>
+              </a:gradFill>
+              <a:effectLst>
+                <a:glow rad="508000">
+                  <a:schemeClr val="bg1">
+                    <a:alpha val="90000"/>
+                  </a:schemeClr>
+                </a:glow>
+              </a:effectLst>
+              <a:latin typeface="HGP行書体" panose="03000600000000000000" pitchFamily="66" charset="-128"/>
+              <a:ea typeface="HGP行書体" panose="03000600000000000000" pitchFamily="66" charset="-128"/>
+            </a:endParaRPr>
+          </a:p>
+        </p:txBody>
+      </p:sp>
+      <p:sp>
+        <p:nvSpPr>
+          <p:cNvPr id="8" name="テキスト ボックス 7">
+            <a:extLst>
+              <a:ext uri="{FF2B5EF4-FFF2-40B4-BE49-F238E27FC236}">
+                <a16:creationId xmlns:a16="http://schemas.microsoft.com/office/drawing/2014/main" id="{89A3D515-FD1F-D092-953E-0B9429961F80}"/>
+              </a:ext>
+            </a:extLst>
+          </p:cNvPr>
+          <p:cNvSpPr txBox="1"/>
+          <p:nvPr/>
+        </p:nvSpPr>
+        <p:spPr>
+          <a:xfrm rot="270345">
+            <a:off x="2566923" y="2033521"/>
+            <a:ext cx="9592752" cy="1200329"/>
+          </a:xfrm>
+          <a:prstGeom prst="rect">
+            <a:avLst/>
+          </a:prstGeom>
+          <a:noFill/>
+          <a:effectLst>
+            <a:glow rad="127000">
+              <a:srgbClr val="0066FF"/>
+            </a:glow>
+          </a:effectLst>
+          <a:scene3d>
+            <a:camera prst="orthographicFront">
+              <a:rot lat="0" lon="0" rev="0"/>
+            </a:camera>
+            <a:lightRig rig="threePt" dir="t"/>
+          </a:scene3d>
+        </p:spPr>
+        <p:txBody>
+          <a:bodyPr wrap="square" rtlCol="0">
+            <a:spAutoFit/>
+          </a:bodyPr>
+          <a:lstStyle/>
+          <a:p>
+            <a:r>
+              <a:rPr lang="ja-JP" altLang="en-US" sz="4800" dirty="0">
+                <a:solidFill>
+                  <a:schemeClr val="bg1"/>
+                </a:solidFill>
+                <a:effectLst>
+                  <a:glow rad="254000">
+                    <a:schemeClr val="accent1">
+                      <a:alpha val="75000"/>
+                    </a:schemeClr>
+                  </a:glow>
+                </a:effectLst>
+                <a:latin typeface="HGP行書体" panose="03000600000000000000" pitchFamily="66" charset="-128"/>
+                <a:ea typeface="HGP行書体" panose="03000600000000000000" pitchFamily="66" charset="-128"/>
+              </a:rPr>
+              <a:t>敵の攻撃を</a:t>
+            </a:r>
+            <a:r>
+              <a:rPr lang="ja-JP" altLang="en-US" sz="7200" b="1" dirty="0">
+                <a:ln w="12700">
+                  <a:solidFill>
+                    <a:sysClr val="windowText" lastClr="000000"/>
+                  </a:solidFill>
+                </a:ln>
+                <a:solidFill>
+                  <a:srgbClr val="FF0000"/>
+                </a:solidFill>
+                <a:effectLst>
+                  <a:glow rad="254000">
+                    <a:schemeClr val="accent4"/>
+                  </a:glow>
+                </a:effectLst>
+                <a:latin typeface="HGP行書体" panose="03000600000000000000" pitchFamily="66" charset="-128"/>
+                <a:ea typeface="HGP行書体" panose="03000600000000000000" pitchFamily="66" charset="-128"/>
+              </a:rPr>
+              <a:t>弾き返し</a:t>
+            </a:r>
+            <a:r>
+              <a:rPr lang="ja-JP" altLang="en-US" sz="4800" dirty="0">
+                <a:solidFill>
+                  <a:schemeClr val="bg1"/>
+                </a:solidFill>
+                <a:effectLst>
+                  <a:glow rad="254000">
+                    <a:schemeClr val="accent1">
+                      <a:alpha val="75000"/>
+                    </a:schemeClr>
+                  </a:glow>
+                </a:effectLst>
+                <a:latin typeface="HGP行書体" panose="03000600000000000000" pitchFamily="66" charset="-128"/>
+                <a:ea typeface="HGP行書体" panose="03000600000000000000" pitchFamily="66" charset="-128"/>
+              </a:rPr>
+              <a:t>隙を生み出せ。</a:t>
+            </a:r>
+            <a:endParaRPr lang="en-US" altLang="ja-JP" sz="4800" b="1" dirty="0">
+              <a:ln w="12700">
+                <a:solidFill>
+                  <a:sysClr val="windowText" lastClr="000000"/>
+                </a:solidFill>
+              </a:ln>
+              <a:solidFill>
+                <a:srgbClr val="FF0000"/>
+              </a:solidFill>
+              <a:effectLst>
+                <a:glow rad="254000">
+                  <a:schemeClr val="accent4"/>
+                </a:glow>
+              </a:effectLst>
+              <a:latin typeface="HGP行書体" panose="03000600000000000000" pitchFamily="66" charset="-128"/>
+              <a:ea typeface="HGP行書体" panose="03000600000000000000" pitchFamily="66" charset="-128"/>
+            </a:endParaRPr>
+          </a:p>
+        </p:txBody>
+      </p:sp>
+      <p:sp>
+        <p:nvSpPr>
+          <p:cNvPr id="9" name="テキスト ボックス 8">
+            <a:extLst>
+              <a:ext uri="{FF2B5EF4-FFF2-40B4-BE49-F238E27FC236}">
+                <a16:creationId xmlns:a16="http://schemas.microsoft.com/office/drawing/2014/main" id="{5200087F-A304-413B-6BB4-151B2EAB0403}"/>
+              </a:ext>
+            </a:extLst>
+          </p:cNvPr>
+          <p:cNvSpPr txBox="1"/>
+          <p:nvPr/>
+        </p:nvSpPr>
+        <p:spPr>
+          <a:xfrm rot="270345">
+            <a:off x="1019954" y="1074271"/>
+            <a:ext cx="5865097" cy="1107996"/>
+          </a:xfrm>
+          <a:prstGeom prst="rect">
+            <a:avLst/>
+          </a:prstGeom>
+          <a:noFill/>
+          <a:effectLst>
+            <a:glow rad="127000">
+              <a:srgbClr val="0066FF"/>
+            </a:glow>
+          </a:effectLst>
+          <a:scene3d>
+            <a:camera prst="orthographicFront">
+              <a:rot lat="0" lon="0" rev="0"/>
+            </a:camera>
+            <a:lightRig rig="threePt" dir="t"/>
+          </a:scene3d>
+        </p:spPr>
+        <p:txBody>
+          <a:bodyPr wrap="square" rtlCol="0">
+            <a:spAutoFit/>
+          </a:bodyPr>
+          <a:lstStyle/>
+          <a:p>
+            <a:r>
+              <a:rPr kumimoji="1" lang="ja-JP" altLang="en-US" sz="4800" dirty="0">
+                <a:solidFill>
+                  <a:schemeClr val="bg1"/>
+                </a:solidFill>
+                <a:effectLst>
+                  <a:glow rad="254000">
+                    <a:schemeClr val="accent1">
+                      <a:alpha val="75000"/>
+                    </a:schemeClr>
+                  </a:glow>
+                </a:effectLst>
+                <a:latin typeface="HGP行書体" panose="03000600000000000000" pitchFamily="66" charset="-128"/>
+                <a:ea typeface="HGP行書体" panose="03000600000000000000" pitchFamily="66" charset="-128"/>
+              </a:rPr>
+              <a:t>力は</a:t>
+            </a:r>
+            <a:r>
+              <a:rPr kumimoji="1" lang="ja-JP" altLang="en-US" sz="6600" dirty="0">
+                <a:solidFill>
+                  <a:schemeClr val="bg1"/>
+                </a:solidFill>
+                <a:effectLst>
+                  <a:glow rad="254000">
+                    <a:schemeClr val="accent1">
+                      <a:alpha val="75000"/>
+                    </a:schemeClr>
+                  </a:glow>
+                </a:effectLst>
+                <a:latin typeface="HGP行書体" panose="03000600000000000000" pitchFamily="66" charset="-128"/>
+                <a:ea typeface="HGP行書体" panose="03000600000000000000" pitchFamily="66" charset="-128"/>
+              </a:rPr>
+              <a:t>自ら振るわぬ</a:t>
+            </a:r>
+            <a:r>
+              <a:rPr kumimoji="1" lang="ja-JP" altLang="en-US" sz="4800" dirty="0">
+                <a:solidFill>
+                  <a:schemeClr val="bg1"/>
+                </a:solidFill>
+                <a:effectLst>
+                  <a:glow rad="254000">
+                    <a:schemeClr val="accent1">
+                      <a:alpha val="75000"/>
+                    </a:schemeClr>
+                  </a:glow>
+                </a:effectLst>
+                <a:latin typeface="HGP行書体" panose="03000600000000000000" pitchFamily="66" charset="-128"/>
+                <a:ea typeface="HGP行書体" panose="03000600000000000000" pitchFamily="66" charset="-128"/>
+              </a:rPr>
+              <a:t>。</a:t>
+            </a:r>
+          </a:p>
+        </p:txBody>
+      </p:sp>
+      <p:pic>
+        <p:nvPicPr>
+          <p:cNvPr id="3" name="図 2">
+            <a:extLst>
+              <a:ext uri="{FF2B5EF4-FFF2-40B4-BE49-F238E27FC236}">
+                <a16:creationId xmlns:a16="http://schemas.microsoft.com/office/drawing/2014/main" id="{DE187713-5E24-10EE-BC87-8F3D2A4F2741}"/>
+              </a:ext>
+            </a:extLst>
+          </p:cNvPr>
+          <p:cNvPicPr>
+            <a:picLocks noChangeAspect="1"/>
+          </p:cNvPicPr>
+          <p:nvPr/>
+        </p:nvPicPr>
+        <p:blipFill>
+          <a:blip r:embed="rId4">
+            <a:extLst>
+              <a:ext uri="{28A0092B-C50C-407E-A947-70E740481C1C}">
+                <a14:useLocalDpi xmlns:a14="http://schemas.microsoft.com/office/drawing/2010/main" val="0"/>
+              </a:ext>
+            </a:extLst>
+          </a:blip>
+          <a:stretch>
+            <a:fillRect/>
+          </a:stretch>
+        </p:blipFill>
+        <p:spPr>
+          <a:xfrm rot="988872">
+            <a:off x="3606643" y="2805493"/>
+            <a:ext cx="4828699" cy="4273076"/>
+          </a:xfrm>
+          <a:prstGeom prst="rect">
+            <a:avLst/>
+          </a:prstGeom>
+          <a:effectLst>
+            <a:glow rad="127000">
+              <a:srgbClr val="00B0F0"/>
+            </a:glow>
+          </a:effectLst>
+        </p:spPr>
+      </p:pic>
+    </p:spTree>
+    <p:extLst>
+      <p:ext uri="{BB962C8B-B14F-4D97-AF65-F5344CB8AC3E}">
+        <p14:creationId xmlns:p14="http://schemas.microsoft.com/office/powerpoint/2010/main" val="3270889915"/>
       </p:ext>
     </p:extLst>
   </p:cSld>
